--- a/期末報告/期末簡報_施詠舜.pptx
+++ b/期末報告/期末簡報_施詠舜.pptx
@@ -6,24 +6,28 @@
     <p:sldMasterId id="2147483675" r:id="rId2"/>
   </p:sldMasterIdLst>
   <p:notesMasterIdLst>
-    <p:notesMasterId r:id="rId18"/>
+    <p:notesMasterId r:id="rId22"/>
   </p:notesMasterIdLst>
   <p:sldIdLst>
     <p:sldId id="263" r:id="rId3"/>
     <p:sldId id="262" r:id="rId4"/>
     <p:sldId id="264" r:id="rId5"/>
     <p:sldId id="320" r:id="rId6"/>
-    <p:sldId id="314" r:id="rId7"/>
-    <p:sldId id="321" r:id="rId8"/>
-    <p:sldId id="315" r:id="rId9"/>
-    <p:sldId id="292" r:id="rId10"/>
-    <p:sldId id="316" r:id="rId11"/>
-    <p:sldId id="293" r:id="rId12"/>
-    <p:sldId id="323" r:id="rId13"/>
-    <p:sldId id="324" r:id="rId14"/>
-    <p:sldId id="317" r:id="rId15"/>
-    <p:sldId id="322" r:id="rId16"/>
-    <p:sldId id="289" r:id="rId17"/>
+    <p:sldId id="325" r:id="rId7"/>
+    <p:sldId id="326" r:id="rId8"/>
+    <p:sldId id="327" r:id="rId9"/>
+    <p:sldId id="328" r:id="rId10"/>
+    <p:sldId id="314" r:id="rId11"/>
+    <p:sldId id="321" r:id="rId12"/>
+    <p:sldId id="315" r:id="rId13"/>
+    <p:sldId id="292" r:id="rId14"/>
+    <p:sldId id="316" r:id="rId15"/>
+    <p:sldId id="293" r:id="rId16"/>
+    <p:sldId id="323" r:id="rId17"/>
+    <p:sldId id="324" r:id="rId18"/>
+    <p:sldId id="317" r:id="rId19"/>
+    <p:sldId id="322" r:id="rId20"/>
+    <p:sldId id="289" r:id="rId21"/>
   </p:sldIdLst>
   <p:sldSz cx="9144000" cy="6858000" type="screen4x3"/>
   <p:notesSz cx="6858000" cy="9144000"/>
@@ -212,7 +216,7 @@
           <a:p>
             <a:fld id="{4850220F-07F6-4D17-A483-2B2CDA2CCD5E}" type="datetimeFigureOut">
               <a:rPr lang="zh-TW" altLang="en-US" smtClean="0"/>
-              <a:t>2024/10/4</a:t>
+              <a:t>2024/10/9</a:t>
             </a:fld>
             <a:endParaRPr lang="zh-TW" altLang="en-US"/>
           </a:p>
@@ -671,7 +675,7 @@
           <a:p>
             <a:fld id="{308767D9-3F77-4CD0-B6EF-E00D77286EC9}" type="datetimeFigureOut">
               <a:rPr lang="zh-TW" altLang="en-US" smtClean="0"/>
-              <a:t>2024/10/4</a:t>
+              <a:t>2024/10/9</a:t>
             </a:fld>
             <a:endParaRPr lang="zh-TW" altLang="en-US"/>
           </a:p>
@@ -841,7 +845,7 @@
           <a:p>
             <a:fld id="{308767D9-3F77-4CD0-B6EF-E00D77286EC9}" type="datetimeFigureOut">
               <a:rPr lang="zh-TW" altLang="en-US" smtClean="0"/>
-              <a:t>2024/10/4</a:t>
+              <a:t>2024/10/9</a:t>
             </a:fld>
             <a:endParaRPr lang="zh-TW" altLang="en-US"/>
           </a:p>
@@ -1021,7 +1025,7 @@
           <a:p>
             <a:fld id="{308767D9-3F77-4CD0-B6EF-E00D77286EC9}" type="datetimeFigureOut">
               <a:rPr lang="zh-TW" altLang="en-US" smtClean="0"/>
-              <a:t>2024/10/4</a:t>
+              <a:t>2024/10/9</a:t>
             </a:fld>
             <a:endParaRPr lang="zh-TW" altLang="en-US"/>
           </a:p>
@@ -5018,7 +5022,7 @@
           <a:p>
             <a:fld id="{308767D9-3F77-4CD0-B6EF-E00D77286EC9}" type="datetimeFigureOut">
               <a:rPr lang="zh-TW" altLang="en-US" smtClean="0"/>
-              <a:t>2024/10/4</a:t>
+              <a:t>2024/10/9</a:t>
             </a:fld>
             <a:endParaRPr lang="zh-TW" altLang="en-US"/>
           </a:p>
@@ -8626,7 +8630,7 @@
           <a:p>
             <a:fld id="{308767D9-3F77-4CD0-B6EF-E00D77286EC9}" type="datetimeFigureOut">
               <a:rPr lang="zh-TW" altLang="en-US" smtClean="0"/>
-              <a:t>2024/10/4</a:t>
+              <a:t>2024/10/9</a:t>
             </a:fld>
             <a:endParaRPr lang="zh-TW" altLang="en-US"/>
           </a:p>
@@ -8858,7 +8862,7 @@
           <a:p>
             <a:fld id="{308767D9-3F77-4CD0-B6EF-E00D77286EC9}" type="datetimeFigureOut">
               <a:rPr lang="zh-TW" altLang="en-US" smtClean="0"/>
-              <a:t>2024/10/4</a:t>
+              <a:t>2024/10/9</a:t>
             </a:fld>
             <a:endParaRPr lang="zh-TW" altLang="en-US"/>
           </a:p>
@@ -9225,7 +9229,7 @@
           <a:p>
             <a:fld id="{308767D9-3F77-4CD0-B6EF-E00D77286EC9}" type="datetimeFigureOut">
               <a:rPr lang="zh-TW" altLang="en-US" smtClean="0"/>
-              <a:t>2024/10/4</a:t>
+              <a:t>2024/10/9</a:t>
             </a:fld>
             <a:endParaRPr lang="zh-TW" altLang="en-US"/>
           </a:p>
@@ -9343,7 +9347,7 @@
           <a:p>
             <a:fld id="{308767D9-3F77-4CD0-B6EF-E00D77286EC9}" type="datetimeFigureOut">
               <a:rPr lang="zh-TW" altLang="en-US" smtClean="0"/>
-              <a:t>2024/10/4</a:t>
+              <a:t>2024/10/9</a:t>
             </a:fld>
             <a:endParaRPr lang="zh-TW" altLang="en-US"/>
           </a:p>
@@ -9438,7 +9442,7 @@
           <a:p>
             <a:fld id="{308767D9-3F77-4CD0-B6EF-E00D77286EC9}" type="datetimeFigureOut">
               <a:rPr lang="zh-TW" altLang="en-US" smtClean="0"/>
-              <a:t>2024/10/4</a:t>
+              <a:t>2024/10/9</a:t>
             </a:fld>
             <a:endParaRPr lang="zh-TW" altLang="en-US"/>
           </a:p>
@@ -9715,7 +9719,7 @@
           <a:p>
             <a:fld id="{308767D9-3F77-4CD0-B6EF-E00D77286EC9}" type="datetimeFigureOut">
               <a:rPr lang="zh-TW" altLang="en-US" smtClean="0"/>
-              <a:t>2024/10/4</a:t>
+              <a:t>2024/10/9</a:t>
             </a:fld>
             <a:endParaRPr lang="zh-TW" altLang="en-US"/>
           </a:p>
@@ -9972,7 +9976,7 @@
           <a:p>
             <a:fld id="{308767D9-3F77-4CD0-B6EF-E00D77286EC9}" type="datetimeFigureOut">
               <a:rPr lang="zh-TW" altLang="en-US" smtClean="0"/>
-              <a:t>2024/10/4</a:t>
+              <a:t>2024/10/9</a:t>
             </a:fld>
             <a:endParaRPr lang="zh-TW" altLang="en-US"/>
           </a:p>
@@ -10185,7 +10189,7 @@
           <a:p>
             <a:fld id="{308767D9-3F77-4CD0-B6EF-E00D77286EC9}" type="datetimeFigureOut">
               <a:rPr lang="zh-TW" altLang="en-US" smtClean="0"/>
-              <a:t>2024/10/4</a:t>
+              <a:t>2024/10/9</a:t>
             </a:fld>
             <a:endParaRPr lang="zh-TW" altLang="en-US"/>
           </a:p>
@@ -10649,7 +10653,7 @@
           </a:ln>
           <a:extLst>
             <a:ext uri="{C572A759-6A51-4108-AA02-DFA0A04FC94B}">
-              <ma14:wrappingTextBoxFlag xmlns="" xmlns:m="http://schemas.openxmlformats.org/officeDocument/2006/math" xmlns:a14="http://schemas.microsoft.com/office/drawing/2010/main" xmlns:ma14="http://schemas.microsoft.com/office/mac/drawingml/2011/main" val="1"/>
+              <ma14:wrappingTextBoxFlag xmlns:ma14="http://schemas.microsoft.com/office/mac/drawingml/2011/main" xmlns:a14="http://schemas.microsoft.com/office/drawing/2010/main" xmlns:m="http://schemas.openxmlformats.org/officeDocument/2006/math" xmlns="" val="1"/>
             </a:ext>
           </a:extLst>
         </p:spPr>
@@ -11882,7 +11886,7 @@
                 <a:latin typeface="微軟正黑體" panose="020B0604030504040204" pitchFamily="34" charset="-120"/>
                 <a:ea typeface="微軟正黑體" panose="020B0604030504040204" pitchFamily="34" charset="-120"/>
               </a:rPr>
-              <a:t>期末</a:t>
+              <a:t>期末報告</a:t>
             </a:r>
             <a:endParaRPr sz="7200" dirty="0">
               <a:latin typeface="微軟正黑體" panose="020B0604030504040204" pitchFamily="34" charset="-120"/>
@@ -11910,7 +11914,7 @@
           </a:ln>
           <a:extLst>
             <a:ext uri="{C572A759-6A51-4108-AA02-DFA0A04FC94B}">
-              <ma14:wrappingTextBoxFlag xmlns="" xmlns:m="http://schemas.openxmlformats.org/officeDocument/2006/math" xmlns:a14="http://schemas.microsoft.com/office/drawing/2010/main" xmlns:ma14="http://schemas.microsoft.com/office/mac/drawingml/2011/main" val="1"/>
+              <ma14:wrappingTextBoxFlag xmlns:ma14="http://schemas.microsoft.com/office/mac/drawingml/2011/main" xmlns:a14="http://schemas.microsoft.com/office/drawing/2010/main" xmlns:m="http://schemas.openxmlformats.org/officeDocument/2006/math" xmlns="" val="1"/>
             </a:ext>
           </a:extLst>
         </p:spPr>
@@ -12141,7 +12145,7 @@
         <p:spPr>
           <a:xfrm>
             <a:off x="457200" y="53974"/>
-            <a:ext cx="8229600" cy="1508126"/>
+            <a:ext cx="8229600" cy="2207088"/>
           </a:xfrm>
           <a:prstGeom prst="rect">
             <a:avLst/>
@@ -12170,9 +12174,47 @@
                 <a:latin typeface="微軟正黑體" panose="020B0604030504040204" pitchFamily="34" charset="-120"/>
                 <a:ea typeface="微軟正黑體" panose="020B0604030504040204" pitchFamily="34" charset="-120"/>
               </a:rPr>
-              <a:t>前後端分離式架構優點</a:t>
-            </a:r>
-            <a:endParaRPr sz="6000" dirty="0"/>
+              <a:t>採一站式架構系統</a:t>
+            </a:r>
+            <a:br>
+              <a:rPr lang="en-US" altLang="zh-TW" sz="6000" dirty="0">
+                <a:solidFill>
+                  <a:srgbClr val="C08225"/>
+                </a:solidFill>
+                <a:latin typeface="微軟正黑體" panose="020B0604030504040204" pitchFamily="34" charset="-120"/>
+                <a:ea typeface="微軟正黑體" panose="020B0604030504040204" pitchFamily="34" charset="-120"/>
+              </a:rPr>
+            </a:br>
+            <a:r>
+              <a:rPr lang="en-US" altLang="zh-TW" sz="6000" dirty="0">
+                <a:solidFill>
+                  <a:srgbClr val="C08225"/>
+                </a:solidFill>
+                <a:latin typeface="微軟正黑體" panose="020B0604030504040204" pitchFamily="34" charset="-120"/>
+                <a:ea typeface="微軟正黑體" panose="020B0604030504040204" pitchFamily="34" charset="-120"/>
+              </a:rPr>
+              <a:t>(</a:t>
+            </a:r>
+            <a:r>
+              <a:rPr lang="zh-TW" altLang="en-US" sz="6000" dirty="0">
+                <a:solidFill>
+                  <a:srgbClr val="C08225"/>
+                </a:solidFill>
+                <a:latin typeface="微軟正黑體" panose="020B0604030504040204" pitchFamily="34" charset="-120"/>
+                <a:ea typeface="微軟正黑體" panose="020B0604030504040204" pitchFamily="34" charset="-120"/>
+              </a:rPr>
+              <a:t>舊架構</a:t>
+            </a:r>
+            <a:r>
+              <a:rPr lang="en-US" altLang="zh-TW" sz="6000" dirty="0">
+                <a:solidFill>
+                  <a:srgbClr val="C08225"/>
+                </a:solidFill>
+                <a:latin typeface="微軟正黑體" panose="020B0604030504040204" pitchFamily="34" charset="-120"/>
+                <a:ea typeface="微軟正黑體" panose="020B0604030504040204" pitchFamily="34" charset="-120"/>
+              </a:rPr>
+              <a:t>)</a:t>
+            </a:r>
           </a:p>
         </p:txBody>
       </p:sp>
@@ -12187,6 +12229,10 @@
           </p:nvPr>
         </p:nvSpPr>
         <p:spPr>
+          <a:xfrm>
+            <a:off x="457200" y="2261062"/>
+            <a:ext cx="8229600" cy="4596938"/>
+          </a:xfrm>
           <a:prstGeom prst="rect">
             <a:avLst/>
           </a:prstGeom>
@@ -12225,7 +12271,7 @@
                 <a:latin typeface="微軟正黑體" panose="020B0604030504040204" pitchFamily="34" charset="-120"/>
                 <a:ea typeface="微軟正黑體" panose="020B0604030504040204" pitchFamily="34" charset="-120"/>
               </a:rPr>
-              <a:t> 專長領域分工</a:t>
+              <a:t> 舊官網</a:t>
             </a:r>
             <a:endParaRPr lang="en-US" altLang="zh-TW" dirty="0">
               <a:latin typeface="微軟正黑體" panose="020B0604030504040204" pitchFamily="34" charset="-120"/>
@@ -12263,7 +12309,7 @@
                 <a:latin typeface="微軟正黑體" panose="020B0604030504040204" pitchFamily="34" charset="-120"/>
                 <a:ea typeface="微軟正黑體" panose="020B0604030504040204" pitchFamily="34" charset="-120"/>
               </a:rPr>
-              <a:t> 提升資訊安全</a:t>
+              <a:t> 產業價值鏈資訊平台</a:t>
             </a:r>
             <a:endParaRPr lang="en-US" altLang="zh-TW" dirty="0">
               <a:latin typeface="微軟正黑體" panose="020B0604030504040204" pitchFamily="34" charset="-120"/>
@@ -12275,7 +12321,7 @@
     </p:spTree>
     <p:extLst>
       <p:ext uri="{BB962C8B-B14F-4D97-AF65-F5344CB8AC3E}">
-        <p14:creationId xmlns:p14="http://schemas.microsoft.com/office/powerpoint/2010/main" val="4027739591"/>
+        <p14:creationId xmlns:p14="http://schemas.microsoft.com/office/powerpoint/2010/main" val="852673905"/>
       </p:ext>
     </p:extLst>
   </p:cSld>
@@ -12305,7 +12351,7 @@
       </p:grpSpPr>
       <p:sp>
         <p:nvSpPr>
-          <p:cNvPr id="402" name="中小規模企業掛牌首選之交易所"/>
+          <p:cNvPr id="214" name="壹.櫃買市場狀況"/>
           <p:cNvSpPr txBox="1">
             <a:spLocks noGrp="1"/>
           </p:cNvSpPr>
@@ -12315,7 +12361,7 @@
         </p:nvSpPr>
         <p:spPr>
           <a:xfrm>
-            <a:off x="457200" y="53974"/>
+            <a:off x="370114" y="2751139"/>
             <a:ext cx="8229600" cy="1508126"/>
           </a:xfrm>
           <a:prstGeom prst="rect">
@@ -12324,313 +12370,50 @@
         </p:spPr>
         <p:txBody>
           <a:bodyPr/>
-          <a:lstStyle>
-            <a:lvl1pPr defTabSz="457200">
-              <a:lnSpc>
-                <a:spcPct val="100000"/>
-              </a:lnSpc>
-              <a:defRPr sz="3200">
-                <a:solidFill>
-                  <a:srgbClr val="805F0A"/>
-                </a:solidFill>
-              </a:defRPr>
-            </a:lvl1pPr>
-          </a:lstStyle>
+          <a:lstStyle/>
           <a:p>
             <a:r>
               <a:rPr lang="zh-TW" altLang="en-US" sz="6000" dirty="0">
-                <a:solidFill>
-                  <a:srgbClr val="C08225"/>
-                </a:solidFill>
                 <a:latin typeface="微軟正黑體" panose="020B0604030504040204" pitchFamily="34" charset="-120"/>
                 <a:ea typeface="微軟正黑體" panose="020B0604030504040204" pitchFamily="34" charset="-120"/>
               </a:rPr>
-              <a:t>前後端分離式架構優點</a:t>
-            </a:r>
-            <a:endParaRPr sz="6000" dirty="0"/>
-          </a:p>
-        </p:txBody>
-      </p:sp>
-      <p:sp>
-        <p:nvSpPr>
-          <p:cNvPr id="403" name="櫃買中心為股票及債券均健全發展且 表現亮眼之雙引擎市場…"/>
-          <p:cNvSpPr txBox="1">
-            <a:spLocks noGrp="1"/>
-          </p:cNvSpPr>
-          <p:nvPr>
-            <p:ph type="body" idx="1"/>
-          </p:nvPr>
-        </p:nvSpPr>
-        <p:spPr>
-          <a:prstGeom prst="rect">
-            <a:avLst/>
-          </a:prstGeom>
-        </p:spPr>
-        <p:txBody>
-          <a:bodyPr/>
-          <a:lstStyle/>
-          <a:p>
-            <a:pPr defTabSz="914400">
-              <a:spcBef>
-                <a:spcPts val="2200"/>
-              </a:spcBef>
-              <a:buClrTx/>
-              <a:buSzPct val="100000"/>
-              <a:buFont typeface="Wingdings" panose="05000000000000000000" pitchFamily="2" charset="2"/>
-              <a:buChar char="n"/>
-              <a:defRPr>
-                <a:solidFill>
-                  <a:srgbClr val="000000"/>
-                </a:solidFill>
-                <a:latin typeface="PingFang TC Semibold"/>
-                <a:ea typeface="PingFang TC Semibold"/>
-                <a:cs typeface="PingFang TC Semibold"/>
-                <a:sym typeface="PingFang TC Semibold"/>
-              </a:defRPr>
-            </a:pPr>
-            <a:r>
-              <a:rPr lang="en-US" altLang="zh-TW" dirty="0">
+              <a:t>三、採前後端分離式架構系統</a:t>
+            </a:r>
+            <a:r>
+              <a:rPr lang="en-US" altLang="zh-TW" sz="6000" dirty="0">
                 <a:latin typeface="微軟正黑體" panose="020B0604030504040204" pitchFamily="34" charset="-120"/>
                 <a:ea typeface="微軟正黑體" panose="020B0604030504040204" pitchFamily="34" charset="-120"/>
               </a:rPr>
-              <a:t>Nginx</a:t>
-            </a:r>
-            <a:r>
-              <a:rPr lang="zh-TW" altLang="en-US" dirty="0">
+              <a:t>(</a:t>
+            </a:r>
+            <a:r>
+              <a:rPr lang="zh-TW" altLang="en-US" sz="6000" dirty="0">
                 <a:latin typeface="微軟正黑體" panose="020B0604030504040204" pitchFamily="34" charset="-120"/>
                 <a:ea typeface="微軟正黑體" panose="020B0604030504040204" pitchFamily="34" charset="-120"/>
               </a:rPr>
-              <a:t>反向代理的好處</a:t>
-            </a:r>
-            <a:endParaRPr lang="en-US" altLang="zh-TW" dirty="0">
-              <a:latin typeface="微軟正黑體" panose="020B0604030504040204" pitchFamily="34" charset="-120"/>
-              <a:ea typeface="微軟正黑體" panose="020B0604030504040204" pitchFamily="34" charset="-120"/>
-            </a:endParaRPr>
-          </a:p>
-          <a:p>
-            <a:pPr>
-              <a:spcBef>
-                <a:spcPts val="2200"/>
-              </a:spcBef>
-              <a:buClrTx/>
-              <a:buSzPct val="100000"/>
-              <a:buFont typeface="Wingdings" panose="05000000000000000000" pitchFamily="2" charset="2"/>
-              <a:buChar char="n"/>
-              <a:defRPr>
-                <a:solidFill>
-                  <a:srgbClr val="000000"/>
-                </a:solidFill>
-                <a:latin typeface="PingFang TC Semibold"/>
-                <a:ea typeface="PingFang TC Semibold"/>
-                <a:cs typeface="PingFang TC Semibold"/>
-                <a:sym typeface="PingFang TC Semibold"/>
-              </a:defRPr>
-            </a:pPr>
-            <a:r>
-              <a:rPr lang="en-US" altLang="zh-TW" dirty="0">
+              <a:t>新架構</a:t>
+            </a:r>
+            <a:r>
+              <a:rPr lang="en-US" altLang="zh-TW" sz="6000" dirty="0">
                 <a:latin typeface="微軟正黑體" panose="020B0604030504040204" pitchFamily="34" charset="-120"/>
                 <a:ea typeface="微軟正黑體" panose="020B0604030504040204" pitchFamily="34" charset="-120"/>
               </a:rPr>
-              <a:t>1.</a:t>
-            </a:r>
-            <a:r>
-              <a:rPr lang="zh-TW" altLang="en-US" dirty="0">
+              <a:t>)</a:t>
+            </a:r>
+            <a:br>
+              <a:rPr lang="en-US" altLang="zh-TW" sz="6000" dirty="0">
                 <a:latin typeface="微軟正黑體" panose="020B0604030504040204" pitchFamily="34" charset="-120"/>
                 <a:ea typeface="微軟正黑體" panose="020B0604030504040204" pitchFamily="34" charset="-120"/>
               </a:rPr>
-              <a:t>負載均衡</a:t>
-            </a:r>
-            <a:r>
-              <a:rPr lang="en-US" altLang="zh-TW" dirty="0">
-                <a:latin typeface="微軟正黑體" panose="020B0604030504040204" pitchFamily="34" charset="-120"/>
-                <a:ea typeface="微軟正黑體" panose="020B0604030504040204" pitchFamily="34" charset="-120"/>
-              </a:rPr>
-              <a:t>:</a:t>
-            </a:r>
-            <a:r>
-              <a:rPr lang="zh-TW" altLang="en-US" dirty="0">
-                <a:latin typeface="微軟正黑體" panose="020B0604030504040204" pitchFamily="34" charset="-120"/>
-                <a:ea typeface="微軟正黑體" panose="020B0604030504040204" pitchFamily="34" charset="-120"/>
-              </a:rPr>
-              <a:t> </a:t>
-            </a:r>
-            <a:endParaRPr lang="en-US" altLang="zh-TW" dirty="0">
-              <a:latin typeface="微軟正黑體" panose="020B0604030504040204" pitchFamily="34" charset="-120"/>
-              <a:ea typeface="微軟正黑體" panose="020B0604030504040204" pitchFamily="34" charset="-120"/>
-            </a:endParaRPr>
-          </a:p>
-          <a:p>
-            <a:pPr defTabSz="914400">
-              <a:spcBef>
-                <a:spcPts val="2200"/>
-              </a:spcBef>
-              <a:buClrTx/>
-              <a:buSzPct val="100000"/>
-              <a:buFont typeface="Wingdings" panose="05000000000000000000" pitchFamily="2" charset="2"/>
-              <a:buChar char="n"/>
-              <a:defRPr>
-                <a:solidFill>
-                  <a:srgbClr val="000000"/>
-                </a:solidFill>
-                <a:latin typeface="PingFang TC Semibold"/>
-                <a:ea typeface="PingFang TC Semibold"/>
-                <a:cs typeface="PingFang TC Semibold"/>
-                <a:sym typeface="PingFang TC Semibold"/>
-              </a:defRPr>
-            </a:pPr>
-            <a:r>
-              <a:rPr lang="en-US" altLang="zh-TW" dirty="0">
-                <a:latin typeface="微軟正黑體" panose="020B0604030504040204" pitchFamily="34" charset="-120"/>
-                <a:ea typeface="微軟正黑體" panose="020B0604030504040204" pitchFamily="34" charset="-120"/>
-              </a:rPr>
-              <a:t>2.</a:t>
-            </a:r>
-            <a:r>
-              <a:rPr lang="zh-TW" altLang="en-US" dirty="0">
-                <a:latin typeface="微軟正黑體" panose="020B0604030504040204" pitchFamily="34" charset="-120"/>
-                <a:ea typeface="微軟正黑體" panose="020B0604030504040204" pitchFamily="34" charset="-120"/>
-              </a:rPr>
-              <a:t> 安全性</a:t>
-            </a:r>
-            <a:endParaRPr lang="en-US" altLang="zh-TW" dirty="0">
-              <a:latin typeface="微軟正黑體" panose="020B0604030504040204" pitchFamily="34" charset="-120"/>
-              <a:ea typeface="微軟正黑體" panose="020B0604030504040204" pitchFamily="34" charset="-120"/>
-            </a:endParaRPr>
-          </a:p>
-          <a:p>
-            <a:pPr defTabSz="914400">
-              <a:spcBef>
-                <a:spcPts val="2200"/>
-              </a:spcBef>
-              <a:buClrTx/>
-              <a:buSzPct val="100000"/>
-              <a:buFont typeface="Wingdings" panose="05000000000000000000" pitchFamily="2" charset="2"/>
-              <a:buChar char="n"/>
-              <a:defRPr>
-                <a:solidFill>
-                  <a:srgbClr val="000000"/>
-                </a:solidFill>
-                <a:latin typeface="PingFang TC Semibold"/>
-                <a:ea typeface="PingFang TC Semibold"/>
-                <a:cs typeface="PingFang TC Semibold"/>
-                <a:sym typeface="PingFang TC Semibold"/>
-              </a:defRPr>
-            </a:pPr>
-            <a:r>
-              <a:rPr lang="en-US" altLang="zh-TW" dirty="0">
-                <a:latin typeface="微軟正黑體" panose="020B0604030504040204" pitchFamily="34" charset="-120"/>
-                <a:ea typeface="微軟正黑體" panose="020B0604030504040204" pitchFamily="34" charset="-120"/>
-              </a:rPr>
-              <a:t>3.</a:t>
-            </a:r>
-            <a:r>
-              <a:rPr lang="zh-TW" altLang="en-US" dirty="0">
-                <a:latin typeface="微軟正黑體" panose="020B0604030504040204" pitchFamily="34" charset="-120"/>
-                <a:ea typeface="微軟正黑體" panose="020B0604030504040204" pitchFamily="34" charset="-120"/>
-              </a:rPr>
-              <a:t> </a:t>
-            </a:r>
-            <a:r>
-              <a:rPr lang="en-US" altLang="zh-TW" dirty="0">
-                <a:latin typeface="微軟正黑體" panose="020B0604030504040204" pitchFamily="34" charset="-120"/>
-                <a:ea typeface="微軟正黑體" panose="020B0604030504040204" pitchFamily="34" charset="-120"/>
-              </a:rPr>
-              <a:t>SSL</a:t>
-            </a:r>
-            <a:r>
-              <a:rPr lang="zh-TW" altLang="en-US" dirty="0">
-                <a:latin typeface="微軟正黑體" panose="020B0604030504040204" pitchFamily="34" charset="-120"/>
-                <a:ea typeface="微軟正黑體" panose="020B0604030504040204" pitchFamily="34" charset="-120"/>
-              </a:rPr>
-              <a:t>終止</a:t>
-            </a:r>
-            <a:endParaRPr lang="en-US" altLang="zh-TW" dirty="0">
-              <a:latin typeface="微軟正黑體" panose="020B0604030504040204" pitchFamily="34" charset="-120"/>
-              <a:ea typeface="微軟正黑體" panose="020B0604030504040204" pitchFamily="34" charset="-120"/>
-            </a:endParaRPr>
-          </a:p>
-          <a:p>
-            <a:pPr defTabSz="914400">
-              <a:spcBef>
-                <a:spcPts val="2200"/>
-              </a:spcBef>
-              <a:buClrTx/>
-              <a:buSzPct val="100000"/>
-              <a:buFont typeface="Wingdings" panose="05000000000000000000" pitchFamily="2" charset="2"/>
-              <a:buChar char="n"/>
-              <a:defRPr>
-                <a:solidFill>
-                  <a:srgbClr val="000000"/>
-                </a:solidFill>
-                <a:latin typeface="PingFang TC Semibold"/>
-                <a:ea typeface="PingFang TC Semibold"/>
-                <a:cs typeface="PingFang TC Semibold"/>
-                <a:sym typeface="PingFang TC Semibold"/>
-              </a:defRPr>
-            </a:pPr>
-            <a:r>
-              <a:rPr lang="en-US" altLang="zh-TW" dirty="0">
-                <a:latin typeface="微軟正黑體" panose="020B0604030504040204" pitchFamily="34" charset="-120"/>
-                <a:ea typeface="微軟正黑體" panose="020B0604030504040204" pitchFamily="34" charset="-120"/>
-              </a:rPr>
-              <a:t>4.</a:t>
-            </a:r>
-            <a:r>
-              <a:rPr lang="zh-TW" altLang="en-US" dirty="0">
-                <a:latin typeface="微軟正黑體" panose="020B0604030504040204" pitchFamily="34" charset="-120"/>
-                <a:ea typeface="微軟正黑體" panose="020B0604030504040204" pitchFamily="34" charset="-120"/>
-              </a:rPr>
-              <a:t> 快取功能</a:t>
-            </a:r>
-            <a:endParaRPr lang="en-US" altLang="zh-TW" dirty="0">
-              <a:latin typeface="微軟正黑體" panose="020B0604030504040204" pitchFamily="34" charset="-120"/>
-              <a:ea typeface="微軟正黑體" panose="020B0604030504040204" pitchFamily="34" charset="-120"/>
-            </a:endParaRPr>
-          </a:p>
-          <a:p>
-            <a:pPr defTabSz="914400">
-              <a:spcBef>
-                <a:spcPts val="2200"/>
-              </a:spcBef>
-              <a:buClrTx/>
-              <a:buSzPct val="100000"/>
-              <a:buFont typeface="Wingdings" panose="05000000000000000000" pitchFamily="2" charset="2"/>
-              <a:buChar char="n"/>
-              <a:defRPr>
-                <a:solidFill>
-                  <a:srgbClr val="000000"/>
-                </a:solidFill>
-                <a:latin typeface="PingFang TC Semibold"/>
-                <a:ea typeface="PingFang TC Semibold"/>
-                <a:cs typeface="PingFang TC Semibold"/>
-                <a:sym typeface="PingFang TC Semibold"/>
-              </a:defRPr>
-            </a:pPr>
-            <a:r>
-              <a:rPr lang="en-US" altLang="zh-TW" dirty="0">
-                <a:latin typeface="微軟正黑體" panose="020B0604030504040204" pitchFamily="34" charset="-120"/>
-                <a:ea typeface="微軟正黑體" panose="020B0604030504040204" pitchFamily="34" charset="-120"/>
-              </a:rPr>
-              <a:t>5.</a:t>
-            </a:r>
-            <a:r>
-              <a:rPr lang="zh-TW" altLang="en-US" dirty="0">
-                <a:latin typeface="微軟正黑體" panose="020B0604030504040204" pitchFamily="34" charset="-120"/>
-                <a:ea typeface="微軟正黑體" panose="020B0604030504040204" pitchFamily="34" charset="-120"/>
-              </a:rPr>
-              <a:t> 集中化訪問控制</a:t>
-            </a:r>
-            <a:endParaRPr lang="en-US" altLang="zh-TW" dirty="0">
-              <a:latin typeface="微軟正黑體" panose="020B0604030504040204" pitchFamily="34" charset="-120"/>
-              <a:ea typeface="微軟正黑體" panose="020B0604030504040204" pitchFamily="34" charset="-120"/>
-            </a:endParaRPr>
+            </a:br>
+            <a:endParaRPr sz="6000" dirty="0"/>
           </a:p>
         </p:txBody>
       </p:sp>
     </p:spTree>
     <p:extLst>
       <p:ext uri="{BB962C8B-B14F-4D97-AF65-F5344CB8AC3E}">
-        <p14:creationId xmlns:p14="http://schemas.microsoft.com/office/powerpoint/2010/main" val="1374857553"/>
+        <p14:creationId xmlns:p14="http://schemas.microsoft.com/office/powerpoint/2010/main" val="1745065154"/>
       </p:ext>
     </p:extLst>
   </p:cSld>
@@ -12700,9 +12483,39 @@
                 <a:latin typeface="微軟正黑體" panose="020B0604030504040204" pitchFamily="34" charset="-120"/>
                 <a:ea typeface="微軟正黑體" panose="020B0604030504040204" pitchFamily="34" charset="-120"/>
               </a:rPr>
-              <a:t>前後端分離式架構優點</a:t>
-            </a:r>
-            <a:endParaRPr sz="6000" dirty="0"/>
+              <a:t>採前後端分離式架構系統</a:t>
+            </a:r>
+            <a:r>
+              <a:rPr lang="en-US" altLang="zh-TW" sz="6000" dirty="0">
+                <a:solidFill>
+                  <a:srgbClr val="C08225"/>
+                </a:solidFill>
+                <a:latin typeface="微軟正黑體" panose="020B0604030504040204" pitchFamily="34" charset="-120"/>
+                <a:ea typeface="微軟正黑體" panose="020B0604030504040204" pitchFamily="34" charset="-120"/>
+              </a:rPr>
+              <a:t>(</a:t>
+            </a:r>
+            <a:r>
+              <a:rPr lang="zh-TW" altLang="en-US" sz="6000" dirty="0">
+                <a:solidFill>
+                  <a:srgbClr val="C08225"/>
+                </a:solidFill>
+                <a:latin typeface="微軟正黑體" panose="020B0604030504040204" pitchFamily="34" charset="-120"/>
+                <a:ea typeface="微軟正黑體" panose="020B0604030504040204" pitchFamily="34" charset="-120"/>
+              </a:rPr>
+              <a:t>新架構</a:t>
+            </a:r>
+            <a:r>
+              <a:rPr lang="en-US" altLang="zh-TW" sz="6000" dirty="0">
+                <a:solidFill>
+                  <a:srgbClr val="C08225"/>
+                </a:solidFill>
+                <a:latin typeface="微軟正黑體" panose="020B0604030504040204" pitchFamily="34" charset="-120"/>
+                <a:ea typeface="微軟正黑體" panose="020B0604030504040204" pitchFamily="34" charset="-120"/>
+              </a:rPr>
+              <a:t>)</a:t>
+            </a:r>
+            <a:endParaRPr lang="zh-TW" altLang="en-US" sz="6000" dirty="0"/>
           </a:p>
         </p:txBody>
       </p:sp>
@@ -12748,52 +12561,14 @@
                 <a:latin typeface="微軟正黑體" panose="020B0604030504040204" pitchFamily="34" charset="-120"/>
                 <a:ea typeface="微軟正黑體" panose="020B0604030504040204" pitchFamily="34" charset="-120"/>
               </a:rPr>
-              <a:t>Nginx</a:t>
+              <a:t>1.</a:t>
             </a:r>
             <a:r>
               <a:rPr lang="zh-TW" altLang="en-US" dirty="0">
                 <a:latin typeface="微軟正黑體" panose="020B0604030504040204" pitchFamily="34" charset="-120"/>
                 <a:ea typeface="微軟正黑體" panose="020B0604030504040204" pitchFamily="34" charset="-120"/>
               </a:rPr>
-              <a:t>反向代理的好處</a:t>
-            </a:r>
-            <a:endParaRPr lang="en-US" altLang="zh-TW" dirty="0">
-              <a:latin typeface="微軟正黑體" panose="020B0604030504040204" pitchFamily="34" charset="-120"/>
-              <a:ea typeface="微軟正黑體" panose="020B0604030504040204" pitchFamily="34" charset="-120"/>
-            </a:endParaRPr>
-          </a:p>
-          <a:p>
-            <a:pPr>
-              <a:spcBef>
-                <a:spcPts val="2200"/>
-              </a:spcBef>
-              <a:buClrTx/>
-              <a:buSzPct val="100000"/>
-              <a:buFont typeface="Wingdings" panose="05000000000000000000" pitchFamily="2" charset="2"/>
-              <a:buChar char="n"/>
-              <a:defRPr>
-                <a:solidFill>
-                  <a:srgbClr val="000000"/>
-                </a:solidFill>
-                <a:latin typeface="PingFang TC Semibold"/>
-                <a:ea typeface="PingFang TC Semibold"/>
-                <a:cs typeface="PingFang TC Semibold"/>
-                <a:sym typeface="PingFang TC Semibold"/>
-              </a:defRPr>
-            </a:pPr>
-            <a:r>
-              <a:rPr lang="en-US" altLang="zh-TW" dirty="0">
-                <a:latin typeface="微軟正黑體" panose="020B0604030504040204" pitchFamily="34" charset="-120"/>
-                <a:ea typeface="微軟正黑體" panose="020B0604030504040204" pitchFamily="34" charset="-120"/>
-              </a:rPr>
-              <a:t>6.</a:t>
-            </a:r>
-            <a:r>
-              <a:rPr lang="zh-TW" altLang="en-US" dirty="0">
-                <a:latin typeface="微軟正黑體" panose="020B0604030504040204" pitchFamily="34" charset="-120"/>
-                <a:ea typeface="微軟正黑體" panose="020B0604030504040204" pitchFamily="34" charset="-120"/>
-              </a:rPr>
-              <a:t> 內容壓縮</a:t>
+              <a:t> 新官網</a:t>
             </a:r>
             <a:endParaRPr lang="en-US" altLang="zh-TW" dirty="0">
               <a:latin typeface="微軟正黑體" panose="020B0604030504040204" pitchFamily="34" charset="-120"/>
@@ -12824,14 +12599,14 @@
                 <a:latin typeface="微軟正黑體" panose="020B0604030504040204" pitchFamily="34" charset="-120"/>
                 <a:ea typeface="微軟正黑體" panose="020B0604030504040204" pitchFamily="34" charset="-120"/>
               </a:rPr>
-              <a:t>7.</a:t>
+              <a:t>2.</a:t>
             </a:r>
             <a:r>
               <a:rPr lang="zh-TW" altLang="en-US" dirty="0">
                 <a:latin typeface="微軟正黑體" panose="020B0604030504040204" pitchFamily="34" charset="-120"/>
                 <a:ea typeface="微軟正黑體" panose="020B0604030504040204" pitchFamily="34" charset="-120"/>
               </a:rPr>
-              <a:t> 請求路由</a:t>
+              <a:t> 市場訊息中心</a:t>
             </a:r>
             <a:endParaRPr lang="en-US" altLang="zh-TW" dirty="0">
               <a:latin typeface="微軟正黑體" panose="020B0604030504040204" pitchFamily="34" charset="-120"/>
@@ -12862,14 +12637,28 @@
                 <a:latin typeface="微軟正黑體" panose="020B0604030504040204" pitchFamily="34" charset="-120"/>
                 <a:ea typeface="微軟正黑體" panose="020B0604030504040204" pitchFamily="34" charset="-120"/>
               </a:rPr>
-              <a:t>8.</a:t>
+              <a:t>3.</a:t>
             </a:r>
             <a:r>
               <a:rPr lang="zh-TW" altLang="en-US" dirty="0">
                 <a:latin typeface="微軟正黑體" panose="020B0604030504040204" pitchFamily="34" charset="-120"/>
                 <a:ea typeface="微軟正黑體" panose="020B0604030504040204" pitchFamily="34" charset="-120"/>
               </a:rPr>
-              <a:t> 監控和日誌記錄</a:t>
+              <a:t> </a:t>
+            </a:r>
+            <a:r>
+              <a:rPr lang="en-US" altLang="zh-TW" dirty="0">
+                <a:latin typeface="微軟正黑體" panose="020B0604030504040204" pitchFamily="34" charset="-120"/>
+                <a:ea typeface="微軟正黑體" panose="020B0604030504040204" pitchFamily="34" charset="-120"/>
+              </a:rPr>
+              <a:t>ETF</a:t>
+            </a:r>
+            <a:r>
+              <a:rPr lang="zh-TW" altLang="en-US" dirty="0">
+                <a:latin typeface="微軟正黑體" panose="020B0604030504040204" pitchFamily="34" charset="-120"/>
+                <a:ea typeface="微軟正黑體" panose="020B0604030504040204" pitchFamily="34" charset="-120"/>
+              </a:rPr>
+              <a:t>訊息中心</a:t>
             </a:r>
             <a:endParaRPr lang="en-US" altLang="zh-TW" dirty="0">
               <a:latin typeface="微軟正黑體" panose="020B0604030504040204" pitchFamily="34" charset="-120"/>
@@ -12900,92 +12689,29 @@
                 <a:latin typeface="微軟正黑體" panose="020B0604030504040204" pitchFamily="34" charset="-120"/>
                 <a:ea typeface="微軟正黑體" panose="020B0604030504040204" pitchFamily="34" charset="-120"/>
               </a:rPr>
-              <a:t>9.</a:t>
+              <a:t>4.</a:t>
             </a:r>
             <a:r>
               <a:rPr lang="zh-TW" altLang="en-US" dirty="0">
                 <a:latin typeface="微軟正黑體" panose="020B0604030504040204" pitchFamily="34" charset="-120"/>
                 <a:ea typeface="微軟正黑體" panose="020B0604030504040204" pitchFamily="34" charset="-120"/>
               </a:rPr>
-              <a:t> 故障轉移</a:t>
-            </a:r>
-            <a:endParaRPr lang="en-US" altLang="zh-TW" dirty="0">
-              <a:latin typeface="微軟正黑體" panose="020B0604030504040204" pitchFamily="34" charset="-120"/>
-              <a:ea typeface="微軟正黑體" panose="020B0604030504040204" pitchFamily="34" charset="-120"/>
-            </a:endParaRPr>
-          </a:p>
-          <a:p>
-            <a:pPr defTabSz="914400">
-              <a:spcBef>
-                <a:spcPts val="2200"/>
-              </a:spcBef>
-              <a:buClrTx/>
-              <a:buSzPct val="100000"/>
-              <a:buFont typeface="Wingdings" panose="05000000000000000000" pitchFamily="2" charset="2"/>
-              <a:buChar char="n"/>
-              <a:defRPr>
-                <a:solidFill>
-                  <a:srgbClr val="000000"/>
-                </a:solidFill>
-                <a:latin typeface="PingFang TC Semibold"/>
-                <a:ea typeface="PingFang TC Semibold"/>
-                <a:cs typeface="PingFang TC Semibold"/>
-                <a:sym typeface="PingFang TC Semibold"/>
-              </a:defRPr>
-            </a:pPr>
+              <a:t> 興櫃</a:t>
+            </a:r>
             <a:r>
               <a:rPr lang="en-US" altLang="zh-TW" dirty="0">
                 <a:latin typeface="微軟正黑體" panose="020B0604030504040204" pitchFamily="34" charset="-120"/>
                 <a:ea typeface="微軟正黑體" panose="020B0604030504040204" pitchFamily="34" charset="-120"/>
               </a:rPr>
-              <a:t>10.</a:t>
-            </a:r>
-            <a:r>
-              <a:rPr lang="zh-TW" altLang="en-US" dirty="0">
-                <a:latin typeface="微軟正黑體" panose="020B0604030504040204" pitchFamily="34" charset="-120"/>
-                <a:ea typeface="微軟正黑體" panose="020B0604030504040204" pitchFamily="34" charset="-120"/>
-              </a:rPr>
-              <a:t> </a:t>
-            </a:r>
-            <a:r>
-              <a:rPr lang="en-US" altLang="zh-TW" dirty="0">
-                <a:latin typeface="微軟正黑體" panose="020B0604030504040204" pitchFamily="34" charset="-120"/>
-                <a:ea typeface="微軟正黑體" panose="020B0604030504040204" pitchFamily="34" charset="-120"/>
-              </a:rPr>
-              <a:t>API</a:t>
-            </a:r>
-            <a:r>
-              <a:rPr lang="zh-TW" altLang="en-US" dirty="0">
-                <a:latin typeface="微軟正黑體" panose="020B0604030504040204" pitchFamily="34" charset="-120"/>
-                <a:ea typeface="微軟正黑體" panose="020B0604030504040204" pitchFamily="34" charset="-120"/>
-              </a:rPr>
-              <a:t> </a:t>
-            </a:r>
-            <a:r>
-              <a:rPr lang="en-US" altLang="zh-TW" dirty="0">
-                <a:latin typeface="微軟正黑體" panose="020B0604030504040204" pitchFamily="34" charset="-120"/>
-                <a:ea typeface="微軟正黑體" panose="020B0604030504040204" pitchFamily="34" charset="-120"/>
-              </a:rPr>
-              <a:t>gateway</a:t>
-            </a:r>
-            <a:r>
-              <a:rPr lang="zh-TW" altLang="en-US" dirty="0">
-                <a:latin typeface="微軟正黑體" panose="020B0604030504040204" pitchFamily="34" charset="-120"/>
-                <a:ea typeface="微軟正黑體" panose="020B0604030504040204" pitchFamily="34" charset="-120"/>
-              </a:rPr>
-              <a:t>功能</a:t>
-            </a:r>
-            <a:endParaRPr lang="en-US" altLang="zh-TW" dirty="0">
-              <a:latin typeface="微軟正黑體" panose="020B0604030504040204" pitchFamily="34" charset="-120"/>
-              <a:ea typeface="微軟正黑體" panose="020B0604030504040204" pitchFamily="34" charset="-120"/>
-            </a:endParaRPr>
+              <a:t>MIS</a:t>
+            </a:r>
           </a:p>
         </p:txBody>
       </p:sp>
     </p:spTree>
     <p:extLst>
       <p:ext uri="{BB962C8B-B14F-4D97-AF65-F5344CB8AC3E}">
-        <p14:creationId xmlns:p14="http://schemas.microsoft.com/office/powerpoint/2010/main" val="3627410845"/>
+        <p14:creationId xmlns:p14="http://schemas.microsoft.com/office/powerpoint/2010/main" val="3860312932"/>
       </p:ext>
     </p:extLst>
   </p:cSld>
@@ -13041,7 +12767,7 @@
                 <a:latin typeface="微軟正黑體" panose="020B0604030504040204" pitchFamily="34" charset="-120"/>
                 <a:ea typeface="微軟正黑體" panose="020B0604030504040204" pitchFamily="34" charset="-120"/>
               </a:rPr>
-              <a:t>五、後續待辦事項</a:t>
+              <a:t>四、前後端分離式架構優點</a:t>
             </a:r>
             <a:endParaRPr sz="6000" dirty="0"/>
           </a:p>
@@ -13050,7 +12776,7 @@
     </p:spTree>
     <p:extLst>
       <p:ext uri="{BB962C8B-B14F-4D97-AF65-F5344CB8AC3E}">
-        <p14:creationId xmlns:p14="http://schemas.microsoft.com/office/powerpoint/2010/main" val="1161075294"/>
+        <p14:creationId xmlns:p14="http://schemas.microsoft.com/office/powerpoint/2010/main" val="2837863183"/>
       </p:ext>
     </p:extLst>
   </p:cSld>
@@ -13120,7 +12846,7 @@
                 <a:latin typeface="微軟正黑體" panose="020B0604030504040204" pitchFamily="34" charset="-120"/>
                 <a:ea typeface="微軟正黑體" panose="020B0604030504040204" pitchFamily="34" charset="-120"/>
               </a:rPr>
-              <a:t>後續待辦事項</a:t>
+              <a:t>前後端分離式架構優點</a:t>
             </a:r>
             <a:endParaRPr sz="6000" dirty="0"/>
           </a:p>
@@ -13145,6 +12871,219 @@
           <a:bodyPr/>
           <a:lstStyle/>
           <a:p>
+            <a:pPr defTabSz="914400">
+              <a:spcBef>
+                <a:spcPts val="2200"/>
+              </a:spcBef>
+              <a:buClrTx/>
+              <a:buSzPct val="100000"/>
+              <a:buFont typeface="Wingdings" panose="05000000000000000000" pitchFamily="2" charset="2"/>
+              <a:buChar char="n"/>
+              <a:defRPr>
+                <a:solidFill>
+                  <a:srgbClr val="000000"/>
+                </a:solidFill>
+                <a:latin typeface="PingFang TC Semibold"/>
+                <a:ea typeface="PingFang TC Semibold"/>
+                <a:cs typeface="PingFang TC Semibold"/>
+                <a:sym typeface="PingFang TC Semibold"/>
+              </a:defRPr>
+            </a:pPr>
+            <a:r>
+              <a:rPr lang="en-US" altLang="zh-TW" dirty="0">
+                <a:latin typeface="微軟正黑體" panose="020B0604030504040204" pitchFamily="34" charset="-120"/>
+                <a:ea typeface="微軟正黑體" panose="020B0604030504040204" pitchFamily="34" charset="-120"/>
+              </a:rPr>
+              <a:t>1.</a:t>
+            </a:r>
+            <a:r>
+              <a:rPr lang="zh-TW" altLang="en-US" dirty="0">
+                <a:latin typeface="微軟正黑體" panose="020B0604030504040204" pitchFamily="34" charset="-120"/>
+                <a:ea typeface="微軟正黑體" panose="020B0604030504040204" pitchFamily="34" charset="-120"/>
+              </a:rPr>
+              <a:t> 專長領域分工</a:t>
+            </a:r>
+            <a:endParaRPr lang="en-US" altLang="zh-TW" dirty="0">
+              <a:latin typeface="微軟正黑體" panose="020B0604030504040204" pitchFamily="34" charset="-120"/>
+              <a:ea typeface="微軟正黑體" panose="020B0604030504040204" pitchFamily="34" charset="-120"/>
+            </a:endParaRPr>
+          </a:p>
+          <a:p>
+            <a:pPr defTabSz="914400">
+              <a:spcBef>
+                <a:spcPts val="2200"/>
+              </a:spcBef>
+              <a:buClrTx/>
+              <a:buSzPct val="100000"/>
+              <a:buFont typeface="Wingdings" panose="05000000000000000000" pitchFamily="2" charset="2"/>
+              <a:buChar char="n"/>
+              <a:defRPr>
+                <a:solidFill>
+                  <a:srgbClr val="000000"/>
+                </a:solidFill>
+                <a:latin typeface="PingFang TC Semibold"/>
+                <a:ea typeface="PingFang TC Semibold"/>
+                <a:cs typeface="PingFang TC Semibold"/>
+                <a:sym typeface="PingFang TC Semibold"/>
+              </a:defRPr>
+            </a:pPr>
+            <a:r>
+              <a:rPr lang="en-US" altLang="zh-TW" dirty="0">
+                <a:latin typeface="微軟正黑體" panose="020B0604030504040204" pitchFamily="34" charset="-120"/>
+                <a:ea typeface="微軟正黑體" panose="020B0604030504040204" pitchFamily="34" charset="-120"/>
+              </a:rPr>
+              <a:t>2.</a:t>
+            </a:r>
+            <a:r>
+              <a:rPr lang="zh-TW" altLang="en-US" dirty="0">
+                <a:latin typeface="微軟正黑體" panose="020B0604030504040204" pitchFamily="34" charset="-120"/>
+                <a:ea typeface="微軟正黑體" panose="020B0604030504040204" pitchFamily="34" charset="-120"/>
+              </a:rPr>
+              <a:t> 提升資訊安全</a:t>
+            </a:r>
+            <a:endParaRPr lang="en-US" altLang="zh-TW" dirty="0">
+              <a:latin typeface="微軟正黑體" panose="020B0604030504040204" pitchFamily="34" charset="-120"/>
+              <a:ea typeface="微軟正黑體" panose="020B0604030504040204" pitchFamily="34" charset="-120"/>
+            </a:endParaRPr>
+          </a:p>
+        </p:txBody>
+      </p:sp>
+    </p:spTree>
+    <p:extLst>
+      <p:ext uri="{BB962C8B-B14F-4D97-AF65-F5344CB8AC3E}">
+        <p14:creationId xmlns:p14="http://schemas.microsoft.com/office/powerpoint/2010/main" val="4027739591"/>
+      </p:ext>
+    </p:extLst>
+  </p:cSld>
+  <p:clrMapOvr>
+    <a:masterClrMapping/>
+  </p:clrMapOvr>
+  <p:transition spd="med"/>
+</p:sld>
+</file>
+
+<file path=ppt/slides/slide15.xml><?xml version="1.0" encoding="utf-8"?>
+<p:sld xmlns:a="http://schemas.openxmlformats.org/drawingml/2006/main" xmlns:r="http://schemas.openxmlformats.org/officeDocument/2006/relationships" xmlns:p="http://schemas.openxmlformats.org/presentationml/2006/main">
+  <p:cSld>
+    <p:spTree>
+      <p:nvGrpSpPr>
+        <p:cNvPr id="1" name=""/>
+        <p:cNvGrpSpPr/>
+        <p:nvPr/>
+      </p:nvGrpSpPr>
+      <p:grpSpPr>
+        <a:xfrm>
+          <a:off x="0" y="0"/>
+          <a:ext cx="0" cy="0"/>
+          <a:chOff x="0" y="0"/>
+          <a:chExt cx="0" cy="0"/>
+        </a:xfrm>
+      </p:grpSpPr>
+      <p:sp>
+        <p:nvSpPr>
+          <p:cNvPr id="402" name="中小規模企業掛牌首選之交易所"/>
+          <p:cNvSpPr txBox="1">
+            <a:spLocks noGrp="1"/>
+          </p:cNvSpPr>
+          <p:nvPr>
+            <p:ph type="title"/>
+          </p:nvPr>
+        </p:nvSpPr>
+        <p:spPr>
+          <a:xfrm>
+            <a:off x="457200" y="53974"/>
+            <a:ext cx="8229600" cy="1508126"/>
+          </a:xfrm>
+          <a:prstGeom prst="rect">
+            <a:avLst/>
+          </a:prstGeom>
+        </p:spPr>
+        <p:txBody>
+          <a:bodyPr/>
+          <a:lstStyle>
+            <a:lvl1pPr defTabSz="457200">
+              <a:lnSpc>
+                <a:spcPct val="100000"/>
+              </a:lnSpc>
+              <a:defRPr sz="3200">
+                <a:solidFill>
+                  <a:srgbClr val="805F0A"/>
+                </a:solidFill>
+              </a:defRPr>
+            </a:lvl1pPr>
+          </a:lstStyle>
+          <a:p>
+            <a:r>
+              <a:rPr lang="zh-TW" altLang="en-US" sz="6000" dirty="0">
+                <a:solidFill>
+                  <a:srgbClr val="C08225"/>
+                </a:solidFill>
+                <a:latin typeface="微軟正黑體" panose="020B0604030504040204" pitchFamily="34" charset="-120"/>
+                <a:ea typeface="微軟正黑體" panose="020B0604030504040204" pitchFamily="34" charset="-120"/>
+              </a:rPr>
+              <a:t>前後端分離式架構優點</a:t>
+            </a:r>
+            <a:endParaRPr sz="6000" dirty="0"/>
+          </a:p>
+        </p:txBody>
+      </p:sp>
+      <p:sp>
+        <p:nvSpPr>
+          <p:cNvPr id="403" name="櫃買中心為股票及債券均健全發展且 表現亮眼之雙引擎市場…"/>
+          <p:cNvSpPr txBox="1">
+            <a:spLocks noGrp="1"/>
+          </p:cNvSpPr>
+          <p:nvPr>
+            <p:ph type="body" idx="1"/>
+          </p:nvPr>
+        </p:nvSpPr>
+        <p:spPr>
+          <a:prstGeom prst="rect">
+            <a:avLst/>
+          </a:prstGeom>
+        </p:spPr>
+        <p:txBody>
+          <a:bodyPr/>
+          <a:lstStyle/>
+          <a:p>
+            <a:pPr defTabSz="914400">
+              <a:spcBef>
+                <a:spcPts val="2200"/>
+              </a:spcBef>
+              <a:buClrTx/>
+              <a:buSzPct val="100000"/>
+              <a:buFont typeface="Wingdings" panose="05000000000000000000" pitchFamily="2" charset="2"/>
+              <a:buChar char="n"/>
+              <a:defRPr>
+                <a:solidFill>
+                  <a:srgbClr val="000000"/>
+                </a:solidFill>
+                <a:latin typeface="PingFang TC Semibold"/>
+                <a:ea typeface="PingFang TC Semibold"/>
+                <a:cs typeface="PingFang TC Semibold"/>
+                <a:sym typeface="PingFang TC Semibold"/>
+              </a:defRPr>
+            </a:pPr>
+            <a:r>
+              <a:rPr lang="en-US" altLang="zh-TW" dirty="0">
+                <a:latin typeface="微軟正黑體" panose="020B0604030504040204" pitchFamily="34" charset="-120"/>
+                <a:ea typeface="微軟正黑體" panose="020B0604030504040204" pitchFamily="34" charset="-120"/>
+              </a:rPr>
+              <a:t>Nginx</a:t>
+            </a:r>
+            <a:r>
+              <a:rPr lang="zh-TW" altLang="en-US" dirty="0">
+                <a:latin typeface="微軟正黑體" panose="020B0604030504040204" pitchFamily="34" charset="-120"/>
+                <a:ea typeface="微軟正黑體" panose="020B0604030504040204" pitchFamily="34" charset="-120"/>
+              </a:rPr>
+              <a:t>反向代理的好處</a:t>
+            </a:r>
+            <a:endParaRPr lang="en-US" altLang="zh-TW" dirty="0">
+              <a:latin typeface="微軟正黑體" panose="020B0604030504040204" pitchFamily="34" charset="-120"/>
+              <a:ea typeface="微軟正黑體" panose="020B0604030504040204" pitchFamily="34" charset="-120"/>
+            </a:endParaRPr>
+          </a:p>
+          <a:p>
             <a:pPr>
               <a:spcBef>
                 <a:spcPts val="2200"/>
@@ -13175,7 +13114,21 @@
                 <a:latin typeface="微軟正黑體" panose="020B0604030504040204" pitchFamily="34" charset="-120"/>
                 <a:ea typeface="微軟正黑體" panose="020B0604030504040204" pitchFamily="34" charset="-120"/>
               </a:rPr>
-              <a:t> 加強防插旗置換</a:t>
+              <a:t>負載均衡</a:t>
+            </a:r>
+            <a:r>
+              <a:rPr lang="en-US" altLang="zh-TW" dirty="0">
+                <a:latin typeface="微軟正黑體" panose="020B0604030504040204" pitchFamily="34" charset="-120"/>
+                <a:ea typeface="微軟正黑體" panose="020B0604030504040204" pitchFamily="34" charset="-120"/>
+              </a:rPr>
+              <a:t>:</a:t>
+            </a:r>
+            <a:r>
+              <a:rPr lang="zh-TW" altLang="en-US" dirty="0">
+                <a:latin typeface="微軟正黑體" panose="020B0604030504040204" pitchFamily="34" charset="-120"/>
+                <a:ea typeface="微軟正黑體" panose="020B0604030504040204" pitchFamily="34" charset="-120"/>
+              </a:rPr>
+              <a:t> </a:t>
             </a:r>
             <a:endParaRPr lang="en-US" altLang="zh-TW" dirty="0">
               <a:latin typeface="微軟正黑體" panose="020B0604030504040204" pitchFamily="34" charset="-120"/>
@@ -13213,15 +13166,12 @@
                 <a:latin typeface="微軟正黑體" panose="020B0604030504040204" pitchFamily="34" charset="-120"/>
                 <a:ea typeface="微軟正黑體" panose="020B0604030504040204" pitchFamily="34" charset="-120"/>
               </a:rPr>
-              <a:t> 優化</a:t>
-            </a:r>
-            <a:r>
-              <a:rPr lang="en-US" altLang="zh-TW" dirty="0">
-                <a:latin typeface="微軟正黑體" panose="020B0604030504040204" pitchFamily="34" charset="-120"/>
-                <a:ea typeface="微軟正黑體" panose="020B0604030504040204" pitchFamily="34" charset="-120"/>
-              </a:rPr>
-              <a:t>API</a:t>
-            </a:r>
+              <a:t> 安全性</a:t>
+            </a:r>
+            <a:endParaRPr lang="en-US" altLang="zh-TW" dirty="0">
+              <a:latin typeface="微軟正黑體" panose="020B0604030504040204" pitchFamily="34" charset="-120"/>
+              <a:ea typeface="微軟正黑體" panose="020B0604030504040204" pitchFamily="34" charset="-120"/>
+            </a:endParaRPr>
           </a:p>
           <a:p>
             <a:pPr defTabSz="914400">
@@ -13250,18 +13200,737 @@
               <a:t>3.</a:t>
             </a:r>
             <a:r>
-              <a:rPr lang="zh-TW" altLang="en-US">
-                <a:latin typeface="微軟正黑體" panose="020B0604030504040204" pitchFamily="34" charset="-120"/>
-                <a:ea typeface="微軟正黑體" panose="020B0604030504040204" pitchFamily="34" charset="-120"/>
-              </a:rPr>
-              <a:t> 網站</a:t>
-            </a:r>
-            <a:r>
               <a:rPr lang="zh-TW" altLang="en-US" dirty="0">
                 <a:latin typeface="微軟正黑體" panose="020B0604030504040204" pitchFamily="34" charset="-120"/>
                 <a:ea typeface="微軟正黑體" panose="020B0604030504040204" pitchFamily="34" charset="-120"/>
               </a:rPr>
-              <a:t>服務上雲</a:t>
+              <a:t> </a:t>
+            </a:r>
+            <a:r>
+              <a:rPr lang="en-US" altLang="zh-TW" dirty="0">
+                <a:latin typeface="微軟正黑體" panose="020B0604030504040204" pitchFamily="34" charset="-120"/>
+                <a:ea typeface="微軟正黑體" panose="020B0604030504040204" pitchFamily="34" charset="-120"/>
+              </a:rPr>
+              <a:t>SSL</a:t>
+            </a:r>
+            <a:r>
+              <a:rPr lang="zh-TW" altLang="en-US" dirty="0">
+                <a:latin typeface="微軟正黑體" panose="020B0604030504040204" pitchFamily="34" charset="-120"/>
+                <a:ea typeface="微軟正黑體" panose="020B0604030504040204" pitchFamily="34" charset="-120"/>
+              </a:rPr>
+              <a:t>終止</a:t>
+            </a:r>
+            <a:endParaRPr lang="en-US" altLang="zh-TW" dirty="0">
+              <a:latin typeface="微軟正黑體" panose="020B0604030504040204" pitchFamily="34" charset="-120"/>
+              <a:ea typeface="微軟正黑體" panose="020B0604030504040204" pitchFamily="34" charset="-120"/>
+            </a:endParaRPr>
+          </a:p>
+          <a:p>
+            <a:pPr defTabSz="914400">
+              <a:spcBef>
+                <a:spcPts val="2200"/>
+              </a:spcBef>
+              <a:buClrTx/>
+              <a:buSzPct val="100000"/>
+              <a:buFont typeface="Wingdings" panose="05000000000000000000" pitchFamily="2" charset="2"/>
+              <a:buChar char="n"/>
+              <a:defRPr>
+                <a:solidFill>
+                  <a:srgbClr val="000000"/>
+                </a:solidFill>
+                <a:latin typeface="PingFang TC Semibold"/>
+                <a:ea typeface="PingFang TC Semibold"/>
+                <a:cs typeface="PingFang TC Semibold"/>
+                <a:sym typeface="PingFang TC Semibold"/>
+              </a:defRPr>
+            </a:pPr>
+            <a:r>
+              <a:rPr lang="en-US" altLang="zh-TW" dirty="0">
+                <a:latin typeface="微軟正黑體" panose="020B0604030504040204" pitchFamily="34" charset="-120"/>
+                <a:ea typeface="微軟正黑體" panose="020B0604030504040204" pitchFamily="34" charset="-120"/>
+              </a:rPr>
+              <a:t>4.</a:t>
+            </a:r>
+            <a:r>
+              <a:rPr lang="zh-TW" altLang="en-US" dirty="0">
+                <a:latin typeface="微軟正黑體" panose="020B0604030504040204" pitchFamily="34" charset="-120"/>
+                <a:ea typeface="微軟正黑體" panose="020B0604030504040204" pitchFamily="34" charset="-120"/>
+              </a:rPr>
+              <a:t> 快取功能</a:t>
+            </a:r>
+            <a:endParaRPr lang="en-US" altLang="zh-TW" dirty="0">
+              <a:latin typeface="微軟正黑體" panose="020B0604030504040204" pitchFamily="34" charset="-120"/>
+              <a:ea typeface="微軟正黑體" panose="020B0604030504040204" pitchFamily="34" charset="-120"/>
+            </a:endParaRPr>
+          </a:p>
+          <a:p>
+            <a:pPr defTabSz="914400">
+              <a:spcBef>
+                <a:spcPts val="2200"/>
+              </a:spcBef>
+              <a:buClrTx/>
+              <a:buSzPct val="100000"/>
+              <a:buFont typeface="Wingdings" panose="05000000000000000000" pitchFamily="2" charset="2"/>
+              <a:buChar char="n"/>
+              <a:defRPr>
+                <a:solidFill>
+                  <a:srgbClr val="000000"/>
+                </a:solidFill>
+                <a:latin typeface="PingFang TC Semibold"/>
+                <a:ea typeface="PingFang TC Semibold"/>
+                <a:cs typeface="PingFang TC Semibold"/>
+                <a:sym typeface="PingFang TC Semibold"/>
+              </a:defRPr>
+            </a:pPr>
+            <a:r>
+              <a:rPr lang="en-US" altLang="zh-TW" dirty="0">
+                <a:latin typeface="微軟正黑體" panose="020B0604030504040204" pitchFamily="34" charset="-120"/>
+                <a:ea typeface="微軟正黑體" panose="020B0604030504040204" pitchFamily="34" charset="-120"/>
+              </a:rPr>
+              <a:t>5.</a:t>
+            </a:r>
+            <a:r>
+              <a:rPr lang="zh-TW" altLang="en-US" dirty="0">
+                <a:latin typeface="微軟正黑體" panose="020B0604030504040204" pitchFamily="34" charset="-120"/>
+                <a:ea typeface="微軟正黑體" panose="020B0604030504040204" pitchFamily="34" charset="-120"/>
+              </a:rPr>
+              <a:t> 集中化訪問控制</a:t>
+            </a:r>
+            <a:endParaRPr lang="en-US" altLang="zh-TW" dirty="0">
+              <a:latin typeface="微軟正黑體" panose="020B0604030504040204" pitchFamily="34" charset="-120"/>
+              <a:ea typeface="微軟正黑體" panose="020B0604030504040204" pitchFamily="34" charset="-120"/>
+            </a:endParaRPr>
+          </a:p>
+        </p:txBody>
+      </p:sp>
+    </p:spTree>
+    <p:extLst>
+      <p:ext uri="{BB962C8B-B14F-4D97-AF65-F5344CB8AC3E}">
+        <p14:creationId xmlns:p14="http://schemas.microsoft.com/office/powerpoint/2010/main" val="1374857553"/>
+      </p:ext>
+    </p:extLst>
+  </p:cSld>
+  <p:clrMapOvr>
+    <a:masterClrMapping/>
+  </p:clrMapOvr>
+  <p:transition spd="med"/>
+</p:sld>
+</file>
+
+<file path=ppt/slides/slide16.xml><?xml version="1.0" encoding="utf-8"?>
+<p:sld xmlns:a="http://schemas.openxmlformats.org/drawingml/2006/main" xmlns:r="http://schemas.openxmlformats.org/officeDocument/2006/relationships" xmlns:p="http://schemas.openxmlformats.org/presentationml/2006/main">
+  <p:cSld>
+    <p:spTree>
+      <p:nvGrpSpPr>
+        <p:cNvPr id="1" name=""/>
+        <p:cNvGrpSpPr/>
+        <p:nvPr/>
+      </p:nvGrpSpPr>
+      <p:grpSpPr>
+        <a:xfrm>
+          <a:off x="0" y="0"/>
+          <a:ext cx="0" cy="0"/>
+          <a:chOff x="0" y="0"/>
+          <a:chExt cx="0" cy="0"/>
+        </a:xfrm>
+      </p:grpSpPr>
+      <p:sp>
+        <p:nvSpPr>
+          <p:cNvPr id="402" name="中小規模企業掛牌首選之交易所"/>
+          <p:cNvSpPr txBox="1">
+            <a:spLocks noGrp="1"/>
+          </p:cNvSpPr>
+          <p:nvPr>
+            <p:ph type="title"/>
+          </p:nvPr>
+        </p:nvSpPr>
+        <p:spPr>
+          <a:xfrm>
+            <a:off x="457200" y="53974"/>
+            <a:ext cx="8229600" cy="1508126"/>
+          </a:xfrm>
+          <a:prstGeom prst="rect">
+            <a:avLst/>
+          </a:prstGeom>
+        </p:spPr>
+        <p:txBody>
+          <a:bodyPr/>
+          <a:lstStyle>
+            <a:lvl1pPr defTabSz="457200">
+              <a:lnSpc>
+                <a:spcPct val="100000"/>
+              </a:lnSpc>
+              <a:defRPr sz="3200">
+                <a:solidFill>
+                  <a:srgbClr val="805F0A"/>
+                </a:solidFill>
+              </a:defRPr>
+            </a:lvl1pPr>
+          </a:lstStyle>
+          <a:p>
+            <a:r>
+              <a:rPr lang="zh-TW" altLang="en-US" sz="6000" dirty="0">
+                <a:solidFill>
+                  <a:srgbClr val="C08225"/>
+                </a:solidFill>
+                <a:latin typeface="微軟正黑體" panose="020B0604030504040204" pitchFamily="34" charset="-120"/>
+                <a:ea typeface="微軟正黑體" panose="020B0604030504040204" pitchFamily="34" charset="-120"/>
+              </a:rPr>
+              <a:t>前後端分離式架構優點</a:t>
+            </a:r>
+            <a:endParaRPr sz="6000" dirty="0"/>
+          </a:p>
+        </p:txBody>
+      </p:sp>
+      <p:sp>
+        <p:nvSpPr>
+          <p:cNvPr id="403" name="櫃買中心為股票及債券均健全發展且 表現亮眼之雙引擎市場…"/>
+          <p:cNvSpPr txBox="1">
+            <a:spLocks noGrp="1"/>
+          </p:cNvSpPr>
+          <p:nvPr>
+            <p:ph type="body" idx="1"/>
+          </p:nvPr>
+        </p:nvSpPr>
+        <p:spPr>
+          <a:prstGeom prst="rect">
+            <a:avLst/>
+          </a:prstGeom>
+        </p:spPr>
+        <p:txBody>
+          <a:bodyPr/>
+          <a:lstStyle/>
+          <a:p>
+            <a:pPr defTabSz="914400">
+              <a:spcBef>
+                <a:spcPts val="2200"/>
+              </a:spcBef>
+              <a:buClrTx/>
+              <a:buSzPct val="100000"/>
+              <a:buFont typeface="Wingdings" panose="05000000000000000000" pitchFamily="2" charset="2"/>
+              <a:buChar char="n"/>
+              <a:defRPr>
+                <a:solidFill>
+                  <a:srgbClr val="000000"/>
+                </a:solidFill>
+                <a:latin typeface="PingFang TC Semibold"/>
+                <a:ea typeface="PingFang TC Semibold"/>
+                <a:cs typeface="PingFang TC Semibold"/>
+                <a:sym typeface="PingFang TC Semibold"/>
+              </a:defRPr>
+            </a:pPr>
+            <a:r>
+              <a:rPr lang="en-US" altLang="zh-TW" dirty="0">
+                <a:latin typeface="微軟正黑體" panose="020B0604030504040204" pitchFamily="34" charset="-120"/>
+                <a:ea typeface="微軟正黑體" panose="020B0604030504040204" pitchFamily="34" charset="-120"/>
+              </a:rPr>
+              <a:t>Nginx</a:t>
+            </a:r>
+            <a:r>
+              <a:rPr lang="zh-TW" altLang="en-US" dirty="0">
+                <a:latin typeface="微軟正黑體" panose="020B0604030504040204" pitchFamily="34" charset="-120"/>
+                <a:ea typeface="微軟正黑體" panose="020B0604030504040204" pitchFamily="34" charset="-120"/>
+              </a:rPr>
+              <a:t>反向代理的好處</a:t>
+            </a:r>
+            <a:endParaRPr lang="en-US" altLang="zh-TW" dirty="0">
+              <a:latin typeface="微軟正黑體" panose="020B0604030504040204" pitchFamily="34" charset="-120"/>
+              <a:ea typeface="微軟正黑體" panose="020B0604030504040204" pitchFamily="34" charset="-120"/>
+            </a:endParaRPr>
+          </a:p>
+          <a:p>
+            <a:pPr>
+              <a:spcBef>
+                <a:spcPts val="2200"/>
+              </a:spcBef>
+              <a:buClrTx/>
+              <a:buSzPct val="100000"/>
+              <a:buFont typeface="Wingdings" panose="05000000000000000000" pitchFamily="2" charset="2"/>
+              <a:buChar char="n"/>
+              <a:defRPr>
+                <a:solidFill>
+                  <a:srgbClr val="000000"/>
+                </a:solidFill>
+                <a:latin typeface="PingFang TC Semibold"/>
+                <a:ea typeface="PingFang TC Semibold"/>
+                <a:cs typeface="PingFang TC Semibold"/>
+                <a:sym typeface="PingFang TC Semibold"/>
+              </a:defRPr>
+            </a:pPr>
+            <a:r>
+              <a:rPr lang="en-US" altLang="zh-TW" dirty="0">
+                <a:latin typeface="微軟正黑體" panose="020B0604030504040204" pitchFamily="34" charset="-120"/>
+                <a:ea typeface="微軟正黑體" panose="020B0604030504040204" pitchFamily="34" charset="-120"/>
+              </a:rPr>
+              <a:t>6.</a:t>
+            </a:r>
+            <a:r>
+              <a:rPr lang="zh-TW" altLang="en-US" dirty="0">
+                <a:latin typeface="微軟正黑體" panose="020B0604030504040204" pitchFamily="34" charset="-120"/>
+                <a:ea typeface="微軟正黑體" panose="020B0604030504040204" pitchFamily="34" charset="-120"/>
+              </a:rPr>
+              <a:t> 內容壓縮</a:t>
+            </a:r>
+            <a:endParaRPr lang="en-US" altLang="zh-TW" dirty="0">
+              <a:latin typeface="微軟正黑體" panose="020B0604030504040204" pitchFamily="34" charset="-120"/>
+              <a:ea typeface="微軟正黑體" panose="020B0604030504040204" pitchFamily="34" charset="-120"/>
+            </a:endParaRPr>
+          </a:p>
+          <a:p>
+            <a:pPr defTabSz="914400">
+              <a:spcBef>
+                <a:spcPts val="2200"/>
+              </a:spcBef>
+              <a:buClrTx/>
+              <a:buSzPct val="100000"/>
+              <a:buFont typeface="Wingdings" panose="05000000000000000000" pitchFamily="2" charset="2"/>
+              <a:buChar char="n"/>
+              <a:defRPr>
+                <a:solidFill>
+                  <a:srgbClr val="000000"/>
+                </a:solidFill>
+                <a:latin typeface="PingFang TC Semibold"/>
+                <a:ea typeface="PingFang TC Semibold"/>
+                <a:cs typeface="PingFang TC Semibold"/>
+                <a:sym typeface="PingFang TC Semibold"/>
+              </a:defRPr>
+            </a:pPr>
+            <a:r>
+              <a:rPr lang="en-US" altLang="zh-TW" dirty="0">
+                <a:latin typeface="微軟正黑體" panose="020B0604030504040204" pitchFamily="34" charset="-120"/>
+                <a:ea typeface="微軟正黑體" panose="020B0604030504040204" pitchFamily="34" charset="-120"/>
+              </a:rPr>
+              <a:t>7.</a:t>
+            </a:r>
+            <a:r>
+              <a:rPr lang="zh-TW" altLang="en-US" dirty="0">
+                <a:latin typeface="微軟正黑體" panose="020B0604030504040204" pitchFamily="34" charset="-120"/>
+                <a:ea typeface="微軟正黑體" panose="020B0604030504040204" pitchFamily="34" charset="-120"/>
+              </a:rPr>
+              <a:t> 請求路由</a:t>
+            </a:r>
+            <a:endParaRPr lang="en-US" altLang="zh-TW" dirty="0">
+              <a:latin typeface="微軟正黑體" panose="020B0604030504040204" pitchFamily="34" charset="-120"/>
+              <a:ea typeface="微軟正黑體" panose="020B0604030504040204" pitchFamily="34" charset="-120"/>
+            </a:endParaRPr>
+          </a:p>
+          <a:p>
+            <a:pPr defTabSz="914400">
+              <a:spcBef>
+                <a:spcPts val="2200"/>
+              </a:spcBef>
+              <a:buClrTx/>
+              <a:buSzPct val="100000"/>
+              <a:buFont typeface="Wingdings" panose="05000000000000000000" pitchFamily="2" charset="2"/>
+              <a:buChar char="n"/>
+              <a:defRPr>
+                <a:solidFill>
+                  <a:srgbClr val="000000"/>
+                </a:solidFill>
+                <a:latin typeface="PingFang TC Semibold"/>
+                <a:ea typeface="PingFang TC Semibold"/>
+                <a:cs typeface="PingFang TC Semibold"/>
+                <a:sym typeface="PingFang TC Semibold"/>
+              </a:defRPr>
+            </a:pPr>
+            <a:r>
+              <a:rPr lang="en-US" altLang="zh-TW" dirty="0">
+                <a:latin typeface="微軟正黑體" panose="020B0604030504040204" pitchFamily="34" charset="-120"/>
+                <a:ea typeface="微軟正黑體" panose="020B0604030504040204" pitchFamily="34" charset="-120"/>
+              </a:rPr>
+              <a:t>8.</a:t>
+            </a:r>
+            <a:r>
+              <a:rPr lang="zh-TW" altLang="en-US" dirty="0">
+                <a:latin typeface="微軟正黑體" panose="020B0604030504040204" pitchFamily="34" charset="-120"/>
+                <a:ea typeface="微軟正黑體" panose="020B0604030504040204" pitchFamily="34" charset="-120"/>
+              </a:rPr>
+              <a:t> 監控和日誌記錄</a:t>
+            </a:r>
+            <a:endParaRPr lang="en-US" altLang="zh-TW" dirty="0">
+              <a:latin typeface="微軟正黑體" panose="020B0604030504040204" pitchFamily="34" charset="-120"/>
+              <a:ea typeface="微軟正黑體" panose="020B0604030504040204" pitchFamily="34" charset="-120"/>
+            </a:endParaRPr>
+          </a:p>
+          <a:p>
+            <a:pPr defTabSz="914400">
+              <a:spcBef>
+                <a:spcPts val="2200"/>
+              </a:spcBef>
+              <a:buClrTx/>
+              <a:buSzPct val="100000"/>
+              <a:buFont typeface="Wingdings" panose="05000000000000000000" pitchFamily="2" charset="2"/>
+              <a:buChar char="n"/>
+              <a:defRPr>
+                <a:solidFill>
+                  <a:srgbClr val="000000"/>
+                </a:solidFill>
+                <a:latin typeface="PingFang TC Semibold"/>
+                <a:ea typeface="PingFang TC Semibold"/>
+                <a:cs typeface="PingFang TC Semibold"/>
+                <a:sym typeface="PingFang TC Semibold"/>
+              </a:defRPr>
+            </a:pPr>
+            <a:r>
+              <a:rPr lang="en-US" altLang="zh-TW" dirty="0">
+                <a:latin typeface="微軟正黑體" panose="020B0604030504040204" pitchFamily="34" charset="-120"/>
+                <a:ea typeface="微軟正黑體" panose="020B0604030504040204" pitchFamily="34" charset="-120"/>
+              </a:rPr>
+              <a:t>9.</a:t>
+            </a:r>
+            <a:r>
+              <a:rPr lang="zh-TW" altLang="en-US" dirty="0">
+                <a:latin typeface="微軟正黑體" panose="020B0604030504040204" pitchFamily="34" charset="-120"/>
+                <a:ea typeface="微軟正黑體" panose="020B0604030504040204" pitchFamily="34" charset="-120"/>
+              </a:rPr>
+              <a:t> 故障轉移</a:t>
+            </a:r>
+            <a:endParaRPr lang="en-US" altLang="zh-TW" dirty="0">
+              <a:latin typeface="微軟正黑體" panose="020B0604030504040204" pitchFamily="34" charset="-120"/>
+              <a:ea typeface="微軟正黑體" panose="020B0604030504040204" pitchFamily="34" charset="-120"/>
+            </a:endParaRPr>
+          </a:p>
+          <a:p>
+            <a:pPr defTabSz="914400">
+              <a:spcBef>
+                <a:spcPts val="2200"/>
+              </a:spcBef>
+              <a:buClrTx/>
+              <a:buSzPct val="100000"/>
+              <a:buFont typeface="Wingdings" panose="05000000000000000000" pitchFamily="2" charset="2"/>
+              <a:buChar char="n"/>
+              <a:defRPr>
+                <a:solidFill>
+                  <a:srgbClr val="000000"/>
+                </a:solidFill>
+                <a:latin typeface="PingFang TC Semibold"/>
+                <a:ea typeface="PingFang TC Semibold"/>
+                <a:cs typeface="PingFang TC Semibold"/>
+                <a:sym typeface="PingFang TC Semibold"/>
+              </a:defRPr>
+            </a:pPr>
+            <a:r>
+              <a:rPr lang="en-US" altLang="zh-TW" dirty="0">
+                <a:latin typeface="微軟正黑體" panose="020B0604030504040204" pitchFamily="34" charset="-120"/>
+                <a:ea typeface="微軟正黑體" panose="020B0604030504040204" pitchFamily="34" charset="-120"/>
+              </a:rPr>
+              <a:t>10.</a:t>
+            </a:r>
+            <a:r>
+              <a:rPr lang="zh-TW" altLang="en-US" dirty="0">
+                <a:latin typeface="微軟正黑體" panose="020B0604030504040204" pitchFamily="34" charset="-120"/>
+                <a:ea typeface="微軟正黑體" panose="020B0604030504040204" pitchFamily="34" charset="-120"/>
+              </a:rPr>
+              <a:t> </a:t>
+            </a:r>
+            <a:r>
+              <a:rPr lang="en-US" altLang="zh-TW" dirty="0">
+                <a:latin typeface="微軟正黑體" panose="020B0604030504040204" pitchFamily="34" charset="-120"/>
+                <a:ea typeface="微軟正黑體" panose="020B0604030504040204" pitchFamily="34" charset="-120"/>
+              </a:rPr>
+              <a:t>API</a:t>
+            </a:r>
+            <a:r>
+              <a:rPr lang="zh-TW" altLang="en-US" dirty="0">
+                <a:latin typeface="微軟正黑體" panose="020B0604030504040204" pitchFamily="34" charset="-120"/>
+                <a:ea typeface="微軟正黑體" panose="020B0604030504040204" pitchFamily="34" charset="-120"/>
+              </a:rPr>
+              <a:t> </a:t>
+            </a:r>
+            <a:r>
+              <a:rPr lang="en-US" altLang="zh-TW" dirty="0">
+                <a:latin typeface="微軟正黑體" panose="020B0604030504040204" pitchFamily="34" charset="-120"/>
+                <a:ea typeface="微軟正黑體" panose="020B0604030504040204" pitchFamily="34" charset="-120"/>
+              </a:rPr>
+              <a:t>gateway</a:t>
+            </a:r>
+            <a:r>
+              <a:rPr lang="zh-TW" altLang="en-US" dirty="0">
+                <a:latin typeface="微軟正黑體" panose="020B0604030504040204" pitchFamily="34" charset="-120"/>
+                <a:ea typeface="微軟正黑體" panose="020B0604030504040204" pitchFamily="34" charset="-120"/>
+              </a:rPr>
+              <a:t>功能</a:t>
+            </a:r>
+            <a:endParaRPr lang="en-US" altLang="zh-TW" dirty="0">
+              <a:latin typeface="微軟正黑體" panose="020B0604030504040204" pitchFamily="34" charset="-120"/>
+              <a:ea typeface="微軟正黑體" panose="020B0604030504040204" pitchFamily="34" charset="-120"/>
+            </a:endParaRPr>
+          </a:p>
+        </p:txBody>
+      </p:sp>
+    </p:spTree>
+    <p:extLst>
+      <p:ext uri="{BB962C8B-B14F-4D97-AF65-F5344CB8AC3E}">
+        <p14:creationId xmlns:p14="http://schemas.microsoft.com/office/powerpoint/2010/main" val="3627410845"/>
+      </p:ext>
+    </p:extLst>
+  </p:cSld>
+  <p:clrMapOvr>
+    <a:masterClrMapping/>
+  </p:clrMapOvr>
+  <p:transition spd="med"/>
+</p:sld>
+</file>
+
+<file path=ppt/slides/slide17.xml><?xml version="1.0" encoding="utf-8"?>
+<p:sld xmlns:a="http://schemas.openxmlformats.org/drawingml/2006/main" xmlns:r="http://schemas.openxmlformats.org/officeDocument/2006/relationships" xmlns:p="http://schemas.openxmlformats.org/presentationml/2006/main">
+  <p:cSld>
+    <p:spTree>
+      <p:nvGrpSpPr>
+        <p:cNvPr id="1" name=""/>
+        <p:cNvGrpSpPr/>
+        <p:nvPr/>
+      </p:nvGrpSpPr>
+      <p:grpSpPr>
+        <a:xfrm>
+          <a:off x="0" y="0"/>
+          <a:ext cx="0" cy="0"/>
+          <a:chOff x="0" y="0"/>
+          <a:chExt cx="0" cy="0"/>
+        </a:xfrm>
+      </p:grpSpPr>
+      <p:sp>
+        <p:nvSpPr>
+          <p:cNvPr id="214" name="壹.櫃買市場狀況"/>
+          <p:cNvSpPr txBox="1">
+            <a:spLocks noGrp="1"/>
+          </p:cNvSpPr>
+          <p:nvPr>
+            <p:ph type="title"/>
+          </p:nvPr>
+        </p:nvSpPr>
+        <p:spPr>
+          <a:xfrm>
+            <a:off x="370114" y="2751139"/>
+            <a:ext cx="8229600" cy="1508126"/>
+          </a:xfrm>
+          <a:prstGeom prst="rect">
+            <a:avLst/>
+          </a:prstGeom>
+        </p:spPr>
+        <p:txBody>
+          <a:bodyPr/>
+          <a:lstStyle/>
+          <a:p>
+            <a:r>
+              <a:rPr lang="zh-TW" altLang="en-US" sz="6000" dirty="0">
+                <a:latin typeface="微軟正黑體" panose="020B0604030504040204" pitchFamily="34" charset="-120"/>
+                <a:ea typeface="微軟正黑體" panose="020B0604030504040204" pitchFamily="34" charset="-120"/>
+              </a:rPr>
+              <a:t>五、後續待辦事項</a:t>
+            </a:r>
+            <a:endParaRPr sz="6000" dirty="0"/>
+          </a:p>
+        </p:txBody>
+      </p:sp>
+    </p:spTree>
+    <p:extLst>
+      <p:ext uri="{BB962C8B-B14F-4D97-AF65-F5344CB8AC3E}">
+        <p14:creationId xmlns:p14="http://schemas.microsoft.com/office/powerpoint/2010/main" val="1161075294"/>
+      </p:ext>
+    </p:extLst>
+  </p:cSld>
+  <p:clrMapOvr>
+    <a:masterClrMapping/>
+  </p:clrMapOvr>
+  <p:transition spd="med"/>
+</p:sld>
+</file>
+
+<file path=ppt/slides/slide18.xml><?xml version="1.0" encoding="utf-8"?>
+<p:sld xmlns:a="http://schemas.openxmlformats.org/drawingml/2006/main" xmlns:r="http://schemas.openxmlformats.org/officeDocument/2006/relationships" xmlns:p="http://schemas.openxmlformats.org/presentationml/2006/main">
+  <p:cSld>
+    <p:spTree>
+      <p:nvGrpSpPr>
+        <p:cNvPr id="1" name=""/>
+        <p:cNvGrpSpPr/>
+        <p:nvPr/>
+      </p:nvGrpSpPr>
+      <p:grpSpPr>
+        <a:xfrm>
+          <a:off x="0" y="0"/>
+          <a:ext cx="0" cy="0"/>
+          <a:chOff x="0" y="0"/>
+          <a:chExt cx="0" cy="0"/>
+        </a:xfrm>
+      </p:grpSpPr>
+      <p:sp>
+        <p:nvSpPr>
+          <p:cNvPr id="402" name="中小規模企業掛牌首選之交易所"/>
+          <p:cNvSpPr txBox="1">
+            <a:spLocks noGrp="1"/>
+          </p:cNvSpPr>
+          <p:nvPr>
+            <p:ph type="title"/>
+          </p:nvPr>
+        </p:nvSpPr>
+        <p:spPr>
+          <a:xfrm>
+            <a:off x="457200" y="53974"/>
+            <a:ext cx="8229600" cy="1508126"/>
+          </a:xfrm>
+          <a:prstGeom prst="rect">
+            <a:avLst/>
+          </a:prstGeom>
+        </p:spPr>
+        <p:txBody>
+          <a:bodyPr/>
+          <a:lstStyle>
+            <a:lvl1pPr defTabSz="457200">
+              <a:lnSpc>
+                <a:spcPct val="100000"/>
+              </a:lnSpc>
+              <a:defRPr sz="3200">
+                <a:solidFill>
+                  <a:srgbClr val="805F0A"/>
+                </a:solidFill>
+              </a:defRPr>
+            </a:lvl1pPr>
+          </a:lstStyle>
+          <a:p>
+            <a:r>
+              <a:rPr lang="zh-TW" altLang="en-US" sz="6000" dirty="0">
+                <a:solidFill>
+                  <a:srgbClr val="C08225"/>
+                </a:solidFill>
+                <a:latin typeface="微軟正黑體" panose="020B0604030504040204" pitchFamily="34" charset="-120"/>
+                <a:ea typeface="微軟正黑體" panose="020B0604030504040204" pitchFamily="34" charset="-120"/>
+              </a:rPr>
+              <a:t>後續待辦事項</a:t>
+            </a:r>
+            <a:endParaRPr sz="6000" dirty="0"/>
+          </a:p>
+        </p:txBody>
+      </p:sp>
+      <p:sp>
+        <p:nvSpPr>
+          <p:cNvPr id="403" name="櫃買中心為股票及債券均健全發展且 表現亮眼之雙引擎市場…"/>
+          <p:cNvSpPr txBox="1">
+            <a:spLocks noGrp="1"/>
+          </p:cNvSpPr>
+          <p:nvPr>
+            <p:ph type="body" idx="1"/>
+          </p:nvPr>
+        </p:nvSpPr>
+        <p:spPr>
+          <a:prstGeom prst="rect">
+            <a:avLst/>
+          </a:prstGeom>
+        </p:spPr>
+        <p:txBody>
+          <a:bodyPr/>
+          <a:lstStyle/>
+          <a:p>
+            <a:pPr>
+              <a:spcBef>
+                <a:spcPts val="2200"/>
+              </a:spcBef>
+              <a:buClrTx/>
+              <a:buSzPct val="100000"/>
+              <a:buFont typeface="Wingdings" panose="05000000000000000000" pitchFamily="2" charset="2"/>
+              <a:buChar char="n"/>
+              <a:defRPr>
+                <a:solidFill>
+                  <a:srgbClr val="000000"/>
+                </a:solidFill>
+                <a:latin typeface="PingFang TC Semibold"/>
+                <a:ea typeface="PingFang TC Semibold"/>
+                <a:cs typeface="PingFang TC Semibold"/>
+                <a:sym typeface="PingFang TC Semibold"/>
+              </a:defRPr>
+            </a:pPr>
+            <a:r>
+              <a:rPr lang="en-US" altLang="zh-TW" dirty="0">
+                <a:latin typeface="微軟正黑體" panose="020B0604030504040204" pitchFamily="34" charset="-120"/>
+                <a:ea typeface="微軟正黑體" panose="020B0604030504040204" pitchFamily="34" charset="-120"/>
+              </a:rPr>
+              <a:t>1.</a:t>
+            </a:r>
+            <a:r>
+              <a:rPr lang="zh-TW" altLang="en-US" dirty="0">
+                <a:latin typeface="微軟正黑體" panose="020B0604030504040204" pitchFamily="34" charset="-120"/>
+                <a:ea typeface="微軟正黑體" panose="020B0604030504040204" pitchFamily="34" charset="-120"/>
+              </a:rPr>
+              <a:t> 加強防插旗置換</a:t>
+            </a:r>
+            <a:endParaRPr lang="en-US" altLang="zh-TW" dirty="0">
+              <a:latin typeface="微軟正黑體" panose="020B0604030504040204" pitchFamily="34" charset="-120"/>
+              <a:ea typeface="微軟正黑體" panose="020B0604030504040204" pitchFamily="34" charset="-120"/>
+            </a:endParaRPr>
+          </a:p>
+          <a:p>
+            <a:pPr defTabSz="914400">
+              <a:spcBef>
+                <a:spcPts val="2200"/>
+              </a:spcBef>
+              <a:buClrTx/>
+              <a:buSzPct val="100000"/>
+              <a:buFont typeface="Wingdings" panose="05000000000000000000" pitchFamily="2" charset="2"/>
+              <a:buChar char="n"/>
+              <a:defRPr>
+                <a:solidFill>
+                  <a:srgbClr val="000000"/>
+                </a:solidFill>
+                <a:latin typeface="PingFang TC Semibold"/>
+                <a:ea typeface="PingFang TC Semibold"/>
+                <a:cs typeface="PingFang TC Semibold"/>
+                <a:sym typeface="PingFang TC Semibold"/>
+              </a:defRPr>
+            </a:pPr>
+            <a:r>
+              <a:rPr lang="en-US" altLang="zh-TW" dirty="0">
+                <a:latin typeface="微軟正黑體" panose="020B0604030504040204" pitchFamily="34" charset="-120"/>
+                <a:ea typeface="微軟正黑體" panose="020B0604030504040204" pitchFamily="34" charset="-120"/>
+              </a:rPr>
+              <a:t>2.</a:t>
+            </a:r>
+            <a:r>
+              <a:rPr lang="zh-TW" altLang="en-US" dirty="0">
+                <a:latin typeface="微軟正黑體" panose="020B0604030504040204" pitchFamily="34" charset="-120"/>
+                <a:ea typeface="微軟正黑體" panose="020B0604030504040204" pitchFamily="34" charset="-120"/>
+              </a:rPr>
+              <a:t> 優化</a:t>
+            </a:r>
+            <a:r>
+              <a:rPr lang="en-US" altLang="zh-TW" dirty="0">
+                <a:latin typeface="微軟正黑體" panose="020B0604030504040204" pitchFamily="34" charset="-120"/>
+                <a:ea typeface="微軟正黑體" panose="020B0604030504040204" pitchFamily="34" charset="-120"/>
+              </a:rPr>
+              <a:t>API</a:t>
+            </a:r>
+          </a:p>
+          <a:p>
+            <a:pPr defTabSz="914400">
+              <a:spcBef>
+                <a:spcPts val="2200"/>
+              </a:spcBef>
+              <a:buClrTx/>
+              <a:buSzPct val="100000"/>
+              <a:buFont typeface="Wingdings" panose="05000000000000000000" pitchFamily="2" charset="2"/>
+              <a:buChar char="n"/>
+              <a:defRPr>
+                <a:solidFill>
+                  <a:srgbClr val="000000"/>
+                </a:solidFill>
+                <a:latin typeface="PingFang TC Semibold"/>
+                <a:ea typeface="PingFang TC Semibold"/>
+                <a:cs typeface="PingFang TC Semibold"/>
+                <a:sym typeface="PingFang TC Semibold"/>
+              </a:defRPr>
+            </a:pPr>
+            <a:r>
+              <a:rPr lang="en-US" altLang="zh-TW" dirty="0">
+                <a:latin typeface="微軟正黑體" panose="020B0604030504040204" pitchFamily="34" charset="-120"/>
+                <a:ea typeface="微軟正黑體" panose="020B0604030504040204" pitchFamily="34" charset="-120"/>
+              </a:rPr>
+              <a:t>3.</a:t>
+            </a:r>
+            <a:r>
+              <a:rPr lang="zh-TW" altLang="en-US" dirty="0">
+                <a:latin typeface="微軟正黑體" panose="020B0604030504040204" pitchFamily="34" charset="-120"/>
+                <a:ea typeface="微軟正黑體" panose="020B0604030504040204" pitchFamily="34" charset="-120"/>
+              </a:rPr>
+              <a:t> 網站服務上雲</a:t>
             </a:r>
             <a:endParaRPr lang="en-US" altLang="zh-TW" dirty="0">
               <a:latin typeface="微軟正黑體" panose="020B0604030504040204" pitchFamily="34" charset="-120"/>
@@ -13284,7 +13953,7 @@
 </p:sld>
 </file>
 
-<file path=ppt/slides/slide15.xml><?xml version="1.0" encoding="utf-8"?>
+<file path=ppt/slides/slide19.xml><?xml version="1.0" encoding="utf-8"?>
 <p:sld xmlns:a="http://schemas.openxmlformats.org/drawingml/2006/main" xmlns:r="http://schemas.openxmlformats.org/officeDocument/2006/relationships" xmlns:p="http://schemas.openxmlformats.org/presentationml/2006/main">
   <p:cSld>
     <p:spTree>
@@ -13393,7 +14062,7 @@
           </a:ln>
           <a:extLst>
             <a:ext uri="{C572A759-6A51-4108-AA02-DFA0A04FC94B}">
-              <ma14:wrappingTextBoxFlag xmlns="" xmlns:m="http://schemas.openxmlformats.org/officeDocument/2006/math" xmlns:a14="http://schemas.microsoft.com/office/drawing/2010/main" xmlns:ma14="http://schemas.microsoft.com/office/mac/drawingml/2011/main" val="1"/>
+              <ma14:wrappingTextBoxFlag xmlns:ma14="http://schemas.microsoft.com/office/mac/drawingml/2011/main" xmlns:a14="http://schemas.microsoft.com/office/drawing/2010/main" xmlns:m="http://schemas.openxmlformats.org/officeDocument/2006/math" xmlns="" val="1"/>
             </a:ext>
           </a:extLst>
         </p:spPr>
@@ -13813,7 +14482,7 @@
                 <a:latin typeface="微軟正黑體" panose="020B0604030504040204" pitchFamily="34" charset="-120"/>
                 <a:ea typeface="微軟正黑體" panose="020B0604030504040204" pitchFamily="34" charset="-120"/>
               </a:rPr>
-              <a:t>中心網站系統整體架構</a:t>
+              <a:t>中心網站系統架構</a:t>
             </a:r>
           </a:p>
         </p:txBody>
@@ -13871,10 +14540,10 @@
       </p:sp>
       <p:pic>
         <p:nvPicPr>
-          <p:cNvPr id="5" name="圖片 4">
+          <p:cNvPr id="3" name="圖片 2">
             <a:extLst>
               <a:ext uri="{FF2B5EF4-FFF2-40B4-BE49-F238E27FC236}">
-                <a16:creationId xmlns:a16="http://schemas.microsoft.com/office/drawing/2014/main" id="{063117CB-76C9-F49F-4C03-B19C299F922F}"/>
+                <a16:creationId xmlns:a16="http://schemas.microsoft.com/office/drawing/2014/main" id="{95092911-C3F8-7843-8E24-B687D96B5700}"/>
               </a:ext>
             </a:extLst>
           </p:cNvPr>
@@ -13884,21 +14553,15 @@
           <p:nvPr/>
         </p:nvPicPr>
         <p:blipFill>
-          <a:blip r:embed="rId2">
-            <a:extLst>
-              <a:ext uri="{28A0092B-C50C-407E-A947-70E740481C1C}">
-                <a14:useLocalDpi xmlns:a14="http://schemas.microsoft.com/office/drawing/2010/main" val="0"/>
-              </a:ext>
-            </a:extLst>
-          </a:blip>
+          <a:blip r:embed="rId2"/>
           <a:stretch>
             <a:fillRect/>
           </a:stretch>
         </p:blipFill>
         <p:spPr>
           <a:xfrm>
-            <a:off x="1045300" y="1219908"/>
-            <a:ext cx="6852743" cy="5584118"/>
+            <a:off x="648393" y="1208128"/>
+            <a:ext cx="7547956" cy="5595898"/>
           </a:xfrm>
           <a:prstGeom prst="rect">
             <a:avLst/>
@@ -13938,7 +14601,7 @@
       </p:grpSpPr>
       <p:sp>
         <p:nvSpPr>
-          <p:cNvPr id="214" name="壹.櫃買市場狀況"/>
+          <p:cNvPr id="402" name="中小規模企業掛牌首選之交易所"/>
           <p:cNvSpPr txBox="1">
             <a:spLocks noGrp="1"/>
           </p:cNvSpPr>
@@ -13948,7 +14611,7 @@
         </p:nvSpPr>
         <p:spPr>
           <a:xfrm>
-            <a:off x="370114" y="2751139"/>
+            <a:off x="457200" y="53974"/>
             <a:ext cx="8229600" cy="1508126"/>
           </a:xfrm>
           <a:prstGeom prst="rect">
@@ -13957,50 +14620,196 @@
         </p:spPr>
         <p:txBody>
           <a:bodyPr/>
-          <a:lstStyle/>
+          <a:lstStyle>
+            <a:lvl1pPr defTabSz="457200">
+              <a:lnSpc>
+                <a:spcPct val="100000"/>
+              </a:lnSpc>
+              <a:defRPr sz="3200">
+                <a:solidFill>
+                  <a:srgbClr val="805F0A"/>
+                </a:solidFill>
+              </a:defRPr>
+            </a:lvl1pPr>
+          </a:lstStyle>
           <a:p>
             <a:r>
               <a:rPr lang="zh-TW" altLang="en-US" sz="6000" dirty="0">
+                <a:solidFill>
+                  <a:srgbClr val="C08225"/>
+                </a:solidFill>
                 <a:latin typeface="微軟正黑體" panose="020B0604030504040204" pitchFamily="34" charset="-120"/>
                 <a:ea typeface="微軟正黑體" panose="020B0604030504040204" pitchFamily="34" charset="-120"/>
               </a:rPr>
-              <a:t>二、採一站式架構系統</a:t>
-            </a:r>
-            <a:r>
-              <a:rPr lang="en-US" altLang="zh-TW" sz="6000" dirty="0">
+              <a:t>中心網站系統架構</a:t>
+            </a:r>
+          </a:p>
+        </p:txBody>
+      </p:sp>
+      <p:sp>
+        <p:nvSpPr>
+          <p:cNvPr id="403" name="櫃買中心為股票及債券均健全發展且 表現亮眼之雙引擎市場…"/>
+          <p:cNvSpPr txBox="1">
+            <a:spLocks noGrp="1"/>
+          </p:cNvSpPr>
+          <p:nvPr>
+            <p:ph type="body" idx="1"/>
+          </p:nvPr>
+        </p:nvSpPr>
+        <p:spPr>
+          <a:xfrm>
+            <a:off x="457200" y="1600199"/>
+            <a:ext cx="8229600" cy="3462251"/>
+          </a:xfrm>
+          <a:prstGeom prst="rect">
+            <a:avLst/>
+          </a:prstGeom>
+        </p:spPr>
+        <p:txBody>
+          <a:bodyPr/>
+          <a:lstStyle/>
+          <a:p>
+            <a:pPr defTabSz="914400">
+              <a:spcBef>
+                <a:spcPts val="2200"/>
+              </a:spcBef>
+              <a:buClrTx/>
+              <a:buSzPct val="100000"/>
+              <a:buFont typeface="Wingdings" panose="05000000000000000000" pitchFamily="2" charset="2"/>
+              <a:buChar char="n"/>
+              <a:defRPr>
+                <a:solidFill>
+                  <a:srgbClr val="000000"/>
+                </a:solidFill>
+                <a:latin typeface="PingFang TC Semibold"/>
+                <a:ea typeface="PingFang TC Semibold"/>
+                <a:cs typeface="PingFang TC Semibold"/>
+                <a:sym typeface="PingFang TC Semibold"/>
+              </a:defRPr>
+            </a:pPr>
+            <a:r>
+              <a:rPr lang="en-US" altLang="zh-TW" dirty="0">
+                <a:solidFill>
+                  <a:schemeClr val="tx1"/>
+                </a:solidFill>
                 <a:latin typeface="微軟正黑體" panose="020B0604030504040204" pitchFamily="34" charset="-120"/>
                 <a:ea typeface="微軟正黑體" panose="020B0604030504040204" pitchFamily="34" charset="-120"/>
               </a:rPr>
-              <a:t>(</a:t>
-            </a:r>
-            <a:r>
-              <a:rPr lang="zh-TW" altLang="en-US" sz="6000" dirty="0">
+              <a:t>DMZ</a:t>
+            </a:r>
+            <a:r>
+              <a:rPr lang="zh-TW" altLang="en-US" dirty="0">
+                <a:solidFill>
+                  <a:schemeClr val="tx1"/>
+                </a:solidFill>
                 <a:latin typeface="微軟正黑體" panose="020B0604030504040204" pitchFamily="34" charset="-120"/>
                 <a:ea typeface="微軟正黑體" panose="020B0604030504040204" pitchFamily="34" charset="-120"/>
               </a:rPr>
-              <a:t>舊架構</a:t>
-            </a:r>
-            <a:r>
-              <a:rPr lang="en-US" altLang="zh-TW" sz="6000" dirty="0">
+              <a:t>區</a:t>
+            </a:r>
+            <a:r>
+              <a:rPr lang="en-US" altLang="zh-TW" dirty="0">
+                <a:solidFill>
+                  <a:schemeClr val="tx1"/>
+                </a:solidFill>
                 <a:latin typeface="微軟正黑體" panose="020B0604030504040204" pitchFamily="34" charset="-120"/>
                 <a:ea typeface="微軟正黑體" panose="020B0604030504040204" pitchFamily="34" charset="-120"/>
               </a:rPr>
-              <a:t>)</a:t>
-            </a:r>
-            <a:br>
-              <a:rPr lang="en-US" altLang="zh-TW" sz="6000" dirty="0">
+              <a:t>:</a:t>
+            </a:r>
+            <a:r>
+              <a:rPr lang="zh-TW" altLang="en-US" dirty="0">
+                <a:solidFill>
+                  <a:schemeClr val="tx1"/>
+                </a:solidFill>
                 <a:latin typeface="微軟正黑體" panose="020B0604030504040204" pitchFamily="34" charset="-120"/>
                 <a:ea typeface="微軟正黑體" panose="020B0604030504040204" pitchFamily="34" charset="-120"/>
               </a:rPr>
-            </a:br>
-            <a:endParaRPr sz="6000" dirty="0"/>
+              <a:t> </a:t>
+            </a:r>
+            <a:r>
+              <a:rPr lang="zh-TW" altLang="en-US" b="0" i="0" dirty="0">
+                <a:solidFill>
+                  <a:srgbClr val="333333"/>
+                </a:solidFill>
+                <a:effectLst/>
+                <a:highlight>
+                  <a:srgbClr val="FFFFFF"/>
+                </a:highlight>
+                <a:latin typeface="Arial" panose="020B0604020202020204" pitchFamily="34" charset="0"/>
+              </a:rPr>
+              <a:t>非軍事區，用來保護內部網路組織抵禦外部威脅，位於公司內部網絡和 </a:t>
+            </a:r>
+            <a:r>
+              <a:rPr lang="en-US" altLang="zh-TW" b="0" i="0" dirty="0">
+                <a:solidFill>
+                  <a:srgbClr val="333333"/>
+                </a:solidFill>
+                <a:effectLst/>
+                <a:highlight>
+                  <a:srgbClr val="FFFFFF"/>
+                </a:highlight>
+                <a:latin typeface="Arial" panose="020B0604020202020204" pitchFamily="34" charset="0"/>
+              </a:rPr>
+              <a:t>Internet </a:t>
+            </a:r>
+            <a:r>
+              <a:rPr lang="zh-TW" altLang="en-US" b="0" i="0" dirty="0">
+                <a:solidFill>
+                  <a:srgbClr val="333333"/>
+                </a:solidFill>
+                <a:effectLst/>
+                <a:highlight>
+                  <a:srgbClr val="FFFFFF"/>
+                </a:highlight>
+                <a:latin typeface="Arial" panose="020B0604020202020204" pitchFamily="34" charset="0"/>
+              </a:rPr>
+              <a:t>之間的小型子網，充當兩者之間的緩衝區。</a:t>
+            </a:r>
+            <a:endParaRPr lang="en-US" altLang="zh-TW" dirty="0">
+              <a:solidFill>
+                <a:schemeClr val="tx1"/>
+              </a:solidFill>
+              <a:latin typeface="微軟正黑體" panose="020B0604030504040204" pitchFamily="34" charset="-120"/>
+              <a:ea typeface="微軟正黑體" panose="020B0604030504040204" pitchFamily="34" charset="-120"/>
+            </a:endParaRPr>
           </a:p>
         </p:txBody>
       </p:sp>
+      <p:pic>
+        <p:nvPicPr>
+          <p:cNvPr id="2" name="圖片 1">
+            <a:extLst>
+              <a:ext uri="{FF2B5EF4-FFF2-40B4-BE49-F238E27FC236}">
+                <a16:creationId xmlns:a16="http://schemas.microsoft.com/office/drawing/2014/main" id="{D0F12179-A9FD-3376-60D5-9B55F361CF1D}"/>
+              </a:ext>
+            </a:extLst>
+          </p:cNvPr>
+          <p:cNvPicPr>
+            <a:picLocks noChangeAspect="1"/>
+          </p:cNvPicPr>
+          <p:nvPr/>
+        </p:nvPicPr>
+        <p:blipFill>
+          <a:blip r:embed="rId2"/>
+          <a:stretch>
+            <a:fillRect/>
+          </a:stretch>
+        </p:blipFill>
+        <p:spPr>
+          <a:xfrm>
+            <a:off x="2136371" y="3306685"/>
+            <a:ext cx="4231177" cy="3286718"/>
+          </a:xfrm>
+          <a:prstGeom prst="rect">
+            <a:avLst/>
+          </a:prstGeom>
+        </p:spPr>
+      </p:pic>
     </p:spTree>
     <p:extLst>
       <p:ext uri="{BB962C8B-B14F-4D97-AF65-F5344CB8AC3E}">
-        <p14:creationId xmlns:p14="http://schemas.microsoft.com/office/powerpoint/2010/main" val="1384828966"/>
+        <p14:creationId xmlns:p14="http://schemas.microsoft.com/office/powerpoint/2010/main" val="1281764100"/>
       </p:ext>
     </p:extLst>
   </p:cSld>
@@ -14070,46 +14879,7 @@
                 <a:latin typeface="微軟正黑體" panose="020B0604030504040204" pitchFamily="34" charset="-120"/>
                 <a:ea typeface="微軟正黑體" panose="020B0604030504040204" pitchFamily="34" charset="-120"/>
               </a:rPr>
-              <a:t>採一站式架構系統</a:t>
-            </a:r>
-            <a:br>
-              <a:rPr lang="en-US" altLang="zh-TW" sz="6000" dirty="0">
-                <a:solidFill>
-                  <a:srgbClr val="C08225"/>
-                </a:solidFill>
-                <a:latin typeface="微軟正黑體" panose="020B0604030504040204" pitchFamily="34" charset="-120"/>
-                <a:ea typeface="微軟正黑體" panose="020B0604030504040204" pitchFamily="34" charset="-120"/>
-              </a:rPr>
-            </a:br>
-            <a:r>
-              <a:rPr lang="en-US" altLang="zh-TW" sz="6000" dirty="0">
-                <a:solidFill>
-                  <a:srgbClr val="C08225"/>
-                </a:solidFill>
-                <a:latin typeface="微軟正黑體" panose="020B0604030504040204" pitchFamily="34" charset="-120"/>
-                <a:ea typeface="微軟正黑體" panose="020B0604030504040204" pitchFamily="34" charset="-120"/>
-              </a:rPr>
-              <a:t>(</a:t>
-            </a:r>
-            <a:r>
-              <a:rPr lang="zh-TW" altLang="en-US" sz="6000" dirty="0">
-                <a:solidFill>
-                  <a:srgbClr val="C08225"/>
-                </a:solidFill>
-                <a:latin typeface="微軟正黑體" panose="020B0604030504040204" pitchFamily="34" charset="-120"/>
-                <a:ea typeface="微軟正黑體" panose="020B0604030504040204" pitchFamily="34" charset="-120"/>
-              </a:rPr>
-              <a:t>舊架構</a:t>
-            </a:r>
-            <a:r>
-              <a:rPr lang="en-US" altLang="zh-TW" sz="6000" dirty="0">
-                <a:solidFill>
-                  <a:srgbClr val="C08225"/>
-                </a:solidFill>
-                <a:latin typeface="微軟正黑體" panose="020B0604030504040204" pitchFamily="34" charset="-120"/>
-                <a:ea typeface="微軟正黑體" panose="020B0604030504040204" pitchFamily="34" charset="-120"/>
-              </a:rPr>
-              <a:t>)</a:t>
+              <a:t>中心網站系統架構</a:t>
             </a:r>
           </a:p>
         </p:txBody>
@@ -14125,6 +14895,10 @@
           </p:nvPr>
         </p:nvSpPr>
         <p:spPr>
+          <a:xfrm>
+            <a:off x="457200" y="1600199"/>
+            <a:ext cx="8229600" cy="3462251"/>
+          </a:xfrm>
           <a:prstGeom prst="rect">
             <a:avLst/>
           </a:prstGeom>
@@ -14153,22 +14927,14 @@
             </a:pPr>
             <a:r>
               <a:rPr lang="en-US" altLang="zh-TW" dirty="0">
+                <a:solidFill>
+                  <a:schemeClr val="tx1"/>
+                </a:solidFill>
                 <a:latin typeface="微軟正黑體" panose="020B0604030504040204" pitchFamily="34" charset="-120"/>
                 <a:ea typeface="微軟正黑體" panose="020B0604030504040204" pitchFamily="34" charset="-120"/>
               </a:rPr>
-              <a:t>1.</a:t>
-            </a:r>
-            <a:r>
-              <a:rPr lang="zh-TW" altLang="en-US" dirty="0">
-                <a:latin typeface="微軟正黑體" panose="020B0604030504040204" pitchFamily="34" charset="-120"/>
-                <a:ea typeface="微軟正黑體" panose="020B0604030504040204" pitchFamily="34" charset="-120"/>
-              </a:rPr>
-              <a:t> 舊官網</a:t>
-            </a:r>
-            <a:endParaRPr lang="en-US" altLang="zh-TW" dirty="0">
-              <a:latin typeface="微軟正黑體" panose="020B0604030504040204" pitchFamily="34" charset="-120"/>
-              <a:ea typeface="微軟正黑體" panose="020B0604030504040204" pitchFamily="34" charset="-120"/>
-            </a:endParaRPr>
+              <a:t>Nginx server</a:t>
+            </a:r>
           </a:p>
           <a:p>
             <a:pPr defTabSz="914400">
@@ -14190,30 +14956,92 @@
               </a:defRPr>
             </a:pPr>
             <a:r>
-              <a:rPr lang="en-US" altLang="zh-TW" dirty="0">
+              <a:rPr lang="zh-TW" altLang="en-US" dirty="0">
+                <a:solidFill>
+                  <a:schemeClr val="tx1"/>
+                </a:solidFill>
                 <a:latin typeface="微軟正黑體" panose="020B0604030504040204" pitchFamily="34" charset="-120"/>
                 <a:ea typeface="微軟正黑體" panose="020B0604030504040204" pitchFamily="34" charset="-120"/>
               </a:rPr>
-              <a:t>2.</a:t>
-            </a:r>
-            <a:r>
-              <a:rPr lang="zh-TW" altLang="en-US" dirty="0">
+              <a:t>靜態</a:t>
+            </a:r>
+            <a:r>
+              <a:rPr lang="en-US" altLang="zh-TW" dirty="0">
+                <a:solidFill>
+                  <a:schemeClr val="tx1"/>
+                </a:solidFill>
                 <a:latin typeface="微軟正黑體" panose="020B0604030504040204" pitchFamily="34" charset="-120"/>
                 <a:ea typeface="微軟正黑體" panose="020B0604030504040204" pitchFamily="34" charset="-120"/>
               </a:rPr>
-              <a:t> 產業價值鏈資訊平台</a:t>
-            </a:r>
-            <a:endParaRPr lang="en-US" altLang="zh-TW" dirty="0">
-              <a:latin typeface="微軟正黑體" panose="020B0604030504040204" pitchFamily="34" charset="-120"/>
-              <a:ea typeface="微軟正黑體" panose="020B0604030504040204" pitchFamily="34" charset="-120"/>
-            </a:endParaRPr>
+              <a:t>HTTP</a:t>
+            </a:r>
+            <a:r>
+              <a:rPr lang="zh-TW" altLang="en-US" dirty="0">
+                <a:solidFill>
+                  <a:schemeClr val="tx1"/>
+                </a:solidFill>
+                <a:latin typeface="微軟正黑體" panose="020B0604030504040204" pitchFamily="34" charset="-120"/>
+                <a:ea typeface="微軟正黑體" panose="020B0604030504040204" pitchFamily="34" charset="-120"/>
+              </a:rPr>
+              <a:t>伺服器，前端的的靜態資源會放到</a:t>
+            </a:r>
+            <a:r>
+              <a:rPr lang="en-US" altLang="zh-TW" dirty="0">
+                <a:solidFill>
+                  <a:schemeClr val="tx1"/>
+                </a:solidFill>
+                <a:latin typeface="微軟正黑體" panose="020B0604030504040204" pitchFamily="34" charset="-120"/>
+                <a:ea typeface="微軟正黑體" panose="020B0604030504040204" pitchFamily="34" charset="-120"/>
+              </a:rPr>
+              <a:t>Nginx</a:t>
+            </a:r>
+            <a:r>
+              <a:rPr lang="zh-TW" altLang="en-US" dirty="0">
+                <a:solidFill>
+                  <a:schemeClr val="tx1"/>
+                </a:solidFill>
+                <a:latin typeface="微軟正黑體" panose="020B0604030504040204" pitchFamily="34" charset="-120"/>
+                <a:ea typeface="微軟正黑體" panose="020B0604030504040204" pitchFamily="34" charset="-120"/>
+              </a:rPr>
+              <a:t>裡面，當</a:t>
+            </a:r>
+            <a:r>
+              <a:rPr lang="en-US" altLang="zh-TW" dirty="0">
+                <a:solidFill>
+                  <a:schemeClr val="tx1"/>
+                </a:solidFill>
+                <a:latin typeface="微軟正黑體" panose="020B0604030504040204" pitchFamily="34" charset="-120"/>
+                <a:ea typeface="微軟正黑體" panose="020B0604030504040204" pitchFamily="34" charset="-120"/>
+              </a:rPr>
+              <a:t>request path</a:t>
+            </a:r>
+            <a:r>
+              <a:rPr lang="zh-TW" altLang="en-US" dirty="0">
+                <a:solidFill>
+                  <a:schemeClr val="tx1"/>
+                </a:solidFill>
+                <a:latin typeface="微軟正黑體" panose="020B0604030504040204" pitchFamily="34" charset="-120"/>
+                <a:ea typeface="微軟正黑體" panose="020B0604030504040204" pitchFamily="34" charset="-120"/>
+              </a:rPr>
+              <a:t>有對到對應的設定，就會到指定的位置取得靜態資源。</a:t>
+            </a:r>
+            <a:r>
+              <a:rPr lang="en-US" altLang="zh-TW" dirty="0">
+                <a:solidFill>
+                  <a:schemeClr val="tx1"/>
+                </a:solidFill>
+                <a:latin typeface="微軟正黑體" panose="020B0604030504040204" pitchFamily="34" charset="-120"/>
+                <a:ea typeface="微軟正黑體" panose="020B0604030504040204" pitchFamily="34" charset="-120"/>
+              </a:rPr>
+              <a:t>(HTML/CSS/JS)</a:t>
+            </a:r>
           </a:p>
         </p:txBody>
       </p:sp>
     </p:spTree>
     <p:extLst>
       <p:ext uri="{BB962C8B-B14F-4D97-AF65-F5344CB8AC3E}">
-        <p14:creationId xmlns:p14="http://schemas.microsoft.com/office/powerpoint/2010/main" val="852673905"/>
+        <p14:creationId xmlns:p14="http://schemas.microsoft.com/office/powerpoint/2010/main" val="2041259958"/>
       </p:ext>
     </p:extLst>
   </p:cSld>
@@ -14243,7 +15071,7 @@
       </p:grpSpPr>
       <p:sp>
         <p:nvSpPr>
-          <p:cNvPr id="214" name="壹.櫃買市場狀況"/>
+          <p:cNvPr id="402" name="中小規模企業掛牌首選之交易所"/>
           <p:cNvSpPr txBox="1">
             <a:spLocks noGrp="1"/>
           </p:cNvSpPr>
@@ -14253,7 +15081,7 @@
         </p:nvSpPr>
         <p:spPr>
           <a:xfrm>
-            <a:off x="370114" y="2751139"/>
+            <a:off x="457200" y="53974"/>
             <a:ext cx="8229600" cy="1508126"/>
           </a:xfrm>
           <a:prstGeom prst="rect">
@@ -14262,50 +15090,267 @@
         </p:spPr>
         <p:txBody>
           <a:bodyPr/>
-          <a:lstStyle/>
+          <a:lstStyle>
+            <a:lvl1pPr defTabSz="457200">
+              <a:lnSpc>
+                <a:spcPct val="100000"/>
+              </a:lnSpc>
+              <a:defRPr sz="3200">
+                <a:solidFill>
+                  <a:srgbClr val="805F0A"/>
+                </a:solidFill>
+              </a:defRPr>
+            </a:lvl1pPr>
+          </a:lstStyle>
           <a:p>
             <a:r>
               <a:rPr lang="zh-TW" altLang="en-US" sz="6000" dirty="0">
+                <a:solidFill>
+                  <a:srgbClr val="C08225"/>
+                </a:solidFill>
                 <a:latin typeface="微軟正黑體" panose="020B0604030504040204" pitchFamily="34" charset="-120"/>
                 <a:ea typeface="微軟正黑體" panose="020B0604030504040204" pitchFamily="34" charset="-120"/>
               </a:rPr>
-              <a:t>三、採前後端分離式架構系統</a:t>
-            </a:r>
-            <a:r>
-              <a:rPr lang="en-US" altLang="zh-TW" sz="6000" dirty="0">
+              <a:t>中心網站系統架構</a:t>
+            </a:r>
+          </a:p>
+        </p:txBody>
+      </p:sp>
+      <p:sp>
+        <p:nvSpPr>
+          <p:cNvPr id="403" name="櫃買中心為股票及債券均健全發展且 表現亮眼之雙引擎市場…"/>
+          <p:cNvSpPr txBox="1">
+            <a:spLocks noGrp="1"/>
+          </p:cNvSpPr>
+          <p:nvPr>
+            <p:ph type="body" idx="1"/>
+          </p:nvPr>
+        </p:nvSpPr>
+        <p:spPr>
+          <a:xfrm>
+            <a:off x="457200" y="1600199"/>
+            <a:ext cx="8229600" cy="3462251"/>
+          </a:xfrm>
+          <a:prstGeom prst="rect">
+            <a:avLst/>
+          </a:prstGeom>
+        </p:spPr>
+        <p:txBody>
+          <a:bodyPr/>
+          <a:lstStyle/>
+          <a:p>
+            <a:pPr defTabSz="914400">
+              <a:spcBef>
+                <a:spcPts val="2200"/>
+              </a:spcBef>
+              <a:buClrTx/>
+              <a:buSzPct val="100000"/>
+              <a:buFont typeface="Wingdings" panose="05000000000000000000" pitchFamily="2" charset="2"/>
+              <a:buChar char="n"/>
+              <a:defRPr>
+                <a:solidFill>
+                  <a:srgbClr val="000000"/>
+                </a:solidFill>
+                <a:latin typeface="PingFang TC Semibold"/>
+                <a:ea typeface="PingFang TC Semibold"/>
+                <a:cs typeface="PingFang TC Semibold"/>
+                <a:sym typeface="PingFang TC Semibold"/>
+              </a:defRPr>
+            </a:pPr>
+            <a:r>
+              <a:rPr lang="en-US" altLang="zh-TW" dirty="0">
+                <a:solidFill>
+                  <a:schemeClr val="tx1"/>
+                </a:solidFill>
                 <a:latin typeface="微軟正黑體" panose="020B0604030504040204" pitchFamily="34" charset="-120"/>
                 <a:ea typeface="微軟正黑體" panose="020B0604030504040204" pitchFamily="34" charset="-120"/>
               </a:rPr>
-              <a:t>(</a:t>
-            </a:r>
-            <a:r>
-              <a:rPr lang="zh-TW" altLang="en-US" sz="6000" dirty="0">
+              <a:t>Tomcat server: Tomcat</a:t>
+            </a:r>
+            <a:r>
+              <a:rPr lang="zh-TW" altLang="en-US" dirty="0">
+                <a:solidFill>
+                  <a:schemeClr val="tx1"/>
+                </a:solidFill>
                 <a:latin typeface="微軟正黑體" panose="020B0604030504040204" pitchFamily="34" charset="-120"/>
                 <a:ea typeface="微軟正黑體" panose="020B0604030504040204" pitchFamily="34" charset="-120"/>
               </a:rPr>
-              <a:t>新架構</a:t>
-            </a:r>
-            <a:r>
-              <a:rPr lang="en-US" altLang="zh-TW" sz="6000" dirty="0">
+              <a:t>是</a:t>
+            </a:r>
+            <a:r>
+              <a:rPr lang="en-US" altLang="zh-TW" dirty="0">
+                <a:solidFill>
+                  <a:schemeClr val="tx1"/>
+                </a:solidFill>
                 <a:latin typeface="微軟正黑體" panose="020B0604030504040204" pitchFamily="34" charset="-120"/>
                 <a:ea typeface="微軟正黑體" panose="020B0604030504040204" pitchFamily="34" charset="-120"/>
               </a:rPr>
-              <a:t>)</a:t>
-            </a:r>
-            <a:br>
-              <a:rPr lang="en-US" altLang="zh-TW" sz="6000" dirty="0">
+              <a:t>web</a:t>
+            </a:r>
+            <a:r>
+              <a:rPr lang="zh-TW" altLang="en-US" dirty="0">
+                <a:solidFill>
+                  <a:schemeClr val="tx1"/>
+                </a:solidFill>
                 <a:latin typeface="微軟正黑體" panose="020B0604030504040204" pitchFamily="34" charset="-120"/>
                 <a:ea typeface="微軟正黑體" panose="020B0604030504040204" pitchFamily="34" charset="-120"/>
               </a:rPr>
-            </a:br>
-            <a:endParaRPr sz="6000" dirty="0"/>
+              <a:t>容器。你在做</a:t>
+            </a:r>
+            <a:r>
+              <a:rPr lang="en-US" altLang="zh-TW" dirty="0">
+                <a:solidFill>
+                  <a:schemeClr val="tx1"/>
+                </a:solidFill>
+                <a:latin typeface="微軟正黑體" panose="020B0604030504040204" pitchFamily="34" charset="-120"/>
+                <a:ea typeface="微軟正黑體" panose="020B0604030504040204" pitchFamily="34" charset="-120"/>
+              </a:rPr>
+              <a:t>web</a:t>
+            </a:r>
+            <a:r>
+              <a:rPr lang="zh-TW" altLang="en-US" dirty="0">
+                <a:solidFill>
+                  <a:schemeClr val="tx1"/>
+                </a:solidFill>
+                <a:latin typeface="微軟正黑體" panose="020B0604030504040204" pitchFamily="34" charset="-120"/>
+                <a:ea typeface="微軟正黑體" panose="020B0604030504040204" pitchFamily="34" charset="-120"/>
+              </a:rPr>
+              <a:t>項目時，多數需要</a:t>
+            </a:r>
+            <a:r>
+              <a:rPr lang="en-US" altLang="zh-TW" dirty="0">
+                <a:solidFill>
+                  <a:schemeClr val="tx1"/>
+                </a:solidFill>
+                <a:latin typeface="微軟正黑體" panose="020B0604030504040204" pitchFamily="34" charset="-120"/>
+                <a:ea typeface="微軟正黑體" panose="020B0604030504040204" pitchFamily="34" charset="-120"/>
+              </a:rPr>
+              <a:t>http</a:t>
+            </a:r>
+            <a:r>
+              <a:rPr lang="zh-TW" altLang="en-US" dirty="0">
+                <a:solidFill>
+                  <a:schemeClr val="tx1"/>
+                </a:solidFill>
+                <a:latin typeface="微軟正黑體" panose="020B0604030504040204" pitchFamily="34" charset="-120"/>
+                <a:ea typeface="微軟正黑體" panose="020B0604030504040204" pitchFamily="34" charset="-120"/>
+              </a:rPr>
+              <a:t>協議，也就是基於請求和響應，比如你在百度輸入一行內容搜索，那麼百度服務器如何處理這個請求呢，他需要創建</a:t>
+            </a:r>
+            <a:r>
+              <a:rPr lang="en-US" altLang="zh-TW" dirty="0">
+                <a:solidFill>
+                  <a:schemeClr val="tx1"/>
+                </a:solidFill>
+                <a:latin typeface="微軟正黑體" panose="020B0604030504040204" pitchFamily="34" charset="-120"/>
+                <a:ea typeface="微軟正黑體" panose="020B0604030504040204" pitchFamily="34" charset="-120"/>
+              </a:rPr>
+              <a:t>servlet</a:t>
+            </a:r>
+            <a:r>
+              <a:rPr lang="zh-TW" altLang="en-US" dirty="0">
+                <a:solidFill>
+                  <a:schemeClr val="tx1"/>
+                </a:solidFill>
+                <a:latin typeface="微軟正黑體" panose="020B0604030504040204" pitchFamily="34" charset="-120"/>
+                <a:ea typeface="微軟正黑體" panose="020B0604030504040204" pitchFamily="34" charset="-120"/>
+              </a:rPr>
+              <a:t>來處理，</a:t>
+            </a:r>
+            <a:r>
+              <a:rPr lang="en-US" altLang="zh-TW" dirty="0">
+                <a:solidFill>
+                  <a:schemeClr val="tx1"/>
+                </a:solidFill>
+                <a:latin typeface="微軟正黑體" panose="020B0604030504040204" pitchFamily="34" charset="-120"/>
+                <a:ea typeface="微軟正黑體" panose="020B0604030504040204" pitchFamily="34" charset="-120"/>
+              </a:rPr>
+              <a:t>servlet</a:t>
+            </a:r>
+            <a:r>
+              <a:rPr lang="zh-TW" altLang="en-US" dirty="0">
+                <a:solidFill>
+                  <a:schemeClr val="tx1"/>
+                </a:solidFill>
+                <a:latin typeface="微軟正黑體" panose="020B0604030504040204" pitchFamily="34" charset="-120"/>
+                <a:ea typeface="微軟正黑體" panose="020B0604030504040204" pitchFamily="34" charset="-120"/>
+              </a:rPr>
+              <a:t>其實就是</a:t>
+            </a:r>
+            <a:r>
+              <a:rPr lang="en-US" altLang="zh-TW" dirty="0">
+                <a:solidFill>
+                  <a:schemeClr val="tx1"/>
+                </a:solidFill>
+                <a:latin typeface="微軟正黑體" panose="020B0604030504040204" pitchFamily="34" charset="-120"/>
+                <a:ea typeface="微軟正黑體" panose="020B0604030504040204" pitchFamily="34" charset="-120"/>
+              </a:rPr>
+              <a:t>java</a:t>
+            </a:r>
+            <a:r>
+              <a:rPr lang="zh-TW" altLang="en-US" dirty="0">
+                <a:solidFill>
+                  <a:schemeClr val="tx1"/>
+                </a:solidFill>
+                <a:latin typeface="微軟正黑體" panose="020B0604030504040204" pitchFamily="34" charset="-120"/>
+                <a:ea typeface="微軟正黑體" panose="020B0604030504040204" pitchFamily="34" charset="-120"/>
+              </a:rPr>
+              <a:t>程序，只是在服務器端的</a:t>
+            </a:r>
+            <a:r>
+              <a:rPr lang="en-US" altLang="zh-TW" dirty="0">
+                <a:solidFill>
+                  <a:schemeClr val="tx1"/>
+                </a:solidFill>
+                <a:latin typeface="微軟正黑體" panose="020B0604030504040204" pitchFamily="34" charset="-120"/>
+                <a:ea typeface="微軟正黑體" panose="020B0604030504040204" pitchFamily="34" charset="-120"/>
+              </a:rPr>
+              <a:t>java</a:t>
+            </a:r>
+            <a:r>
+              <a:rPr lang="zh-TW" altLang="en-US" dirty="0">
+                <a:solidFill>
+                  <a:schemeClr val="tx1"/>
+                </a:solidFill>
+                <a:latin typeface="微軟正黑體" panose="020B0604030504040204" pitchFamily="34" charset="-120"/>
+                <a:ea typeface="微軟正黑體" panose="020B0604030504040204" pitchFamily="34" charset="-120"/>
+              </a:rPr>
+              <a:t>程序</a:t>
+            </a:r>
+            <a:r>
+              <a:rPr lang="en-US" altLang="zh-TW" dirty="0">
+                <a:solidFill>
+                  <a:schemeClr val="tx1"/>
+                </a:solidFill>
+                <a:latin typeface="微軟正黑體" panose="020B0604030504040204" pitchFamily="34" charset="-120"/>
+                <a:ea typeface="微軟正黑體" panose="020B0604030504040204" pitchFamily="34" charset="-120"/>
+              </a:rPr>
+              <a:t>servlet</a:t>
+            </a:r>
+            <a:r>
+              <a:rPr lang="zh-TW" altLang="en-US" dirty="0">
+                <a:solidFill>
+                  <a:schemeClr val="tx1"/>
+                </a:solidFill>
+                <a:latin typeface="微軟正黑體" panose="020B0604030504040204" pitchFamily="34" charset="-120"/>
+                <a:ea typeface="微軟正黑體" panose="020B0604030504040204" pitchFamily="34" charset="-120"/>
+              </a:rPr>
+              <a:t>通過配置文件攔截你的請求，並進行相應處理，然後展示給你相應界面</a:t>
+            </a:r>
+            <a:endParaRPr lang="en-US" altLang="zh-TW" dirty="0">
+              <a:solidFill>
+                <a:schemeClr val="tx1"/>
+              </a:solidFill>
+              <a:latin typeface="微軟正黑體" panose="020B0604030504040204" pitchFamily="34" charset="-120"/>
+              <a:ea typeface="微軟正黑體" panose="020B0604030504040204" pitchFamily="34" charset="-120"/>
+            </a:endParaRPr>
           </a:p>
         </p:txBody>
       </p:sp>
     </p:spTree>
     <p:extLst>
       <p:ext uri="{BB962C8B-B14F-4D97-AF65-F5344CB8AC3E}">
-        <p14:creationId xmlns:p14="http://schemas.microsoft.com/office/powerpoint/2010/main" val="1745065154"/>
+        <p14:creationId xmlns:p14="http://schemas.microsoft.com/office/powerpoint/2010/main" val="605769968"/>
       </p:ext>
     </p:extLst>
   </p:cSld>
@@ -14375,39 +15420,8 @@
                 <a:latin typeface="微軟正黑體" panose="020B0604030504040204" pitchFamily="34" charset="-120"/>
                 <a:ea typeface="微軟正黑體" panose="020B0604030504040204" pitchFamily="34" charset="-120"/>
               </a:rPr>
-              <a:t>採前後端分離式架構系統</a:t>
-            </a:r>
-            <a:r>
-              <a:rPr lang="en-US" altLang="zh-TW" sz="6000" dirty="0">
-                <a:solidFill>
-                  <a:srgbClr val="C08225"/>
-                </a:solidFill>
-                <a:latin typeface="微軟正黑體" panose="020B0604030504040204" pitchFamily="34" charset="-120"/>
-                <a:ea typeface="微軟正黑體" panose="020B0604030504040204" pitchFamily="34" charset="-120"/>
-              </a:rPr>
-              <a:t>(</a:t>
-            </a:r>
-            <a:r>
-              <a:rPr lang="zh-TW" altLang="en-US" sz="6000" dirty="0">
-                <a:solidFill>
-                  <a:srgbClr val="C08225"/>
-                </a:solidFill>
-                <a:latin typeface="微軟正黑體" panose="020B0604030504040204" pitchFamily="34" charset="-120"/>
-                <a:ea typeface="微軟正黑體" panose="020B0604030504040204" pitchFamily="34" charset="-120"/>
-              </a:rPr>
-              <a:t>新架構</a:t>
-            </a:r>
-            <a:r>
-              <a:rPr lang="en-US" altLang="zh-TW" sz="6000" dirty="0">
-                <a:solidFill>
-                  <a:srgbClr val="C08225"/>
-                </a:solidFill>
-                <a:latin typeface="微軟正黑體" panose="020B0604030504040204" pitchFamily="34" charset="-120"/>
-                <a:ea typeface="微軟正黑體" panose="020B0604030504040204" pitchFamily="34" charset="-120"/>
-              </a:rPr>
-              <a:t>)</a:t>
-            </a:r>
-            <a:endParaRPr lang="zh-TW" altLang="en-US" sz="6000" dirty="0"/>
+              <a:t>中心網站系統架構</a:t>
+            </a:r>
           </a:p>
         </p:txBody>
       </p:sp>
@@ -14422,6 +15436,10 @@
           </p:nvPr>
         </p:nvSpPr>
         <p:spPr>
+          <a:xfrm>
+            <a:off x="457200" y="1600199"/>
+            <a:ext cx="8229600" cy="3462251"/>
+          </a:xfrm>
           <a:prstGeom prst="rect">
             <a:avLst/>
           </a:prstGeom>
@@ -14448,162 +15466,20 @@
                 <a:sym typeface="PingFang TC Semibold"/>
               </a:defRPr>
             </a:pPr>
-            <a:r>
-              <a:rPr lang="en-US" altLang="zh-TW" dirty="0">
-                <a:latin typeface="微軟正黑體" panose="020B0604030504040204" pitchFamily="34" charset="-120"/>
-                <a:ea typeface="微軟正黑體" panose="020B0604030504040204" pitchFamily="34" charset="-120"/>
-              </a:rPr>
-              <a:t>1.</a:t>
-            </a:r>
-            <a:r>
-              <a:rPr lang="zh-TW" altLang="en-US" dirty="0">
-                <a:latin typeface="微軟正黑體" panose="020B0604030504040204" pitchFamily="34" charset="-120"/>
-                <a:ea typeface="微軟正黑體" panose="020B0604030504040204" pitchFamily="34" charset="-120"/>
-              </a:rPr>
-              <a:t> 新官網</a:t>
-            </a:r>
             <a:endParaRPr lang="en-US" altLang="zh-TW" dirty="0">
+              <a:solidFill>
+                <a:schemeClr val="tx1"/>
+              </a:solidFill>
               <a:latin typeface="微軟正黑體" panose="020B0604030504040204" pitchFamily="34" charset="-120"/>
               <a:ea typeface="微軟正黑體" panose="020B0604030504040204" pitchFamily="34" charset="-120"/>
             </a:endParaRPr>
-          </a:p>
-          <a:p>
-            <a:pPr defTabSz="914400">
-              <a:spcBef>
-                <a:spcPts val="2200"/>
-              </a:spcBef>
-              <a:buClrTx/>
-              <a:buSzPct val="100000"/>
-              <a:buFont typeface="Wingdings" panose="05000000000000000000" pitchFamily="2" charset="2"/>
-              <a:buChar char="n"/>
-              <a:defRPr>
-                <a:solidFill>
-                  <a:srgbClr val="000000"/>
-                </a:solidFill>
-                <a:latin typeface="PingFang TC Semibold"/>
-                <a:ea typeface="PingFang TC Semibold"/>
-                <a:cs typeface="PingFang TC Semibold"/>
-                <a:sym typeface="PingFang TC Semibold"/>
-              </a:defRPr>
-            </a:pPr>
-            <a:r>
-              <a:rPr lang="en-US" altLang="zh-TW" dirty="0">
-                <a:latin typeface="微軟正黑體" panose="020B0604030504040204" pitchFamily="34" charset="-120"/>
-                <a:ea typeface="微軟正黑體" panose="020B0604030504040204" pitchFamily="34" charset="-120"/>
-              </a:rPr>
-              <a:t>2.</a:t>
-            </a:r>
-            <a:r>
-              <a:rPr lang="zh-TW" altLang="en-US" dirty="0">
-                <a:latin typeface="微軟正黑體" panose="020B0604030504040204" pitchFamily="34" charset="-120"/>
-                <a:ea typeface="微軟正黑體" panose="020B0604030504040204" pitchFamily="34" charset="-120"/>
-              </a:rPr>
-              <a:t> 市場訊息中心</a:t>
-            </a:r>
-            <a:endParaRPr lang="en-US" altLang="zh-TW" dirty="0">
-              <a:latin typeface="微軟正黑體" panose="020B0604030504040204" pitchFamily="34" charset="-120"/>
-              <a:ea typeface="微軟正黑體" panose="020B0604030504040204" pitchFamily="34" charset="-120"/>
-            </a:endParaRPr>
-          </a:p>
-          <a:p>
-            <a:pPr defTabSz="914400">
-              <a:spcBef>
-                <a:spcPts val="2200"/>
-              </a:spcBef>
-              <a:buClrTx/>
-              <a:buSzPct val="100000"/>
-              <a:buFont typeface="Wingdings" panose="05000000000000000000" pitchFamily="2" charset="2"/>
-              <a:buChar char="n"/>
-              <a:defRPr>
-                <a:solidFill>
-                  <a:srgbClr val="000000"/>
-                </a:solidFill>
-                <a:latin typeface="PingFang TC Semibold"/>
-                <a:ea typeface="PingFang TC Semibold"/>
-                <a:cs typeface="PingFang TC Semibold"/>
-                <a:sym typeface="PingFang TC Semibold"/>
-              </a:defRPr>
-            </a:pPr>
-            <a:r>
-              <a:rPr lang="en-US" altLang="zh-TW" dirty="0">
-                <a:latin typeface="微軟正黑體" panose="020B0604030504040204" pitchFamily="34" charset="-120"/>
-                <a:ea typeface="微軟正黑體" panose="020B0604030504040204" pitchFamily="34" charset="-120"/>
-              </a:rPr>
-              <a:t>3.</a:t>
-            </a:r>
-            <a:r>
-              <a:rPr lang="zh-TW" altLang="en-US" dirty="0">
-                <a:latin typeface="微軟正黑體" panose="020B0604030504040204" pitchFamily="34" charset="-120"/>
-                <a:ea typeface="微軟正黑體" panose="020B0604030504040204" pitchFamily="34" charset="-120"/>
-              </a:rPr>
-              <a:t> </a:t>
-            </a:r>
-            <a:r>
-              <a:rPr lang="en-US" altLang="zh-TW" dirty="0">
-                <a:latin typeface="微軟正黑體" panose="020B0604030504040204" pitchFamily="34" charset="-120"/>
-                <a:ea typeface="微軟正黑體" panose="020B0604030504040204" pitchFamily="34" charset="-120"/>
-              </a:rPr>
-              <a:t>ETF</a:t>
-            </a:r>
-            <a:r>
-              <a:rPr lang="zh-TW" altLang="en-US" dirty="0">
-                <a:latin typeface="微軟正黑體" panose="020B0604030504040204" pitchFamily="34" charset="-120"/>
-                <a:ea typeface="微軟正黑體" panose="020B0604030504040204" pitchFamily="34" charset="-120"/>
-              </a:rPr>
-              <a:t>訊息中心</a:t>
-            </a:r>
-            <a:endParaRPr lang="en-US" altLang="zh-TW" dirty="0">
-              <a:latin typeface="微軟正黑體" panose="020B0604030504040204" pitchFamily="34" charset="-120"/>
-              <a:ea typeface="微軟正黑體" panose="020B0604030504040204" pitchFamily="34" charset="-120"/>
-            </a:endParaRPr>
-          </a:p>
-          <a:p>
-            <a:pPr defTabSz="914400">
-              <a:spcBef>
-                <a:spcPts val="2200"/>
-              </a:spcBef>
-              <a:buClrTx/>
-              <a:buSzPct val="100000"/>
-              <a:buFont typeface="Wingdings" panose="05000000000000000000" pitchFamily="2" charset="2"/>
-              <a:buChar char="n"/>
-              <a:defRPr>
-                <a:solidFill>
-                  <a:srgbClr val="000000"/>
-                </a:solidFill>
-                <a:latin typeface="PingFang TC Semibold"/>
-                <a:ea typeface="PingFang TC Semibold"/>
-                <a:cs typeface="PingFang TC Semibold"/>
-                <a:sym typeface="PingFang TC Semibold"/>
-              </a:defRPr>
-            </a:pPr>
-            <a:r>
-              <a:rPr lang="en-US" altLang="zh-TW" dirty="0">
-                <a:latin typeface="微軟正黑體" panose="020B0604030504040204" pitchFamily="34" charset="-120"/>
-                <a:ea typeface="微軟正黑體" panose="020B0604030504040204" pitchFamily="34" charset="-120"/>
-              </a:rPr>
-              <a:t>4.</a:t>
-            </a:r>
-            <a:r>
-              <a:rPr lang="zh-TW" altLang="en-US" dirty="0">
-                <a:latin typeface="微軟正黑體" panose="020B0604030504040204" pitchFamily="34" charset="-120"/>
-                <a:ea typeface="微軟正黑體" panose="020B0604030504040204" pitchFamily="34" charset="-120"/>
-              </a:rPr>
-              <a:t> 興櫃</a:t>
-            </a:r>
-            <a:r>
-              <a:rPr lang="en-US" altLang="zh-TW" dirty="0">
-                <a:latin typeface="微軟正黑體" panose="020B0604030504040204" pitchFamily="34" charset="-120"/>
-                <a:ea typeface="微軟正黑體" panose="020B0604030504040204" pitchFamily="34" charset="-120"/>
-              </a:rPr>
-              <a:t>MIS</a:t>
-            </a:r>
           </a:p>
         </p:txBody>
       </p:sp>
     </p:spTree>
     <p:extLst>
       <p:ext uri="{BB962C8B-B14F-4D97-AF65-F5344CB8AC3E}">
-        <p14:creationId xmlns:p14="http://schemas.microsoft.com/office/powerpoint/2010/main" val="3860312932"/>
+        <p14:creationId xmlns:p14="http://schemas.microsoft.com/office/powerpoint/2010/main" val="2419471092"/>
       </p:ext>
     </p:extLst>
   </p:cSld>
@@ -14659,8 +15535,35 @@
                 <a:latin typeface="微軟正黑體" panose="020B0604030504040204" pitchFamily="34" charset="-120"/>
                 <a:ea typeface="微軟正黑體" panose="020B0604030504040204" pitchFamily="34" charset="-120"/>
               </a:rPr>
-              <a:t>四、前後端分離式架構優點</a:t>
-            </a:r>
+              <a:t>二、採一站式架構系統</a:t>
+            </a:r>
+            <a:r>
+              <a:rPr lang="en-US" altLang="zh-TW" sz="6000" dirty="0">
+                <a:latin typeface="微軟正黑體" panose="020B0604030504040204" pitchFamily="34" charset="-120"/>
+                <a:ea typeface="微軟正黑體" panose="020B0604030504040204" pitchFamily="34" charset="-120"/>
+              </a:rPr>
+              <a:t>(</a:t>
+            </a:r>
+            <a:r>
+              <a:rPr lang="zh-TW" altLang="en-US" sz="6000" dirty="0">
+                <a:latin typeface="微軟正黑體" panose="020B0604030504040204" pitchFamily="34" charset="-120"/>
+                <a:ea typeface="微軟正黑體" panose="020B0604030504040204" pitchFamily="34" charset="-120"/>
+              </a:rPr>
+              <a:t>舊架構</a:t>
+            </a:r>
+            <a:r>
+              <a:rPr lang="en-US" altLang="zh-TW" sz="6000" dirty="0">
+                <a:latin typeface="微軟正黑體" panose="020B0604030504040204" pitchFamily="34" charset="-120"/>
+                <a:ea typeface="微軟正黑體" panose="020B0604030504040204" pitchFamily="34" charset="-120"/>
+              </a:rPr>
+              <a:t>)</a:t>
+            </a:r>
+            <a:br>
+              <a:rPr lang="en-US" altLang="zh-TW" sz="6000" dirty="0">
+                <a:latin typeface="微軟正黑體" panose="020B0604030504040204" pitchFamily="34" charset="-120"/>
+                <a:ea typeface="微軟正黑體" panose="020B0604030504040204" pitchFamily="34" charset="-120"/>
+              </a:rPr>
+            </a:br>
             <a:endParaRPr sz="6000" dirty="0"/>
           </a:p>
         </p:txBody>
@@ -14668,7 +15571,7 @@
     </p:spTree>
     <p:extLst>
       <p:ext uri="{BB962C8B-B14F-4D97-AF65-F5344CB8AC3E}">
-        <p14:creationId xmlns:p14="http://schemas.microsoft.com/office/powerpoint/2010/main" val="2837863183"/>
+        <p14:creationId xmlns:p14="http://schemas.microsoft.com/office/powerpoint/2010/main" val="1384828966"/>
       </p:ext>
     </p:extLst>
   </p:cSld>

--- a/期末報告/期末簡報_施詠舜.pptx
+++ b/期末報告/期末簡報_施詠舜.pptx
@@ -6,7 +6,7 @@
     <p:sldMasterId id="2147483675" r:id="rId2"/>
   </p:sldMasterIdLst>
   <p:notesMasterIdLst>
-    <p:notesMasterId r:id="rId22"/>
+    <p:notesMasterId r:id="rId25"/>
   </p:notesMasterIdLst>
   <p:sldIdLst>
     <p:sldId id="263" r:id="rId3"/>
@@ -17,17 +17,20 @@
     <p:sldId id="326" r:id="rId8"/>
     <p:sldId id="327" r:id="rId9"/>
     <p:sldId id="328" r:id="rId10"/>
-    <p:sldId id="314" r:id="rId11"/>
-    <p:sldId id="321" r:id="rId12"/>
-    <p:sldId id="315" r:id="rId13"/>
-    <p:sldId id="292" r:id="rId14"/>
-    <p:sldId id="316" r:id="rId15"/>
-    <p:sldId id="293" r:id="rId16"/>
-    <p:sldId id="323" r:id="rId17"/>
-    <p:sldId id="324" r:id="rId18"/>
-    <p:sldId id="317" r:id="rId19"/>
-    <p:sldId id="322" r:id="rId20"/>
-    <p:sldId id="289" r:id="rId21"/>
+    <p:sldId id="329" r:id="rId11"/>
+    <p:sldId id="330" r:id="rId12"/>
+    <p:sldId id="331" r:id="rId13"/>
+    <p:sldId id="314" r:id="rId14"/>
+    <p:sldId id="321" r:id="rId15"/>
+    <p:sldId id="315" r:id="rId16"/>
+    <p:sldId id="292" r:id="rId17"/>
+    <p:sldId id="316" r:id="rId18"/>
+    <p:sldId id="293" r:id="rId19"/>
+    <p:sldId id="323" r:id="rId20"/>
+    <p:sldId id="324" r:id="rId21"/>
+    <p:sldId id="317" r:id="rId22"/>
+    <p:sldId id="322" r:id="rId23"/>
+    <p:sldId id="289" r:id="rId24"/>
   </p:sldIdLst>
   <p:sldSz cx="9144000" cy="6858000" type="screen4x3"/>
   <p:notesSz cx="6858000" cy="9144000"/>
@@ -216,7 +219,7 @@
           <a:p>
             <a:fld id="{4850220F-07F6-4D17-A483-2B2CDA2CCD5E}" type="datetimeFigureOut">
               <a:rPr lang="zh-TW" altLang="en-US" smtClean="0"/>
-              <a:t>2024/10/9</a:t>
+              <a:t>2024/10/11</a:t>
             </a:fld>
             <a:endParaRPr lang="zh-TW" altLang="en-US"/>
           </a:p>
@@ -675,7 +678,7 @@
           <a:p>
             <a:fld id="{308767D9-3F77-4CD0-B6EF-E00D77286EC9}" type="datetimeFigureOut">
               <a:rPr lang="zh-TW" altLang="en-US" smtClean="0"/>
-              <a:t>2024/10/9</a:t>
+              <a:t>2024/10/11</a:t>
             </a:fld>
             <a:endParaRPr lang="zh-TW" altLang="en-US"/>
           </a:p>
@@ -845,7 +848,7 @@
           <a:p>
             <a:fld id="{308767D9-3F77-4CD0-B6EF-E00D77286EC9}" type="datetimeFigureOut">
               <a:rPr lang="zh-TW" altLang="en-US" smtClean="0"/>
-              <a:t>2024/10/9</a:t>
+              <a:t>2024/10/11</a:t>
             </a:fld>
             <a:endParaRPr lang="zh-TW" altLang="en-US"/>
           </a:p>
@@ -1025,7 +1028,7 @@
           <a:p>
             <a:fld id="{308767D9-3F77-4CD0-B6EF-E00D77286EC9}" type="datetimeFigureOut">
               <a:rPr lang="zh-TW" altLang="en-US" smtClean="0"/>
-              <a:t>2024/10/9</a:t>
+              <a:t>2024/10/11</a:t>
             </a:fld>
             <a:endParaRPr lang="zh-TW" altLang="en-US"/>
           </a:p>
@@ -5022,7 +5025,7 @@
           <a:p>
             <a:fld id="{308767D9-3F77-4CD0-B6EF-E00D77286EC9}" type="datetimeFigureOut">
               <a:rPr lang="zh-TW" altLang="en-US" smtClean="0"/>
-              <a:t>2024/10/9</a:t>
+              <a:t>2024/10/11</a:t>
             </a:fld>
             <a:endParaRPr lang="zh-TW" altLang="en-US"/>
           </a:p>
@@ -8630,7 +8633,7 @@
           <a:p>
             <a:fld id="{308767D9-3F77-4CD0-B6EF-E00D77286EC9}" type="datetimeFigureOut">
               <a:rPr lang="zh-TW" altLang="en-US" smtClean="0"/>
-              <a:t>2024/10/9</a:t>
+              <a:t>2024/10/11</a:t>
             </a:fld>
             <a:endParaRPr lang="zh-TW" altLang="en-US"/>
           </a:p>
@@ -8862,7 +8865,7 @@
           <a:p>
             <a:fld id="{308767D9-3F77-4CD0-B6EF-E00D77286EC9}" type="datetimeFigureOut">
               <a:rPr lang="zh-TW" altLang="en-US" smtClean="0"/>
-              <a:t>2024/10/9</a:t>
+              <a:t>2024/10/11</a:t>
             </a:fld>
             <a:endParaRPr lang="zh-TW" altLang="en-US"/>
           </a:p>
@@ -9229,7 +9232,7 @@
           <a:p>
             <a:fld id="{308767D9-3F77-4CD0-B6EF-E00D77286EC9}" type="datetimeFigureOut">
               <a:rPr lang="zh-TW" altLang="en-US" smtClean="0"/>
-              <a:t>2024/10/9</a:t>
+              <a:t>2024/10/11</a:t>
             </a:fld>
             <a:endParaRPr lang="zh-TW" altLang="en-US"/>
           </a:p>
@@ -9347,7 +9350,7 @@
           <a:p>
             <a:fld id="{308767D9-3F77-4CD0-B6EF-E00D77286EC9}" type="datetimeFigureOut">
               <a:rPr lang="zh-TW" altLang="en-US" smtClean="0"/>
-              <a:t>2024/10/9</a:t>
+              <a:t>2024/10/11</a:t>
             </a:fld>
             <a:endParaRPr lang="zh-TW" altLang="en-US"/>
           </a:p>
@@ -9442,7 +9445,7 @@
           <a:p>
             <a:fld id="{308767D9-3F77-4CD0-B6EF-E00D77286EC9}" type="datetimeFigureOut">
               <a:rPr lang="zh-TW" altLang="en-US" smtClean="0"/>
-              <a:t>2024/10/9</a:t>
+              <a:t>2024/10/11</a:t>
             </a:fld>
             <a:endParaRPr lang="zh-TW" altLang="en-US"/>
           </a:p>
@@ -9719,7 +9722,7 @@
           <a:p>
             <a:fld id="{308767D9-3F77-4CD0-B6EF-E00D77286EC9}" type="datetimeFigureOut">
               <a:rPr lang="zh-TW" altLang="en-US" smtClean="0"/>
-              <a:t>2024/10/9</a:t>
+              <a:t>2024/10/11</a:t>
             </a:fld>
             <a:endParaRPr lang="zh-TW" altLang="en-US"/>
           </a:p>
@@ -9976,7 +9979,7 @@
           <a:p>
             <a:fld id="{308767D9-3F77-4CD0-B6EF-E00D77286EC9}" type="datetimeFigureOut">
               <a:rPr lang="zh-TW" altLang="en-US" smtClean="0"/>
-              <a:t>2024/10/9</a:t>
+              <a:t>2024/10/11</a:t>
             </a:fld>
             <a:endParaRPr lang="zh-TW" altLang="en-US"/>
           </a:p>
@@ -10189,7 +10192,7 @@
           <a:p>
             <a:fld id="{308767D9-3F77-4CD0-B6EF-E00D77286EC9}" type="datetimeFigureOut">
               <a:rPr lang="zh-TW" altLang="en-US" smtClean="0"/>
-              <a:t>2024/10/9</a:t>
+              <a:t>2024/10/11</a:t>
             </a:fld>
             <a:endParaRPr lang="zh-TW" altLang="en-US"/>
           </a:p>
@@ -10653,7 +10656,7 @@
           </a:ln>
           <a:extLst>
             <a:ext uri="{C572A759-6A51-4108-AA02-DFA0A04FC94B}">
-              <ma14:wrappingTextBoxFlag xmlns:ma14="http://schemas.microsoft.com/office/mac/drawingml/2011/main" xmlns:a14="http://schemas.microsoft.com/office/drawing/2010/main" xmlns:m="http://schemas.openxmlformats.org/officeDocument/2006/math" xmlns="" val="1"/>
+              <ma14:wrappingTextBoxFlag xmlns="" xmlns:m="http://schemas.openxmlformats.org/officeDocument/2006/math" xmlns:a14="http://schemas.microsoft.com/office/drawing/2010/main" xmlns:ma14="http://schemas.microsoft.com/office/mac/drawingml/2011/main" val="1"/>
             </a:ext>
           </a:extLst>
         </p:spPr>
@@ -11914,7 +11917,7 @@
           </a:ln>
           <a:extLst>
             <a:ext uri="{C572A759-6A51-4108-AA02-DFA0A04FC94B}">
-              <ma14:wrappingTextBoxFlag xmlns:ma14="http://schemas.microsoft.com/office/mac/drawingml/2011/main" xmlns:a14="http://schemas.microsoft.com/office/drawing/2010/main" xmlns:m="http://schemas.openxmlformats.org/officeDocument/2006/math" xmlns="" val="1"/>
+              <ma14:wrappingTextBoxFlag xmlns="" xmlns:m="http://schemas.openxmlformats.org/officeDocument/2006/math" xmlns:a14="http://schemas.microsoft.com/office/drawing/2010/main" xmlns:ma14="http://schemas.microsoft.com/office/mac/drawingml/2011/main" val="1"/>
             </a:ext>
           </a:extLst>
         </p:spPr>
@@ -12116,6 +12119,507 @@
 </file>
 
 <file path=ppt/slides/slide10.xml><?xml version="1.0" encoding="utf-8"?>
+<p:sld xmlns:a="http://schemas.openxmlformats.org/drawingml/2006/main" xmlns:r="http://schemas.openxmlformats.org/officeDocument/2006/relationships" xmlns:p="http://schemas.openxmlformats.org/presentationml/2006/main">
+  <p:cSld>
+    <p:spTree>
+      <p:nvGrpSpPr>
+        <p:cNvPr id="1" name=""/>
+        <p:cNvGrpSpPr/>
+        <p:nvPr/>
+      </p:nvGrpSpPr>
+      <p:grpSpPr>
+        <a:xfrm>
+          <a:off x="0" y="0"/>
+          <a:ext cx="0" cy="0"/>
+          <a:chOff x="0" y="0"/>
+          <a:chExt cx="0" cy="0"/>
+        </a:xfrm>
+      </p:grpSpPr>
+      <p:sp>
+        <p:nvSpPr>
+          <p:cNvPr id="402" name="中小規模企業掛牌首選之交易所"/>
+          <p:cNvSpPr txBox="1">
+            <a:spLocks noGrp="1"/>
+          </p:cNvSpPr>
+          <p:nvPr>
+            <p:ph type="title"/>
+          </p:nvPr>
+        </p:nvSpPr>
+        <p:spPr>
+          <a:xfrm>
+            <a:off x="457200" y="53974"/>
+            <a:ext cx="8229600" cy="1508126"/>
+          </a:xfrm>
+          <a:prstGeom prst="rect">
+            <a:avLst/>
+          </a:prstGeom>
+        </p:spPr>
+        <p:txBody>
+          <a:bodyPr/>
+          <a:lstStyle>
+            <a:lvl1pPr defTabSz="457200">
+              <a:lnSpc>
+                <a:spcPct val="100000"/>
+              </a:lnSpc>
+              <a:defRPr sz="3200">
+                <a:solidFill>
+                  <a:srgbClr val="805F0A"/>
+                </a:solidFill>
+              </a:defRPr>
+            </a:lvl1pPr>
+          </a:lstStyle>
+          <a:p>
+            <a:r>
+              <a:rPr lang="zh-TW" altLang="en-US" sz="6000" dirty="0">
+                <a:solidFill>
+                  <a:srgbClr val="C08225"/>
+                </a:solidFill>
+                <a:latin typeface="微軟正黑體" panose="020B0604030504040204" pitchFamily="34" charset="-120"/>
+                <a:ea typeface="微軟正黑體" panose="020B0604030504040204" pitchFamily="34" charset="-120"/>
+              </a:rPr>
+              <a:t>中心網站系統架構</a:t>
+            </a:r>
+          </a:p>
+        </p:txBody>
+      </p:sp>
+      <p:sp>
+        <p:nvSpPr>
+          <p:cNvPr id="403" name="櫃買中心為股票及債券均健全發展且 表現亮眼之雙引擎市場…"/>
+          <p:cNvSpPr txBox="1">
+            <a:spLocks noGrp="1"/>
+          </p:cNvSpPr>
+          <p:nvPr>
+            <p:ph type="body" idx="1"/>
+          </p:nvPr>
+        </p:nvSpPr>
+        <p:spPr>
+          <a:xfrm>
+            <a:off x="457200" y="1600199"/>
+            <a:ext cx="8229600" cy="3462251"/>
+          </a:xfrm>
+          <a:prstGeom prst="rect">
+            <a:avLst/>
+          </a:prstGeom>
+        </p:spPr>
+        <p:txBody>
+          <a:bodyPr/>
+          <a:lstStyle/>
+          <a:p>
+            <a:pPr defTabSz="914400">
+              <a:spcBef>
+                <a:spcPts val="2200"/>
+              </a:spcBef>
+              <a:buClrTx/>
+              <a:buSzPct val="100000"/>
+              <a:buFont typeface="Wingdings" panose="05000000000000000000" pitchFamily="2" charset="2"/>
+              <a:buChar char="n"/>
+              <a:defRPr>
+                <a:solidFill>
+                  <a:srgbClr val="000000"/>
+                </a:solidFill>
+                <a:latin typeface="PingFang TC Semibold"/>
+                <a:ea typeface="PingFang TC Semibold"/>
+                <a:cs typeface="PingFang TC Semibold"/>
+                <a:sym typeface="PingFang TC Semibold"/>
+              </a:defRPr>
+            </a:pPr>
+            <a:r>
+              <a:rPr lang="zh-TW" altLang="en-US" dirty="0">
+                <a:solidFill>
+                  <a:schemeClr val="tx1"/>
+                </a:solidFill>
+                <a:latin typeface="微軟正黑體" panose="020B0604030504040204" pitchFamily="34" charset="-120"/>
+                <a:ea typeface="微軟正黑體" panose="020B0604030504040204" pitchFamily="34" charset="-120"/>
+              </a:rPr>
+              <a:t>網站後台</a:t>
+            </a:r>
+            <a:endParaRPr lang="en-US" altLang="zh-TW" dirty="0">
+              <a:solidFill>
+                <a:schemeClr val="tx1"/>
+              </a:solidFill>
+              <a:latin typeface="微軟正黑體" panose="020B0604030504040204" pitchFamily="34" charset="-120"/>
+              <a:ea typeface="微軟正黑體" panose="020B0604030504040204" pitchFamily="34" charset="-120"/>
+            </a:endParaRPr>
+          </a:p>
+          <a:p>
+            <a:pPr defTabSz="914400">
+              <a:spcBef>
+                <a:spcPts val="2200"/>
+              </a:spcBef>
+              <a:buClrTx/>
+              <a:buSzPct val="100000"/>
+              <a:buFont typeface="Wingdings" panose="05000000000000000000" pitchFamily="2" charset="2"/>
+              <a:buChar char="n"/>
+              <a:defRPr>
+                <a:solidFill>
+                  <a:srgbClr val="000000"/>
+                </a:solidFill>
+                <a:latin typeface="PingFang TC Semibold"/>
+                <a:ea typeface="PingFang TC Semibold"/>
+                <a:cs typeface="PingFang TC Semibold"/>
+                <a:sym typeface="PingFang TC Semibold"/>
+              </a:defRPr>
+            </a:pPr>
+            <a:r>
+              <a:rPr lang="zh-TW" altLang="en-US" dirty="0">
+                <a:solidFill>
+                  <a:schemeClr val="tx1"/>
+                </a:solidFill>
+                <a:latin typeface="微軟正黑體" panose="020B0604030504040204" pitchFamily="34" charset="-120"/>
+                <a:ea typeface="微軟正黑體" panose="020B0604030504040204" pitchFamily="34" charset="-120"/>
+              </a:rPr>
+              <a:t>網站管理系統</a:t>
+            </a:r>
+            <a:endParaRPr lang="en-US" altLang="zh-TW" dirty="0">
+              <a:solidFill>
+                <a:schemeClr val="tx1"/>
+              </a:solidFill>
+              <a:latin typeface="微軟正黑體" panose="020B0604030504040204" pitchFamily="34" charset="-120"/>
+              <a:ea typeface="微軟正黑體" panose="020B0604030504040204" pitchFamily="34" charset="-120"/>
+            </a:endParaRPr>
+          </a:p>
+          <a:p>
+            <a:pPr defTabSz="914400">
+              <a:spcBef>
+                <a:spcPts val="2200"/>
+              </a:spcBef>
+              <a:buClrTx/>
+              <a:buSzPct val="100000"/>
+              <a:buFont typeface="Wingdings" panose="05000000000000000000" pitchFamily="2" charset="2"/>
+              <a:buChar char="n"/>
+              <a:defRPr>
+                <a:solidFill>
+                  <a:srgbClr val="000000"/>
+                </a:solidFill>
+                <a:latin typeface="PingFang TC Semibold"/>
+                <a:ea typeface="PingFang TC Semibold"/>
+                <a:cs typeface="PingFang TC Semibold"/>
+                <a:sym typeface="PingFang TC Semibold"/>
+              </a:defRPr>
+            </a:pPr>
+            <a:endParaRPr lang="en-US" altLang="zh-TW" dirty="0">
+              <a:solidFill>
+                <a:schemeClr val="tx1"/>
+              </a:solidFill>
+              <a:latin typeface="微軟正黑體" panose="020B0604030504040204" pitchFamily="34" charset="-120"/>
+              <a:ea typeface="微軟正黑體" panose="020B0604030504040204" pitchFamily="34" charset="-120"/>
+            </a:endParaRPr>
+          </a:p>
+          <a:p>
+            <a:pPr defTabSz="914400">
+              <a:spcBef>
+                <a:spcPts val="2200"/>
+              </a:spcBef>
+              <a:buClrTx/>
+              <a:buSzPct val="100000"/>
+              <a:buFont typeface="Wingdings" panose="05000000000000000000" pitchFamily="2" charset="2"/>
+              <a:buChar char="n"/>
+              <a:defRPr>
+                <a:solidFill>
+                  <a:srgbClr val="000000"/>
+                </a:solidFill>
+                <a:latin typeface="PingFang TC Semibold"/>
+                <a:ea typeface="PingFang TC Semibold"/>
+                <a:cs typeface="PingFang TC Semibold"/>
+                <a:sym typeface="PingFang TC Semibold"/>
+              </a:defRPr>
+            </a:pPr>
+            <a:endParaRPr lang="en-US" altLang="zh-TW" dirty="0">
+              <a:solidFill>
+                <a:schemeClr val="tx1"/>
+              </a:solidFill>
+              <a:latin typeface="微軟正黑體" panose="020B0604030504040204" pitchFamily="34" charset="-120"/>
+              <a:ea typeface="微軟正黑體" panose="020B0604030504040204" pitchFamily="34" charset="-120"/>
+            </a:endParaRPr>
+          </a:p>
+        </p:txBody>
+      </p:sp>
+    </p:spTree>
+    <p:extLst>
+      <p:ext uri="{BB962C8B-B14F-4D97-AF65-F5344CB8AC3E}">
+        <p14:creationId xmlns:p14="http://schemas.microsoft.com/office/powerpoint/2010/main" val="1765714724"/>
+      </p:ext>
+    </p:extLst>
+  </p:cSld>
+  <p:clrMapOvr>
+    <a:masterClrMapping/>
+  </p:clrMapOvr>
+  <p:transition spd="med"/>
+</p:sld>
+</file>
+
+<file path=ppt/slides/slide11.xml><?xml version="1.0" encoding="utf-8"?>
+<p:sld xmlns:a="http://schemas.openxmlformats.org/drawingml/2006/main" xmlns:r="http://schemas.openxmlformats.org/officeDocument/2006/relationships" xmlns:p="http://schemas.openxmlformats.org/presentationml/2006/main">
+  <p:cSld>
+    <p:spTree>
+      <p:nvGrpSpPr>
+        <p:cNvPr id="1" name=""/>
+        <p:cNvGrpSpPr/>
+        <p:nvPr/>
+      </p:nvGrpSpPr>
+      <p:grpSpPr>
+        <a:xfrm>
+          <a:off x="0" y="0"/>
+          <a:ext cx="0" cy="0"/>
+          <a:chOff x="0" y="0"/>
+          <a:chExt cx="0" cy="0"/>
+        </a:xfrm>
+      </p:grpSpPr>
+      <p:sp>
+        <p:nvSpPr>
+          <p:cNvPr id="402" name="中小規模企業掛牌首選之交易所"/>
+          <p:cNvSpPr txBox="1">
+            <a:spLocks noGrp="1"/>
+          </p:cNvSpPr>
+          <p:nvPr>
+            <p:ph type="title"/>
+          </p:nvPr>
+        </p:nvSpPr>
+        <p:spPr>
+          <a:xfrm>
+            <a:off x="457200" y="53974"/>
+            <a:ext cx="8229600" cy="1508126"/>
+          </a:xfrm>
+          <a:prstGeom prst="rect">
+            <a:avLst/>
+          </a:prstGeom>
+        </p:spPr>
+        <p:txBody>
+          <a:bodyPr/>
+          <a:lstStyle>
+            <a:lvl1pPr defTabSz="457200">
+              <a:lnSpc>
+                <a:spcPct val="100000"/>
+              </a:lnSpc>
+              <a:defRPr sz="3200">
+                <a:solidFill>
+                  <a:srgbClr val="805F0A"/>
+                </a:solidFill>
+              </a:defRPr>
+            </a:lvl1pPr>
+          </a:lstStyle>
+          <a:p>
+            <a:r>
+              <a:rPr lang="zh-TW" altLang="en-US" sz="6000" dirty="0">
+                <a:solidFill>
+                  <a:srgbClr val="C08225"/>
+                </a:solidFill>
+                <a:latin typeface="微軟正黑體" panose="020B0604030504040204" pitchFamily="34" charset="-120"/>
+                <a:ea typeface="微軟正黑體" panose="020B0604030504040204" pitchFamily="34" charset="-120"/>
+              </a:rPr>
+              <a:t>中心網站系統架構</a:t>
+            </a:r>
+          </a:p>
+        </p:txBody>
+      </p:sp>
+      <p:sp>
+        <p:nvSpPr>
+          <p:cNvPr id="403" name="櫃買中心為股票及債券均健全發展且 表現亮眼之雙引擎市場…"/>
+          <p:cNvSpPr txBox="1">
+            <a:spLocks noGrp="1"/>
+          </p:cNvSpPr>
+          <p:nvPr>
+            <p:ph type="body" idx="1"/>
+          </p:nvPr>
+        </p:nvSpPr>
+        <p:spPr>
+          <a:xfrm>
+            <a:off x="457200" y="1600199"/>
+            <a:ext cx="8229600" cy="3462251"/>
+          </a:xfrm>
+          <a:prstGeom prst="rect">
+            <a:avLst/>
+          </a:prstGeom>
+        </p:spPr>
+        <p:txBody>
+          <a:bodyPr/>
+          <a:lstStyle/>
+          <a:p>
+            <a:pPr defTabSz="914400">
+              <a:spcBef>
+                <a:spcPts val="2200"/>
+              </a:spcBef>
+              <a:buClrTx/>
+              <a:buSzPct val="100000"/>
+              <a:buFont typeface="Wingdings" panose="05000000000000000000" pitchFamily="2" charset="2"/>
+              <a:buChar char="n"/>
+              <a:defRPr>
+                <a:solidFill>
+                  <a:srgbClr val="000000"/>
+                </a:solidFill>
+                <a:latin typeface="PingFang TC Semibold"/>
+                <a:ea typeface="PingFang TC Semibold"/>
+                <a:cs typeface="PingFang TC Semibold"/>
+                <a:sym typeface="PingFang TC Semibold"/>
+              </a:defRPr>
+            </a:pPr>
+            <a:r>
+              <a:rPr lang="zh-TW" altLang="en-US" dirty="0">
+                <a:solidFill>
+                  <a:schemeClr val="tx1"/>
+                </a:solidFill>
+                <a:latin typeface="微軟正黑體" panose="020B0604030504040204" pitchFamily="34" charset="-120"/>
+                <a:ea typeface="微軟正黑體" panose="020B0604030504040204" pitchFamily="34" charset="-120"/>
+              </a:rPr>
+              <a:t>櫃買</a:t>
+            </a:r>
+            <a:r>
+              <a:rPr lang="en-US" altLang="zh-TW" dirty="0">
+                <a:solidFill>
+                  <a:schemeClr val="tx1"/>
+                </a:solidFill>
+                <a:latin typeface="微軟正黑體" panose="020B0604030504040204" pitchFamily="34" charset="-120"/>
+                <a:ea typeface="微軟正黑體" panose="020B0604030504040204" pitchFamily="34" charset="-120"/>
+              </a:rPr>
+              <a:t>DMZ</a:t>
+            </a:r>
+            <a:r>
+              <a:rPr lang="zh-TW" altLang="en-US" dirty="0">
+                <a:solidFill>
+                  <a:schemeClr val="tx1"/>
+                </a:solidFill>
+                <a:latin typeface="微軟正黑體" panose="020B0604030504040204" pitchFamily="34" charset="-120"/>
+                <a:ea typeface="微軟正黑體" panose="020B0604030504040204" pitchFamily="34" charset="-120"/>
+              </a:rPr>
+              <a:t> </a:t>
+            </a:r>
+            <a:r>
+              <a:rPr lang="en-US" altLang="zh-TW" dirty="0">
+                <a:solidFill>
+                  <a:schemeClr val="tx1"/>
+                </a:solidFill>
+                <a:latin typeface="微軟正黑體" panose="020B0604030504040204" pitchFamily="34" charset="-120"/>
+                <a:ea typeface="微軟正黑體" panose="020B0604030504040204" pitchFamily="34" charset="-120"/>
+              </a:rPr>
+              <a:t>DB</a:t>
+            </a:r>
+            <a:r>
+              <a:rPr lang="zh-TW" altLang="en-US" dirty="0">
+                <a:solidFill>
+                  <a:schemeClr val="tx1"/>
+                </a:solidFill>
+                <a:latin typeface="微軟正黑體" panose="020B0604030504040204" pitchFamily="34" charset="-120"/>
+                <a:ea typeface="微軟正黑體" panose="020B0604030504040204" pitchFamily="34" charset="-120"/>
+              </a:rPr>
+              <a:t>區</a:t>
+            </a:r>
+            <a:endParaRPr lang="en-US" altLang="zh-TW" dirty="0">
+              <a:solidFill>
+                <a:schemeClr val="tx1"/>
+              </a:solidFill>
+              <a:latin typeface="微軟正黑體" panose="020B0604030504040204" pitchFamily="34" charset="-120"/>
+              <a:ea typeface="微軟正黑體" panose="020B0604030504040204" pitchFamily="34" charset="-120"/>
+            </a:endParaRPr>
+          </a:p>
+        </p:txBody>
+      </p:sp>
+    </p:spTree>
+    <p:extLst>
+      <p:ext uri="{BB962C8B-B14F-4D97-AF65-F5344CB8AC3E}">
+        <p14:creationId xmlns:p14="http://schemas.microsoft.com/office/powerpoint/2010/main" val="3759833263"/>
+      </p:ext>
+    </p:extLst>
+  </p:cSld>
+  <p:clrMapOvr>
+    <a:masterClrMapping/>
+  </p:clrMapOvr>
+  <p:transition spd="med"/>
+</p:sld>
+</file>
+
+<file path=ppt/slides/slide12.xml><?xml version="1.0" encoding="utf-8"?>
+<p:sld xmlns:a="http://schemas.openxmlformats.org/drawingml/2006/main" xmlns:r="http://schemas.openxmlformats.org/officeDocument/2006/relationships" xmlns:p="http://schemas.openxmlformats.org/presentationml/2006/main">
+  <p:cSld>
+    <p:spTree>
+      <p:nvGrpSpPr>
+        <p:cNvPr id="1" name=""/>
+        <p:cNvGrpSpPr/>
+        <p:nvPr/>
+      </p:nvGrpSpPr>
+      <p:grpSpPr>
+        <a:xfrm>
+          <a:off x="0" y="0"/>
+          <a:ext cx="0" cy="0"/>
+          <a:chOff x="0" y="0"/>
+          <a:chExt cx="0" cy="0"/>
+        </a:xfrm>
+      </p:grpSpPr>
+      <p:sp>
+        <p:nvSpPr>
+          <p:cNvPr id="214" name="壹.櫃買市場狀況"/>
+          <p:cNvSpPr txBox="1">
+            <a:spLocks noGrp="1"/>
+          </p:cNvSpPr>
+          <p:nvPr>
+            <p:ph type="title"/>
+          </p:nvPr>
+        </p:nvSpPr>
+        <p:spPr>
+          <a:xfrm>
+            <a:off x="370114" y="2751139"/>
+            <a:ext cx="8229600" cy="1508126"/>
+          </a:xfrm>
+          <a:prstGeom prst="rect">
+            <a:avLst/>
+          </a:prstGeom>
+        </p:spPr>
+        <p:txBody>
+          <a:bodyPr/>
+          <a:lstStyle/>
+          <a:p>
+            <a:r>
+              <a:rPr lang="zh-TW" altLang="en-US" sz="6000" dirty="0">
+                <a:latin typeface="微軟正黑體" panose="020B0604030504040204" pitchFamily="34" charset="-120"/>
+                <a:ea typeface="微軟正黑體" panose="020B0604030504040204" pitchFamily="34" charset="-120"/>
+              </a:rPr>
+              <a:t>二、採一站式架構系統</a:t>
+            </a:r>
+            <a:r>
+              <a:rPr lang="en-US" altLang="zh-TW" sz="6000" dirty="0">
+                <a:latin typeface="微軟正黑體" panose="020B0604030504040204" pitchFamily="34" charset="-120"/>
+                <a:ea typeface="微軟正黑體" panose="020B0604030504040204" pitchFamily="34" charset="-120"/>
+              </a:rPr>
+              <a:t>(</a:t>
+            </a:r>
+            <a:r>
+              <a:rPr lang="zh-TW" altLang="en-US" sz="6000" dirty="0">
+                <a:latin typeface="微軟正黑體" panose="020B0604030504040204" pitchFamily="34" charset="-120"/>
+                <a:ea typeface="微軟正黑體" panose="020B0604030504040204" pitchFamily="34" charset="-120"/>
+              </a:rPr>
+              <a:t>舊架構</a:t>
+            </a:r>
+            <a:r>
+              <a:rPr lang="en-US" altLang="zh-TW" sz="6000" dirty="0">
+                <a:latin typeface="微軟正黑體" panose="020B0604030504040204" pitchFamily="34" charset="-120"/>
+                <a:ea typeface="微軟正黑體" panose="020B0604030504040204" pitchFamily="34" charset="-120"/>
+              </a:rPr>
+              <a:t>)</a:t>
+            </a:r>
+            <a:br>
+              <a:rPr lang="en-US" altLang="zh-TW" sz="6000" dirty="0">
+                <a:latin typeface="微軟正黑體" panose="020B0604030504040204" pitchFamily="34" charset="-120"/>
+                <a:ea typeface="微軟正黑體" panose="020B0604030504040204" pitchFamily="34" charset="-120"/>
+              </a:rPr>
+            </a:br>
+            <a:endParaRPr sz="6000" dirty="0"/>
+          </a:p>
+        </p:txBody>
+      </p:sp>
+    </p:spTree>
+    <p:extLst>
+      <p:ext uri="{BB962C8B-B14F-4D97-AF65-F5344CB8AC3E}">
+        <p14:creationId xmlns:p14="http://schemas.microsoft.com/office/powerpoint/2010/main" val="1384828966"/>
+      </p:ext>
+    </p:extLst>
+  </p:cSld>
+  <p:clrMapOvr>
+    <a:masterClrMapping/>
+  </p:clrMapOvr>
+  <p:transition spd="med"/>
+</p:sld>
+</file>
+
+<file path=ppt/slides/slide13.xml><?xml version="1.0" encoding="utf-8"?>
 <p:sld xmlns:a="http://schemas.openxmlformats.org/drawingml/2006/main" xmlns:r="http://schemas.openxmlformats.org/officeDocument/2006/relationships" xmlns:p="http://schemas.openxmlformats.org/presentationml/2006/main">
   <p:cSld>
     <p:spTree>
@@ -12332,7 +12836,7 @@
 </p:sld>
 </file>
 
-<file path=ppt/slides/slide11.xml><?xml version="1.0" encoding="utf-8"?>
+<file path=ppt/slides/slide14.xml><?xml version="1.0" encoding="utf-8"?>
 <p:sld xmlns:a="http://schemas.openxmlformats.org/drawingml/2006/main" xmlns:r="http://schemas.openxmlformats.org/officeDocument/2006/relationships" xmlns:p="http://schemas.openxmlformats.org/presentationml/2006/main">
   <p:cSld>
     <p:spTree>
@@ -12414,544 +12918,6 @@
     <p:extLst>
       <p:ext uri="{BB962C8B-B14F-4D97-AF65-F5344CB8AC3E}">
         <p14:creationId xmlns:p14="http://schemas.microsoft.com/office/powerpoint/2010/main" val="1745065154"/>
-      </p:ext>
-    </p:extLst>
-  </p:cSld>
-  <p:clrMapOvr>
-    <a:masterClrMapping/>
-  </p:clrMapOvr>
-  <p:transition spd="med"/>
-</p:sld>
-</file>
-
-<file path=ppt/slides/slide12.xml><?xml version="1.0" encoding="utf-8"?>
-<p:sld xmlns:a="http://schemas.openxmlformats.org/drawingml/2006/main" xmlns:r="http://schemas.openxmlformats.org/officeDocument/2006/relationships" xmlns:p="http://schemas.openxmlformats.org/presentationml/2006/main">
-  <p:cSld>
-    <p:spTree>
-      <p:nvGrpSpPr>
-        <p:cNvPr id="1" name=""/>
-        <p:cNvGrpSpPr/>
-        <p:nvPr/>
-      </p:nvGrpSpPr>
-      <p:grpSpPr>
-        <a:xfrm>
-          <a:off x="0" y="0"/>
-          <a:ext cx="0" cy="0"/>
-          <a:chOff x="0" y="0"/>
-          <a:chExt cx="0" cy="0"/>
-        </a:xfrm>
-      </p:grpSpPr>
-      <p:sp>
-        <p:nvSpPr>
-          <p:cNvPr id="402" name="中小規模企業掛牌首選之交易所"/>
-          <p:cNvSpPr txBox="1">
-            <a:spLocks noGrp="1"/>
-          </p:cNvSpPr>
-          <p:nvPr>
-            <p:ph type="title"/>
-          </p:nvPr>
-        </p:nvSpPr>
-        <p:spPr>
-          <a:xfrm>
-            <a:off x="457200" y="53974"/>
-            <a:ext cx="8229600" cy="1508126"/>
-          </a:xfrm>
-          <a:prstGeom prst="rect">
-            <a:avLst/>
-          </a:prstGeom>
-        </p:spPr>
-        <p:txBody>
-          <a:bodyPr/>
-          <a:lstStyle>
-            <a:lvl1pPr defTabSz="457200">
-              <a:lnSpc>
-                <a:spcPct val="100000"/>
-              </a:lnSpc>
-              <a:defRPr sz="3200">
-                <a:solidFill>
-                  <a:srgbClr val="805F0A"/>
-                </a:solidFill>
-              </a:defRPr>
-            </a:lvl1pPr>
-          </a:lstStyle>
-          <a:p>
-            <a:r>
-              <a:rPr lang="zh-TW" altLang="en-US" sz="6000" dirty="0">
-                <a:solidFill>
-                  <a:srgbClr val="C08225"/>
-                </a:solidFill>
-                <a:latin typeface="微軟正黑體" panose="020B0604030504040204" pitchFamily="34" charset="-120"/>
-                <a:ea typeface="微軟正黑體" panose="020B0604030504040204" pitchFamily="34" charset="-120"/>
-              </a:rPr>
-              <a:t>採前後端分離式架構系統</a:t>
-            </a:r>
-            <a:r>
-              <a:rPr lang="en-US" altLang="zh-TW" sz="6000" dirty="0">
-                <a:solidFill>
-                  <a:srgbClr val="C08225"/>
-                </a:solidFill>
-                <a:latin typeface="微軟正黑體" panose="020B0604030504040204" pitchFamily="34" charset="-120"/>
-                <a:ea typeface="微軟正黑體" panose="020B0604030504040204" pitchFamily="34" charset="-120"/>
-              </a:rPr>
-              <a:t>(</a:t>
-            </a:r>
-            <a:r>
-              <a:rPr lang="zh-TW" altLang="en-US" sz="6000" dirty="0">
-                <a:solidFill>
-                  <a:srgbClr val="C08225"/>
-                </a:solidFill>
-                <a:latin typeface="微軟正黑體" panose="020B0604030504040204" pitchFamily="34" charset="-120"/>
-                <a:ea typeface="微軟正黑體" panose="020B0604030504040204" pitchFamily="34" charset="-120"/>
-              </a:rPr>
-              <a:t>新架構</a:t>
-            </a:r>
-            <a:r>
-              <a:rPr lang="en-US" altLang="zh-TW" sz="6000" dirty="0">
-                <a:solidFill>
-                  <a:srgbClr val="C08225"/>
-                </a:solidFill>
-                <a:latin typeface="微軟正黑體" panose="020B0604030504040204" pitchFamily="34" charset="-120"/>
-                <a:ea typeface="微軟正黑體" panose="020B0604030504040204" pitchFamily="34" charset="-120"/>
-              </a:rPr>
-              <a:t>)</a:t>
-            </a:r>
-            <a:endParaRPr lang="zh-TW" altLang="en-US" sz="6000" dirty="0"/>
-          </a:p>
-        </p:txBody>
-      </p:sp>
-      <p:sp>
-        <p:nvSpPr>
-          <p:cNvPr id="403" name="櫃買中心為股票及債券均健全發展且 表現亮眼之雙引擎市場…"/>
-          <p:cNvSpPr txBox="1">
-            <a:spLocks noGrp="1"/>
-          </p:cNvSpPr>
-          <p:nvPr>
-            <p:ph type="body" idx="1"/>
-          </p:nvPr>
-        </p:nvSpPr>
-        <p:spPr>
-          <a:prstGeom prst="rect">
-            <a:avLst/>
-          </a:prstGeom>
-        </p:spPr>
-        <p:txBody>
-          <a:bodyPr/>
-          <a:lstStyle/>
-          <a:p>
-            <a:pPr defTabSz="914400">
-              <a:spcBef>
-                <a:spcPts val="2200"/>
-              </a:spcBef>
-              <a:buClrTx/>
-              <a:buSzPct val="100000"/>
-              <a:buFont typeface="Wingdings" panose="05000000000000000000" pitchFamily="2" charset="2"/>
-              <a:buChar char="n"/>
-              <a:defRPr>
-                <a:solidFill>
-                  <a:srgbClr val="000000"/>
-                </a:solidFill>
-                <a:latin typeface="PingFang TC Semibold"/>
-                <a:ea typeface="PingFang TC Semibold"/>
-                <a:cs typeface="PingFang TC Semibold"/>
-                <a:sym typeface="PingFang TC Semibold"/>
-              </a:defRPr>
-            </a:pPr>
-            <a:r>
-              <a:rPr lang="en-US" altLang="zh-TW" dirty="0">
-                <a:latin typeface="微軟正黑體" panose="020B0604030504040204" pitchFamily="34" charset="-120"/>
-                <a:ea typeface="微軟正黑體" panose="020B0604030504040204" pitchFamily="34" charset="-120"/>
-              </a:rPr>
-              <a:t>1.</a:t>
-            </a:r>
-            <a:r>
-              <a:rPr lang="zh-TW" altLang="en-US" dirty="0">
-                <a:latin typeface="微軟正黑體" panose="020B0604030504040204" pitchFamily="34" charset="-120"/>
-                <a:ea typeface="微軟正黑體" panose="020B0604030504040204" pitchFamily="34" charset="-120"/>
-              </a:rPr>
-              <a:t> 新官網</a:t>
-            </a:r>
-            <a:endParaRPr lang="en-US" altLang="zh-TW" dirty="0">
-              <a:latin typeface="微軟正黑體" panose="020B0604030504040204" pitchFamily="34" charset="-120"/>
-              <a:ea typeface="微軟正黑體" panose="020B0604030504040204" pitchFamily="34" charset="-120"/>
-            </a:endParaRPr>
-          </a:p>
-          <a:p>
-            <a:pPr defTabSz="914400">
-              <a:spcBef>
-                <a:spcPts val="2200"/>
-              </a:spcBef>
-              <a:buClrTx/>
-              <a:buSzPct val="100000"/>
-              <a:buFont typeface="Wingdings" panose="05000000000000000000" pitchFamily="2" charset="2"/>
-              <a:buChar char="n"/>
-              <a:defRPr>
-                <a:solidFill>
-                  <a:srgbClr val="000000"/>
-                </a:solidFill>
-                <a:latin typeface="PingFang TC Semibold"/>
-                <a:ea typeface="PingFang TC Semibold"/>
-                <a:cs typeface="PingFang TC Semibold"/>
-                <a:sym typeface="PingFang TC Semibold"/>
-              </a:defRPr>
-            </a:pPr>
-            <a:r>
-              <a:rPr lang="en-US" altLang="zh-TW" dirty="0">
-                <a:latin typeface="微軟正黑體" panose="020B0604030504040204" pitchFamily="34" charset="-120"/>
-                <a:ea typeface="微軟正黑體" panose="020B0604030504040204" pitchFamily="34" charset="-120"/>
-              </a:rPr>
-              <a:t>2.</a:t>
-            </a:r>
-            <a:r>
-              <a:rPr lang="zh-TW" altLang="en-US" dirty="0">
-                <a:latin typeface="微軟正黑體" panose="020B0604030504040204" pitchFamily="34" charset="-120"/>
-                <a:ea typeface="微軟正黑體" panose="020B0604030504040204" pitchFamily="34" charset="-120"/>
-              </a:rPr>
-              <a:t> 市場訊息中心</a:t>
-            </a:r>
-            <a:endParaRPr lang="en-US" altLang="zh-TW" dirty="0">
-              <a:latin typeface="微軟正黑體" panose="020B0604030504040204" pitchFamily="34" charset="-120"/>
-              <a:ea typeface="微軟正黑體" panose="020B0604030504040204" pitchFamily="34" charset="-120"/>
-            </a:endParaRPr>
-          </a:p>
-          <a:p>
-            <a:pPr defTabSz="914400">
-              <a:spcBef>
-                <a:spcPts val="2200"/>
-              </a:spcBef>
-              <a:buClrTx/>
-              <a:buSzPct val="100000"/>
-              <a:buFont typeface="Wingdings" panose="05000000000000000000" pitchFamily="2" charset="2"/>
-              <a:buChar char="n"/>
-              <a:defRPr>
-                <a:solidFill>
-                  <a:srgbClr val="000000"/>
-                </a:solidFill>
-                <a:latin typeface="PingFang TC Semibold"/>
-                <a:ea typeface="PingFang TC Semibold"/>
-                <a:cs typeface="PingFang TC Semibold"/>
-                <a:sym typeface="PingFang TC Semibold"/>
-              </a:defRPr>
-            </a:pPr>
-            <a:r>
-              <a:rPr lang="en-US" altLang="zh-TW" dirty="0">
-                <a:latin typeface="微軟正黑體" panose="020B0604030504040204" pitchFamily="34" charset="-120"/>
-                <a:ea typeface="微軟正黑體" panose="020B0604030504040204" pitchFamily="34" charset="-120"/>
-              </a:rPr>
-              <a:t>3.</a:t>
-            </a:r>
-            <a:r>
-              <a:rPr lang="zh-TW" altLang="en-US" dirty="0">
-                <a:latin typeface="微軟正黑體" panose="020B0604030504040204" pitchFamily="34" charset="-120"/>
-                <a:ea typeface="微軟正黑體" panose="020B0604030504040204" pitchFamily="34" charset="-120"/>
-              </a:rPr>
-              <a:t> </a:t>
-            </a:r>
-            <a:r>
-              <a:rPr lang="en-US" altLang="zh-TW" dirty="0">
-                <a:latin typeface="微軟正黑體" panose="020B0604030504040204" pitchFamily="34" charset="-120"/>
-                <a:ea typeface="微軟正黑體" panose="020B0604030504040204" pitchFamily="34" charset="-120"/>
-              </a:rPr>
-              <a:t>ETF</a:t>
-            </a:r>
-            <a:r>
-              <a:rPr lang="zh-TW" altLang="en-US" dirty="0">
-                <a:latin typeface="微軟正黑體" panose="020B0604030504040204" pitchFamily="34" charset="-120"/>
-                <a:ea typeface="微軟正黑體" panose="020B0604030504040204" pitchFamily="34" charset="-120"/>
-              </a:rPr>
-              <a:t>訊息中心</a:t>
-            </a:r>
-            <a:endParaRPr lang="en-US" altLang="zh-TW" dirty="0">
-              <a:latin typeface="微軟正黑體" panose="020B0604030504040204" pitchFamily="34" charset="-120"/>
-              <a:ea typeface="微軟正黑體" panose="020B0604030504040204" pitchFamily="34" charset="-120"/>
-            </a:endParaRPr>
-          </a:p>
-          <a:p>
-            <a:pPr defTabSz="914400">
-              <a:spcBef>
-                <a:spcPts val="2200"/>
-              </a:spcBef>
-              <a:buClrTx/>
-              <a:buSzPct val="100000"/>
-              <a:buFont typeface="Wingdings" panose="05000000000000000000" pitchFamily="2" charset="2"/>
-              <a:buChar char="n"/>
-              <a:defRPr>
-                <a:solidFill>
-                  <a:srgbClr val="000000"/>
-                </a:solidFill>
-                <a:latin typeface="PingFang TC Semibold"/>
-                <a:ea typeface="PingFang TC Semibold"/>
-                <a:cs typeface="PingFang TC Semibold"/>
-                <a:sym typeface="PingFang TC Semibold"/>
-              </a:defRPr>
-            </a:pPr>
-            <a:r>
-              <a:rPr lang="en-US" altLang="zh-TW" dirty="0">
-                <a:latin typeface="微軟正黑體" panose="020B0604030504040204" pitchFamily="34" charset="-120"/>
-                <a:ea typeface="微軟正黑體" panose="020B0604030504040204" pitchFamily="34" charset="-120"/>
-              </a:rPr>
-              <a:t>4.</a:t>
-            </a:r>
-            <a:r>
-              <a:rPr lang="zh-TW" altLang="en-US" dirty="0">
-                <a:latin typeface="微軟正黑體" panose="020B0604030504040204" pitchFamily="34" charset="-120"/>
-                <a:ea typeface="微軟正黑體" panose="020B0604030504040204" pitchFamily="34" charset="-120"/>
-              </a:rPr>
-              <a:t> 興櫃</a:t>
-            </a:r>
-            <a:r>
-              <a:rPr lang="en-US" altLang="zh-TW" dirty="0">
-                <a:latin typeface="微軟正黑體" panose="020B0604030504040204" pitchFamily="34" charset="-120"/>
-                <a:ea typeface="微軟正黑體" panose="020B0604030504040204" pitchFamily="34" charset="-120"/>
-              </a:rPr>
-              <a:t>MIS</a:t>
-            </a:r>
-          </a:p>
-        </p:txBody>
-      </p:sp>
-    </p:spTree>
-    <p:extLst>
-      <p:ext uri="{BB962C8B-B14F-4D97-AF65-F5344CB8AC3E}">
-        <p14:creationId xmlns:p14="http://schemas.microsoft.com/office/powerpoint/2010/main" val="3860312932"/>
-      </p:ext>
-    </p:extLst>
-  </p:cSld>
-  <p:clrMapOvr>
-    <a:masterClrMapping/>
-  </p:clrMapOvr>
-  <p:transition spd="med"/>
-</p:sld>
-</file>
-
-<file path=ppt/slides/slide13.xml><?xml version="1.0" encoding="utf-8"?>
-<p:sld xmlns:a="http://schemas.openxmlformats.org/drawingml/2006/main" xmlns:r="http://schemas.openxmlformats.org/officeDocument/2006/relationships" xmlns:p="http://schemas.openxmlformats.org/presentationml/2006/main">
-  <p:cSld>
-    <p:spTree>
-      <p:nvGrpSpPr>
-        <p:cNvPr id="1" name=""/>
-        <p:cNvGrpSpPr/>
-        <p:nvPr/>
-      </p:nvGrpSpPr>
-      <p:grpSpPr>
-        <a:xfrm>
-          <a:off x="0" y="0"/>
-          <a:ext cx="0" cy="0"/>
-          <a:chOff x="0" y="0"/>
-          <a:chExt cx="0" cy="0"/>
-        </a:xfrm>
-      </p:grpSpPr>
-      <p:sp>
-        <p:nvSpPr>
-          <p:cNvPr id="214" name="壹.櫃買市場狀況"/>
-          <p:cNvSpPr txBox="1">
-            <a:spLocks noGrp="1"/>
-          </p:cNvSpPr>
-          <p:nvPr>
-            <p:ph type="title"/>
-          </p:nvPr>
-        </p:nvSpPr>
-        <p:spPr>
-          <a:xfrm>
-            <a:off x="370114" y="2751139"/>
-            <a:ext cx="8229600" cy="1508126"/>
-          </a:xfrm>
-          <a:prstGeom prst="rect">
-            <a:avLst/>
-          </a:prstGeom>
-        </p:spPr>
-        <p:txBody>
-          <a:bodyPr/>
-          <a:lstStyle/>
-          <a:p>
-            <a:r>
-              <a:rPr lang="zh-TW" altLang="en-US" sz="6000" dirty="0">
-                <a:latin typeface="微軟正黑體" panose="020B0604030504040204" pitchFamily="34" charset="-120"/>
-                <a:ea typeface="微軟正黑體" panose="020B0604030504040204" pitchFamily="34" charset="-120"/>
-              </a:rPr>
-              <a:t>四、前後端分離式架構優點</a:t>
-            </a:r>
-            <a:endParaRPr sz="6000" dirty="0"/>
-          </a:p>
-        </p:txBody>
-      </p:sp>
-    </p:spTree>
-    <p:extLst>
-      <p:ext uri="{BB962C8B-B14F-4D97-AF65-F5344CB8AC3E}">
-        <p14:creationId xmlns:p14="http://schemas.microsoft.com/office/powerpoint/2010/main" val="2837863183"/>
-      </p:ext>
-    </p:extLst>
-  </p:cSld>
-  <p:clrMapOvr>
-    <a:masterClrMapping/>
-  </p:clrMapOvr>
-  <p:transition spd="med"/>
-</p:sld>
-</file>
-
-<file path=ppt/slides/slide14.xml><?xml version="1.0" encoding="utf-8"?>
-<p:sld xmlns:a="http://schemas.openxmlformats.org/drawingml/2006/main" xmlns:r="http://schemas.openxmlformats.org/officeDocument/2006/relationships" xmlns:p="http://schemas.openxmlformats.org/presentationml/2006/main">
-  <p:cSld>
-    <p:spTree>
-      <p:nvGrpSpPr>
-        <p:cNvPr id="1" name=""/>
-        <p:cNvGrpSpPr/>
-        <p:nvPr/>
-      </p:nvGrpSpPr>
-      <p:grpSpPr>
-        <a:xfrm>
-          <a:off x="0" y="0"/>
-          <a:ext cx="0" cy="0"/>
-          <a:chOff x="0" y="0"/>
-          <a:chExt cx="0" cy="0"/>
-        </a:xfrm>
-      </p:grpSpPr>
-      <p:sp>
-        <p:nvSpPr>
-          <p:cNvPr id="402" name="中小規模企業掛牌首選之交易所"/>
-          <p:cNvSpPr txBox="1">
-            <a:spLocks noGrp="1"/>
-          </p:cNvSpPr>
-          <p:nvPr>
-            <p:ph type="title"/>
-          </p:nvPr>
-        </p:nvSpPr>
-        <p:spPr>
-          <a:xfrm>
-            <a:off x="457200" y="53974"/>
-            <a:ext cx="8229600" cy="1508126"/>
-          </a:xfrm>
-          <a:prstGeom prst="rect">
-            <a:avLst/>
-          </a:prstGeom>
-        </p:spPr>
-        <p:txBody>
-          <a:bodyPr/>
-          <a:lstStyle>
-            <a:lvl1pPr defTabSz="457200">
-              <a:lnSpc>
-                <a:spcPct val="100000"/>
-              </a:lnSpc>
-              <a:defRPr sz="3200">
-                <a:solidFill>
-                  <a:srgbClr val="805F0A"/>
-                </a:solidFill>
-              </a:defRPr>
-            </a:lvl1pPr>
-          </a:lstStyle>
-          <a:p>
-            <a:r>
-              <a:rPr lang="zh-TW" altLang="en-US" sz="6000" dirty="0">
-                <a:solidFill>
-                  <a:srgbClr val="C08225"/>
-                </a:solidFill>
-                <a:latin typeface="微軟正黑體" panose="020B0604030504040204" pitchFamily="34" charset="-120"/>
-                <a:ea typeface="微軟正黑體" panose="020B0604030504040204" pitchFamily="34" charset="-120"/>
-              </a:rPr>
-              <a:t>前後端分離式架構優點</a:t>
-            </a:r>
-            <a:endParaRPr sz="6000" dirty="0"/>
-          </a:p>
-        </p:txBody>
-      </p:sp>
-      <p:sp>
-        <p:nvSpPr>
-          <p:cNvPr id="403" name="櫃買中心為股票及債券均健全發展且 表現亮眼之雙引擎市場…"/>
-          <p:cNvSpPr txBox="1">
-            <a:spLocks noGrp="1"/>
-          </p:cNvSpPr>
-          <p:nvPr>
-            <p:ph type="body" idx="1"/>
-          </p:nvPr>
-        </p:nvSpPr>
-        <p:spPr>
-          <a:prstGeom prst="rect">
-            <a:avLst/>
-          </a:prstGeom>
-        </p:spPr>
-        <p:txBody>
-          <a:bodyPr/>
-          <a:lstStyle/>
-          <a:p>
-            <a:pPr defTabSz="914400">
-              <a:spcBef>
-                <a:spcPts val="2200"/>
-              </a:spcBef>
-              <a:buClrTx/>
-              <a:buSzPct val="100000"/>
-              <a:buFont typeface="Wingdings" panose="05000000000000000000" pitchFamily="2" charset="2"/>
-              <a:buChar char="n"/>
-              <a:defRPr>
-                <a:solidFill>
-                  <a:srgbClr val="000000"/>
-                </a:solidFill>
-                <a:latin typeface="PingFang TC Semibold"/>
-                <a:ea typeface="PingFang TC Semibold"/>
-                <a:cs typeface="PingFang TC Semibold"/>
-                <a:sym typeface="PingFang TC Semibold"/>
-              </a:defRPr>
-            </a:pPr>
-            <a:r>
-              <a:rPr lang="en-US" altLang="zh-TW" dirty="0">
-                <a:latin typeface="微軟正黑體" panose="020B0604030504040204" pitchFamily="34" charset="-120"/>
-                <a:ea typeface="微軟正黑體" panose="020B0604030504040204" pitchFamily="34" charset="-120"/>
-              </a:rPr>
-              <a:t>1.</a:t>
-            </a:r>
-            <a:r>
-              <a:rPr lang="zh-TW" altLang="en-US" dirty="0">
-                <a:latin typeface="微軟正黑體" panose="020B0604030504040204" pitchFamily="34" charset="-120"/>
-                <a:ea typeface="微軟正黑體" panose="020B0604030504040204" pitchFamily="34" charset="-120"/>
-              </a:rPr>
-              <a:t> 專長領域分工</a:t>
-            </a:r>
-            <a:endParaRPr lang="en-US" altLang="zh-TW" dirty="0">
-              <a:latin typeface="微軟正黑體" panose="020B0604030504040204" pitchFamily="34" charset="-120"/>
-              <a:ea typeface="微軟正黑體" panose="020B0604030504040204" pitchFamily="34" charset="-120"/>
-            </a:endParaRPr>
-          </a:p>
-          <a:p>
-            <a:pPr defTabSz="914400">
-              <a:spcBef>
-                <a:spcPts val="2200"/>
-              </a:spcBef>
-              <a:buClrTx/>
-              <a:buSzPct val="100000"/>
-              <a:buFont typeface="Wingdings" panose="05000000000000000000" pitchFamily="2" charset="2"/>
-              <a:buChar char="n"/>
-              <a:defRPr>
-                <a:solidFill>
-                  <a:srgbClr val="000000"/>
-                </a:solidFill>
-                <a:latin typeface="PingFang TC Semibold"/>
-                <a:ea typeface="PingFang TC Semibold"/>
-                <a:cs typeface="PingFang TC Semibold"/>
-                <a:sym typeface="PingFang TC Semibold"/>
-              </a:defRPr>
-            </a:pPr>
-            <a:r>
-              <a:rPr lang="en-US" altLang="zh-TW" dirty="0">
-                <a:latin typeface="微軟正黑體" panose="020B0604030504040204" pitchFamily="34" charset="-120"/>
-                <a:ea typeface="微軟正黑體" panose="020B0604030504040204" pitchFamily="34" charset="-120"/>
-              </a:rPr>
-              <a:t>2.</a:t>
-            </a:r>
-            <a:r>
-              <a:rPr lang="zh-TW" altLang="en-US" dirty="0">
-                <a:latin typeface="微軟正黑體" panose="020B0604030504040204" pitchFamily="34" charset="-120"/>
-                <a:ea typeface="微軟正黑體" panose="020B0604030504040204" pitchFamily="34" charset="-120"/>
-              </a:rPr>
-              <a:t> 提升資訊安全</a:t>
-            </a:r>
-            <a:endParaRPr lang="en-US" altLang="zh-TW" dirty="0">
-              <a:latin typeface="微軟正黑體" panose="020B0604030504040204" pitchFamily="34" charset="-120"/>
-              <a:ea typeface="微軟正黑體" panose="020B0604030504040204" pitchFamily="34" charset="-120"/>
-            </a:endParaRPr>
-          </a:p>
-        </p:txBody>
-      </p:sp>
-    </p:spTree>
-    <p:extLst>
-      <p:ext uri="{BB962C8B-B14F-4D97-AF65-F5344CB8AC3E}">
-        <p14:creationId xmlns:p14="http://schemas.microsoft.com/office/powerpoint/2010/main" val="4027739591"/>
       </p:ext>
     </p:extLst>
   </p:cSld>
@@ -13021,9 +12987,39 @@
                 <a:latin typeface="微軟正黑體" panose="020B0604030504040204" pitchFamily="34" charset="-120"/>
                 <a:ea typeface="微軟正黑體" panose="020B0604030504040204" pitchFamily="34" charset="-120"/>
               </a:rPr>
-              <a:t>前後端分離式架構優點</a:t>
-            </a:r>
-            <a:endParaRPr sz="6000" dirty="0"/>
+              <a:t>採前後端分離式架構系統</a:t>
+            </a:r>
+            <a:r>
+              <a:rPr lang="en-US" altLang="zh-TW" sz="6000" dirty="0">
+                <a:solidFill>
+                  <a:srgbClr val="C08225"/>
+                </a:solidFill>
+                <a:latin typeface="微軟正黑體" panose="020B0604030504040204" pitchFamily="34" charset="-120"/>
+                <a:ea typeface="微軟正黑體" panose="020B0604030504040204" pitchFamily="34" charset="-120"/>
+              </a:rPr>
+              <a:t>(</a:t>
+            </a:r>
+            <a:r>
+              <a:rPr lang="zh-TW" altLang="en-US" sz="6000" dirty="0">
+                <a:solidFill>
+                  <a:srgbClr val="C08225"/>
+                </a:solidFill>
+                <a:latin typeface="微軟正黑體" panose="020B0604030504040204" pitchFamily="34" charset="-120"/>
+                <a:ea typeface="微軟正黑體" panose="020B0604030504040204" pitchFamily="34" charset="-120"/>
+              </a:rPr>
+              <a:t>新架構</a:t>
+            </a:r>
+            <a:r>
+              <a:rPr lang="en-US" altLang="zh-TW" sz="6000" dirty="0">
+                <a:solidFill>
+                  <a:srgbClr val="C08225"/>
+                </a:solidFill>
+                <a:latin typeface="微軟正黑體" panose="020B0604030504040204" pitchFamily="34" charset="-120"/>
+                <a:ea typeface="微軟正黑體" panose="020B0604030504040204" pitchFamily="34" charset="-120"/>
+              </a:rPr>
+              <a:t>)</a:t>
+            </a:r>
+            <a:endParaRPr lang="zh-TW" altLang="en-US" sz="6000" dirty="0"/>
           </a:p>
         </p:txBody>
       </p:sp>
@@ -13069,14 +13065,14 @@
                 <a:latin typeface="微軟正黑體" panose="020B0604030504040204" pitchFamily="34" charset="-120"/>
                 <a:ea typeface="微軟正黑體" panose="020B0604030504040204" pitchFamily="34" charset="-120"/>
               </a:rPr>
-              <a:t>Nginx</a:t>
+              <a:t>1.</a:t>
             </a:r>
             <a:r>
               <a:rPr lang="zh-TW" altLang="en-US" dirty="0">
                 <a:latin typeface="微軟正黑體" panose="020B0604030504040204" pitchFamily="34" charset="-120"/>
                 <a:ea typeface="微軟正黑體" panose="020B0604030504040204" pitchFamily="34" charset="-120"/>
               </a:rPr>
-              <a:t>反向代理的好處</a:t>
+              <a:t> 新官網</a:t>
             </a:r>
             <a:endParaRPr lang="en-US" altLang="zh-TW" dirty="0">
               <a:latin typeface="微軟正黑體" panose="020B0604030504040204" pitchFamily="34" charset="-120"/>
@@ -13084,7 +13080,7 @@
             </a:endParaRPr>
           </a:p>
           <a:p>
-            <a:pPr>
+            <a:pPr defTabSz="914400">
               <a:spcBef>
                 <a:spcPts val="2200"/>
               </a:spcBef>
@@ -13107,28 +13103,14 @@
                 <a:latin typeface="微軟正黑體" panose="020B0604030504040204" pitchFamily="34" charset="-120"/>
                 <a:ea typeface="微軟正黑體" panose="020B0604030504040204" pitchFamily="34" charset="-120"/>
               </a:rPr>
-              <a:t>1.</a:t>
+              <a:t>2.</a:t>
             </a:r>
             <a:r>
               <a:rPr lang="zh-TW" altLang="en-US" dirty="0">
                 <a:latin typeface="微軟正黑體" panose="020B0604030504040204" pitchFamily="34" charset="-120"/>
                 <a:ea typeface="微軟正黑體" panose="020B0604030504040204" pitchFamily="34" charset="-120"/>
               </a:rPr>
-              <a:t>負載均衡</a:t>
-            </a:r>
-            <a:r>
-              <a:rPr lang="en-US" altLang="zh-TW" dirty="0">
-                <a:latin typeface="微軟正黑體" panose="020B0604030504040204" pitchFamily="34" charset="-120"/>
-                <a:ea typeface="微軟正黑體" panose="020B0604030504040204" pitchFamily="34" charset="-120"/>
-              </a:rPr>
-              <a:t>:</a:t>
-            </a:r>
-            <a:r>
-              <a:rPr lang="zh-TW" altLang="en-US" dirty="0">
-                <a:latin typeface="微軟正黑體" panose="020B0604030504040204" pitchFamily="34" charset="-120"/>
-                <a:ea typeface="微軟正黑體" panose="020B0604030504040204" pitchFamily="34" charset="-120"/>
-              </a:rPr>
-              <a:t> </a:t>
+              <a:t> 市場訊息中心</a:t>
             </a:r>
             <a:endParaRPr lang="en-US" altLang="zh-TW" dirty="0">
               <a:latin typeface="微軟正黑體" panose="020B0604030504040204" pitchFamily="34" charset="-120"/>
@@ -13159,14 +13141,28 @@
                 <a:latin typeface="微軟正黑體" panose="020B0604030504040204" pitchFamily="34" charset="-120"/>
                 <a:ea typeface="微軟正黑體" panose="020B0604030504040204" pitchFamily="34" charset="-120"/>
               </a:rPr>
-              <a:t>2.</a:t>
+              <a:t>3.</a:t>
             </a:r>
             <a:r>
               <a:rPr lang="zh-TW" altLang="en-US" dirty="0">
                 <a:latin typeface="微軟正黑體" panose="020B0604030504040204" pitchFamily="34" charset="-120"/>
                 <a:ea typeface="微軟正黑體" panose="020B0604030504040204" pitchFamily="34" charset="-120"/>
               </a:rPr>
-              <a:t> 安全性</a:t>
+              <a:t> </a:t>
+            </a:r>
+            <a:r>
+              <a:rPr lang="en-US" altLang="zh-TW" dirty="0">
+                <a:latin typeface="微軟正黑體" panose="020B0604030504040204" pitchFamily="34" charset="-120"/>
+                <a:ea typeface="微軟正黑體" panose="020B0604030504040204" pitchFamily="34" charset="-120"/>
+              </a:rPr>
+              <a:t>ETF</a:t>
+            </a:r>
+            <a:r>
+              <a:rPr lang="zh-TW" altLang="en-US" dirty="0">
+                <a:latin typeface="微軟正黑體" panose="020B0604030504040204" pitchFamily="34" charset="-120"/>
+                <a:ea typeface="微軟正黑體" panose="020B0604030504040204" pitchFamily="34" charset="-120"/>
+              </a:rPr>
+              <a:t>訊息中心</a:t>
             </a:r>
             <a:endParaRPr lang="en-US" altLang="zh-TW" dirty="0">
               <a:latin typeface="微軟正黑體" panose="020B0604030504040204" pitchFamily="34" charset="-120"/>
@@ -13197,116 +13193,29 @@
                 <a:latin typeface="微軟正黑體" panose="020B0604030504040204" pitchFamily="34" charset="-120"/>
                 <a:ea typeface="微軟正黑體" panose="020B0604030504040204" pitchFamily="34" charset="-120"/>
               </a:rPr>
-              <a:t>3.</a:t>
+              <a:t>4.</a:t>
             </a:r>
             <a:r>
               <a:rPr lang="zh-TW" altLang="en-US" dirty="0">
                 <a:latin typeface="微軟正黑體" panose="020B0604030504040204" pitchFamily="34" charset="-120"/>
                 <a:ea typeface="微軟正黑體" panose="020B0604030504040204" pitchFamily="34" charset="-120"/>
               </a:rPr>
-              <a:t> </a:t>
+              <a:t> 興櫃</a:t>
             </a:r>
             <a:r>
               <a:rPr lang="en-US" altLang="zh-TW" dirty="0">
                 <a:latin typeface="微軟正黑體" panose="020B0604030504040204" pitchFamily="34" charset="-120"/>
                 <a:ea typeface="微軟正黑體" panose="020B0604030504040204" pitchFamily="34" charset="-120"/>
               </a:rPr>
-              <a:t>SSL</a:t>
-            </a:r>
-            <a:r>
-              <a:rPr lang="zh-TW" altLang="en-US" dirty="0">
-                <a:latin typeface="微軟正黑體" panose="020B0604030504040204" pitchFamily="34" charset="-120"/>
-                <a:ea typeface="微軟正黑體" panose="020B0604030504040204" pitchFamily="34" charset="-120"/>
-              </a:rPr>
-              <a:t>終止</a:t>
-            </a:r>
-            <a:endParaRPr lang="en-US" altLang="zh-TW" dirty="0">
-              <a:latin typeface="微軟正黑體" panose="020B0604030504040204" pitchFamily="34" charset="-120"/>
-              <a:ea typeface="微軟正黑體" panose="020B0604030504040204" pitchFamily="34" charset="-120"/>
-            </a:endParaRPr>
-          </a:p>
-          <a:p>
-            <a:pPr defTabSz="914400">
-              <a:spcBef>
-                <a:spcPts val="2200"/>
-              </a:spcBef>
-              <a:buClrTx/>
-              <a:buSzPct val="100000"/>
-              <a:buFont typeface="Wingdings" panose="05000000000000000000" pitchFamily="2" charset="2"/>
-              <a:buChar char="n"/>
-              <a:defRPr>
-                <a:solidFill>
-                  <a:srgbClr val="000000"/>
-                </a:solidFill>
-                <a:latin typeface="PingFang TC Semibold"/>
-                <a:ea typeface="PingFang TC Semibold"/>
-                <a:cs typeface="PingFang TC Semibold"/>
-                <a:sym typeface="PingFang TC Semibold"/>
-              </a:defRPr>
-            </a:pPr>
-            <a:r>
-              <a:rPr lang="en-US" altLang="zh-TW" dirty="0">
-                <a:latin typeface="微軟正黑體" panose="020B0604030504040204" pitchFamily="34" charset="-120"/>
-                <a:ea typeface="微軟正黑體" panose="020B0604030504040204" pitchFamily="34" charset="-120"/>
-              </a:rPr>
-              <a:t>4.</a:t>
-            </a:r>
-            <a:r>
-              <a:rPr lang="zh-TW" altLang="en-US" dirty="0">
-                <a:latin typeface="微軟正黑體" panose="020B0604030504040204" pitchFamily="34" charset="-120"/>
-                <a:ea typeface="微軟正黑體" panose="020B0604030504040204" pitchFamily="34" charset="-120"/>
-              </a:rPr>
-              <a:t> 快取功能</a:t>
-            </a:r>
-            <a:endParaRPr lang="en-US" altLang="zh-TW" dirty="0">
-              <a:latin typeface="微軟正黑體" panose="020B0604030504040204" pitchFamily="34" charset="-120"/>
-              <a:ea typeface="微軟正黑體" panose="020B0604030504040204" pitchFamily="34" charset="-120"/>
-            </a:endParaRPr>
-          </a:p>
-          <a:p>
-            <a:pPr defTabSz="914400">
-              <a:spcBef>
-                <a:spcPts val="2200"/>
-              </a:spcBef>
-              <a:buClrTx/>
-              <a:buSzPct val="100000"/>
-              <a:buFont typeface="Wingdings" panose="05000000000000000000" pitchFamily="2" charset="2"/>
-              <a:buChar char="n"/>
-              <a:defRPr>
-                <a:solidFill>
-                  <a:srgbClr val="000000"/>
-                </a:solidFill>
-                <a:latin typeface="PingFang TC Semibold"/>
-                <a:ea typeface="PingFang TC Semibold"/>
-                <a:cs typeface="PingFang TC Semibold"/>
-                <a:sym typeface="PingFang TC Semibold"/>
-              </a:defRPr>
-            </a:pPr>
-            <a:r>
-              <a:rPr lang="en-US" altLang="zh-TW" dirty="0">
-                <a:latin typeface="微軟正黑體" panose="020B0604030504040204" pitchFamily="34" charset="-120"/>
-                <a:ea typeface="微軟正黑體" panose="020B0604030504040204" pitchFamily="34" charset="-120"/>
-              </a:rPr>
-              <a:t>5.</a:t>
-            </a:r>
-            <a:r>
-              <a:rPr lang="zh-TW" altLang="en-US" dirty="0">
-                <a:latin typeface="微軟正黑體" panose="020B0604030504040204" pitchFamily="34" charset="-120"/>
-                <a:ea typeface="微軟正黑體" panose="020B0604030504040204" pitchFamily="34" charset="-120"/>
-              </a:rPr>
-              <a:t> 集中化訪問控制</a:t>
-            </a:r>
-            <a:endParaRPr lang="en-US" altLang="zh-TW" dirty="0">
-              <a:latin typeface="微軟正黑體" panose="020B0604030504040204" pitchFamily="34" charset="-120"/>
-              <a:ea typeface="微軟正黑體" panose="020B0604030504040204" pitchFamily="34" charset="-120"/>
-            </a:endParaRPr>
+              <a:t>MIS</a:t>
+            </a:r>
           </a:p>
         </p:txBody>
       </p:sp>
     </p:spTree>
     <p:extLst>
       <p:ext uri="{BB962C8B-B14F-4D97-AF65-F5344CB8AC3E}">
-        <p14:creationId xmlns:p14="http://schemas.microsoft.com/office/powerpoint/2010/main" val="1374857553"/>
+        <p14:creationId xmlns:p14="http://schemas.microsoft.com/office/powerpoint/2010/main" val="3860312932"/>
       </p:ext>
     </p:extLst>
   </p:cSld>
@@ -13318,6 +13227,71 @@
 </file>
 
 <file path=ppt/slides/slide16.xml><?xml version="1.0" encoding="utf-8"?>
+<p:sld xmlns:a="http://schemas.openxmlformats.org/drawingml/2006/main" xmlns:r="http://schemas.openxmlformats.org/officeDocument/2006/relationships" xmlns:p="http://schemas.openxmlformats.org/presentationml/2006/main">
+  <p:cSld>
+    <p:spTree>
+      <p:nvGrpSpPr>
+        <p:cNvPr id="1" name=""/>
+        <p:cNvGrpSpPr/>
+        <p:nvPr/>
+      </p:nvGrpSpPr>
+      <p:grpSpPr>
+        <a:xfrm>
+          <a:off x="0" y="0"/>
+          <a:ext cx="0" cy="0"/>
+          <a:chOff x="0" y="0"/>
+          <a:chExt cx="0" cy="0"/>
+        </a:xfrm>
+      </p:grpSpPr>
+      <p:sp>
+        <p:nvSpPr>
+          <p:cNvPr id="214" name="壹.櫃買市場狀況"/>
+          <p:cNvSpPr txBox="1">
+            <a:spLocks noGrp="1"/>
+          </p:cNvSpPr>
+          <p:nvPr>
+            <p:ph type="title"/>
+          </p:nvPr>
+        </p:nvSpPr>
+        <p:spPr>
+          <a:xfrm>
+            <a:off x="370114" y="2751139"/>
+            <a:ext cx="8229600" cy="1508126"/>
+          </a:xfrm>
+          <a:prstGeom prst="rect">
+            <a:avLst/>
+          </a:prstGeom>
+        </p:spPr>
+        <p:txBody>
+          <a:bodyPr/>
+          <a:lstStyle/>
+          <a:p>
+            <a:r>
+              <a:rPr lang="zh-TW" altLang="en-US" sz="6000" dirty="0">
+                <a:latin typeface="微軟正黑體" panose="020B0604030504040204" pitchFamily="34" charset="-120"/>
+                <a:ea typeface="微軟正黑體" panose="020B0604030504040204" pitchFamily="34" charset="-120"/>
+              </a:rPr>
+              <a:t>四、前後端分離式架構優點</a:t>
+            </a:r>
+            <a:endParaRPr sz="6000" dirty="0"/>
+          </a:p>
+        </p:txBody>
+      </p:sp>
+    </p:spTree>
+    <p:extLst>
+      <p:ext uri="{BB962C8B-B14F-4D97-AF65-F5344CB8AC3E}">
+        <p14:creationId xmlns:p14="http://schemas.microsoft.com/office/powerpoint/2010/main" val="2837863183"/>
+      </p:ext>
+    </p:extLst>
+  </p:cSld>
+  <p:clrMapOvr>
+    <a:masterClrMapping/>
+  </p:clrMapOvr>
+  <p:transition spd="med"/>
+</p:sld>
+</file>
+
+<file path=ppt/slides/slide17.xml><?xml version="1.0" encoding="utf-8"?>
 <p:sld xmlns:a="http://schemas.openxmlformats.org/drawingml/2006/main" xmlns:r="http://schemas.openxmlformats.org/officeDocument/2006/relationships" xmlns:p="http://schemas.openxmlformats.org/presentationml/2006/main">
   <p:cSld>
     <p:spTree>
@@ -13424,14 +13398,14 @@
                 <a:latin typeface="微軟正黑體" panose="020B0604030504040204" pitchFamily="34" charset="-120"/>
                 <a:ea typeface="微軟正黑體" panose="020B0604030504040204" pitchFamily="34" charset="-120"/>
               </a:rPr>
-              <a:t>Nginx</a:t>
+              <a:t>1.</a:t>
             </a:r>
             <a:r>
               <a:rPr lang="zh-TW" altLang="en-US" dirty="0">
                 <a:latin typeface="微軟正黑體" panose="020B0604030504040204" pitchFamily="34" charset="-120"/>
                 <a:ea typeface="微軟正黑體" panose="020B0604030504040204" pitchFamily="34" charset="-120"/>
               </a:rPr>
-              <a:t>反向代理的好處</a:t>
+              <a:t> 專長領域分工</a:t>
             </a:r>
             <a:endParaRPr lang="en-US" altLang="zh-TW" dirty="0">
               <a:latin typeface="微軟正黑體" panose="020B0604030504040204" pitchFamily="34" charset="-120"/>
@@ -13439,7 +13413,7 @@
             </a:endParaRPr>
           </a:p>
           <a:p>
-            <a:pPr>
+            <a:pPr defTabSz="914400">
               <a:spcBef>
                 <a:spcPts val="2200"/>
               </a:spcBef>
@@ -13462,194 +13436,14 @@
                 <a:latin typeface="微軟正黑體" panose="020B0604030504040204" pitchFamily="34" charset="-120"/>
                 <a:ea typeface="微軟正黑體" panose="020B0604030504040204" pitchFamily="34" charset="-120"/>
               </a:rPr>
-              <a:t>6.</a:t>
+              <a:t>2.</a:t>
             </a:r>
             <a:r>
               <a:rPr lang="zh-TW" altLang="en-US" dirty="0">
                 <a:latin typeface="微軟正黑體" panose="020B0604030504040204" pitchFamily="34" charset="-120"/>
                 <a:ea typeface="微軟正黑體" panose="020B0604030504040204" pitchFamily="34" charset="-120"/>
               </a:rPr>
-              <a:t> 內容壓縮</a:t>
-            </a:r>
-            <a:endParaRPr lang="en-US" altLang="zh-TW" dirty="0">
-              <a:latin typeface="微軟正黑體" panose="020B0604030504040204" pitchFamily="34" charset="-120"/>
-              <a:ea typeface="微軟正黑體" panose="020B0604030504040204" pitchFamily="34" charset="-120"/>
-            </a:endParaRPr>
-          </a:p>
-          <a:p>
-            <a:pPr defTabSz="914400">
-              <a:spcBef>
-                <a:spcPts val="2200"/>
-              </a:spcBef>
-              <a:buClrTx/>
-              <a:buSzPct val="100000"/>
-              <a:buFont typeface="Wingdings" panose="05000000000000000000" pitchFamily="2" charset="2"/>
-              <a:buChar char="n"/>
-              <a:defRPr>
-                <a:solidFill>
-                  <a:srgbClr val="000000"/>
-                </a:solidFill>
-                <a:latin typeface="PingFang TC Semibold"/>
-                <a:ea typeface="PingFang TC Semibold"/>
-                <a:cs typeface="PingFang TC Semibold"/>
-                <a:sym typeface="PingFang TC Semibold"/>
-              </a:defRPr>
-            </a:pPr>
-            <a:r>
-              <a:rPr lang="en-US" altLang="zh-TW" dirty="0">
-                <a:latin typeface="微軟正黑體" panose="020B0604030504040204" pitchFamily="34" charset="-120"/>
-                <a:ea typeface="微軟正黑體" panose="020B0604030504040204" pitchFamily="34" charset="-120"/>
-              </a:rPr>
-              <a:t>7.</a:t>
-            </a:r>
-            <a:r>
-              <a:rPr lang="zh-TW" altLang="en-US" dirty="0">
-                <a:latin typeface="微軟正黑體" panose="020B0604030504040204" pitchFamily="34" charset="-120"/>
-                <a:ea typeface="微軟正黑體" panose="020B0604030504040204" pitchFamily="34" charset="-120"/>
-              </a:rPr>
-              <a:t> 請求路由</a:t>
-            </a:r>
-            <a:endParaRPr lang="en-US" altLang="zh-TW" dirty="0">
-              <a:latin typeface="微軟正黑體" panose="020B0604030504040204" pitchFamily="34" charset="-120"/>
-              <a:ea typeface="微軟正黑體" panose="020B0604030504040204" pitchFamily="34" charset="-120"/>
-            </a:endParaRPr>
-          </a:p>
-          <a:p>
-            <a:pPr defTabSz="914400">
-              <a:spcBef>
-                <a:spcPts val="2200"/>
-              </a:spcBef>
-              <a:buClrTx/>
-              <a:buSzPct val="100000"/>
-              <a:buFont typeface="Wingdings" panose="05000000000000000000" pitchFamily="2" charset="2"/>
-              <a:buChar char="n"/>
-              <a:defRPr>
-                <a:solidFill>
-                  <a:srgbClr val="000000"/>
-                </a:solidFill>
-                <a:latin typeface="PingFang TC Semibold"/>
-                <a:ea typeface="PingFang TC Semibold"/>
-                <a:cs typeface="PingFang TC Semibold"/>
-                <a:sym typeface="PingFang TC Semibold"/>
-              </a:defRPr>
-            </a:pPr>
-            <a:r>
-              <a:rPr lang="en-US" altLang="zh-TW" dirty="0">
-                <a:latin typeface="微軟正黑體" panose="020B0604030504040204" pitchFamily="34" charset="-120"/>
-                <a:ea typeface="微軟正黑體" panose="020B0604030504040204" pitchFamily="34" charset="-120"/>
-              </a:rPr>
-              <a:t>8.</a:t>
-            </a:r>
-            <a:r>
-              <a:rPr lang="zh-TW" altLang="en-US" dirty="0">
-                <a:latin typeface="微軟正黑體" panose="020B0604030504040204" pitchFamily="34" charset="-120"/>
-                <a:ea typeface="微軟正黑體" panose="020B0604030504040204" pitchFamily="34" charset="-120"/>
-              </a:rPr>
-              <a:t> 監控和日誌記錄</a:t>
-            </a:r>
-            <a:endParaRPr lang="en-US" altLang="zh-TW" dirty="0">
-              <a:latin typeface="微軟正黑體" panose="020B0604030504040204" pitchFamily="34" charset="-120"/>
-              <a:ea typeface="微軟正黑體" panose="020B0604030504040204" pitchFamily="34" charset="-120"/>
-            </a:endParaRPr>
-          </a:p>
-          <a:p>
-            <a:pPr defTabSz="914400">
-              <a:spcBef>
-                <a:spcPts val="2200"/>
-              </a:spcBef>
-              <a:buClrTx/>
-              <a:buSzPct val="100000"/>
-              <a:buFont typeface="Wingdings" panose="05000000000000000000" pitchFamily="2" charset="2"/>
-              <a:buChar char="n"/>
-              <a:defRPr>
-                <a:solidFill>
-                  <a:srgbClr val="000000"/>
-                </a:solidFill>
-                <a:latin typeface="PingFang TC Semibold"/>
-                <a:ea typeface="PingFang TC Semibold"/>
-                <a:cs typeface="PingFang TC Semibold"/>
-                <a:sym typeface="PingFang TC Semibold"/>
-              </a:defRPr>
-            </a:pPr>
-            <a:r>
-              <a:rPr lang="en-US" altLang="zh-TW" dirty="0">
-                <a:latin typeface="微軟正黑體" panose="020B0604030504040204" pitchFamily="34" charset="-120"/>
-                <a:ea typeface="微軟正黑體" panose="020B0604030504040204" pitchFamily="34" charset="-120"/>
-              </a:rPr>
-              <a:t>9.</a:t>
-            </a:r>
-            <a:r>
-              <a:rPr lang="zh-TW" altLang="en-US" dirty="0">
-                <a:latin typeface="微軟正黑體" panose="020B0604030504040204" pitchFamily="34" charset="-120"/>
-                <a:ea typeface="微軟正黑體" panose="020B0604030504040204" pitchFamily="34" charset="-120"/>
-              </a:rPr>
-              <a:t> 故障轉移</a:t>
-            </a:r>
-            <a:endParaRPr lang="en-US" altLang="zh-TW" dirty="0">
-              <a:latin typeface="微軟正黑體" panose="020B0604030504040204" pitchFamily="34" charset="-120"/>
-              <a:ea typeface="微軟正黑體" panose="020B0604030504040204" pitchFamily="34" charset="-120"/>
-            </a:endParaRPr>
-          </a:p>
-          <a:p>
-            <a:pPr defTabSz="914400">
-              <a:spcBef>
-                <a:spcPts val="2200"/>
-              </a:spcBef>
-              <a:buClrTx/>
-              <a:buSzPct val="100000"/>
-              <a:buFont typeface="Wingdings" panose="05000000000000000000" pitchFamily="2" charset="2"/>
-              <a:buChar char="n"/>
-              <a:defRPr>
-                <a:solidFill>
-                  <a:srgbClr val="000000"/>
-                </a:solidFill>
-                <a:latin typeface="PingFang TC Semibold"/>
-                <a:ea typeface="PingFang TC Semibold"/>
-                <a:cs typeface="PingFang TC Semibold"/>
-                <a:sym typeface="PingFang TC Semibold"/>
-              </a:defRPr>
-            </a:pPr>
-            <a:r>
-              <a:rPr lang="en-US" altLang="zh-TW" dirty="0">
-                <a:latin typeface="微軟正黑體" panose="020B0604030504040204" pitchFamily="34" charset="-120"/>
-                <a:ea typeface="微軟正黑體" panose="020B0604030504040204" pitchFamily="34" charset="-120"/>
-              </a:rPr>
-              <a:t>10.</a:t>
-            </a:r>
-            <a:r>
-              <a:rPr lang="zh-TW" altLang="en-US" dirty="0">
-                <a:latin typeface="微軟正黑體" panose="020B0604030504040204" pitchFamily="34" charset="-120"/>
-                <a:ea typeface="微軟正黑體" panose="020B0604030504040204" pitchFamily="34" charset="-120"/>
-              </a:rPr>
-              <a:t> </a:t>
-            </a:r>
-            <a:r>
-              <a:rPr lang="en-US" altLang="zh-TW" dirty="0">
-                <a:latin typeface="微軟正黑體" panose="020B0604030504040204" pitchFamily="34" charset="-120"/>
-                <a:ea typeface="微軟正黑體" panose="020B0604030504040204" pitchFamily="34" charset="-120"/>
-              </a:rPr>
-              <a:t>API</a:t>
-            </a:r>
-            <a:r>
-              <a:rPr lang="zh-TW" altLang="en-US" dirty="0">
-                <a:latin typeface="微軟正黑體" panose="020B0604030504040204" pitchFamily="34" charset="-120"/>
-                <a:ea typeface="微軟正黑體" panose="020B0604030504040204" pitchFamily="34" charset="-120"/>
-              </a:rPr>
-              <a:t> </a:t>
-            </a:r>
-            <a:r>
-              <a:rPr lang="en-US" altLang="zh-TW" dirty="0">
-                <a:latin typeface="微軟正黑體" panose="020B0604030504040204" pitchFamily="34" charset="-120"/>
-                <a:ea typeface="微軟正黑體" panose="020B0604030504040204" pitchFamily="34" charset="-120"/>
-              </a:rPr>
-              <a:t>gateway</a:t>
-            </a:r>
-            <a:r>
-              <a:rPr lang="zh-TW" altLang="en-US" dirty="0">
-                <a:latin typeface="微軟正黑體" panose="020B0604030504040204" pitchFamily="34" charset="-120"/>
-                <a:ea typeface="微軟正黑體" panose="020B0604030504040204" pitchFamily="34" charset="-120"/>
-              </a:rPr>
-              <a:t>功能</a:t>
+              <a:t> 提升資訊安全</a:t>
             </a:r>
             <a:endParaRPr lang="en-US" altLang="zh-TW" dirty="0">
               <a:latin typeface="微軟正黑體" panose="020B0604030504040204" pitchFamily="34" charset="-120"/>
@@ -13661,72 +13455,7 @@
     </p:spTree>
     <p:extLst>
       <p:ext uri="{BB962C8B-B14F-4D97-AF65-F5344CB8AC3E}">
-        <p14:creationId xmlns:p14="http://schemas.microsoft.com/office/powerpoint/2010/main" val="3627410845"/>
-      </p:ext>
-    </p:extLst>
-  </p:cSld>
-  <p:clrMapOvr>
-    <a:masterClrMapping/>
-  </p:clrMapOvr>
-  <p:transition spd="med"/>
-</p:sld>
-</file>
-
-<file path=ppt/slides/slide17.xml><?xml version="1.0" encoding="utf-8"?>
-<p:sld xmlns:a="http://schemas.openxmlformats.org/drawingml/2006/main" xmlns:r="http://schemas.openxmlformats.org/officeDocument/2006/relationships" xmlns:p="http://schemas.openxmlformats.org/presentationml/2006/main">
-  <p:cSld>
-    <p:spTree>
-      <p:nvGrpSpPr>
-        <p:cNvPr id="1" name=""/>
-        <p:cNvGrpSpPr/>
-        <p:nvPr/>
-      </p:nvGrpSpPr>
-      <p:grpSpPr>
-        <a:xfrm>
-          <a:off x="0" y="0"/>
-          <a:ext cx="0" cy="0"/>
-          <a:chOff x="0" y="0"/>
-          <a:chExt cx="0" cy="0"/>
-        </a:xfrm>
-      </p:grpSpPr>
-      <p:sp>
-        <p:nvSpPr>
-          <p:cNvPr id="214" name="壹.櫃買市場狀況"/>
-          <p:cNvSpPr txBox="1">
-            <a:spLocks noGrp="1"/>
-          </p:cNvSpPr>
-          <p:nvPr>
-            <p:ph type="title"/>
-          </p:nvPr>
-        </p:nvSpPr>
-        <p:spPr>
-          <a:xfrm>
-            <a:off x="370114" y="2751139"/>
-            <a:ext cx="8229600" cy="1508126"/>
-          </a:xfrm>
-          <a:prstGeom prst="rect">
-            <a:avLst/>
-          </a:prstGeom>
-        </p:spPr>
-        <p:txBody>
-          <a:bodyPr/>
-          <a:lstStyle/>
-          <a:p>
-            <a:r>
-              <a:rPr lang="zh-TW" altLang="en-US" sz="6000" dirty="0">
-                <a:latin typeface="微軟正黑體" panose="020B0604030504040204" pitchFamily="34" charset="-120"/>
-                <a:ea typeface="微軟正黑體" panose="020B0604030504040204" pitchFamily="34" charset="-120"/>
-              </a:rPr>
-              <a:t>五、後續待辦事項</a:t>
-            </a:r>
-            <a:endParaRPr sz="6000" dirty="0"/>
-          </a:p>
-        </p:txBody>
-      </p:sp>
-    </p:spTree>
-    <p:extLst>
-      <p:ext uri="{BB962C8B-B14F-4D97-AF65-F5344CB8AC3E}">
-        <p14:creationId xmlns:p14="http://schemas.microsoft.com/office/powerpoint/2010/main" val="1161075294"/>
+        <p14:creationId xmlns:p14="http://schemas.microsoft.com/office/powerpoint/2010/main" val="4027739591"/>
       </p:ext>
     </p:extLst>
   </p:cSld>
@@ -13796,7 +13525,7 @@
                 <a:latin typeface="微軟正黑體" panose="020B0604030504040204" pitchFamily="34" charset="-120"/>
                 <a:ea typeface="微軟正黑體" panose="020B0604030504040204" pitchFamily="34" charset="-120"/>
               </a:rPr>
-              <a:t>後續待辦事項</a:t>
+              <a:t>前後端分離式架構優點</a:t>
             </a:r>
             <a:endParaRPr sz="6000" dirty="0"/>
           </a:p>
@@ -13821,7 +13550,7 @@
           <a:bodyPr/>
           <a:lstStyle/>
           <a:p>
-            <a:pPr>
+            <a:pPr defTabSz="914400">
               <a:spcBef>
                 <a:spcPts val="2200"/>
               </a:spcBef>
@@ -13844,14 +13573,14 @@
                 <a:latin typeface="微軟正黑體" panose="020B0604030504040204" pitchFamily="34" charset="-120"/>
                 <a:ea typeface="微軟正黑體" panose="020B0604030504040204" pitchFamily="34" charset="-120"/>
               </a:rPr>
-              <a:t>1.</a:t>
+              <a:t>Nginx</a:t>
             </a:r>
             <a:r>
               <a:rPr lang="zh-TW" altLang="en-US" dirty="0">
                 <a:latin typeface="微軟正黑體" panose="020B0604030504040204" pitchFamily="34" charset="-120"/>
                 <a:ea typeface="微軟正黑體" panose="020B0604030504040204" pitchFamily="34" charset="-120"/>
               </a:rPr>
-              <a:t> 加強防插旗置換</a:t>
+              <a:t>反向代理的好處</a:t>
             </a:r>
             <a:endParaRPr lang="en-US" altLang="zh-TW" dirty="0">
               <a:latin typeface="微軟正黑體" panose="020B0604030504040204" pitchFamily="34" charset="-120"/>
@@ -13859,7 +13588,7 @@
             </a:endParaRPr>
           </a:p>
           <a:p>
-            <a:pPr defTabSz="914400">
+            <a:pPr>
               <a:spcBef>
                 <a:spcPts val="2200"/>
               </a:spcBef>
@@ -13882,22 +13611,33 @@
                 <a:latin typeface="微軟正黑體" panose="020B0604030504040204" pitchFamily="34" charset="-120"/>
                 <a:ea typeface="微軟正黑體" panose="020B0604030504040204" pitchFamily="34" charset="-120"/>
               </a:rPr>
-              <a:t>2.</a:t>
+              <a:t>1.</a:t>
             </a:r>
             <a:r>
               <a:rPr lang="zh-TW" altLang="en-US" dirty="0">
                 <a:latin typeface="微軟正黑體" panose="020B0604030504040204" pitchFamily="34" charset="-120"/>
                 <a:ea typeface="微軟正黑體" panose="020B0604030504040204" pitchFamily="34" charset="-120"/>
               </a:rPr>
-              <a:t> 優化</a:t>
+              <a:t>負載均衡</a:t>
             </a:r>
             <a:r>
               <a:rPr lang="en-US" altLang="zh-TW" dirty="0">
                 <a:latin typeface="微軟正黑體" panose="020B0604030504040204" pitchFamily="34" charset="-120"/>
                 <a:ea typeface="微軟正黑體" panose="020B0604030504040204" pitchFamily="34" charset="-120"/>
               </a:rPr>
-              <a:t>API</a:t>
-            </a:r>
+              <a:t>:</a:t>
+            </a:r>
+            <a:r>
+              <a:rPr lang="zh-TW" altLang="en-US" dirty="0">
+                <a:latin typeface="微軟正黑體" panose="020B0604030504040204" pitchFamily="34" charset="-120"/>
+                <a:ea typeface="微軟正黑體" panose="020B0604030504040204" pitchFamily="34" charset="-120"/>
+              </a:rPr>
+              <a:t> </a:t>
+            </a:r>
+            <a:endParaRPr lang="en-US" altLang="zh-TW" dirty="0">
+              <a:latin typeface="微軟正黑體" panose="020B0604030504040204" pitchFamily="34" charset="-120"/>
+              <a:ea typeface="微軟正黑體" panose="020B0604030504040204" pitchFamily="34" charset="-120"/>
+            </a:endParaRPr>
           </a:p>
           <a:p>
             <a:pPr defTabSz="914400">
@@ -13923,14 +13663,142 @@
                 <a:latin typeface="微軟正黑體" panose="020B0604030504040204" pitchFamily="34" charset="-120"/>
                 <a:ea typeface="微軟正黑體" panose="020B0604030504040204" pitchFamily="34" charset="-120"/>
               </a:rPr>
-              <a:t>3.</a:t>
+              <a:t>2.</a:t>
             </a:r>
             <a:r>
               <a:rPr lang="zh-TW" altLang="en-US" dirty="0">
                 <a:latin typeface="微軟正黑體" panose="020B0604030504040204" pitchFamily="34" charset="-120"/>
                 <a:ea typeface="微軟正黑體" panose="020B0604030504040204" pitchFamily="34" charset="-120"/>
               </a:rPr>
-              <a:t> 網站服務上雲</a:t>
+              <a:t> 安全性</a:t>
+            </a:r>
+            <a:endParaRPr lang="en-US" altLang="zh-TW" dirty="0">
+              <a:latin typeface="微軟正黑體" panose="020B0604030504040204" pitchFamily="34" charset="-120"/>
+              <a:ea typeface="微軟正黑體" panose="020B0604030504040204" pitchFamily="34" charset="-120"/>
+            </a:endParaRPr>
+          </a:p>
+          <a:p>
+            <a:pPr defTabSz="914400">
+              <a:spcBef>
+                <a:spcPts val="2200"/>
+              </a:spcBef>
+              <a:buClrTx/>
+              <a:buSzPct val="100000"/>
+              <a:buFont typeface="Wingdings" panose="05000000000000000000" pitchFamily="2" charset="2"/>
+              <a:buChar char="n"/>
+              <a:defRPr>
+                <a:solidFill>
+                  <a:srgbClr val="000000"/>
+                </a:solidFill>
+                <a:latin typeface="PingFang TC Semibold"/>
+                <a:ea typeface="PingFang TC Semibold"/>
+                <a:cs typeface="PingFang TC Semibold"/>
+                <a:sym typeface="PingFang TC Semibold"/>
+              </a:defRPr>
+            </a:pPr>
+            <a:r>
+              <a:rPr lang="en-US" altLang="zh-TW" dirty="0">
+                <a:latin typeface="微軟正黑體" panose="020B0604030504040204" pitchFamily="34" charset="-120"/>
+                <a:ea typeface="微軟正黑體" panose="020B0604030504040204" pitchFamily="34" charset="-120"/>
+              </a:rPr>
+              <a:t>3.</a:t>
+            </a:r>
+            <a:r>
+              <a:rPr lang="zh-TW" altLang="en-US" dirty="0">
+                <a:latin typeface="微軟正黑體" panose="020B0604030504040204" pitchFamily="34" charset="-120"/>
+                <a:ea typeface="微軟正黑體" panose="020B0604030504040204" pitchFamily="34" charset="-120"/>
+              </a:rPr>
+              <a:t> </a:t>
+            </a:r>
+            <a:r>
+              <a:rPr lang="en-US" altLang="zh-TW" dirty="0">
+                <a:latin typeface="微軟正黑體" panose="020B0604030504040204" pitchFamily="34" charset="-120"/>
+                <a:ea typeface="微軟正黑體" panose="020B0604030504040204" pitchFamily="34" charset="-120"/>
+              </a:rPr>
+              <a:t>SSL</a:t>
+            </a:r>
+            <a:r>
+              <a:rPr lang="zh-TW" altLang="en-US" dirty="0">
+                <a:latin typeface="微軟正黑體" panose="020B0604030504040204" pitchFamily="34" charset="-120"/>
+                <a:ea typeface="微軟正黑體" panose="020B0604030504040204" pitchFamily="34" charset="-120"/>
+              </a:rPr>
+              <a:t>終止</a:t>
+            </a:r>
+            <a:endParaRPr lang="en-US" altLang="zh-TW" dirty="0">
+              <a:latin typeface="微軟正黑體" panose="020B0604030504040204" pitchFamily="34" charset="-120"/>
+              <a:ea typeface="微軟正黑體" panose="020B0604030504040204" pitchFamily="34" charset="-120"/>
+            </a:endParaRPr>
+          </a:p>
+          <a:p>
+            <a:pPr defTabSz="914400">
+              <a:spcBef>
+                <a:spcPts val="2200"/>
+              </a:spcBef>
+              <a:buClrTx/>
+              <a:buSzPct val="100000"/>
+              <a:buFont typeface="Wingdings" panose="05000000000000000000" pitchFamily="2" charset="2"/>
+              <a:buChar char="n"/>
+              <a:defRPr>
+                <a:solidFill>
+                  <a:srgbClr val="000000"/>
+                </a:solidFill>
+                <a:latin typeface="PingFang TC Semibold"/>
+                <a:ea typeface="PingFang TC Semibold"/>
+                <a:cs typeface="PingFang TC Semibold"/>
+                <a:sym typeface="PingFang TC Semibold"/>
+              </a:defRPr>
+            </a:pPr>
+            <a:r>
+              <a:rPr lang="en-US" altLang="zh-TW" dirty="0">
+                <a:latin typeface="微軟正黑體" panose="020B0604030504040204" pitchFamily="34" charset="-120"/>
+                <a:ea typeface="微軟正黑體" panose="020B0604030504040204" pitchFamily="34" charset="-120"/>
+              </a:rPr>
+              <a:t>4.</a:t>
+            </a:r>
+            <a:r>
+              <a:rPr lang="zh-TW" altLang="en-US" dirty="0">
+                <a:latin typeface="微軟正黑體" panose="020B0604030504040204" pitchFamily="34" charset="-120"/>
+                <a:ea typeface="微軟正黑體" panose="020B0604030504040204" pitchFamily="34" charset="-120"/>
+              </a:rPr>
+              <a:t> 快取功能</a:t>
+            </a:r>
+            <a:endParaRPr lang="en-US" altLang="zh-TW" dirty="0">
+              <a:latin typeface="微軟正黑體" panose="020B0604030504040204" pitchFamily="34" charset="-120"/>
+              <a:ea typeface="微軟正黑體" panose="020B0604030504040204" pitchFamily="34" charset="-120"/>
+            </a:endParaRPr>
+          </a:p>
+          <a:p>
+            <a:pPr defTabSz="914400">
+              <a:spcBef>
+                <a:spcPts val="2200"/>
+              </a:spcBef>
+              <a:buClrTx/>
+              <a:buSzPct val="100000"/>
+              <a:buFont typeface="Wingdings" panose="05000000000000000000" pitchFamily="2" charset="2"/>
+              <a:buChar char="n"/>
+              <a:defRPr>
+                <a:solidFill>
+                  <a:srgbClr val="000000"/>
+                </a:solidFill>
+                <a:latin typeface="PingFang TC Semibold"/>
+                <a:ea typeface="PingFang TC Semibold"/>
+                <a:cs typeface="PingFang TC Semibold"/>
+                <a:sym typeface="PingFang TC Semibold"/>
+              </a:defRPr>
+            </a:pPr>
+            <a:r>
+              <a:rPr lang="en-US" altLang="zh-TW" dirty="0">
+                <a:latin typeface="微軟正黑體" panose="020B0604030504040204" pitchFamily="34" charset="-120"/>
+                <a:ea typeface="微軟正黑體" panose="020B0604030504040204" pitchFamily="34" charset="-120"/>
+              </a:rPr>
+              <a:t>5.</a:t>
+            </a:r>
+            <a:r>
+              <a:rPr lang="zh-TW" altLang="en-US" dirty="0">
+                <a:latin typeface="微軟正黑體" panose="020B0604030504040204" pitchFamily="34" charset="-120"/>
+                <a:ea typeface="微軟正黑體" panose="020B0604030504040204" pitchFamily="34" charset="-120"/>
+              </a:rPr>
+              <a:t> 集中化訪問控制</a:t>
             </a:r>
             <a:endParaRPr lang="en-US" altLang="zh-TW" dirty="0">
               <a:latin typeface="微軟正黑體" panose="020B0604030504040204" pitchFamily="34" charset="-120"/>
@@ -13942,7 +13810,7 @@
     </p:spTree>
     <p:extLst>
       <p:ext uri="{BB962C8B-B14F-4D97-AF65-F5344CB8AC3E}">
-        <p14:creationId xmlns:p14="http://schemas.microsoft.com/office/powerpoint/2010/main" val="739233411"/>
+        <p14:creationId xmlns:p14="http://schemas.microsoft.com/office/powerpoint/2010/main" val="1374857553"/>
       </p:ext>
     </p:extLst>
   </p:cSld>
@@ -13972,12 +13840,60 @@
       </p:grpSpPr>
       <p:sp>
         <p:nvSpPr>
-          <p:cNvPr id="518" name="感謝聆聽 • 敬請指教"/>
+          <p:cNvPr id="402" name="中小規模企業掛牌首選之交易所"/>
           <p:cNvSpPr txBox="1">
             <a:spLocks noGrp="1"/>
           </p:cNvSpPr>
           <p:nvPr>
             <p:ph type="title"/>
+          </p:nvPr>
+        </p:nvSpPr>
+        <p:spPr>
+          <a:xfrm>
+            <a:off x="457200" y="53974"/>
+            <a:ext cx="8229600" cy="1508126"/>
+          </a:xfrm>
+          <a:prstGeom prst="rect">
+            <a:avLst/>
+          </a:prstGeom>
+        </p:spPr>
+        <p:txBody>
+          <a:bodyPr/>
+          <a:lstStyle>
+            <a:lvl1pPr defTabSz="457200">
+              <a:lnSpc>
+                <a:spcPct val="100000"/>
+              </a:lnSpc>
+              <a:defRPr sz="3200">
+                <a:solidFill>
+                  <a:srgbClr val="805F0A"/>
+                </a:solidFill>
+              </a:defRPr>
+            </a:lvl1pPr>
+          </a:lstStyle>
+          <a:p>
+            <a:r>
+              <a:rPr lang="zh-TW" altLang="en-US" sz="6000" dirty="0">
+                <a:solidFill>
+                  <a:srgbClr val="C08225"/>
+                </a:solidFill>
+                <a:latin typeface="微軟正黑體" panose="020B0604030504040204" pitchFamily="34" charset="-120"/>
+                <a:ea typeface="微軟正黑體" panose="020B0604030504040204" pitchFamily="34" charset="-120"/>
+              </a:rPr>
+              <a:t>前後端分離式架構優點</a:t>
+            </a:r>
+            <a:endParaRPr sz="6000" dirty="0"/>
+          </a:p>
+        </p:txBody>
+      </p:sp>
+      <p:sp>
+        <p:nvSpPr>
+          <p:cNvPr id="403" name="櫃買中心為股票及債券均健全發展且 表現亮眼之雙引擎市場…"/>
+          <p:cNvSpPr txBox="1">
+            <a:spLocks noGrp="1"/>
+          </p:cNvSpPr>
+          <p:nvPr>
+            <p:ph type="body" idx="1"/>
           </p:nvPr>
         </p:nvSpPr>
         <p:spPr>
@@ -13989,35 +13905,269 @@
           <a:bodyPr/>
           <a:lstStyle/>
           <a:p>
-            <a:r>
-              <a:rPr sz="4000" dirty="0" err="1">
+            <a:pPr defTabSz="914400">
+              <a:spcBef>
+                <a:spcPts val="2200"/>
+              </a:spcBef>
+              <a:buClrTx/>
+              <a:buSzPct val="100000"/>
+              <a:buFont typeface="Wingdings" panose="05000000000000000000" pitchFamily="2" charset="2"/>
+              <a:buChar char="n"/>
+              <a:defRPr>
+                <a:solidFill>
+                  <a:srgbClr val="000000"/>
+                </a:solidFill>
+                <a:latin typeface="PingFang TC Semibold"/>
+                <a:ea typeface="PingFang TC Semibold"/>
+                <a:cs typeface="PingFang TC Semibold"/>
+                <a:sym typeface="PingFang TC Semibold"/>
+              </a:defRPr>
+            </a:pPr>
+            <a:r>
+              <a:rPr lang="en-US" altLang="zh-TW" dirty="0">
                 <a:latin typeface="微軟正黑體" panose="020B0604030504040204" pitchFamily="34" charset="-120"/>
                 <a:ea typeface="微軟正黑體" panose="020B0604030504040204" pitchFamily="34" charset="-120"/>
               </a:rPr>
-              <a:t>感謝聆聽</a:t>
-            </a:r>
-            <a:r>
-              <a:rPr sz="4000" dirty="0">
+              <a:t>Nginx</a:t>
+            </a:r>
+            <a:r>
+              <a:rPr lang="zh-TW" altLang="en-US" dirty="0">
                 <a:latin typeface="微軟正黑體" panose="020B0604030504040204" pitchFamily="34" charset="-120"/>
                 <a:ea typeface="微軟正黑體" panose="020B0604030504040204" pitchFamily="34" charset="-120"/>
               </a:rPr>
-              <a:t> • </a:t>
-            </a:r>
-            <a:r>
-              <a:rPr sz="4000" dirty="0" err="1">
-                <a:latin typeface="微軟正黑體" panose="020B0604030504040204" pitchFamily="34" charset="-120"/>
-                <a:ea typeface="微軟正黑體" panose="020B0604030504040204" pitchFamily="34" charset="-120"/>
-              </a:rPr>
-              <a:t>敬請指教</a:t>
-            </a:r>
-            <a:endParaRPr sz="4000" dirty="0">
+              <a:t>反向代理的好處</a:t>
+            </a:r>
+            <a:endParaRPr lang="en-US" altLang="zh-TW" dirty="0">
               <a:latin typeface="微軟正黑體" panose="020B0604030504040204" pitchFamily="34" charset="-120"/>
               <a:ea typeface="微軟正黑體" panose="020B0604030504040204" pitchFamily="34" charset="-120"/>
             </a:endParaRPr>
           </a:p>
+          <a:p>
+            <a:pPr>
+              <a:spcBef>
+                <a:spcPts val="2200"/>
+              </a:spcBef>
+              <a:buClrTx/>
+              <a:buSzPct val="100000"/>
+              <a:buFont typeface="Wingdings" panose="05000000000000000000" pitchFamily="2" charset="2"/>
+              <a:buChar char="n"/>
+              <a:defRPr>
+                <a:solidFill>
+                  <a:srgbClr val="000000"/>
+                </a:solidFill>
+                <a:latin typeface="PingFang TC Semibold"/>
+                <a:ea typeface="PingFang TC Semibold"/>
+                <a:cs typeface="PingFang TC Semibold"/>
+                <a:sym typeface="PingFang TC Semibold"/>
+              </a:defRPr>
+            </a:pPr>
+            <a:r>
+              <a:rPr lang="en-US" altLang="zh-TW" dirty="0">
+                <a:latin typeface="微軟正黑體" panose="020B0604030504040204" pitchFamily="34" charset="-120"/>
+                <a:ea typeface="微軟正黑體" panose="020B0604030504040204" pitchFamily="34" charset="-120"/>
+              </a:rPr>
+              <a:t>6.</a:t>
+            </a:r>
+            <a:r>
+              <a:rPr lang="zh-TW" altLang="en-US" dirty="0">
+                <a:latin typeface="微軟正黑體" panose="020B0604030504040204" pitchFamily="34" charset="-120"/>
+                <a:ea typeface="微軟正黑體" panose="020B0604030504040204" pitchFamily="34" charset="-120"/>
+              </a:rPr>
+              <a:t> 內容壓縮</a:t>
+            </a:r>
+            <a:endParaRPr lang="en-US" altLang="zh-TW" dirty="0">
+              <a:latin typeface="微軟正黑體" panose="020B0604030504040204" pitchFamily="34" charset="-120"/>
+              <a:ea typeface="微軟正黑體" panose="020B0604030504040204" pitchFamily="34" charset="-120"/>
+            </a:endParaRPr>
+          </a:p>
+          <a:p>
+            <a:pPr defTabSz="914400">
+              <a:spcBef>
+                <a:spcPts val="2200"/>
+              </a:spcBef>
+              <a:buClrTx/>
+              <a:buSzPct val="100000"/>
+              <a:buFont typeface="Wingdings" panose="05000000000000000000" pitchFamily="2" charset="2"/>
+              <a:buChar char="n"/>
+              <a:defRPr>
+                <a:solidFill>
+                  <a:srgbClr val="000000"/>
+                </a:solidFill>
+                <a:latin typeface="PingFang TC Semibold"/>
+                <a:ea typeface="PingFang TC Semibold"/>
+                <a:cs typeface="PingFang TC Semibold"/>
+                <a:sym typeface="PingFang TC Semibold"/>
+              </a:defRPr>
+            </a:pPr>
+            <a:r>
+              <a:rPr lang="en-US" altLang="zh-TW" dirty="0">
+                <a:latin typeface="微軟正黑體" panose="020B0604030504040204" pitchFamily="34" charset="-120"/>
+                <a:ea typeface="微軟正黑體" panose="020B0604030504040204" pitchFamily="34" charset="-120"/>
+              </a:rPr>
+              <a:t>7.</a:t>
+            </a:r>
+            <a:r>
+              <a:rPr lang="zh-TW" altLang="en-US" dirty="0">
+                <a:latin typeface="微軟正黑體" panose="020B0604030504040204" pitchFamily="34" charset="-120"/>
+                <a:ea typeface="微軟正黑體" panose="020B0604030504040204" pitchFamily="34" charset="-120"/>
+              </a:rPr>
+              <a:t> 請求路由</a:t>
+            </a:r>
+            <a:endParaRPr lang="en-US" altLang="zh-TW" dirty="0">
+              <a:latin typeface="微軟正黑體" panose="020B0604030504040204" pitchFamily="34" charset="-120"/>
+              <a:ea typeface="微軟正黑體" panose="020B0604030504040204" pitchFamily="34" charset="-120"/>
+            </a:endParaRPr>
+          </a:p>
+          <a:p>
+            <a:pPr defTabSz="914400">
+              <a:spcBef>
+                <a:spcPts val="2200"/>
+              </a:spcBef>
+              <a:buClrTx/>
+              <a:buSzPct val="100000"/>
+              <a:buFont typeface="Wingdings" panose="05000000000000000000" pitchFamily="2" charset="2"/>
+              <a:buChar char="n"/>
+              <a:defRPr>
+                <a:solidFill>
+                  <a:srgbClr val="000000"/>
+                </a:solidFill>
+                <a:latin typeface="PingFang TC Semibold"/>
+                <a:ea typeface="PingFang TC Semibold"/>
+                <a:cs typeface="PingFang TC Semibold"/>
+                <a:sym typeface="PingFang TC Semibold"/>
+              </a:defRPr>
+            </a:pPr>
+            <a:r>
+              <a:rPr lang="en-US" altLang="zh-TW" dirty="0">
+                <a:latin typeface="微軟正黑體" panose="020B0604030504040204" pitchFamily="34" charset="-120"/>
+                <a:ea typeface="微軟正黑體" panose="020B0604030504040204" pitchFamily="34" charset="-120"/>
+              </a:rPr>
+              <a:t>8.</a:t>
+            </a:r>
+            <a:r>
+              <a:rPr lang="zh-TW" altLang="en-US" dirty="0">
+                <a:latin typeface="微軟正黑體" panose="020B0604030504040204" pitchFamily="34" charset="-120"/>
+                <a:ea typeface="微軟正黑體" panose="020B0604030504040204" pitchFamily="34" charset="-120"/>
+              </a:rPr>
+              <a:t> 監控和日誌記錄</a:t>
+            </a:r>
+            <a:endParaRPr lang="en-US" altLang="zh-TW" dirty="0">
+              <a:latin typeface="微軟正黑體" panose="020B0604030504040204" pitchFamily="34" charset="-120"/>
+              <a:ea typeface="微軟正黑體" panose="020B0604030504040204" pitchFamily="34" charset="-120"/>
+            </a:endParaRPr>
+          </a:p>
+          <a:p>
+            <a:pPr defTabSz="914400">
+              <a:spcBef>
+                <a:spcPts val="2200"/>
+              </a:spcBef>
+              <a:buClrTx/>
+              <a:buSzPct val="100000"/>
+              <a:buFont typeface="Wingdings" panose="05000000000000000000" pitchFamily="2" charset="2"/>
+              <a:buChar char="n"/>
+              <a:defRPr>
+                <a:solidFill>
+                  <a:srgbClr val="000000"/>
+                </a:solidFill>
+                <a:latin typeface="PingFang TC Semibold"/>
+                <a:ea typeface="PingFang TC Semibold"/>
+                <a:cs typeface="PingFang TC Semibold"/>
+                <a:sym typeface="PingFang TC Semibold"/>
+              </a:defRPr>
+            </a:pPr>
+            <a:r>
+              <a:rPr lang="en-US" altLang="zh-TW" dirty="0">
+                <a:latin typeface="微軟正黑體" panose="020B0604030504040204" pitchFamily="34" charset="-120"/>
+                <a:ea typeface="微軟正黑體" panose="020B0604030504040204" pitchFamily="34" charset="-120"/>
+              </a:rPr>
+              <a:t>9.</a:t>
+            </a:r>
+            <a:r>
+              <a:rPr lang="zh-TW" altLang="en-US" dirty="0">
+                <a:latin typeface="微軟正黑體" panose="020B0604030504040204" pitchFamily="34" charset="-120"/>
+                <a:ea typeface="微軟正黑體" panose="020B0604030504040204" pitchFamily="34" charset="-120"/>
+              </a:rPr>
+              <a:t> 故障轉移</a:t>
+            </a:r>
+            <a:endParaRPr lang="en-US" altLang="zh-TW" dirty="0">
+              <a:latin typeface="微軟正黑體" panose="020B0604030504040204" pitchFamily="34" charset="-120"/>
+              <a:ea typeface="微軟正黑體" panose="020B0604030504040204" pitchFamily="34" charset="-120"/>
+            </a:endParaRPr>
+          </a:p>
+          <a:p>
+            <a:pPr defTabSz="914400">
+              <a:spcBef>
+                <a:spcPts val="2200"/>
+              </a:spcBef>
+              <a:buClrTx/>
+              <a:buSzPct val="100000"/>
+              <a:buFont typeface="Wingdings" panose="05000000000000000000" pitchFamily="2" charset="2"/>
+              <a:buChar char="n"/>
+              <a:defRPr>
+                <a:solidFill>
+                  <a:srgbClr val="000000"/>
+                </a:solidFill>
+                <a:latin typeface="PingFang TC Semibold"/>
+                <a:ea typeface="PingFang TC Semibold"/>
+                <a:cs typeface="PingFang TC Semibold"/>
+                <a:sym typeface="PingFang TC Semibold"/>
+              </a:defRPr>
+            </a:pPr>
+            <a:r>
+              <a:rPr lang="en-US" altLang="zh-TW" dirty="0">
+                <a:latin typeface="微軟正黑體" panose="020B0604030504040204" pitchFamily="34" charset="-120"/>
+                <a:ea typeface="微軟正黑體" panose="020B0604030504040204" pitchFamily="34" charset="-120"/>
+              </a:rPr>
+              <a:t>10.</a:t>
+            </a:r>
+            <a:r>
+              <a:rPr lang="zh-TW" altLang="en-US" dirty="0">
+                <a:latin typeface="微軟正黑體" panose="020B0604030504040204" pitchFamily="34" charset="-120"/>
+                <a:ea typeface="微軟正黑體" panose="020B0604030504040204" pitchFamily="34" charset="-120"/>
+              </a:rPr>
+              <a:t> </a:t>
+            </a:r>
+            <a:r>
+              <a:rPr lang="en-US" altLang="zh-TW" dirty="0">
+                <a:latin typeface="微軟正黑體" panose="020B0604030504040204" pitchFamily="34" charset="-120"/>
+                <a:ea typeface="微軟正黑體" panose="020B0604030504040204" pitchFamily="34" charset="-120"/>
+              </a:rPr>
+              <a:t>API</a:t>
+            </a:r>
+            <a:r>
+              <a:rPr lang="zh-TW" altLang="en-US" dirty="0">
+                <a:latin typeface="微軟正黑體" panose="020B0604030504040204" pitchFamily="34" charset="-120"/>
+                <a:ea typeface="微軟正黑體" panose="020B0604030504040204" pitchFamily="34" charset="-120"/>
+              </a:rPr>
+              <a:t> </a:t>
+            </a:r>
+            <a:r>
+              <a:rPr lang="en-US" altLang="zh-TW" dirty="0">
+                <a:latin typeface="微軟正黑體" panose="020B0604030504040204" pitchFamily="34" charset="-120"/>
+                <a:ea typeface="微軟正黑體" panose="020B0604030504040204" pitchFamily="34" charset="-120"/>
+              </a:rPr>
+              <a:t>gateway</a:t>
+            </a:r>
+            <a:r>
+              <a:rPr lang="zh-TW" altLang="en-US" dirty="0">
+                <a:latin typeface="微軟正黑體" panose="020B0604030504040204" pitchFamily="34" charset="-120"/>
+                <a:ea typeface="微軟正黑體" panose="020B0604030504040204" pitchFamily="34" charset="-120"/>
+              </a:rPr>
+              <a:t>功能</a:t>
+            </a:r>
+            <a:endParaRPr lang="en-US" altLang="zh-TW" dirty="0">
+              <a:latin typeface="微軟正黑體" panose="020B0604030504040204" pitchFamily="34" charset="-120"/>
+              <a:ea typeface="微軟正黑體" panose="020B0604030504040204" pitchFamily="34" charset="-120"/>
+            </a:endParaRPr>
+          </a:p>
         </p:txBody>
       </p:sp>
     </p:spTree>
+    <p:extLst>
+      <p:ext uri="{BB962C8B-B14F-4D97-AF65-F5344CB8AC3E}">
+        <p14:creationId xmlns:p14="http://schemas.microsoft.com/office/powerpoint/2010/main" val="3627410845"/>
+      </p:ext>
+    </p:extLst>
   </p:cSld>
   <p:clrMapOvr>
     <a:masterClrMapping/>
@@ -14062,7 +14212,7 @@
           </a:ln>
           <a:extLst>
             <a:ext uri="{C572A759-6A51-4108-AA02-DFA0A04FC94B}">
-              <ma14:wrappingTextBoxFlag xmlns:ma14="http://schemas.microsoft.com/office/mac/drawingml/2011/main" xmlns:a14="http://schemas.microsoft.com/office/drawing/2010/main" xmlns:m="http://schemas.openxmlformats.org/officeDocument/2006/math" xmlns="" val="1"/>
+              <ma14:wrappingTextBoxFlag xmlns="" xmlns:m="http://schemas.openxmlformats.org/officeDocument/2006/math" xmlns:a14="http://schemas.microsoft.com/office/drawing/2010/main" xmlns:ma14="http://schemas.microsoft.com/office/mac/drawingml/2011/main" val="1"/>
             </a:ext>
           </a:extLst>
         </p:spPr>
@@ -14345,6 +14495,360 @@
               <a:t>綱  要</a:t>
             </a:r>
             <a:endParaRPr sz="6000" dirty="0"/>
+          </a:p>
+        </p:txBody>
+      </p:sp>
+    </p:spTree>
+  </p:cSld>
+  <p:clrMapOvr>
+    <a:masterClrMapping/>
+  </p:clrMapOvr>
+  <p:transition spd="med"/>
+</p:sld>
+</file>
+
+<file path=ppt/slides/slide20.xml><?xml version="1.0" encoding="utf-8"?>
+<p:sld xmlns:a="http://schemas.openxmlformats.org/drawingml/2006/main" xmlns:r="http://schemas.openxmlformats.org/officeDocument/2006/relationships" xmlns:p="http://schemas.openxmlformats.org/presentationml/2006/main">
+  <p:cSld>
+    <p:spTree>
+      <p:nvGrpSpPr>
+        <p:cNvPr id="1" name=""/>
+        <p:cNvGrpSpPr/>
+        <p:nvPr/>
+      </p:nvGrpSpPr>
+      <p:grpSpPr>
+        <a:xfrm>
+          <a:off x="0" y="0"/>
+          <a:ext cx="0" cy="0"/>
+          <a:chOff x="0" y="0"/>
+          <a:chExt cx="0" cy="0"/>
+        </a:xfrm>
+      </p:grpSpPr>
+      <p:sp>
+        <p:nvSpPr>
+          <p:cNvPr id="214" name="壹.櫃買市場狀況"/>
+          <p:cNvSpPr txBox="1">
+            <a:spLocks noGrp="1"/>
+          </p:cNvSpPr>
+          <p:nvPr>
+            <p:ph type="title"/>
+          </p:nvPr>
+        </p:nvSpPr>
+        <p:spPr>
+          <a:xfrm>
+            <a:off x="370114" y="2751139"/>
+            <a:ext cx="8229600" cy="1508126"/>
+          </a:xfrm>
+          <a:prstGeom prst="rect">
+            <a:avLst/>
+          </a:prstGeom>
+        </p:spPr>
+        <p:txBody>
+          <a:bodyPr/>
+          <a:lstStyle/>
+          <a:p>
+            <a:r>
+              <a:rPr lang="zh-TW" altLang="en-US" sz="6000" dirty="0">
+                <a:latin typeface="微軟正黑體" panose="020B0604030504040204" pitchFamily="34" charset="-120"/>
+                <a:ea typeface="微軟正黑體" panose="020B0604030504040204" pitchFamily="34" charset="-120"/>
+              </a:rPr>
+              <a:t>五、後續待辦事項</a:t>
+            </a:r>
+            <a:endParaRPr sz="6000" dirty="0"/>
+          </a:p>
+        </p:txBody>
+      </p:sp>
+    </p:spTree>
+    <p:extLst>
+      <p:ext uri="{BB962C8B-B14F-4D97-AF65-F5344CB8AC3E}">
+        <p14:creationId xmlns:p14="http://schemas.microsoft.com/office/powerpoint/2010/main" val="1161075294"/>
+      </p:ext>
+    </p:extLst>
+  </p:cSld>
+  <p:clrMapOvr>
+    <a:masterClrMapping/>
+  </p:clrMapOvr>
+  <p:transition spd="med"/>
+</p:sld>
+</file>
+
+<file path=ppt/slides/slide21.xml><?xml version="1.0" encoding="utf-8"?>
+<p:sld xmlns:a="http://schemas.openxmlformats.org/drawingml/2006/main" xmlns:r="http://schemas.openxmlformats.org/officeDocument/2006/relationships" xmlns:p="http://schemas.openxmlformats.org/presentationml/2006/main">
+  <p:cSld>
+    <p:spTree>
+      <p:nvGrpSpPr>
+        <p:cNvPr id="1" name=""/>
+        <p:cNvGrpSpPr/>
+        <p:nvPr/>
+      </p:nvGrpSpPr>
+      <p:grpSpPr>
+        <a:xfrm>
+          <a:off x="0" y="0"/>
+          <a:ext cx="0" cy="0"/>
+          <a:chOff x="0" y="0"/>
+          <a:chExt cx="0" cy="0"/>
+        </a:xfrm>
+      </p:grpSpPr>
+      <p:sp>
+        <p:nvSpPr>
+          <p:cNvPr id="402" name="中小規模企業掛牌首選之交易所"/>
+          <p:cNvSpPr txBox="1">
+            <a:spLocks noGrp="1"/>
+          </p:cNvSpPr>
+          <p:nvPr>
+            <p:ph type="title"/>
+          </p:nvPr>
+        </p:nvSpPr>
+        <p:spPr>
+          <a:xfrm>
+            <a:off x="457200" y="53974"/>
+            <a:ext cx="8229600" cy="1508126"/>
+          </a:xfrm>
+          <a:prstGeom prst="rect">
+            <a:avLst/>
+          </a:prstGeom>
+        </p:spPr>
+        <p:txBody>
+          <a:bodyPr/>
+          <a:lstStyle>
+            <a:lvl1pPr defTabSz="457200">
+              <a:lnSpc>
+                <a:spcPct val="100000"/>
+              </a:lnSpc>
+              <a:defRPr sz="3200">
+                <a:solidFill>
+                  <a:srgbClr val="805F0A"/>
+                </a:solidFill>
+              </a:defRPr>
+            </a:lvl1pPr>
+          </a:lstStyle>
+          <a:p>
+            <a:r>
+              <a:rPr lang="zh-TW" altLang="en-US" sz="6000" dirty="0">
+                <a:solidFill>
+                  <a:srgbClr val="C08225"/>
+                </a:solidFill>
+                <a:latin typeface="微軟正黑體" panose="020B0604030504040204" pitchFamily="34" charset="-120"/>
+                <a:ea typeface="微軟正黑體" panose="020B0604030504040204" pitchFamily="34" charset="-120"/>
+              </a:rPr>
+              <a:t>後續待辦事項</a:t>
+            </a:r>
+            <a:endParaRPr sz="6000" dirty="0"/>
+          </a:p>
+        </p:txBody>
+      </p:sp>
+      <p:sp>
+        <p:nvSpPr>
+          <p:cNvPr id="403" name="櫃買中心為股票及債券均健全發展且 表現亮眼之雙引擎市場…"/>
+          <p:cNvSpPr txBox="1">
+            <a:spLocks noGrp="1"/>
+          </p:cNvSpPr>
+          <p:nvPr>
+            <p:ph type="body" idx="1"/>
+          </p:nvPr>
+        </p:nvSpPr>
+        <p:spPr>
+          <a:prstGeom prst="rect">
+            <a:avLst/>
+          </a:prstGeom>
+        </p:spPr>
+        <p:txBody>
+          <a:bodyPr/>
+          <a:lstStyle/>
+          <a:p>
+            <a:pPr>
+              <a:spcBef>
+                <a:spcPts val="2200"/>
+              </a:spcBef>
+              <a:buClrTx/>
+              <a:buSzPct val="100000"/>
+              <a:buFont typeface="Wingdings" panose="05000000000000000000" pitchFamily="2" charset="2"/>
+              <a:buChar char="n"/>
+              <a:defRPr>
+                <a:solidFill>
+                  <a:srgbClr val="000000"/>
+                </a:solidFill>
+                <a:latin typeface="PingFang TC Semibold"/>
+                <a:ea typeface="PingFang TC Semibold"/>
+                <a:cs typeface="PingFang TC Semibold"/>
+                <a:sym typeface="PingFang TC Semibold"/>
+              </a:defRPr>
+            </a:pPr>
+            <a:r>
+              <a:rPr lang="en-US" altLang="zh-TW" dirty="0">
+                <a:latin typeface="微軟正黑體" panose="020B0604030504040204" pitchFamily="34" charset="-120"/>
+                <a:ea typeface="微軟正黑體" panose="020B0604030504040204" pitchFamily="34" charset="-120"/>
+              </a:rPr>
+              <a:t>1.</a:t>
+            </a:r>
+            <a:r>
+              <a:rPr lang="zh-TW" altLang="en-US" dirty="0">
+                <a:latin typeface="微軟正黑體" panose="020B0604030504040204" pitchFamily="34" charset="-120"/>
+                <a:ea typeface="微軟正黑體" panose="020B0604030504040204" pitchFamily="34" charset="-120"/>
+              </a:rPr>
+              <a:t> 加強防插旗置換</a:t>
+            </a:r>
+            <a:endParaRPr lang="en-US" altLang="zh-TW" dirty="0">
+              <a:latin typeface="微軟正黑體" panose="020B0604030504040204" pitchFamily="34" charset="-120"/>
+              <a:ea typeface="微軟正黑體" panose="020B0604030504040204" pitchFamily="34" charset="-120"/>
+            </a:endParaRPr>
+          </a:p>
+          <a:p>
+            <a:pPr defTabSz="914400">
+              <a:spcBef>
+                <a:spcPts val="2200"/>
+              </a:spcBef>
+              <a:buClrTx/>
+              <a:buSzPct val="100000"/>
+              <a:buFont typeface="Wingdings" panose="05000000000000000000" pitchFamily="2" charset="2"/>
+              <a:buChar char="n"/>
+              <a:defRPr>
+                <a:solidFill>
+                  <a:srgbClr val="000000"/>
+                </a:solidFill>
+                <a:latin typeface="PingFang TC Semibold"/>
+                <a:ea typeface="PingFang TC Semibold"/>
+                <a:cs typeface="PingFang TC Semibold"/>
+                <a:sym typeface="PingFang TC Semibold"/>
+              </a:defRPr>
+            </a:pPr>
+            <a:r>
+              <a:rPr lang="en-US" altLang="zh-TW" dirty="0">
+                <a:latin typeface="微軟正黑體" panose="020B0604030504040204" pitchFamily="34" charset="-120"/>
+                <a:ea typeface="微軟正黑體" panose="020B0604030504040204" pitchFamily="34" charset="-120"/>
+              </a:rPr>
+              <a:t>2.</a:t>
+            </a:r>
+            <a:r>
+              <a:rPr lang="zh-TW" altLang="en-US" dirty="0">
+                <a:latin typeface="微軟正黑體" panose="020B0604030504040204" pitchFamily="34" charset="-120"/>
+                <a:ea typeface="微軟正黑體" panose="020B0604030504040204" pitchFamily="34" charset="-120"/>
+              </a:rPr>
+              <a:t> 優化</a:t>
+            </a:r>
+            <a:r>
+              <a:rPr lang="en-US" altLang="zh-TW" dirty="0">
+                <a:latin typeface="微軟正黑體" panose="020B0604030504040204" pitchFamily="34" charset="-120"/>
+                <a:ea typeface="微軟正黑體" panose="020B0604030504040204" pitchFamily="34" charset="-120"/>
+              </a:rPr>
+              <a:t>API</a:t>
+            </a:r>
+          </a:p>
+          <a:p>
+            <a:pPr defTabSz="914400">
+              <a:spcBef>
+                <a:spcPts val="2200"/>
+              </a:spcBef>
+              <a:buClrTx/>
+              <a:buSzPct val="100000"/>
+              <a:buFont typeface="Wingdings" panose="05000000000000000000" pitchFamily="2" charset="2"/>
+              <a:buChar char="n"/>
+              <a:defRPr>
+                <a:solidFill>
+                  <a:srgbClr val="000000"/>
+                </a:solidFill>
+                <a:latin typeface="PingFang TC Semibold"/>
+                <a:ea typeface="PingFang TC Semibold"/>
+                <a:cs typeface="PingFang TC Semibold"/>
+                <a:sym typeface="PingFang TC Semibold"/>
+              </a:defRPr>
+            </a:pPr>
+            <a:r>
+              <a:rPr lang="en-US" altLang="zh-TW" dirty="0">
+                <a:latin typeface="微軟正黑體" panose="020B0604030504040204" pitchFamily="34" charset="-120"/>
+                <a:ea typeface="微軟正黑體" panose="020B0604030504040204" pitchFamily="34" charset="-120"/>
+              </a:rPr>
+              <a:t>3.</a:t>
+            </a:r>
+            <a:r>
+              <a:rPr lang="zh-TW" altLang="en-US" dirty="0">
+                <a:latin typeface="微軟正黑體" panose="020B0604030504040204" pitchFamily="34" charset="-120"/>
+                <a:ea typeface="微軟正黑體" panose="020B0604030504040204" pitchFamily="34" charset="-120"/>
+              </a:rPr>
+              <a:t> 網站服務上雲</a:t>
+            </a:r>
+            <a:endParaRPr lang="en-US" altLang="zh-TW" dirty="0">
+              <a:latin typeface="微軟正黑體" panose="020B0604030504040204" pitchFamily="34" charset="-120"/>
+              <a:ea typeface="微軟正黑體" panose="020B0604030504040204" pitchFamily="34" charset="-120"/>
+            </a:endParaRPr>
+          </a:p>
+        </p:txBody>
+      </p:sp>
+    </p:spTree>
+    <p:extLst>
+      <p:ext uri="{BB962C8B-B14F-4D97-AF65-F5344CB8AC3E}">
+        <p14:creationId xmlns:p14="http://schemas.microsoft.com/office/powerpoint/2010/main" val="739233411"/>
+      </p:ext>
+    </p:extLst>
+  </p:cSld>
+  <p:clrMapOvr>
+    <a:masterClrMapping/>
+  </p:clrMapOvr>
+  <p:transition spd="med"/>
+</p:sld>
+</file>
+
+<file path=ppt/slides/slide22.xml><?xml version="1.0" encoding="utf-8"?>
+<p:sld xmlns:a="http://schemas.openxmlformats.org/drawingml/2006/main" xmlns:r="http://schemas.openxmlformats.org/officeDocument/2006/relationships" xmlns:p="http://schemas.openxmlformats.org/presentationml/2006/main">
+  <p:cSld>
+    <p:spTree>
+      <p:nvGrpSpPr>
+        <p:cNvPr id="1" name=""/>
+        <p:cNvGrpSpPr/>
+        <p:nvPr/>
+      </p:nvGrpSpPr>
+      <p:grpSpPr>
+        <a:xfrm>
+          <a:off x="0" y="0"/>
+          <a:ext cx="0" cy="0"/>
+          <a:chOff x="0" y="0"/>
+          <a:chExt cx="0" cy="0"/>
+        </a:xfrm>
+      </p:grpSpPr>
+      <p:sp>
+        <p:nvSpPr>
+          <p:cNvPr id="518" name="感謝聆聽 • 敬請指教"/>
+          <p:cNvSpPr txBox="1">
+            <a:spLocks noGrp="1"/>
+          </p:cNvSpPr>
+          <p:nvPr>
+            <p:ph type="title"/>
+          </p:nvPr>
+        </p:nvSpPr>
+        <p:spPr>
+          <a:prstGeom prst="rect">
+            <a:avLst/>
+          </a:prstGeom>
+        </p:spPr>
+        <p:txBody>
+          <a:bodyPr/>
+          <a:lstStyle/>
+          <a:p>
+            <a:r>
+              <a:rPr sz="4000" dirty="0" err="1">
+                <a:latin typeface="微軟正黑體" panose="020B0604030504040204" pitchFamily="34" charset="-120"/>
+                <a:ea typeface="微軟正黑體" panose="020B0604030504040204" pitchFamily="34" charset="-120"/>
+              </a:rPr>
+              <a:t>感謝聆聽</a:t>
+            </a:r>
+            <a:r>
+              <a:rPr sz="4000" dirty="0">
+                <a:latin typeface="微軟正黑體" panose="020B0604030504040204" pitchFamily="34" charset="-120"/>
+                <a:ea typeface="微軟正黑體" panose="020B0604030504040204" pitchFamily="34" charset="-120"/>
+              </a:rPr>
+              <a:t> • </a:t>
+            </a:r>
+            <a:r>
+              <a:rPr sz="4000" dirty="0" err="1">
+                <a:latin typeface="微軟正黑體" panose="020B0604030504040204" pitchFamily="34" charset="-120"/>
+                <a:ea typeface="微軟正黑體" panose="020B0604030504040204" pitchFamily="34" charset="-120"/>
+              </a:rPr>
+              <a:t>敬請指教</a:t>
+            </a:r>
+            <a:endParaRPr sz="4000" dirty="0">
+              <a:latin typeface="微軟正黑體" panose="020B0604030504040204" pitchFamily="34" charset="-120"/>
+              <a:ea typeface="微軟正黑體" panose="020B0604030504040204" pitchFamily="34" charset="-120"/>
+            </a:endParaRPr>
           </a:p>
         </p:txBody>
       </p:sp>
@@ -14540,10 +15044,10 @@
       </p:sp>
       <p:pic>
         <p:nvPicPr>
-          <p:cNvPr id="3" name="圖片 2">
+          <p:cNvPr id="10" name="圖片 9">
             <a:extLst>
               <a:ext uri="{FF2B5EF4-FFF2-40B4-BE49-F238E27FC236}">
-                <a16:creationId xmlns:a16="http://schemas.microsoft.com/office/drawing/2014/main" id="{95092911-C3F8-7843-8E24-B687D96B5700}"/>
+                <a16:creationId xmlns:a16="http://schemas.microsoft.com/office/drawing/2014/main" id="{74E52671-469C-9373-25FA-90579A68A488}"/>
               </a:ext>
             </a:extLst>
           </p:cNvPr>
@@ -14553,15 +15057,21 @@
           <p:nvPr/>
         </p:nvPicPr>
         <p:blipFill>
-          <a:blip r:embed="rId2"/>
+          <a:blip r:embed="rId2">
+            <a:extLst>
+              <a:ext uri="{28A0092B-C50C-407E-A947-70E740481C1C}">
+                <a14:useLocalDpi xmlns:a14="http://schemas.microsoft.com/office/drawing/2010/main" val="0"/>
+              </a:ext>
+            </a:extLst>
+          </a:blip>
           <a:stretch>
             <a:fillRect/>
           </a:stretch>
         </p:blipFill>
         <p:spPr>
           <a:xfrm>
-            <a:off x="648393" y="1208128"/>
-            <a:ext cx="7547956" cy="5595898"/>
+            <a:off x="1147842" y="1232056"/>
+            <a:ext cx="6489576" cy="5625944"/>
           </a:xfrm>
           <a:prstGeom prst="rect">
             <a:avLst/>
@@ -15129,7 +15639,7 @@
         <p:spPr>
           <a:xfrm>
             <a:off x="457200" y="1600199"/>
-            <a:ext cx="8229600" cy="3462251"/>
+            <a:ext cx="8229600" cy="4922521"/>
           </a:xfrm>
           <a:prstGeom prst="rect">
             <a:avLst/>
@@ -15344,6 +15854,36 @@
               <a:latin typeface="微軟正黑體" panose="020B0604030504040204" pitchFamily="34" charset="-120"/>
               <a:ea typeface="微軟正黑體" panose="020B0604030504040204" pitchFamily="34" charset="-120"/>
             </a:endParaRPr>
+          </a:p>
+          <a:p>
+            <a:pPr defTabSz="914400">
+              <a:spcBef>
+                <a:spcPts val="2200"/>
+              </a:spcBef>
+              <a:buClrTx/>
+              <a:buSzPct val="100000"/>
+              <a:buFont typeface="Wingdings" panose="05000000000000000000" pitchFamily="2" charset="2"/>
+              <a:buChar char="n"/>
+              <a:defRPr>
+                <a:solidFill>
+                  <a:srgbClr val="000000"/>
+                </a:solidFill>
+                <a:latin typeface="PingFang TC Semibold"/>
+                <a:ea typeface="PingFang TC Semibold"/>
+                <a:cs typeface="PingFang TC Semibold"/>
+                <a:sym typeface="PingFang TC Semibold"/>
+              </a:defRPr>
+            </a:pPr>
+            <a:r>
+              <a:rPr lang="en-US" altLang="zh-TW" dirty="0">
+                <a:solidFill>
+                  <a:schemeClr val="tx1"/>
+                </a:solidFill>
+                <a:latin typeface="微軟正黑體" panose="020B0604030504040204" pitchFamily="34" charset="-120"/>
+                <a:ea typeface="微軟正黑體" panose="020B0604030504040204" pitchFamily="34" charset="-120"/>
+              </a:rPr>
+              <a:t>API</a:t>
+            </a:r>
           </a:p>
         </p:txBody>
       </p:sp>
@@ -15466,6 +16006,93 @@
                 <a:sym typeface="PingFang TC Semibold"/>
               </a:defRPr>
             </a:pPr>
+            <a:r>
+              <a:rPr lang="en-US" altLang="zh-TW" dirty="0">
+                <a:solidFill>
+                  <a:schemeClr val="tx1"/>
+                </a:solidFill>
+                <a:latin typeface="微軟正黑體" panose="020B0604030504040204" pitchFamily="34" charset="-120"/>
+                <a:ea typeface="微軟正黑體" panose="020B0604030504040204" pitchFamily="34" charset="-120"/>
+              </a:rPr>
+              <a:t>NAS</a:t>
+            </a:r>
+          </a:p>
+          <a:p>
+            <a:pPr defTabSz="914400">
+              <a:spcBef>
+                <a:spcPts val="2200"/>
+              </a:spcBef>
+              <a:buClrTx/>
+              <a:buSzPct val="100000"/>
+              <a:buFont typeface="Wingdings" panose="05000000000000000000" pitchFamily="2" charset="2"/>
+              <a:buChar char="n"/>
+              <a:defRPr>
+                <a:solidFill>
+                  <a:srgbClr val="000000"/>
+                </a:solidFill>
+                <a:latin typeface="PingFang TC Semibold"/>
+                <a:ea typeface="PingFang TC Semibold"/>
+                <a:cs typeface="PingFang TC Semibold"/>
+                <a:sym typeface="PingFang TC Semibold"/>
+              </a:defRPr>
+            </a:pPr>
+            <a:r>
+              <a:rPr lang="zh-TW" altLang="en-US" dirty="0">
+                <a:solidFill>
+                  <a:schemeClr val="tx1"/>
+                </a:solidFill>
+                <a:latin typeface="微軟正黑體" panose="020B0604030504040204" pitchFamily="34" charset="-120"/>
+                <a:ea typeface="微軟正黑體" panose="020B0604030504040204" pitchFamily="34" charset="-120"/>
+              </a:rPr>
+              <a:t>盤後報表</a:t>
+            </a:r>
+            <a:r>
+              <a:rPr lang="en-US" altLang="zh-TW" dirty="0">
+                <a:solidFill>
+                  <a:schemeClr val="tx1"/>
+                </a:solidFill>
+                <a:latin typeface="微軟正黑體" panose="020B0604030504040204" pitchFamily="34" charset="-120"/>
+                <a:ea typeface="微軟正黑體" panose="020B0604030504040204" pitchFamily="34" charset="-120"/>
+              </a:rPr>
+              <a:t>CSV</a:t>
+            </a:r>
+            <a:r>
+              <a:rPr lang="zh-TW" altLang="en-US" dirty="0">
+                <a:solidFill>
+                  <a:schemeClr val="tx1"/>
+                </a:solidFill>
+                <a:latin typeface="微軟正黑體" panose="020B0604030504040204" pitchFamily="34" charset="-120"/>
+                <a:ea typeface="微軟正黑體" panose="020B0604030504040204" pitchFamily="34" charset="-120"/>
+              </a:rPr>
+              <a:t>、興櫃即時行情、債券即時行情</a:t>
+            </a:r>
+            <a:endParaRPr lang="en-US" altLang="zh-TW" dirty="0">
+              <a:solidFill>
+                <a:schemeClr val="tx1"/>
+              </a:solidFill>
+              <a:latin typeface="微軟正黑體" panose="020B0604030504040204" pitchFamily="34" charset="-120"/>
+              <a:ea typeface="微軟正黑體" panose="020B0604030504040204" pitchFamily="34" charset="-120"/>
+            </a:endParaRPr>
+          </a:p>
+          <a:p>
+            <a:pPr defTabSz="914400">
+              <a:spcBef>
+                <a:spcPts val="2200"/>
+              </a:spcBef>
+              <a:buClrTx/>
+              <a:buSzPct val="100000"/>
+              <a:buFont typeface="Wingdings" panose="05000000000000000000" pitchFamily="2" charset="2"/>
+              <a:buChar char="n"/>
+              <a:defRPr>
+                <a:solidFill>
+                  <a:srgbClr val="000000"/>
+                </a:solidFill>
+                <a:latin typeface="PingFang TC Semibold"/>
+                <a:ea typeface="PingFang TC Semibold"/>
+                <a:cs typeface="PingFang TC Semibold"/>
+                <a:sym typeface="PingFang TC Semibold"/>
+              </a:defRPr>
+            </a:pPr>
             <a:endParaRPr lang="en-US" altLang="zh-TW" dirty="0">
               <a:solidFill>
                 <a:schemeClr val="tx1"/>
@@ -15509,7 +16136,7 @@
       </p:grpSpPr>
       <p:sp>
         <p:nvSpPr>
-          <p:cNvPr id="214" name="壹.櫃買市場狀況"/>
+          <p:cNvPr id="402" name="中小規模企業掛牌首選之交易所"/>
           <p:cNvSpPr txBox="1">
             <a:spLocks noGrp="1"/>
           </p:cNvSpPr>
@@ -15519,7 +16146,7 @@
         </p:nvSpPr>
         <p:spPr>
           <a:xfrm>
-            <a:off x="370114" y="2751139"/>
+            <a:off x="457200" y="53974"/>
             <a:ext cx="8229600" cy="1508126"/>
           </a:xfrm>
           <a:prstGeom prst="rect">
@@ -15528,50 +16155,234 @@
         </p:spPr>
         <p:txBody>
           <a:bodyPr/>
-          <a:lstStyle/>
+          <a:lstStyle>
+            <a:lvl1pPr defTabSz="457200">
+              <a:lnSpc>
+                <a:spcPct val="100000"/>
+              </a:lnSpc>
+              <a:defRPr sz="3200">
+                <a:solidFill>
+                  <a:srgbClr val="805F0A"/>
+                </a:solidFill>
+              </a:defRPr>
+            </a:lvl1pPr>
+          </a:lstStyle>
           <a:p>
             <a:r>
               <a:rPr lang="zh-TW" altLang="en-US" sz="6000" dirty="0">
+                <a:solidFill>
+                  <a:srgbClr val="C08225"/>
+                </a:solidFill>
                 <a:latin typeface="微軟正黑體" panose="020B0604030504040204" pitchFamily="34" charset="-120"/>
                 <a:ea typeface="微軟正黑體" panose="020B0604030504040204" pitchFamily="34" charset="-120"/>
               </a:rPr>
-              <a:t>二、採一站式架構系統</a:t>
-            </a:r>
-            <a:r>
-              <a:rPr lang="en-US" altLang="zh-TW" sz="6000" dirty="0">
+              <a:t>中心網站系統架構</a:t>
+            </a:r>
+          </a:p>
+        </p:txBody>
+      </p:sp>
+      <p:sp>
+        <p:nvSpPr>
+          <p:cNvPr id="403" name="櫃買中心為股票及債券均健全發展且 表現亮眼之雙引擎市場…"/>
+          <p:cNvSpPr txBox="1">
+            <a:spLocks noGrp="1"/>
+          </p:cNvSpPr>
+          <p:nvPr>
+            <p:ph type="body" idx="1"/>
+          </p:nvPr>
+        </p:nvSpPr>
+        <p:spPr>
+          <a:xfrm>
+            <a:off x="457200" y="1600199"/>
+            <a:ext cx="8229600" cy="3462251"/>
+          </a:xfrm>
+          <a:prstGeom prst="rect">
+            <a:avLst/>
+          </a:prstGeom>
+        </p:spPr>
+        <p:txBody>
+          <a:bodyPr/>
+          <a:lstStyle/>
+          <a:p>
+            <a:pPr defTabSz="914400">
+              <a:spcBef>
+                <a:spcPts val="2200"/>
+              </a:spcBef>
+              <a:buClrTx/>
+              <a:buSzPct val="100000"/>
+              <a:buFont typeface="Wingdings" panose="05000000000000000000" pitchFamily="2" charset="2"/>
+              <a:buChar char="n"/>
+              <a:defRPr>
+                <a:solidFill>
+                  <a:srgbClr val="000000"/>
+                </a:solidFill>
+                <a:latin typeface="PingFang TC Semibold"/>
+                <a:ea typeface="PingFang TC Semibold"/>
+                <a:cs typeface="PingFang TC Semibold"/>
+                <a:sym typeface="PingFang TC Semibold"/>
+              </a:defRPr>
+            </a:pPr>
+            <a:r>
+              <a:rPr lang="zh-TW" altLang="en-US" dirty="0">
+                <a:solidFill>
+                  <a:schemeClr val="tx1"/>
+                </a:solidFill>
                 <a:latin typeface="微軟正黑體" panose="020B0604030504040204" pitchFamily="34" charset="-120"/>
                 <a:ea typeface="微軟正黑體" panose="020B0604030504040204" pitchFamily="34" charset="-120"/>
               </a:rPr>
-              <a:t>(</a:t>
-            </a:r>
-            <a:r>
-              <a:rPr lang="zh-TW" altLang="en-US" sz="6000" dirty="0">
+              <a:t>排程主機 </a:t>
+            </a:r>
+            <a:r>
+              <a:rPr lang="en-US" altLang="zh-TW" dirty="0">
+                <a:solidFill>
+                  <a:schemeClr val="tx1"/>
+                </a:solidFill>
                 <a:latin typeface="微軟正黑體" panose="020B0604030504040204" pitchFamily="34" charset="-120"/>
                 <a:ea typeface="微軟正黑體" panose="020B0604030504040204" pitchFamily="34" charset="-120"/>
               </a:rPr>
-              <a:t>舊架構</a:t>
-            </a:r>
-            <a:r>
-              <a:rPr lang="en-US" altLang="zh-TW" sz="6000" dirty="0">
+              <a:t>(Windows Task Scheduler)</a:t>
+            </a:r>
+          </a:p>
+          <a:p>
+            <a:pPr defTabSz="914400">
+              <a:spcBef>
+                <a:spcPts val="2200"/>
+              </a:spcBef>
+              <a:buClrTx/>
+              <a:buSzPct val="100000"/>
+              <a:buFont typeface="Wingdings" panose="05000000000000000000" pitchFamily="2" charset="2"/>
+              <a:buChar char="n"/>
+              <a:defRPr>
+                <a:solidFill>
+                  <a:srgbClr val="000000"/>
+                </a:solidFill>
+                <a:latin typeface="PingFang TC Semibold"/>
+                <a:ea typeface="PingFang TC Semibold"/>
+                <a:cs typeface="PingFang TC Semibold"/>
+                <a:sym typeface="PingFang TC Semibold"/>
+              </a:defRPr>
+            </a:pPr>
+            <a:r>
+              <a:rPr lang="zh-TW" altLang="en-US" dirty="0">
+                <a:solidFill>
+                  <a:schemeClr val="tx1"/>
+                </a:solidFill>
                 <a:latin typeface="微軟正黑體" panose="020B0604030504040204" pitchFamily="34" charset="-120"/>
                 <a:ea typeface="微軟正黑體" panose="020B0604030504040204" pitchFamily="34" charset="-120"/>
               </a:rPr>
-              <a:t>)</a:t>
-            </a:r>
-            <a:br>
-              <a:rPr lang="en-US" altLang="zh-TW" sz="6000" dirty="0">
+              <a:t>處理不同資料來源的工作進行排程</a:t>
+            </a:r>
+            <a:endParaRPr lang="en-US" altLang="zh-TW" dirty="0">
+              <a:solidFill>
+                <a:schemeClr val="tx1"/>
+              </a:solidFill>
+              <a:latin typeface="微軟正黑體" panose="020B0604030504040204" pitchFamily="34" charset="-120"/>
+              <a:ea typeface="微軟正黑體" panose="020B0604030504040204" pitchFamily="34" charset="-120"/>
+            </a:endParaRPr>
+          </a:p>
+          <a:p>
+            <a:pPr defTabSz="914400">
+              <a:spcBef>
+                <a:spcPts val="2200"/>
+              </a:spcBef>
+              <a:buClrTx/>
+              <a:buSzPct val="100000"/>
+              <a:buFont typeface="Wingdings" panose="05000000000000000000" pitchFamily="2" charset="2"/>
+              <a:buChar char="n"/>
+              <a:defRPr>
+                <a:solidFill>
+                  <a:srgbClr val="000000"/>
+                </a:solidFill>
+                <a:latin typeface="PingFang TC Semibold"/>
+                <a:ea typeface="PingFang TC Semibold"/>
+                <a:cs typeface="PingFang TC Semibold"/>
+                <a:sym typeface="PingFang TC Semibold"/>
+              </a:defRPr>
+            </a:pPr>
+            <a:r>
+              <a:rPr lang="zh-TW" altLang="en-US" dirty="0">
+                <a:solidFill>
+                  <a:schemeClr val="tx1"/>
+                </a:solidFill>
                 <a:latin typeface="微軟正黑體" panose="020B0604030504040204" pitchFamily="34" charset="-120"/>
                 <a:ea typeface="微軟正黑體" panose="020B0604030504040204" pitchFamily="34" charset="-120"/>
               </a:rPr>
-            </a:br>
-            <a:endParaRPr sz="6000" dirty="0"/>
+              <a:t>斑馬</a:t>
+            </a:r>
+            <a:r>
+              <a:rPr lang="en-US" altLang="zh-TW" dirty="0">
+                <a:solidFill>
+                  <a:schemeClr val="tx1"/>
+                </a:solidFill>
+                <a:latin typeface="微軟正黑體" panose="020B0604030504040204" pitchFamily="34" charset="-120"/>
+                <a:ea typeface="微軟正黑體" panose="020B0604030504040204" pitchFamily="34" charset="-120"/>
+              </a:rPr>
+              <a:t>client:</a:t>
+            </a:r>
+            <a:r>
+              <a:rPr lang="zh-TW" altLang="en-US" dirty="0">
+                <a:solidFill>
+                  <a:schemeClr val="tx1"/>
+                </a:solidFill>
+                <a:latin typeface="微軟正黑體" panose="020B0604030504040204" pitchFamily="34" charset="-120"/>
+                <a:ea typeface="微軟正黑體" panose="020B0604030504040204" pitchFamily="34" charset="-120"/>
+              </a:rPr>
+              <a:t> 接收來自指數主機</a:t>
+            </a:r>
+            <a:r>
+              <a:rPr lang="en-US" altLang="zh-TW" dirty="0">
+                <a:solidFill>
+                  <a:schemeClr val="tx1"/>
+                </a:solidFill>
+                <a:latin typeface="微軟正黑體" panose="020B0604030504040204" pitchFamily="34" charset="-120"/>
+                <a:ea typeface="微軟正黑體" panose="020B0604030504040204" pitchFamily="34" charset="-120"/>
+              </a:rPr>
+              <a:t>(</a:t>
+            </a:r>
+            <a:r>
+              <a:rPr lang="zh-TW" altLang="en-US" dirty="0">
+                <a:solidFill>
+                  <a:schemeClr val="tx1"/>
+                </a:solidFill>
+                <a:latin typeface="微軟正黑體" panose="020B0604030504040204" pitchFamily="34" charset="-120"/>
+                <a:ea typeface="微軟正黑體" panose="020B0604030504040204" pitchFamily="34" charset="-120"/>
+              </a:rPr>
+              <a:t>斑馬</a:t>
+            </a:r>
+            <a:r>
+              <a:rPr lang="en-US" altLang="zh-TW" dirty="0">
+                <a:solidFill>
+                  <a:schemeClr val="tx1"/>
+                </a:solidFill>
+                <a:latin typeface="微軟正黑體" panose="020B0604030504040204" pitchFamily="34" charset="-120"/>
+                <a:ea typeface="微軟正黑體" panose="020B0604030504040204" pitchFamily="34" charset="-120"/>
+              </a:rPr>
+              <a:t>server)</a:t>
+            </a:r>
+            <a:r>
+              <a:rPr lang="zh-TW" altLang="en-US" dirty="0">
+                <a:solidFill>
+                  <a:schemeClr val="tx1"/>
+                </a:solidFill>
+                <a:latin typeface="微軟正黑體" panose="020B0604030504040204" pitchFamily="34" charset="-120"/>
+                <a:ea typeface="微軟正黑體" panose="020B0604030504040204" pitchFamily="34" charset="-120"/>
+              </a:rPr>
+              <a:t>的資料</a:t>
+            </a:r>
+            <a:endParaRPr lang="en-US" altLang="zh-TW" dirty="0">
+              <a:solidFill>
+                <a:schemeClr val="tx1"/>
+              </a:solidFill>
+              <a:latin typeface="微軟正黑體" panose="020B0604030504040204" pitchFamily="34" charset="-120"/>
+              <a:ea typeface="微軟正黑體" panose="020B0604030504040204" pitchFamily="34" charset="-120"/>
+            </a:endParaRPr>
           </a:p>
         </p:txBody>
       </p:sp>
     </p:spTree>
     <p:extLst>
       <p:ext uri="{BB962C8B-B14F-4D97-AF65-F5344CB8AC3E}">
-        <p14:creationId xmlns:p14="http://schemas.microsoft.com/office/powerpoint/2010/main" val="1384828966"/>
+        <p14:creationId xmlns:p14="http://schemas.microsoft.com/office/powerpoint/2010/main" val="328528825"/>
       </p:ext>
     </p:extLst>
   </p:cSld>

--- a/期末報告/期末簡報_施詠舜.pptx
+++ b/期末報告/期末簡報_施詠舜.pptx
@@ -6,7 +6,7 @@
     <p:sldMasterId id="2147483675" r:id="rId2"/>
   </p:sldMasterIdLst>
   <p:notesMasterIdLst>
-    <p:notesMasterId r:id="rId25"/>
+    <p:notesMasterId r:id="rId27"/>
   </p:notesMasterIdLst>
   <p:sldIdLst>
     <p:sldId id="263" r:id="rId3"/>
@@ -22,15 +22,17 @@
     <p:sldId id="331" r:id="rId13"/>
     <p:sldId id="314" r:id="rId14"/>
     <p:sldId id="321" r:id="rId15"/>
-    <p:sldId id="315" r:id="rId16"/>
-    <p:sldId id="292" r:id="rId17"/>
-    <p:sldId id="316" r:id="rId18"/>
-    <p:sldId id="293" r:id="rId19"/>
-    <p:sldId id="323" r:id="rId20"/>
-    <p:sldId id="324" r:id="rId21"/>
-    <p:sldId id="317" r:id="rId22"/>
-    <p:sldId id="322" r:id="rId23"/>
-    <p:sldId id="289" r:id="rId24"/>
+    <p:sldId id="334" r:id="rId16"/>
+    <p:sldId id="315" r:id="rId17"/>
+    <p:sldId id="292" r:id="rId18"/>
+    <p:sldId id="316" r:id="rId19"/>
+    <p:sldId id="293" r:id="rId20"/>
+    <p:sldId id="323" r:id="rId21"/>
+    <p:sldId id="324" r:id="rId22"/>
+    <p:sldId id="317" r:id="rId23"/>
+    <p:sldId id="322" r:id="rId24"/>
+    <p:sldId id="333" r:id="rId25"/>
+    <p:sldId id="289" r:id="rId26"/>
   </p:sldIdLst>
   <p:sldSz cx="9144000" cy="6858000" type="screen4x3"/>
   <p:notesSz cx="6858000" cy="9144000"/>
@@ -219,7 +221,7 @@
           <a:p>
             <a:fld id="{4850220F-07F6-4D17-A483-2B2CDA2CCD5E}" type="datetimeFigureOut">
               <a:rPr lang="zh-TW" altLang="en-US" smtClean="0"/>
-              <a:t>2024/10/11</a:t>
+              <a:t>2024/10/14</a:t>
             </a:fld>
             <a:endParaRPr lang="zh-TW" altLang="en-US"/>
           </a:p>
@@ -547,6 +549,90 @@
 </p:notes>
 </file>
 
+<file path=ppt/notesSlides/notesSlide2.xml><?xml version="1.0" encoding="utf-8"?>
+<p:notes xmlns:a="http://schemas.openxmlformats.org/drawingml/2006/main" xmlns:r="http://schemas.openxmlformats.org/officeDocument/2006/relationships" xmlns:p="http://schemas.openxmlformats.org/presentationml/2006/main">
+  <p:cSld>
+    <p:spTree>
+      <p:nvGrpSpPr>
+        <p:cNvPr id="1" name=""/>
+        <p:cNvGrpSpPr/>
+        <p:nvPr/>
+      </p:nvGrpSpPr>
+      <p:grpSpPr>
+        <a:xfrm>
+          <a:off x="0" y="0"/>
+          <a:ext cx="0" cy="0"/>
+          <a:chOff x="0" y="0"/>
+          <a:chExt cx="0" cy="0"/>
+        </a:xfrm>
+      </p:grpSpPr>
+      <p:sp>
+        <p:nvSpPr>
+          <p:cNvPr id="2" name="投影片影像版面配置區 1"/>
+          <p:cNvSpPr>
+            <a:spLocks noGrp="1" noRot="1" noChangeAspect="1"/>
+          </p:cNvSpPr>
+          <p:nvPr>
+            <p:ph type="sldImg"/>
+          </p:nvPr>
+        </p:nvSpPr>
+        <p:spPr/>
+      </p:sp>
+      <p:sp>
+        <p:nvSpPr>
+          <p:cNvPr id="3" name="備忘稿版面配置區 2"/>
+          <p:cNvSpPr>
+            <a:spLocks noGrp="1"/>
+          </p:cNvSpPr>
+          <p:nvPr>
+            <p:ph type="body" idx="1"/>
+          </p:nvPr>
+        </p:nvSpPr>
+        <p:spPr/>
+        <p:txBody>
+          <a:bodyPr/>
+          <a:lstStyle/>
+          <a:p>
+            <a:endParaRPr lang="zh-TW" altLang="en-US" dirty="0"/>
+          </a:p>
+        </p:txBody>
+      </p:sp>
+      <p:sp>
+        <p:nvSpPr>
+          <p:cNvPr id="4" name="投影片編號版面配置區 3"/>
+          <p:cNvSpPr>
+            <a:spLocks noGrp="1"/>
+          </p:cNvSpPr>
+          <p:nvPr>
+            <p:ph type="sldNum" sz="quarter" idx="5"/>
+          </p:nvPr>
+        </p:nvSpPr>
+        <p:spPr/>
+        <p:txBody>
+          <a:bodyPr/>
+          <a:lstStyle/>
+          <a:p>
+            <a:fld id="{15861482-C6AB-47AA-A350-7744A9B13458}" type="slidenum">
+              <a:rPr lang="zh-TW" altLang="en-US" smtClean="0"/>
+              <a:t>4</a:t>
+            </a:fld>
+            <a:endParaRPr lang="zh-TW" altLang="en-US"/>
+          </a:p>
+        </p:txBody>
+      </p:sp>
+    </p:spTree>
+    <p:extLst>
+      <p:ext uri="{BB962C8B-B14F-4D97-AF65-F5344CB8AC3E}">
+        <p14:creationId xmlns:p14="http://schemas.microsoft.com/office/powerpoint/2010/main" val="562415396"/>
+      </p:ext>
+    </p:extLst>
+  </p:cSld>
+  <p:clrMapOvr>
+    <a:masterClrMapping/>
+  </p:clrMapOvr>
+</p:notes>
+</file>
+
 <file path=ppt/slideLayouts/slideLayout1.xml><?xml version="1.0" encoding="utf-8"?>
 <p:sldLayout xmlns:a="http://schemas.openxmlformats.org/drawingml/2006/main" xmlns:r="http://schemas.openxmlformats.org/officeDocument/2006/relationships" xmlns:p="http://schemas.openxmlformats.org/presentationml/2006/main" type="title" preserve="1">
   <p:cSld name="標題投影片">
@@ -678,7 +764,7 @@
           <a:p>
             <a:fld id="{308767D9-3F77-4CD0-B6EF-E00D77286EC9}" type="datetimeFigureOut">
               <a:rPr lang="zh-TW" altLang="en-US" smtClean="0"/>
-              <a:t>2024/10/11</a:t>
+              <a:t>2024/10/14</a:t>
             </a:fld>
             <a:endParaRPr lang="zh-TW" altLang="en-US"/>
           </a:p>
@@ -848,7 +934,7 @@
           <a:p>
             <a:fld id="{308767D9-3F77-4CD0-B6EF-E00D77286EC9}" type="datetimeFigureOut">
               <a:rPr lang="zh-TW" altLang="en-US" smtClean="0"/>
-              <a:t>2024/10/11</a:t>
+              <a:t>2024/10/14</a:t>
             </a:fld>
             <a:endParaRPr lang="zh-TW" altLang="en-US"/>
           </a:p>
@@ -1028,7 +1114,7 @@
           <a:p>
             <a:fld id="{308767D9-3F77-4CD0-B6EF-E00D77286EC9}" type="datetimeFigureOut">
               <a:rPr lang="zh-TW" altLang="en-US" smtClean="0"/>
-              <a:t>2024/10/11</a:t>
+              <a:t>2024/10/14</a:t>
             </a:fld>
             <a:endParaRPr lang="zh-TW" altLang="en-US"/>
           </a:p>
@@ -5025,7 +5111,7 @@
           <a:p>
             <a:fld id="{308767D9-3F77-4CD0-B6EF-E00D77286EC9}" type="datetimeFigureOut">
               <a:rPr lang="zh-TW" altLang="en-US" smtClean="0"/>
-              <a:t>2024/10/11</a:t>
+              <a:t>2024/10/14</a:t>
             </a:fld>
             <a:endParaRPr lang="zh-TW" altLang="en-US"/>
           </a:p>
@@ -8633,7 +8719,7 @@
           <a:p>
             <a:fld id="{308767D9-3F77-4CD0-B6EF-E00D77286EC9}" type="datetimeFigureOut">
               <a:rPr lang="zh-TW" altLang="en-US" smtClean="0"/>
-              <a:t>2024/10/11</a:t>
+              <a:t>2024/10/14</a:t>
             </a:fld>
             <a:endParaRPr lang="zh-TW" altLang="en-US"/>
           </a:p>
@@ -8865,7 +8951,7 @@
           <a:p>
             <a:fld id="{308767D9-3F77-4CD0-B6EF-E00D77286EC9}" type="datetimeFigureOut">
               <a:rPr lang="zh-TW" altLang="en-US" smtClean="0"/>
-              <a:t>2024/10/11</a:t>
+              <a:t>2024/10/14</a:t>
             </a:fld>
             <a:endParaRPr lang="zh-TW" altLang="en-US"/>
           </a:p>
@@ -9232,7 +9318,7 @@
           <a:p>
             <a:fld id="{308767D9-3F77-4CD0-B6EF-E00D77286EC9}" type="datetimeFigureOut">
               <a:rPr lang="zh-TW" altLang="en-US" smtClean="0"/>
-              <a:t>2024/10/11</a:t>
+              <a:t>2024/10/14</a:t>
             </a:fld>
             <a:endParaRPr lang="zh-TW" altLang="en-US"/>
           </a:p>
@@ -9350,7 +9436,7 @@
           <a:p>
             <a:fld id="{308767D9-3F77-4CD0-B6EF-E00D77286EC9}" type="datetimeFigureOut">
               <a:rPr lang="zh-TW" altLang="en-US" smtClean="0"/>
-              <a:t>2024/10/11</a:t>
+              <a:t>2024/10/14</a:t>
             </a:fld>
             <a:endParaRPr lang="zh-TW" altLang="en-US"/>
           </a:p>
@@ -9445,7 +9531,7 @@
           <a:p>
             <a:fld id="{308767D9-3F77-4CD0-B6EF-E00D77286EC9}" type="datetimeFigureOut">
               <a:rPr lang="zh-TW" altLang="en-US" smtClean="0"/>
-              <a:t>2024/10/11</a:t>
+              <a:t>2024/10/14</a:t>
             </a:fld>
             <a:endParaRPr lang="zh-TW" altLang="en-US"/>
           </a:p>
@@ -9722,7 +9808,7 @@
           <a:p>
             <a:fld id="{308767D9-3F77-4CD0-B6EF-E00D77286EC9}" type="datetimeFigureOut">
               <a:rPr lang="zh-TW" altLang="en-US" smtClean="0"/>
-              <a:t>2024/10/11</a:t>
+              <a:t>2024/10/14</a:t>
             </a:fld>
             <a:endParaRPr lang="zh-TW" altLang="en-US"/>
           </a:p>
@@ -9979,7 +10065,7 @@
           <a:p>
             <a:fld id="{308767D9-3F77-4CD0-B6EF-E00D77286EC9}" type="datetimeFigureOut">
               <a:rPr lang="zh-TW" altLang="en-US" smtClean="0"/>
-              <a:t>2024/10/11</a:t>
+              <a:t>2024/10/14</a:t>
             </a:fld>
             <a:endParaRPr lang="zh-TW" altLang="en-US"/>
           </a:p>
@@ -10192,7 +10278,7 @@
           <a:p>
             <a:fld id="{308767D9-3F77-4CD0-B6EF-E00D77286EC9}" type="datetimeFigureOut">
               <a:rPr lang="zh-TW" altLang="en-US" smtClean="0"/>
-              <a:t>2024/10/11</a:t>
+              <a:t>2024/10/14</a:t>
             </a:fld>
             <a:endParaRPr lang="zh-TW" altLang="en-US"/>
           </a:p>
@@ -10656,7 +10742,7 @@
           </a:ln>
           <a:extLst>
             <a:ext uri="{C572A759-6A51-4108-AA02-DFA0A04FC94B}">
-              <ma14:wrappingTextBoxFlag xmlns="" xmlns:m="http://schemas.openxmlformats.org/officeDocument/2006/math" xmlns:a14="http://schemas.microsoft.com/office/drawing/2010/main" xmlns:ma14="http://schemas.microsoft.com/office/mac/drawingml/2011/main" val="1"/>
+              <ma14:wrappingTextBoxFlag xmlns:ma14="http://schemas.microsoft.com/office/mac/drawingml/2011/main" xmlns:a14="http://schemas.microsoft.com/office/drawing/2010/main" xmlns:m="http://schemas.openxmlformats.org/officeDocument/2006/math" xmlns="" val="1"/>
             </a:ext>
           </a:extLst>
         </p:spPr>
@@ -11917,7 +12003,7 @@
           </a:ln>
           <a:extLst>
             <a:ext uri="{C572A759-6A51-4108-AA02-DFA0A04FC94B}">
-              <ma14:wrappingTextBoxFlag xmlns="" xmlns:m="http://schemas.openxmlformats.org/officeDocument/2006/math" xmlns:a14="http://schemas.microsoft.com/office/drawing/2010/main" xmlns:ma14="http://schemas.microsoft.com/office/mac/drawingml/2011/main" val="1"/>
+              <ma14:wrappingTextBoxFlag xmlns:ma14="http://schemas.microsoft.com/office/mac/drawingml/2011/main" xmlns:a14="http://schemas.microsoft.com/office/drawing/2010/main" xmlns:m="http://schemas.openxmlformats.org/officeDocument/2006/math" xmlns="" val="1"/>
             </a:ext>
           </a:extLst>
         </p:spPr>
@@ -12279,6 +12365,83 @@
             </a:endParaRPr>
           </a:p>
           <a:p>
+            <a:pPr>
+              <a:spcBef>
+                <a:spcPts val="2200"/>
+              </a:spcBef>
+              <a:buClrTx/>
+              <a:buSzPct val="100000"/>
+              <a:buFont typeface="Wingdings" panose="05000000000000000000" pitchFamily="2" charset="2"/>
+              <a:buChar char="n"/>
+              <a:defRPr>
+                <a:solidFill>
+                  <a:srgbClr val="000000"/>
+                </a:solidFill>
+                <a:latin typeface="PingFang TC Semibold"/>
+                <a:ea typeface="PingFang TC Semibold"/>
+                <a:cs typeface="PingFang TC Semibold"/>
+                <a:sym typeface="PingFang TC Semibold"/>
+              </a:defRPr>
+            </a:pPr>
+            <a:r>
+              <a:rPr lang="zh-TW" altLang="en-US" dirty="0">
+                <a:solidFill>
+                  <a:schemeClr val="tx1"/>
+                </a:solidFill>
+                <a:latin typeface="微軟正黑體" panose="020B0604030504040204" pitchFamily="34" charset="-120"/>
+                <a:ea typeface="微軟正黑體" panose="020B0604030504040204" pitchFamily="34" charset="-120"/>
+              </a:rPr>
+              <a:t>櫃買</a:t>
+            </a:r>
+            <a:r>
+              <a:rPr lang="en-US" altLang="zh-TW" dirty="0">
+                <a:solidFill>
+                  <a:schemeClr val="tx1"/>
+                </a:solidFill>
+                <a:latin typeface="微軟正黑體" panose="020B0604030504040204" pitchFamily="34" charset="-120"/>
+                <a:ea typeface="微軟正黑體" panose="020B0604030504040204" pitchFamily="34" charset="-120"/>
+              </a:rPr>
+              <a:t>DMZ</a:t>
+            </a:r>
+            <a:r>
+              <a:rPr lang="zh-TW" altLang="en-US" dirty="0">
+                <a:solidFill>
+                  <a:schemeClr val="tx1"/>
+                </a:solidFill>
+                <a:latin typeface="微軟正黑體" panose="020B0604030504040204" pitchFamily="34" charset="-120"/>
+                <a:ea typeface="微軟正黑體" panose="020B0604030504040204" pitchFamily="34" charset="-120"/>
+              </a:rPr>
+              <a:t> </a:t>
+            </a:r>
+            <a:r>
+              <a:rPr lang="en-US" altLang="zh-TW" dirty="0">
+                <a:solidFill>
+                  <a:schemeClr val="tx1"/>
+                </a:solidFill>
+                <a:latin typeface="微軟正黑體" panose="020B0604030504040204" pitchFamily="34" charset="-120"/>
+                <a:ea typeface="微軟正黑體" panose="020B0604030504040204" pitchFamily="34" charset="-120"/>
+              </a:rPr>
+              <a:t>DB</a:t>
+            </a:r>
+            <a:r>
+              <a:rPr lang="zh-TW" altLang="en-US" dirty="0">
+                <a:solidFill>
+                  <a:schemeClr val="tx1"/>
+                </a:solidFill>
+                <a:latin typeface="微軟正黑體" panose="020B0604030504040204" pitchFamily="34" charset="-120"/>
+                <a:ea typeface="微軟正黑體" panose="020B0604030504040204" pitchFamily="34" charset="-120"/>
+              </a:rPr>
+              <a:t>區</a:t>
+            </a:r>
+            <a:endParaRPr lang="en-US" altLang="zh-TW" dirty="0">
+              <a:solidFill>
+                <a:schemeClr val="tx1"/>
+              </a:solidFill>
+              <a:latin typeface="微軟正黑體" panose="020B0604030504040204" pitchFamily="34" charset="-120"/>
+              <a:ea typeface="微軟正黑體" panose="020B0604030504040204" pitchFamily="34" charset="-120"/>
+            </a:endParaRPr>
+          </a:p>
+          <a:p>
             <a:pPr defTabSz="914400">
               <a:spcBef>
                 <a:spcPts val="2200"/>
@@ -12332,8 +12495,65 @@
               <a:ea typeface="微軟正黑體" panose="020B0604030504040204" pitchFamily="34" charset="-120"/>
             </a:endParaRPr>
           </a:p>
+          <a:p>
+            <a:pPr defTabSz="914400">
+              <a:spcBef>
+                <a:spcPts val="2200"/>
+              </a:spcBef>
+              <a:buClrTx/>
+              <a:buSzPct val="100000"/>
+              <a:buFont typeface="Wingdings" panose="05000000000000000000" pitchFamily="2" charset="2"/>
+              <a:buChar char="n"/>
+              <a:defRPr>
+                <a:solidFill>
+                  <a:srgbClr val="000000"/>
+                </a:solidFill>
+                <a:latin typeface="PingFang TC Semibold"/>
+                <a:ea typeface="PingFang TC Semibold"/>
+                <a:cs typeface="PingFang TC Semibold"/>
+                <a:sym typeface="PingFang TC Semibold"/>
+              </a:defRPr>
+            </a:pPr>
+            <a:endParaRPr lang="en-US" altLang="zh-TW" dirty="0">
+              <a:solidFill>
+                <a:schemeClr val="tx1"/>
+              </a:solidFill>
+              <a:latin typeface="微軟正黑體" panose="020B0604030504040204" pitchFamily="34" charset="-120"/>
+              <a:ea typeface="微軟正黑體" panose="020B0604030504040204" pitchFamily="34" charset="-120"/>
+            </a:endParaRPr>
+          </a:p>
         </p:txBody>
       </p:sp>
+      <p:pic>
+        <p:nvPicPr>
+          <p:cNvPr id="9" name="圖片 8">
+            <a:extLst>
+              <a:ext uri="{FF2B5EF4-FFF2-40B4-BE49-F238E27FC236}">
+                <a16:creationId xmlns:a16="http://schemas.microsoft.com/office/drawing/2014/main" id="{712FFD6B-DE7F-F9C4-84FD-CB8AD59A2D0A}"/>
+              </a:ext>
+            </a:extLst>
+          </p:cNvPr>
+          <p:cNvPicPr>
+            <a:picLocks noChangeAspect="1"/>
+          </p:cNvPicPr>
+          <p:nvPr/>
+        </p:nvPicPr>
+        <p:blipFill>
+          <a:blip r:embed="rId2"/>
+          <a:stretch>
+            <a:fillRect/>
+          </a:stretch>
+        </p:blipFill>
+        <p:spPr>
+          <a:xfrm>
+            <a:off x="4572000" y="1806850"/>
+            <a:ext cx="3924640" cy="4115157"/>
+          </a:xfrm>
+          <a:prstGeom prst="rect">
+            <a:avLst/>
+          </a:prstGeom>
+        </p:spPr>
+      </p:pic>
     </p:spTree>
     <p:extLst>
       <p:ext uri="{BB962C8B-B14F-4D97-AF65-F5344CB8AC3E}">
@@ -12453,56 +12673,6 @@
                 <a:sym typeface="PingFang TC Semibold"/>
               </a:defRPr>
             </a:pPr>
-            <a:r>
-              <a:rPr lang="zh-TW" altLang="en-US" dirty="0">
-                <a:solidFill>
-                  <a:schemeClr val="tx1"/>
-                </a:solidFill>
-                <a:latin typeface="微軟正黑體" panose="020B0604030504040204" pitchFamily="34" charset="-120"/>
-                <a:ea typeface="微軟正黑體" panose="020B0604030504040204" pitchFamily="34" charset="-120"/>
-              </a:rPr>
-              <a:t>櫃買</a:t>
-            </a:r>
-            <a:r>
-              <a:rPr lang="en-US" altLang="zh-TW" dirty="0">
-                <a:solidFill>
-                  <a:schemeClr val="tx1"/>
-                </a:solidFill>
-                <a:latin typeface="微軟正黑體" panose="020B0604030504040204" pitchFamily="34" charset="-120"/>
-                <a:ea typeface="微軟正黑體" panose="020B0604030504040204" pitchFamily="34" charset="-120"/>
-              </a:rPr>
-              <a:t>DMZ</a:t>
-            </a:r>
-            <a:r>
-              <a:rPr lang="zh-TW" altLang="en-US" dirty="0">
-                <a:solidFill>
-                  <a:schemeClr val="tx1"/>
-                </a:solidFill>
-                <a:latin typeface="微軟正黑體" panose="020B0604030504040204" pitchFamily="34" charset="-120"/>
-                <a:ea typeface="微軟正黑體" panose="020B0604030504040204" pitchFamily="34" charset="-120"/>
-              </a:rPr>
-              <a:t> </a:t>
-            </a:r>
-            <a:r>
-              <a:rPr lang="en-US" altLang="zh-TW" dirty="0">
-                <a:solidFill>
-                  <a:schemeClr val="tx1"/>
-                </a:solidFill>
-                <a:latin typeface="微軟正黑體" panose="020B0604030504040204" pitchFamily="34" charset="-120"/>
-                <a:ea typeface="微軟正黑體" panose="020B0604030504040204" pitchFamily="34" charset="-120"/>
-              </a:rPr>
-              <a:t>DB</a:t>
-            </a:r>
-            <a:r>
-              <a:rPr lang="zh-TW" altLang="en-US" dirty="0">
-                <a:solidFill>
-                  <a:schemeClr val="tx1"/>
-                </a:solidFill>
-                <a:latin typeface="微軟正黑體" panose="020B0604030504040204" pitchFamily="34" charset="-120"/>
-                <a:ea typeface="微軟正黑體" panose="020B0604030504040204" pitchFamily="34" charset="-120"/>
-              </a:rPr>
-              <a:t>區</a:t>
-            </a:r>
             <a:endParaRPr lang="en-US" altLang="zh-TW" dirty="0">
               <a:solidFill>
                 <a:schemeClr val="tx1"/>
@@ -12649,7 +12819,7 @@
         <p:spPr>
           <a:xfrm>
             <a:off x="457200" y="53974"/>
-            <a:ext cx="8229600" cy="2207088"/>
+            <a:ext cx="6953794" cy="2207088"/>
           </a:xfrm>
           <a:prstGeom prst="rect">
             <a:avLst/>
@@ -12820,6 +12990,33 @@
               <a:ea typeface="微軟正黑體" panose="020B0604030504040204" pitchFamily="34" charset="-120"/>
             </a:endParaRPr>
           </a:p>
+          <a:p>
+            <a:pPr defTabSz="914400">
+              <a:spcBef>
+                <a:spcPts val="2200"/>
+              </a:spcBef>
+              <a:buClrTx/>
+              <a:buSzPct val="100000"/>
+              <a:buFont typeface="Wingdings" panose="05000000000000000000" pitchFamily="2" charset="2"/>
+              <a:buChar char="n"/>
+              <a:defRPr>
+                <a:solidFill>
+                  <a:srgbClr val="000000"/>
+                </a:solidFill>
+                <a:latin typeface="PingFang TC Semibold"/>
+                <a:ea typeface="PingFang TC Semibold"/>
+                <a:cs typeface="PingFang TC Semibold"/>
+                <a:sym typeface="PingFang TC Semibold"/>
+              </a:defRPr>
+            </a:pPr>
+            <a:r>
+              <a:rPr lang="en-US" altLang="zh-TW" dirty="0">
+                <a:latin typeface="微軟正黑體" panose="020B0604030504040204" pitchFamily="34" charset="-120"/>
+                <a:ea typeface="微軟正黑體" panose="020B0604030504040204" pitchFamily="34" charset="-120"/>
+              </a:rPr>
+              <a:t>PHP</a:t>
+            </a:r>
+          </a:p>
         </p:txBody>
       </p:sp>
     </p:spTree>
@@ -12837,6 +13034,207 @@
 </file>
 
 <file path=ppt/slides/slide14.xml><?xml version="1.0" encoding="utf-8"?>
+<p:sld xmlns:a="http://schemas.openxmlformats.org/drawingml/2006/main" xmlns:r="http://schemas.openxmlformats.org/officeDocument/2006/relationships" xmlns:p="http://schemas.openxmlformats.org/presentationml/2006/main">
+  <p:cSld>
+    <p:spTree>
+      <p:nvGrpSpPr>
+        <p:cNvPr id="1" name=""/>
+        <p:cNvGrpSpPr/>
+        <p:nvPr/>
+      </p:nvGrpSpPr>
+      <p:grpSpPr>
+        <a:xfrm>
+          <a:off x="0" y="0"/>
+          <a:ext cx="0" cy="0"/>
+          <a:chOff x="0" y="0"/>
+          <a:chExt cx="0" cy="0"/>
+        </a:xfrm>
+      </p:grpSpPr>
+      <p:sp>
+        <p:nvSpPr>
+          <p:cNvPr id="402" name="中小規模企業掛牌首選之交易所"/>
+          <p:cNvSpPr txBox="1">
+            <a:spLocks noGrp="1"/>
+          </p:cNvSpPr>
+          <p:nvPr>
+            <p:ph type="title"/>
+          </p:nvPr>
+        </p:nvSpPr>
+        <p:spPr>
+          <a:xfrm>
+            <a:off x="457200" y="53974"/>
+            <a:ext cx="6953794" cy="2207088"/>
+          </a:xfrm>
+          <a:prstGeom prst="rect">
+            <a:avLst/>
+          </a:prstGeom>
+        </p:spPr>
+        <p:txBody>
+          <a:bodyPr/>
+          <a:lstStyle>
+            <a:lvl1pPr defTabSz="457200">
+              <a:lnSpc>
+                <a:spcPct val="100000"/>
+              </a:lnSpc>
+              <a:defRPr sz="3200">
+                <a:solidFill>
+                  <a:srgbClr val="805F0A"/>
+                </a:solidFill>
+              </a:defRPr>
+            </a:lvl1pPr>
+          </a:lstStyle>
+          <a:p>
+            <a:r>
+              <a:rPr lang="zh-TW" altLang="en-US" sz="6000" dirty="0">
+                <a:solidFill>
+                  <a:srgbClr val="C08225"/>
+                </a:solidFill>
+                <a:latin typeface="微軟正黑體" panose="020B0604030504040204" pitchFamily="34" charset="-120"/>
+                <a:ea typeface="微軟正黑體" panose="020B0604030504040204" pitchFamily="34" charset="-120"/>
+              </a:rPr>
+              <a:t>採一站式架構系統</a:t>
+            </a:r>
+            <a:br>
+              <a:rPr lang="en-US" altLang="zh-TW" sz="6000" dirty="0">
+                <a:solidFill>
+                  <a:srgbClr val="C08225"/>
+                </a:solidFill>
+                <a:latin typeface="微軟正黑體" panose="020B0604030504040204" pitchFamily="34" charset="-120"/>
+                <a:ea typeface="微軟正黑體" panose="020B0604030504040204" pitchFamily="34" charset="-120"/>
+              </a:rPr>
+            </a:br>
+            <a:r>
+              <a:rPr lang="en-US" altLang="zh-TW" sz="6000" dirty="0">
+                <a:solidFill>
+                  <a:srgbClr val="C08225"/>
+                </a:solidFill>
+                <a:latin typeface="微軟正黑體" panose="020B0604030504040204" pitchFamily="34" charset="-120"/>
+                <a:ea typeface="微軟正黑體" panose="020B0604030504040204" pitchFamily="34" charset="-120"/>
+              </a:rPr>
+              <a:t>(</a:t>
+            </a:r>
+            <a:r>
+              <a:rPr lang="zh-TW" altLang="en-US" sz="6000" dirty="0">
+                <a:solidFill>
+                  <a:srgbClr val="C08225"/>
+                </a:solidFill>
+                <a:latin typeface="微軟正黑體" panose="020B0604030504040204" pitchFamily="34" charset="-120"/>
+                <a:ea typeface="微軟正黑體" panose="020B0604030504040204" pitchFamily="34" charset="-120"/>
+              </a:rPr>
+              <a:t>舊架構</a:t>
+            </a:r>
+            <a:r>
+              <a:rPr lang="en-US" altLang="zh-TW" sz="6000" dirty="0">
+                <a:solidFill>
+                  <a:srgbClr val="C08225"/>
+                </a:solidFill>
+                <a:latin typeface="微軟正黑體" panose="020B0604030504040204" pitchFamily="34" charset="-120"/>
+                <a:ea typeface="微軟正黑體" panose="020B0604030504040204" pitchFamily="34" charset="-120"/>
+              </a:rPr>
+              <a:t>)</a:t>
+            </a:r>
+          </a:p>
+        </p:txBody>
+      </p:sp>
+      <p:sp>
+        <p:nvSpPr>
+          <p:cNvPr id="403" name="櫃買中心為股票及債券均健全發展且 表現亮眼之雙引擎市場…"/>
+          <p:cNvSpPr txBox="1">
+            <a:spLocks noGrp="1"/>
+          </p:cNvSpPr>
+          <p:nvPr>
+            <p:ph type="body" idx="1"/>
+          </p:nvPr>
+        </p:nvSpPr>
+        <p:spPr>
+          <a:xfrm>
+            <a:off x="457200" y="2261062"/>
+            <a:ext cx="8229600" cy="4596938"/>
+          </a:xfrm>
+          <a:prstGeom prst="rect">
+            <a:avLst/>
+          </a:prstGeom>
+        </p:spPr>
+        <p:txBody>
+          <a:bodyPr/>
+          <a:lstStyle/>
+          <a:p>
+            <a:pPr defTabSz="914400">
+              <a:spcBef>
+                <a:spcPts val="2200"/>
+              </a:spcBef>
+              <a:buClrTx/>
+              <a:buSzPct val="100000"/>
+              <a:buFont typeface="Wingdings" panose="05000000000000000000" pitchFamily="2" charset="2"/>
+              <a:buChar char="n"/>
+              <a:defRPr>
+                <a:solidFill>
+                  <a:srgbClr val="000000"/>
+                </a:solidFill>
+                <a:latin typeface="PingFang TC Semibold"/>
+                <a:ea typeface="PingFang TC Semibold"/>
+                <a:cs typeface="PingFang TC Semibold"/>
+                <a:sym typeface="PingFang TC Semibold"/>
+              </a:defRPr>
+            </a:pPr>
+            <a:endParaRPr lang="en-US" altLang="zh-TW" dirty="0">
+              <a:latin typeface="微軟正黑體" panose="020B0604030504040204" pitchFamily="34" charset="-120"/>
+              <a:ea typeface="微軟正黑體" panose="020B0604030504040204" pitchFamily="34" charset="-120"/>
+            </a:endParaRPr>
+          </a:p>
+        </p:txBody>
+      </p:sp>
+      <p:pic>
+        <p:nvPicPr>
+          <p:cNvPr id="3" name="圖片 2">
+            <a:extLst>
+              <a:ext uri="{FF2B5EF4-FFF2-40B4-BE49-F238E27FC236}">
+                <a16:creationId xmlns:a16="http://schemas.microsoft.com/office/drawing/2014/main" id="{1531071E-A003-AE9C-12DD-11ECCA2B3CCA}"/>
+              </a:ext>
+            </a:extLst>
+          </p:cNvPr>
+          <p:cNvPicPr>
+            <a:picLocks noChangeAspect="1"/>
+          </p:cNvPicPr>
+          <p:nvPr/>
+        </p:nvPicPr>
+        <p:blipFill>
+          <a:blip r:embed="rId2">
+            <a:extLst>
+              <a:ext uri="{28A0092B-C50C-407E-A947-70E740481C1C}">
+                <a14:useLocalDpi xmlns:a14="http://schemas.microsoft.com/office/drawing/2010/main" val="0"/>
+              </a:ext>
+            </a:extLst>
+          </a:blip>
+          <a:stretch>
+            <a:fillRect/>
+          </a:stretch>
+        </p:blipFill>
+        <p:spPr>
+          <a:xfrm>
+            <a:off x="1466850" y="2149641"/>
+            <a:ext cx="4881440" cy="4596938"/>
+          </a:xfrm>
+          <a:prstGeom prst="rect">
+            <a:avLst/>
+          </a:prstGeom>
+        </p:spPr>
+      </p:pic>
+    </p:spTree>
+    <p:extLst>
+      <p:ext uri="{BB962C8B-B14F-4D97-AF65-F5344CB8AC3E}">
+        <p14:creationId xmlns:p14="http://schemas.microsoft.com/office/powerpoint/2010/main" val="2814666560"/>
+      </p:ext>
+    </p:extLst>
+  </p:cSld>
+  <p:clrMapOvr>
+    <a:masterClrMapping/>
+  </p:clrMapOvr>
+  <p:transition spd="med"/>
+</p:sld>
+</file>
+
+<file path=ppt/slides/slide15.xml><?xml version="1.0" encoding="utf-8"?>
 <p:sld xmlns:a="http://schemas.openxmlformats.org/drawingml/2006/main" xmlns:r="http://schemas.openxmlformats.org/officeDocument/2006/relationships" xmlns:p="http://schemas.openxmlformats.org/presentationml/2006/main">
   <p:cSld>
     <p:spTree>
@@ -12928,7 +13326,7 @@
 </p:sld>
 </file>
 
-<file path=ppt/slides/slide15.xml><?xml version="1.0" encoding="utf-8"?>
+<file path=ppt/slides/slide16.xml><?xml version="1.0" encoding="utf-8"?>
 <p:sld xmlns:a="http://schemas.openxmlformats.org/drawingml/2006/main" xmlns:r="http://schemas.openxmlformats.org/officeDocument/2006/relationships" xmlns:p="http://schemas.openxmlformats.org/presentationml/2006/main">
   <p:cSld>
     <p:spTree>
@@ -12957,8 +13355,8 @@
         </p:nvSpPr>
         <p:spPr>
           <a:xfrm>
-            <a:off x="457200" y="53974"/>
-            <a:ext cx="8229600" cy="1508126"/>
+            <a:off x="1058091" y="585196"/>
+            <a:ext cx="6448697" cy="1644197"/>
           </a:xfrm>
           <a:prstGeom prst="rect">
             <a:avLst/>
@@ -13034,6 +13432,10 @@
           </p:nvPr>
         </p:nvSpPr>
         <p:spPr>
+          <a:xfrm>
+            <a:off x="457200" y="2403566"/>
+            <a:ext cx="8229600" cy="4454434"/>
+          </a:xfrm>
           <a:prstGeom prst="rect">
             <a:avLst/>
           </a:prstGeom>
@@ -13226,7 +13628,7 @@
 </p:sld>
 </file>
 
-<file path=ppt/slides/slide16.xml><?xml version="1.0" encoding="utf-8"?>
+<file path=ppt/slides/slide17.xml><?xml version="1.0" encoding="utf-8"?>
 <p:sld xmlns:a="http://schemas.openxmlformats.org/drawingml/2006/main" xmlns:r="http://schemas.openxmlformats.org/officeDocument/2006/relationships" xmlns:p="http://schemas.openxmlformats.org/presentationml/2006/main">
   <p:cSld>
     <p:spTree>
@@ -13281,181 +13683,6 @@
     <p:extLst>
       <p:ext uri="{BB962C8B-B14F-4D97-AF65-F5344CB8AC3E}">
         <p14:creationId xmlns:p14="http://schemas.microsoft.com/office/powerpoint/2010/main" val="2837863183"/>
-      </p:ext>
-    </p:extLst>
-  </p:cSld>
-  <p:clrMapOvr>
-    <a:masterClrMapping/>
-  </p:clrMapOvr>
-  <p:transition spd="med"/>
-</p:sld>
-</file>
-
-<file path=ppt/slides/slide17.xml><?xml version="1.0" encoding="utf-8"?>
-<p:sld xmlns:a="http://schemas.openxmlformats.org/drawingml/2006/main" xmlns:r="http://schemas.openxmlformats.org/officeDocument/2006/relationships" xmlns:p="http://schemas.openxmlformats.org/presentationml/2006/main">
-  <p:cSld>
-    <p:spTree>
-      <p:nvGrpSpPr>
-        <p:cNvPr id="1" name=""/>
-        <p:cNvGrpSpPr/>
-        <p:nvPr/>
-      </p:nvGrpSpPr>
-      <p:grpSpPr>
-        <a:xfrm>
-          <a:off x="0" y="0"/>
-          <a:ext cx="0" cy="0"/>
-          <a:chOff x="0" y="0"/>
-          <a:chExt cx="0" cy="0"/>
-        </a:xfrm>
-      </p:grpSpPr>
-      <p:sp>
-        <p:nvSpPr>
-          <p:cNvPr id="402" name="中小規模企業掛牌首選之交易所"/>
-          <p:cNvSpPr txBox="1">
-            <a:spLocks noGrp="1"/>
-          </p:cNvSpPr>
-          <p:nvPr>
-            <p:ph type="title"/>
-          </p:nvPr>
-        </p:nvSpPr>
-        <p:spPr>
-          <a:xfrm>
-            <a:off x="457200" y="53974"/>
-            <a:ext cx="8229600" cy="1508126"/>
-          </a:xfrm>
-          <a:prstGeom prst="rect">
-            <a:avLst/>
-          </a:prstGeom>
-        </p:spPr>
-        <p:txBody>
-          <a:bodyPr/>
-          <a:lstStyle>
-            <a:lvl1pPr defTabSz="457200">
-              <a:lnSpc>
-                <a:spcPct val="100000"/>
-              </a:lnSpc>
-              <a:defRPr sz="3200">
-                <a:solidFill>
-                  <a:srgbClr val="805F0A"/>
-                </a:solidFill>
-              </a:defRPr>
-            </a:lvl1pPr>
-          </a:lstStyle>
-          <a:p>
-            <a:r>
-              <a:rPr lang="zh-TW" altLang="en-US" sz="6000" dirty="0">
-                <a:solidFill>
-                  <a:srgbClr val="C08225"/>
-                </a:solidFill>
-                <a:latin typeface="微軟正黑體" panose="020B0604030504040204" pitchFamily="34" charset="-120"/>
-                <a:ea typeface="微軟正黑體" panose="020B0604030504040204" pitchFamily="34" charset="-120"/>
-              </a:rPr>
-              <a:t>前後端分離式架構優點</a:t>
-            </a:r>
-            <a:endParaRPr sz="6000" dirty="0"/>
-          </a:p>
-        </p:txBody>
-      </p:sp>
-      <p:sp>
-        <p:nvSpPr>
-          <p:cNvPr id="403" name="櫃買中心為股票及債券均健全發展且 表現亮眼之雙引擎市場…"/>
-          <p:cNvSpPr txBox="1">
-            <a:spLocks noGrp="1"/>
-          </p:cNvSpPr>
-          <p:nvPr>
-            <p:ph type="body" idx="1"/>
-          </p:nvPr>
-        </p:nvSpPr>
-        <p:spPr>
-          <a:prstGeom prst="rect">
-            <a:avLst/>
-          </a:prstGeom>
-        </p:spPr>
-        <p:txBody>
-          <a:bodyPr/>
-          <a:lstStyle/>
-          <a:p>
-            <a:pPr defTabSz="914400">
-              <a:spcBef>
-                <a:spcPts val="2200"/>
-              </a:spcBef>
-              <a:buClrTx/>
-              <a:buSzPct val="100000"/>
-              <a:buFont typeface="Wingdings" panose="05000000000000000000" pitchFamily="2" charset="2"/>
-              <a:buChar char="n"/>
-              <a:defRPr>
-                <a:solidFill>
-                  <a:srgbClr val="000000"/>
-                </a:solidFill>
-                <a:latin typeface="PingFang TC Semibold"/>
-                <a:ea typeface="PingFang TC Semibold"/>
-                <a:cs typeface="PingFang TC Semibold"/>
-                <a:sym typeface="PingFang TC Semibold"/>
-              </a:defRPr>
-            </a:pPr>
-            <a:r>
-              <a:rPr lang="en-US" altLang="zh-TW" dirty="0">
-                <a:latin typeface="微軟正黑體" panose="020B0604030504040204" pitchFamily="34" charset="-120"/>
-                <a:ea typeface="微軟正黑體" panose="020B0604030504040204" pitchFamily="34" charset="-120"/>
-              </a:rPr>
-              <a:t>1.</a:t>
-            </a:r>
-            <a:r>
-              <a:rPr lang="zh-TW" altLang="en-US" dirty="0">
-                <a:latin typeface="微軟正黑體" panose="020B0604030504040204" pitchFamily="34" charset="-120"/>
-                <a:ea typeface="微軟正黑體" panose="020B0604030504040204" pitchFamily="34" charset="-120"/>
-              </a:rPr>
-              <a:t> 專長領域分工</a:t>
-            </a:r>
-            <a:endParaRPr lang="en-US" altLang="zh-TW" dirty="0">
-              <a:latin typeface="微軟正黑體" panose="020B0604030504040204" pitchFamily="34" charset="-120"/>
-              <a:ea typeface="微軟正黑體" panose="020B0604030504040204" pitchFamily="34" charset="-120"/>
-            </a:endParaRPr>
-          </a:p>
-          <a:p>
-            <a:pPr defTabSz="914400">
-              <a:spcBef>
-                <a:spcPts val="2200"/>
-              </a:spcBef>
-              <a:buClrTx/>
-              <a:buSzPct val="100000"/>
-              <a:buFont typeface="Wingdings" panose="05000000000000000000" pitchFamily="2" charset="2"/>
-              <a:buChar char="n"/>
-              <a:defRPr>
-                <a:solidFill>
-                  <a:srgbClr val="000000"/>
-                </a:solidFill>
-                <a:latin typeface="PingFang TC Semibold"/>
-                <a:ea typeface="PingFang TC Semibold"/>
-                <a:cs typeface="PingFang TC Semibold"/>
-                <a:sym typeface="PingFang TC Semibold"/>
-              </a:defRPr>
-            </a:pPr>
-            <a:r>
-              <a:rPr lang="en-US" altLang="zh-TW" dirty="0">
-                <a:latin typeface="微軟正黑體" panose="020B0604030504040204" pitchFamily="34" charset="-120"/>
-                <a:ea typeface="微軟正黑體" panose="020B0604030504040204" pitchFamily="34" charset="-120"/>
-              </a:rPr>
-              <a:t>2.</a:t>
-            </a:r>
-            <a:r>
-              <a:rPr lang="zh-TW" altLang="en-US" dirty="0">
-                <a:latin typeface="微軟正黑體" panose="020B0604030504040204" pitchFamily="34" charset="-120"/>
-                <a:ea typeface="微軟正黑體" panose="020B0604030504040204" pitchFamily="34" charset="-120"/>
-              </a:rPr>
-              <a:t> 提升資訊安全</a:t>
-            </a:r>
-            <a:endParaRPr lang="en-US" altLang="zh-TW" dirty="0">
-              <a:latin typeface="微軟正黑體" panose="020B0604030504040204" pitchFamily="34" charset="-120"/>
-              <a:ea typeface="微軟正黑體" panose="020B0604030504040204" pitchFamily="34" charset="-120"/>
-            </a:endParaRPr>
-          </a:p>
-        </p:txBody>
-      </p:sp>
-    </p:spTree>
-    <p:extLst>
-      <p:ext uri="{BB962C8B-B14F-4D97-AF65-F5344CB8AC3E}">
-        <p14:creationId xmlns:p14="http://schemas.microsoft.com/office/powerpoint/2010/main" val="4027739591"/>
       </p:ext>
     </p:extLst>
   </p:cSld>
@@ -13573,66 +13800,14 @@
                 <a:latin typeface="微軟正黑體" panose="020B0604030504040204" pitchFamily="34" charset="-120"/>
                 <a:ea typeface="微軟正黑體" panose="020B0604030504040204" pitchFamily="34" charset="-120"/>
               </a:rPr>
-              <a:t>Nginx</a:t>
+              <a:t>1.</a:t>
             </a:r>
             <a:r>
               <a:rPr lang="zh-TW" altLang="en-US" dirty="0">
                 <a:latin typeface="微軟正黑體" panose="020B0604030504040204" pitchFamily="34" charset="-120"/>
                 <a:ea typeface="微軟正黑體" panose="020B0604030504040204" pitchFamily="34" charset="-120"/>
               </a:rPr>
-              <a:t>反向代理的好處</a:t>
-            </a:r>
-            <a:endParaRPr lang="en-US" altLang="zh-TW" dirty="0">
-              <a:latin typeface="微軟正黑體" panose="020B0604030504040204" pitchFamily="34" charset="-120"/>
-              <a:ea typeface="微軟正黑體" panose="020B0604030504040204" pitchFamily="34" charset="-120"/>
-            </a:endParaRPr>
-          </a:p>
-          <a:p>
-            <a:pPr>
-              <a:spcBef>
-                <a:spcPts val="2200"/>
-              </a:spcBef>
-              <a:buClrTx/>
-              <a:buSzPct val="100000"/>
-              <a:buFont typeface="Wingdings" panose="05000000000000000000" pitchFamily="2" charset="2"/>
-              <a:buChar char="n"/>
-              <a:defRPr>
-                <a:solidFill>
-                  <a:srgbClr val="000000"/>
-                </a:solidFill>
-                <a:latin typeface="PingFang TC Semibold"/>
-                <a:ea typeface="PingFang TC Semibold"/>
-                <a:cs typeface="PingFang TC Semibold"/>
-                <a:sym typeface="PingFang TC Semibold"/>
-              </a:defRPr>
-            </a:pPr>
-            <a:r>
-              <a:rPr lang="en-US" altLang="zh-TW" dirty="0">
-                <a:latin typeface="微軟正黑體" panose="020B0604030504040204" pitchFamily="34" charset="-120"/>
-                <a:ea typeface="微軟正黑體" panose="020B0604030504040204" pitchFamily="34" charset="-120"/>
-              </a:rPr>
-              <a:t>1.</a:t>
-            </a:r>
-            <a:r>
-              <a:rPr lang="zh-TW" altLang="en-US" dirty="0">
-                <a:latin typeface="微軟正黑體" panose="020B0604030504040204" pitchFamily="34" charset="-120"/>
-                <a:ea typeface="微軟正黑體" panose="020B0604030504040204" pitchFamily="34" charset="-120"/>
-              </a:rPr>
-              <a:t>負載均衡</a:t>
-            </a:r>
-            <a:r>
-              <a:rPr lang="en-US" altLang="zh-TW" dirty="0">
-                <a:latin typeface="微軟正黑體" panose="020B0604030504040204" pitchFamily="34" charset="-120"/>
-                <a:ea typeface="微軟正黑體" panose="020B0604030504040204" pitchFamily="34" charset="-120"/>
-              </a:rPr>
-              <a:t>:</a:t>
-            </a:r>
-            <a:r>
-              <a:rPr lang="zh-TW" altLang="en-US" dirty="0">
-                <a:latin typeface="微軟正黑體" panose="020B0604030504040204" pitchFamily="34" charset="-120"/>
-                <a:ea typeface="微軟正黑體" panose="020B0604030504040204" pitchFamily="34" charset="-120"/>
-              </a:rPr>
-              <a:t> </a:t>
+              <a:t> 專長領域分工</a:t>
             </a:r>
             <a:endParaRPr lang="en-US" altLang="zh-TW" dirty="0">
               <a:latin typeface="微軟正黑體" panose="020B0604030504040204" pitchFamily="34" charset="-120"/>
@@ -13670,7 +13845,7 @@
                 <a:latin typeface="微軟正黑體" panose="020B0604030504040204" pitchFamily="34" charset="-120"/>
                 <a:ea typeface="微軟正黑體" panose="020B0604030504040204" pitchFamily="34" charset="-120"/>
               </a:rPr>
-              <a:t> 安全性</a:t>
+              <a:t> 提升資訊安全</a:t>
             </a:r>
             <a:endParaRPr lang="en-US" altLang="zh-TW" dirty="0">
               <a:latin typeface="微軟正黑體" panose="020B0604030504040204" pitchFamily="34" charset="-120"/>
@@ -13697,108 +13872,69 @@
               </a:defRPr>
             </a:pPr>
             <a:r>
-              <a:rPr lang="en-US" altLang="zh-TW" dirty="0">
-                <a:latin typeface="微軟正黑體" panose="020B0604030504040204" pitchFamily="34" charset="-120"/>
-                <a:ea typeface="微軟正黑體" panose="020B0604030504040204" pitchFamily="34" charset="-120"/>
-              </a:rPr>
-              <a:t>3.</a:t>
-            </a:r>
-            <a:r>
-              <a:rPr lang="zh-TW" altLang="en-US" dirty="0">
-                <a:latin typeface="微軟正黑體" panose="020B0604030504040204" pitchFamily="34" charset="-120"/>
-                <a:ea typeface="微軟正黑體" panose="020B0604030504040204" pitchFamily="34" charset="-120"/>
-              </a:rPr>
-              <a:t> </a:t>
-            </a:r>
-            <a:r>
-              <a:rPr lang="en-US" altLang="zh-TW" dirty="0">
-                <a:latin typeface="微軟正黑體" panose="020B0604030504040204" pitchFamily="34" charset="-120"/>
-                <a:ea typeface="微軟正黑體" panose="020B0604030504040204" pitchFamily="34" charset="-120"/>
-              </a:rPr>
-              <a:t>SSL</a:t>
-            </a:r>
-            <a:r>
-              <a:rPr lang="zh-TW" altLang="en-US" dirty="0">
-                <a:latin typeface="微軟正黑體" panose="020B0604030504040204" pitchFamily="34" charset="-120"/>
-                <a:ea typeface="微軟正黑體" panose="020B0604030504040204" pitchFamily="34" charset="-120"/>
-              </a:rPr>
-              <a:t>終止</a:t>
-            </a:r>
-            <a:endParaRPr lang="en-US" altLang="zh-TW" dirty="0">
-              <a:latin typeface="微軟正黑體" panose="020B0604030504040204" pitchFamily="34" charset="-120"/>
-              <a:ea typeface="微軟正黑體" panose="020B0604030504040204" pitchFamily="34" charset="-120"/>
-            </a:endParaRPr>
-          </a:p>
-          <a:p>
-            <a:pPr defTabSz="914400">
-              <a:spcBef>
-                <a:spcPts val="2200"/>
-              </a:spcBef>
-              <a:buClrTx/>
-              <a:buSzPct val="100000"/>
-              <a:buFont typeface="Wingdings" panose="05000000000000000000" pitchFamily="2" charset="2"/>
-              <a:buChar char="n"/>
-              <a:defRPr>
-                <a:solidFill>
-                  <a:srgbClr val="000000"/>
-                </a:solidFill>
-                <a:latin typeface="PingFang TC Semibold"/>
-                <a:ea typeface="PingFang TC Semibold"/>
-                <a:cs typeface="PingFang TC Semibold"/>
-                <a:sym typeface="PingFang TC Semibold"/>
-              </a:defRPr>
-            </a:pPr>
-            <a:r>
-              <a:rPr lang="en-US" altLang="zh-TW" dirty="0">
-                <a:latin typeface="微軟正黑體" panose="020B0604030504040204" pitchFamily="34" charset="-120"/>
-                <a:ea typeface="微軟正黑體" panose="020B0604030504040204" pitchFamily="34" charset="-120"/>
-              </a:rPr>
-              <a:t>4.</a:t>
-            </a:r>
-            <a:r>
-              <a:rPr lang="zh-TW" altLang="en-US" dirty="0">
-                <a:latin typeface="微軟正黑體" panose="020B0604030504040204" pitchFamily="34" charset="-120"/>
-                <a:ea typeface="微軟正黑體" panose="020B0604030504040204" pitchFamily="34" charset="-120"/>
-              </a:rPr>
-              <a:t> 快取功能</a:t>
-            </a:r>
-            <a:endParaRPr lang="en-US" altLang="zh-TW" dirty="0">
-              <a:latin typeface="微軟正黑體" panose="020B0604030504040204" pitchFamily="34" charset="-120"/>
-              <a:ea typeface="微軟正黑體" panose="020B0604030504040204" pitchFamily="34" charset="-120"/>
-            </a:endParaRPr>
-          </a:p>
-          <a:p>
-            <a:pPr defTabSz="914400">
-              <a:spcBef>
-                <a:spcPts val="2200"/>
-              </a:spcBef>
-              <a:buClrTx/>
-              <a:buSzPct val="100000"/>
-              <a:buFont typeface="Wingdings" panose="05000000000000000000" pitchFamily="2" charset="2"/>
-              <a:buChar char="n"/>
-              <a:defRPr>
-                <a:solidFill>
-                  <a:srgbClr val="000000"/>
-                </a:solidFill>
-                <a:latin typeface="PingFang TC Semibold"/>
-                <a:ea typeface="PingFang TC Semibold"/>
-                <a:cs typeface="PingFang TC Semibold"/>
-                <a:sym typeface="PingFang TC Semibold"/>
-              </a:defRPr>
-            </a:pPr>
-            <a:r>
-              <a:rPr lang="en-US" altLang="zh-TW" dirty="0">
-                <a:latin typeface="微軟正黑體" panose="020B0604030504040204" pitchFamily="34" charset="-120"/>
-                <a:ea typeface="微軟正黑體" panose="020B0604030504040204" pitchFamily="34" charset="-120"/>
-              </a:rPr>
-              <a:t>5.</a:t>
-            </a:r>
-            <a:r>
-              <a:rPr lang="zh-TW" altLang="en-US" dirty="0">
-                <a:latin typeface="微軟正黑體" panose="020B0604030504040204" pitchFamily="34" charset="-120"/>
-                <a:ea typeface="微軟正黑體" panose="020B0604030504040204" pitchFamily="34" charset="-120"/>
-              </a:rPr>
-              <a:t> 集中化訪問控制</a:t>
+              <a:rPr lang="zh-TW" altLang="en-US" b="0" i="0" dirty="0">
+                <a:solidFill>
+                  <a:srgbClr val="303233"/>
+                </a:solidFill>
+                <a:effectLst/>
+                <a:highlight>
+                  <a:srgbClr val="FFFFFF"/>
+                </a:highlight>
+                <a:latin typeface="Lato" panose="020F0502020204030204" pitchFamily="34" charset="0"/>
+              </a:rPr>
+              <a:t>後端變成純粹的 </a:t>
+            </a:r>
+            <a:r>
+              <a:rPr lang="en-US" altLang="zh-TW" b="0" i="0" dirty="0">
+                <a:solidFill>
+                  <a:srgbClr val="303233"/>
+                </a:solidFill>
+                <a:effectLst/>
+                <a:highlight>
+                  <a:srgbClr val="FFFFFF"/>
+                </a:highlight>
+                <a:latin typeface="Lato" panose="020F0502020204030204" pitchFamily="34" charset="0"/>
+              </a:rPr>
+              <a:t>API server</a:t>
+            </a:r>
+            <a:r>
+              <a:rPr lang="zh-TW" altLang="en-US" b="0" i="0" dirty="0">
+                <a:solidFill>
+                  <a:srgbClr val="303233"/>
+                </a:solidFill>
+                <a:effectLst/>
+                <a:highlight>
+                  <a:srgbClr val="FFFFFF"/>
+                </a:highlight>
+                <a:latin typeface="Lato" panose="020F0502020204030204" pitchFamily="34" charset="0"/>
+              </a:rPr>
+              <a:t>，你想要的話，任何一個 </a:t>
+            </a:r>
+            <a:r>
+              <a:rPr lang="en-US" altLang="zh-TW" b="0" i="0" dirty="0">
+                <a:solidFill>
+                  <a:srgbClr val="303233"/>
+                </a:solidFill>
+                <a:effectLst/>
+                <a:highlight>
+                  <a:srgbClr val="FFFFFF"/>
+                </a:highlight>
+                <a:latin typeface="Lato" panose="020F0502020204030204" pitchFamily="34" charset="0"/>
+              </a:rPr>
+              <a:t>client </a:t>
+            </a:r>
+            <a:r>
+              <a:rPr lang="zh-TW" altLang="en-US" b="0" i="0" dirty="0">
+                <a:solidFill>
+                  <a:srgbClr val="303233"/>
+                </a:solidFill>
+                <a:effectLst/>
+                <a:highlight>
+                  <a:srgbClr val="FFFFFF"/>
+                </a:highlight>
+                <a:latin typeface="Lato" panose="020F0502020204030204" pitchFamily="34" charset="0"/>
+              </a:rPr>
+              <a:t>都可以來拿資料，而不是像之前那樣子把前端跟後端綁在一起。</a:t>
             </a:r>
             <a:endParaRPr lang="en-US" altLang="zh-TW" dirty="0">
               <a:latin typeface="微軟正黑體" panose="020B0604030504040204" pitchFamily="34" charset="-120"/>
@@ -13810,7 +13946,7 @@
     </p:spTree>
     <p:extLst>
       <p:ext uri="{BB962C8B-B14F-4D97-AF65-F5344CB8AC3E}">
-        <p14:creationId xmlns:p14="http://schemas.microsoft.com/office/powerpoint/2010/main" val="1374857553"/>
+        <p14:creationId xmlns:p14="http://schemas.microsoft.com/office/powerpoint/2010/main" val="4027739591"/>
       </p:ext>
     </p:extLst>
   </p:cSld>
@@ -13966,14 +14102,28 @@
                 <a:latin typeface="微軟正黑體" panose="020B0604030504040204" pitchFamily="34" charset="-120"/>
                 <a:ea typeface="微軟正黑體" panose="020B0604030504040204" pitchFamily="34" charset="-120"/>
               </a:rPr>
-              <a:t>6.</a:t>
+              <a:t>1.</a:t>
             </a:r>
             <a:r>
               <a:rPr lang="zh-TW" altLang="en-US" dirty="0">
                 <a:latin typeface="微軟正黑體" panose="020B0604030504040204" pitchFamily="34" charset="-120"/>
                 <a:ea typeface="微軟正黑體" panose="020B0604030504040204" pitchFamily="34" charset="-120"/>
               </a:rPr>
-              <a:t> 內容壓縮</a:t>
+              <a:t>負載均衡</a:t>
+            </a:r>
+            <a:r>
+              <a:rPr lang="en-US" altLang="zh-TW" dirty="0">
+                <a:latin typeface="微軟正黑體" panose="020B0604030504040204" pitchFamily="34" charset="-120"/>
+                <a:ea typeface="微軟正黑體" panose="020B0604030504040204" pitchFamily="34" charset="-120"/>
+              </a:rPr>
+              <a:t>:</a:t>
+            </a:r>
+            <a:r>
+              <a:rPr lang="zh-TW" altLang="en-US" dirty="0">
+                <a:latin typeface="微軟正黑體" panose="020B0604030504040204" pitchFamily="34" charset="-120"/>
+                <a:ea typeface="微軟正黑體" panose="020B0604030504040204" pitchFamily="34" charset="-120"/>
+              </a:rPr>
+              <a:t> </a:t>
             </a:r>
             <a:endParaRPr lang="en-US" altLang="zh-TW" dirty="0">
               <a:latin typeface="微軟正黑體" panose="020B0604030504040204" pitchFamily="34" charset="-120"/>
@@ -14004,14 +14154,14 @@
                 <a:latin typeface="微軟正黑體" panose="020B0604030504040204" pitchFamily="34" charset="-120"/>
                 <a:ea typeface="微軟正黑體" panose="020B0604030504040204" pitchFamily="34" charset="-120"/>
               </a:rPr>
-              <a:t>7.</a:t>
+              <a:t>2.</a:t>
             </a:r>
             <a:r>
               <a:rPr lang="zh-TW" altLang="en-US" dirty="0">
                 <a:latin typeface="微軟正黑體" panose="020B0604030504040204" pitchFamily="34" charset="-120"/>
                 <a:ea typeface="微軟正黑體" panose="020B0604030504040204" pitchFamily="34" charset="-120"/>
               </a:rPr>
-              <a:t> 請求路由</a:t>
+              <a:t> 安全性</a:t>
             </a:r>
             <a:endParaRPr lang="en-US" altLang="zh-TW" dirty="0">
               <a:latin typeface="微軟正黑體" panose="020B0604030504040204" pitchFamily="34" charset="-120"/>
@@ -14042,14 +14192,28 @@
                 <a:latin typeface="微軟正黑體" panose="020B0604030504040204" pitchFamily="34" charset="-120"/>
                 <a:ea typeface="微軟正黑體" panose="020B0604030504040204" pitchFamily="34" charset="-120"/>
               </a:rPr>
-              <a:t>8.</a:t>
+              <a:t>3.</a:t>
             </a:r>
             <a:r>
               <a:rPr lang="zh-TW" altLang="en-US" dirty="0">
                 <a:latin typeface="微軟正黑體" panose="020B0604030504040204" pitchFamily="34" charset="-120"/>
                 <a:ea typeface="微軟正黑體" panose="020B0604030504040204" pitchFamily="34" charset="-120"/>
               </a:rPr>
-              <a:t> 監控和日誌記錄</a:t>
+              <a:t> </a:t>
+            </a:r>
+            <a:r>
+              <a:rPr lang="en-US" altLang="zh-TW" dirty="0">
+                <a:latin typeface="微軟正黑體" panose="020B0604030504040204" pitchFamily="34" charset="-120"/>
+                <a:ea typeface="微軟正黑體" panose="020B0604030504040204" pitchFamily="34" charset="-120"/>
+              </a:rPr>
+              <a:t>SSL</a:t>
+            </a:r>
+            <a:r>
+              <a:rPr lang="zh-TW" altLang="en-US" dirty="0">
+                <a:latin typeface="微軟正黑體" panose="020B0604030504040204" pitchFamily="34" charset="-120"/>
+                <a:ea typeface="微軟正黑體" panose="020B0604030504040204" pitchFamily="34" charset="-120"/>
+              </a:rPr>
+              <a:t>終止</a:t>
             </a:r>
             <a:endParaRPr lang="en-US" altLang="zh-TW" dirty="0">
               <a:latin typeface="微軟正黑體" panose="020B0604030504040204" pitchFamily="34" charset="-120"/>
@@ -14080,14 +14244,14 @@
                 <a:latin typeface="微軟正黑體" panose="020B0604030504040204" pitchFamily="34" charset="-120"/>
                 <a:ea typeface="微軟正黑體" panose="020B0604030504040204" pitchFamily="34" charset="-120"/>
               </a:rPr>
-              <a:t>9.</a:t>
+              <a:t>4.</a:t>
             </a:r>
             <a:r>
               <a:rPr lang="zh-TW" altLang="en-US" dirty="0">
                 <a:latin typeface="微軟正黑體" panose="020B0604030504040204" pitchFamily="34" charset="-120"/>
                 <a:ea typeface="微軟正黑體" panose="020B0604030504040204" pitchFamily="34" charset="-120"/>
               </a:rPr>
-              <a:t> 故障轉移</a:t>
+              <a:t> 快取功能</a:t>
             </a:r>
             <a:endParaRPr lang="en-US" altLang="zh-TW" dirty="0">
               <a:latin typeface="微軟正黑體" panose="020B0604030504040204" pitchFamily="34" charset="-120"/>
@@ -14118,42 +14282,14 @@
                 <a:latin typeface="微軟正黑體" panose="020B0604030504040204" pitchFamily="34" charset="-120"/>
                 <a:ea typeface="微軟正黑體" panose="020B0604030504040204" pitchFamily="34" charset="-120"/>
               </a:rPr>
-              <a:t>10.</a:t>
+              <a:t>5.</a:t>
             </a:r>
             <a:r>
               <a:rPr lang="zh-TW" altLang="en-US" dirty="0">
                 <a:latin typeface="微軟正黑體" panose="020B0604030504040204" pitchFamily="34" charset="-120"/>
                 <a:ea typeface="微軟正黑體" panose="020B0604030504040204" pitchFamily="34" charset="-120"/>
               </a:rPr>
-              <a:t> </a:t>
-            </a:r>
-            <a:r>
-              <a:rPr lang="en-US" altLang="zh-TW" dirty="0">
-                <a:latin typeface="微軟正黑體" panose="020B0604030504040204" pitchFamily="34" charset="-120"/>
-                <a:ea typeface="微軟正黑體" panose="020B0604030504040204" pitchFamily="34" charset="-120"/>
-              </a:rPr>
-              <a:t>API</a:t>
-            </a:r>
-            <a:r>
-              <a:rPr lang="zh-TW" altLang="en-US" dirty="0">
-                <a:latin typeface="微軟正黑體" panose="020B0604030504040204" pitchFamily="34" charset="-120"/>
-                <a:ea typeface="微軟正黑體" panose="020B0604030504040204" pitchFamily="34" charset="-120"/>
-              </a:rPr>
-              <a:t> </a:t>
-            </a:r>
-            <a:r>
-              <a:rPr lang="en-US" altLang="zh-TW" dirty="0">
-                <a:latin typeface="微軟正黑體" panose="020B0604030504040204" pitchFamily="34" charset="-120"/>
-                <a:ea typeface="微軟正黑體" panose="020B0604030504040204" pitchFamily="34" charset="-120"/>
-              </a:rPr>
-              <a:t>gateway</a:t>
-            </a:r>
-            <a:r>
-              <a:rPr lang="zh-TW" altLang="en-US" dirty="0">
-                <a:latin typeface="微軟正黑體" panose="020B0604030504040204" pitchFamily="34" charset="-120"/>
-                <a:ea typeface="微軟正黑體" panose="020B0604030504040204" pitchFamily="34" charset="-120"/>
-              </a:rPr>
-              <a:t>功能</a:t>
+              <a:t> 集中化訪問控制</a:t>
             </a:r>
             <a:endParaRPr lang="en-US" altLang="zh-TW" dirty="0">
               <a:latin typeface="微軟正黑體" panose="020B0604030504040204" pitchFamily="34" charset="-120"/>
@@ -14165,7 +14301,7 @@
     </p:spTree>
     <p:extLst>
       <p:ext uri="{BB962C8B-B14F-4D97-AF65-F5344CB8AC3E}">
-        <p14:creationId xmlns:p14="http://schemas.microsoft.com/office/powerpoint/2010/main" val="3627410845"/>
+        <p14:creationId xmlns:p14="http://schemas.microsoft.com/office/powerpoint/2010/main" val="1374857553"/>
       </p:ext>
     </p:extLst>
   </p:cSld>
@@ -14212,7 +14348,7 @@
           </a:ln>
           <a:extLst>
             <a:ext uri="{C572A759-6A51-4108-AA02-DFA0A04FC94B}">
-              <ma14:wrappingTextBoxFlag xmlns="" xmlns:m="http://schemas.openxmlformats.org/officeDocument/2006/math" xmlns:a14="http://schemas.microsoft.com/office/drawing/2010/main" xmlns:ma14="http://schemas.microsoft.com/office/mac/drawingml/2011/main" val="1"/>
+              <ma14:wrappingTextBoxFlag xmlns:ma14="http://schemas.microsoft.com/office/mac/drawingml/2011/main" xmlns:a14="http://schemas.microsoft.com/office/drawing/2010/main" xmlns:m="http://schemas.openxmlformats.org/officeDocument/2006/math" xmlns="" val="1"/>
             </a:ext>
           </a:extLst>
         </p:spPr>
@@ -14508,71 +14644,6 @@
 </file>
 
 <file path=ppt/slides/slide20.xml><?xml version="1.0" encoding="utf-8"?>
-<p:sld xmlns:a="http://schemas.openxmlformats.org/drawingml/2006/main" xmlns:r="http://schemas.openxmlformats.org/officeDocument/2006/relationships" xmlns:p="http://schemas.openxmlformats.org/presentationml/2006/main">
-  <p:cSld>
-    <p:spTree>
-      <p:nvGrpSpPr>
-        <p:cNvPr id="1" name=""/>
-        <p:cNvGrpSpPr/>
-        <p:nvPr/>
-      </p:nvGrpSpPr>
-      <p:grpSpPr>
-        <a:xfrm>
-          <a:off x="0" y="0"/>
-          <a:ext cx="0" cy="0"/>
-          <a:chOff x="0" y="0"/>
-          <a:chExt cx="0" cy="0"/>
-        </a:xfrm>
-      </p:grpSpPr>
-      <p:sp>
-        <p:nvSpPr>
-          <p:cNvPr id="214" name="壹.櫃買市場狀況"/>
-          <p:cNvSpPr txBox="1">
-            <a:spLocks noGrp="1"/>
-          </p:cNvSpPr>
-          <p:nvPr>
-            <p:ph type="title"/>
-          </p:nvPr>
-        </p:nvSpPr>
-        <p:spPr>
-          <a:xfrm>
-            <a:off x="370114" y="2751139"/>
-            <a:ext cx="8229600" cy="1508126"/>
-          </a:xfrm>
-          <a:prstGeom prst="rect">
-            <a:avLst/>
-          </a:prstGeom>
-        </p:spPr>
-        <p:txBody>
-          <a:bodyPr/>
-          <a:lstStyle/>
-          <a:p>
-            <a:r>
-              <a:rPr lang="zh-TW" altLang="en-US" sz="6000" dirty="0">
-                <a:latin typeface="微軟正黑體" panose="020B0604030504040204" pitchFamily="34" charset="-120"/>
-                <a:ea typeface="微軟正黑體" panose="020B0604030504040204" pitchFamily="34" charset="-120"/>
-              </a:rPr>
-              <a:t>五、後續待辦事項</a:t>
-            </a:r>
-            <a:endParaRPr sz="6000" dirty="0"/>
-          </a:p>
-        </p:txBody>
-      </p:sp>
-    </p:spTree>
-    <p:extLst>
-      <p:ext uri="{BB962C8B-B14F-4D97-AF65-F5344CB8AC3E}">
-        <p14:creationId xmlns:p14="http://schemas.microsoft.com/office/powerpoint/2010/main" val="1161075294"/>
-      </p:ext>
-    </p:extLst>
-  </p:cSld>
-  <p:clrMapOvr>
-    <a:masterClrMapping/>
-  </p:clrMapOvr>
-  <p:transition spd="med"/>
-</p:sld>
-</file>
-
-<file path=ppt/slides/slide21.xml><?xml version="1.0" encoding="utf-8"?>
 <p:sld xmlns:a="http://schemas.openxmlformats.org/drawingml/2006/main" xmlns:r="http://schemas.openxmlformats.org/officeDocument/2006/relationships" xmlns:p="http://schemas.openxmlformats.org/presentationml/2006/main">
   <p:cSld>
     <p:spTree>
@@ -14631,7 +14702,7 @@
                 <a:latin typeface="微軟正黑體" panose="020B0604030504040204" pitchFamily="34" charset="-120"/>
                 <a:ea typeface="微軟正黑體" panose="020B0604030504040204" pitchFamily="34" charset="-120"/>
               </a:rPr>
-              <a:t>後續待辦事項</a:t>
+              <a:t>前後端分離式架構優點</a:t>
             </a:r>
             <a:endParaRPr sz="6000" dirty="0"/>
           </a:p>
@@ -14656,6 +14727,44 @@
           <a:bodyPr/>
           <a:lstStyle/>
           <a:p>
+            <a:pPr defTabSz="914400">
+              <a:spcBef>
+                <a:spcPts val="2200"/>
+              </a:spcBef>
+              <a:buClrTx/>
+              <a:buSzPct val="100000"/>
+              <a:buFont typeface="Wingdings" panose="05000000000000000000" pitchFamily="2" charset="2"/>
+              <a:buChar char="n"/>
+              <a:defRPr>
+                <a:solidFill>
+                  <a:srgbClr val="000000"/>
+                </a:solidFill>
+                <a:latin typeface="PingFang TC Semibold"/>
+                <a:ea typeface="PingFang TC Semibold"/>
+                <a:cs typeface="PingFang TC Semibold"/>
+                <a:sym typeface="PingFang TC Semibold"/>
+              </a:defRPr>
+            </a:pPr>
+            <a:r>
+              <a:rPr lang="en-US" altLang="zh-TW" dirty="0">
+                <a:latin typeface="微軟正黑體" panose="020B0604030504040204" pitchFamily="34" charset="-120"/>
+                <a:ea typeface="微軟正黑體" panose="020B0604030504040204" pitchFamily="34" charset="-120"/>
+              </a:rPr>
+              <a:t>Nginx</a:t>
+            </a:r>
+            <a:r>
+              <a:rPr lang="zh-TW" altLang="en-US" dirty="0">
+                <a:latin typeface="微軟正黑體" panose="020B0604030504040204" pitchFamily="34" charset="-120"/>
+                <a:ea typeface="微軟正黑體" panose="020B0604030504040204" pitchFamily="34" charset="-120"/>
+              </a:rPr>
+              <a:t>反向代理的好處</a:t>
+            </a:r>
+            <a:endParaRPr lang="en-US" altLang="zh-TW" dirty="0">
+              <a:latin typeface="微軟正黑體" panose="020B0604030504040204" pitchFamily="34" charset="-120"/>
+              <a:ea typeface="微軟正黑體" panose="020B0604030504040204" pitchFamily="34" charset="-120"/>
+            </a:endParaRPr>
+          </a:p>
+          <a:p>
             <a:pPr>
               <a:spcBef>
                 <a:spcPts val="2200"/>
@@ -14679,14 +14788,14 @@
                 <a:latin typeface="微軟正黑體" panose="020B0604030504040204" pitchFamily="34" charset="-120"/>
                 <a:ea typeface="微軟正黑體" panose="020B0604030504040204" pitchFamily="34" charset="-120"/>
               </a:rPr>
-              <a:t>1.</a:t>
+              <a:t>6.</a:t>
             </a:r>
             <a:r>
               <a:rPr lang="zh-TW" altLang="en-US" dirty="0">
                 <a:latin typeface="微軟正黑體" panose="020B0604030504040204" pitchFamily="34" charset="-120"/>
                 <a:ea typeface="微軟正黑體" panose="020B0604030504040204" pitchFamily="34" charset="-120"/>
               </a:rPr>
-              <a:t> 加強防插旗置換</a:t>
+              <a:t> 內容壓縮</a:t>
             </a:r>
             <a:endParaRPr lang="en-US" altLang="zh-TW" dirty="0">
               <a:latin typeface="微軟正黑體" panose="020B0604030504040204" pitchFamily="34" charset="-120"/>
@@ -14717,6 +14826,388 @@
                 <a:latin typeface="微軟正黑體" panose="020B0604030504040204" pitchFamily="34" charset="-120"/>
                 <a:ea typeface="微軟正黑體" panose="020B0604030504040204" pitchFamily="34" charset="-120"/>
               </a:rPr>
+              <a:t>7.</a:t>
+            </a:r>
+            <a:r>
+              <a:rPr lang="zh-TW" altLang="en-US" dirty="0">
+                <a:latin typeface="微軟正黑體" panose="020B0604030504040204" pitchFamily="34" charset="-120"/>
+                <a:ea typeface="微軟正黑體" panose="020B0604030504040204" pitchFamily="34" charset="-120"/>
+              </a:rPr>
+              <a:t> 請求路由</a:t>
+            </a:r>
+            <a:endParaRPr lang="en-US" altLang="zh-TW" dirty="0">
+              <a:latin typeface="微軟正黑體" panose="020B0604030504040204" pitchFamily="34" charset="-120"/>
+              <a:ea typeface="微軟正黑體" panose="020B0604030504040204" pitchFamily="34" charset="-120"/>
+            </a:endParaRPr>
+          </a:p>
+          <a:p>
+            <a:pPr defTabSz="914400">
+              <a:spcBef>
+                <a:spcPts val="2200"/>
+              </a:spcBef>
+              <a:buClrTx/>
+              <a:buSzPct val="100000"/>
+              <a:buFont typeface="Wingdings" panose="05000000000000000000" pitchFamily="2" charset="2"/>
+              <a:buChar char="n"/>
+              <a:defRPr>
+                <a:solidFill>
+                  <a:srgbClr val="000000"/>
+                </a:solidFill>
+                <a:latin typeface="PingFang TC Semibold"/>
+                <a:ea typeface="PingFang TC Semibold"/>
+                <a:cs typeface="PingFang TC Semibold"/>
+                <a:sym typeface="PingFang TC Semibold"/>
+              </a:defRPr>
+            </a:pPr>
+            <a:r>
+              <a:rPr lang="en-US" altLang="zh-TW" dirty="0">
+                <a:latin typeface="微軟正黑體" panose="020B0604030504040204" pitchFamily="34" charset="-120"/>
+                <a:ea typeface="微軟正黑體" panose="020B0604030504040204" pitchFamily="34" charset="-120"/>
+              </a:rPr>
+              <a:t>8.</a:t>
+            </a:r>
+            <a:r>
+              <a:rPr lang="zh-TW" altLang="en-US" dirty="0">
+                <a:latin typeface="微軟正黑體" panose="020B0604030504040204" pitchFamily="34" charset="-120"/>
+                <a:ea typeface="微軟正黑體" panose="020B0604030504040204" pitchFamily="34" charset="-120"/>
+              </a:rPr>
+              <a:t> 監控和日誌記錄</a:t>
+            </a:r>
+            <a:endParaRPr lang="en-US" altLang="zh-TW" dirty="0">
+              <a:latin typeface="微軟正黑體" panose="020B0604030504040204" pitchFamily="34" charset="-120"/>
+              <a:ea typeface="微軟正黑體" panose="020B0604030504040204" pitchFamily="34" charset="-120"/>
+            </a:endParaRPr>
+          </a:p>
+          <a:p>
+            <a:pPr defTabSz="914400">
+              <a:spcBef>
+                <a:spcPts val="2200"/>
+              </a:spcBef>
+              <a:buClrTx/>
+              <a:buSzPct val="100000"/>
+              <a:buFont typeface="Wingdings" panose="05000000000000000000" pitchFamily="2" charset="2"/>
+              <a:buChar char="n"/>
+              <a:defRPr>
+                <a:solidFill>
+                  <a:srgbClr val="000000"/>
+                </a:solidFill>
+                <a:latin typeface="PingFang TC Semibold"/>
+                <a:ea typeface="PingFang TC Semibold"/>
+                <a:cs typeface="PingFang TC Semibold"/>
+                <a:sym typeface="PingFang TC Semibold"/>
+              </a:defRPr>
+            </a:pPr>
+            <a:r>
+              <a:rPr lang="en-US" altLang="zh-TW" dirty="0">
+                <a:latin typeface="微軟正黑體" panose="020B0604030504040204" pitchFamily="34" charset="-120"/>
+                <a:ea typeface="微軟正黑體" panose="020B0604030504040204" pitchFamily="34" charset="-120"/>
+              </a:rPr>
+              <a:t>9.</a:t>
+            </a:r>
+            <a:r>
+              <a:rPr lang="zh-TW" altLang="en-US" dirty="0">
+                <a:latin typeface="微軟正黑體" panose="020B0604030504040204" pitchFamily="34" charset="-120"/>
+                <a:ea typeface="微軟正黑體" panose="020B0604030504040204" pitchFamily="34" charset="-120"/>
+              </a:rPr>
+              <a:t> 故障轉移</a:t>
+            </a:r>
+            <a:endParaRPr lang="en-US" altLang="zh-TW" dirty="0">
+              <a:latin typeface="微軟正黑體" panose="020B0604030504040204" pitchFamily="34" charset="-120"/>
+              <a:ea typeface="微軟正黑體" panose="020B0604030504040204" pitchFamily="34" charset="-120"/>
+            </a:endParaRPr>
+          </a:p>
+          <a:p>
+            <a:pPr defTabSz="914400">
+              <a:spcBef>
+                <a:spcPts val="2200"/>
+              </a:spcBef>
+              <a:buClrTx/>
+              <a:buSzPct val="100000"/>
+              <a:buFont typeface="Wingdings" panose="05000000000000000000" pitchFamily="2" charset="2"/>
+              <a:buChar char="n"/>
+              <a:defRPr>
+                <a:solidFill>
+                  <a:srgbClr val="000000"/>
+                </a:solidFill>
+                <a:latin typeface="PingFang TC Semibold"/>
+                <a:ea typeface="PingFang TC Semibold"/>
+                <a:cs typeface="PingFang TC Semibold"/>
+                <a:sym typeface="PingFang TC Semibold"/>
+              </a:defRPr>
+            </a:pPr>
+            <a:r>
+              <a:rPr lang="en-US" altLang="zh-TW" dirty="0">
+                <a:latin typeface="微軟正黑體" panose="020B0604030504040204" pitchFamily="34" charset="-120"/>
+                <a:ea typeface="微軟正黑體" panose="020B0604030504040204" pitchFamily="34" charset="-120"/>
+              </a:rPr>
+              <a:t>10.</a:t>
+            </a:r>
+            <a:r>
+              <a:rPr lang="zh-TW" altLang="en-US" dirty="0">
+                <a:latin typeface="微軟正黑體" panose="020B0604030504040204" pitchFamily="34" charset="-120"/>
+                <a:ea typeface="微軟正黑體" panose="020B0604030504040204" pitchFamily="34" charset="-120"/>
+              </a:rPr>
+              <a:t> </a:t>
+            </a:r>
+            <a:r>
+              <a:rPr lang="en-US" altLang="zh-TW" dirty="0">
+                <a:latin typeface="微軟正黑體" panose="020B0604030504040204" pitchFamily="34" charset="-120"/>
+                <a:ea typeface="微軟正黑體" panose="020B0604030504040204" pitchFamily="34" charset="-120"/>
+              </a:rPr>
+              <a:t>API</a:t>
+            </a:r>
+            <a:r>
+              <a:rPr lang="zh-TW" altLang="en-US" dirty="0">
+                <a:latin typeface="微軟正黑體" panose="020B0604030504040204" pitchFamily="34" charset="-120"/>
+                <a:ea typeface="微軟正黑體" panose="020B0604030504040204" pitchFamily="34" charset="-120"/>
+              </a:rPr>
+              <a:t> </a:t>
+            </a:r>
+            <a:r>
+              <a:rPr lang="en-US" altLang="zh-TW" dirty="0">
+                <a:latin typeface="微軟正黑體" panose="020B0604030504040204" pitchFamily="34" charset="-120"/>
+                <a:ea typeface="微軟正黑體" panose="020B0604030504040204" pitchFamily="34" charset="-120"/>
+              </a:rPr>
+              <a:t>gateway</a:t>
+            </a:r>
+            <a:r>
+              <a:rPr lang="zh-TW" altLang="en-US" dirty="0">
+                <a:latin typeface="微軟正黑體" panose="020B0604030504040204" pitchFamily="34" charset="-120"/>
+                <a:ea typeface="微軟正黑體" panose="020B0604030504040204" pitchFamily="34" charset="-120"/>
+              </a:rPr>
+              <a:t>功能</a:t>
+            </a:r>
+            <a:endParaRPr lang="en-US" altLang="zh-TW" dirty="0">
+              <a:latin typeface="微軟正黑體" panose="020B0604030504040204" pitchFamily="34" charset="-120"/>
+              <a:ea typeface="微軟正黑體" panose="020B0604030504040204" pitchFamily="34" charset="-120"/>
+            </a:endParaRPr>
+          </a:p>
+        </p:txBody>
+      </p:sp>
+    </p:spTree>
+    <p:extLst>
+      <p:ext uri="{BB962C8B-B14F-4D97-AF65-F5344CB8AC3E}">
+        <p14:creationId xmlns:p14="http://schemas.microsoft.com/office/powerpoint/2010/main" val="3627410845"/>
+      </p:ext>
+    </p:extLst>
+  </p:cSld>
+  <p:clrMapOvr>
+    <a:masterClrMapping/>
+  </p:clrMapOvr>
+  <p:transition spd="med"/>
+</p:sld>
+</file>
+
+<file path=ppt/slides/slide21.xml><?xml version="1.0" encoding="utf-8"?>
+<p:sld xmlns:a="http://schemas.openxmlformats.org/drawingml/2006/main" xmlns:r="http://schemas.openxmlformats.org/officeDocument/2006/relationships" xmlns:p="http://schemas.openxmlformats.org/presentationml/2006/main">
+  <p:cSld>
+    <p:spTree>
+      <p:nvGrpSpPr>
+        <p:cNvPr id="1" name=""/>
+        <p:cNvGrpSpPr/>
+        <p:nvPr/>
+      </p:nvGrpSpPr>
+      <p:grpSpPr>
+        <a:xfrm>
+          <a:off x="0" y="0"/>
+          <a:ext cx="0" cy="0"/>
+          <a:chOff x="0" y="0"/>
+          <a:chExt cx="0" cy="0"/>
+        </a:xfrm>
+      </p:grpSpPr>
+      <p:sp>
+        <p:nvSpPr>
+          <p:cNvPr id="214" name="壹.櫃買市場狀況"/>
+          <p:cNvSpPr txBox="1">
+            <a:spLocks noGrp="1"/>
+          </p:cNvSpPr>
+          <p:nvPr>
+            <p:ph type="title"/>
+          </p:nvPr>
+        </p:nvSpPr>
+        <p:spPr>
+          <a:xfrm>
+            <a:off x="370114" y="2751139"/>
+            <a:ext cx="8229600" cy="1508126"/>
+          </a:xfrm>
+          <a:prstGeom prst="rect">
+            <a:avLst/>
+          </a:prstGeom>
+        </p:spPr>
+        <p:txBody>
+          <a:bodyPr/>
+          <a:lstStyle/>
+          <a:p>
+            <a:r>
+              <a:rPr lang="zh-TW" altLang="en-US" sz="6000" dirty="0">
+                <a:latin typeface="微軟正黑體" panose="020B0604030504040204" pitchFamily="34" charset="-120"/>
+                <a:ea typeface="微軟正黑體" panose="020B0604030504040204" pitchFamily="34" charset="-120"/>
+              </a:rPr>
+              <a:t>五、後續待辦事項</a:t>
+            </a:r>
+            <a:endParaRPr sz="6000" dirty="0"/>
+          </a:p>
+        </p:txBody>
+      </p:sp>
+    </p:spTree>
+    <p:extLst>
+      <p:ext uri="{BB962C8B-B14F-4D97-AF65-F5344CB8AC3E}">
+        <p14:creationId xmlns:p14="http://schemas.microsoft.com/office/powerpoint/2010/main" val="1161075294"/>
+      </p:ext>
+    </p:extLst>
+  </p:cSld>
+  <p:clrMapOvr>
+    <a:masterClrMapping/>
+  </p:clrMapOvr>
+  <p:transition spd="med"/>
+</p:sld>
+</file>
+
+<file path=ppt/slides/slide22.xml><?xml version="1.0" encoding="utf-8"?>
+<p:sld xmlns:a="http://schemas.openxmlformats.org/drawingml/2006/main" xmlns:r="http://schemas.openxmlformats.org/officeDocument/2006/relationships" xmlns:p="http://schemas.openxmlformats.org/presentationml/2006/main">
+  <p:cSld>
+    <p:spTree>
+      <p:nvGrpSpPr>
+        <p:cNvPr id="1" name=""/>
+        <p:cNvGrpSpPr/>
+        <p:nvPr/>
+      </p:nvGrpSpPr>
+      <p:grpSpPr>
+        <a:xfrm>
+          <a:off x="0" y="0"/>
+          <a:ext cx="0" cy="0"/>
+          <a:chOff x="0" y="0"/>
+          <a:chExt cx="0" cy="0"/>
+        </a:xfrm>
+      </p:grpSpPr>
+      <p:sp>
+        <p:nvSpPr>
+          <p:cNvPr id="402" name="中小規模企業掛牌首選之交易所"/>
+          <p:cNvSpPr txBox="1">
+            <a:spLocks noGrp="1"/>
+          </p:cNvSpPr>
+          <p:nvPr>
+            <p:ph type="title"/>
+          </p:nvPr>
+        </p:nvSpPr>
+        <p:spPr>
+          <a:xfrm>
+            <a:off x="457200" y="53974"/>
+            <a:ext cx="8229600" cy="1508126"/>
+          </a:xfrm>
+          <a:prstGeom prst="rect">
+            <a:avLst/>
+          </a:prstGeom>
+        </p:spPr>
+        <p:txBody>
+          <a:bodyPr/>
+          <a:lstStyle>
+            <a:lvl1pPr defTabSz="457200">
+              <a:lnSpc>
+                <a:spcPct val="100000"/>
+              </a:lnSpc>
+              <a:defRPr sz="3200">
+                <a:solidFill>
+                  <a:srgbClr val="805F0A"/>
+                </a:solidFill>
+              </a:defRPr>
+            </a:lvl1pPr>
+          </a:lstStyle>
+          <a:p>
+            <a:r>
+              <a:rPr lang="zh-TW" altLang="en-US" sz="6000" dirty="0">
+                <a:solidFill>
+                  <a:srgbClr val="C08225"/>
+                </a:solidFill>
+                <a:latin typeface="微軟正黑體" panose="020B0604030504040204" pitchFamily="34" charset="-120"/>
+                <a:ea typeface="微軟正黑體" panose="020B0604030504040204" pitchFamily="34" charset="-120"/>
+              </a:rPr>
+              <a:t>後續待辦事項</a:t>
+            </a:r>
+            <a:endParaRPr sz="6000" dirty="0"/>
+          </a:p>
+        </p:txBody>
+      </p:sp>
+      <p:sp>
+        <p:nvSpPr>
+          <p:cNvPr id="403" name="櫃買中心為股票及債券均健全發展且 表現亮眼之雙引擎市場…"/>
+          <p:cNvSpPr txBox="1">
+            <a:spLocks noGrp="1"/>
+          </p:cNvSpPr>
+          <p:nvPr>
+            <p:ph type="body" idx="1"/>
+          </p:nvPr>
+        </p:nvSpPr>
+        <p:spPr>
+          <a:prstGeom prst="rect">
+            <a:avLst/>
+          </a:prstGeom>
+        </p:spPr>
+        <p:txBody>
+          <a:bodyPr/>
+          <a:lstStyle/>
+          <a:p>
+            <a:pPr>
+              <a:spcBef>
+                <a:spcPts val="2200"/>
+              </a:spcBef>
+              <a:buClrTx/>
+              <a:buSzPct val="100000"/>
+              <a:buFont typeface="Wingdings" panose="05000000000000000000" pitchFamily="2" charset="2"/>
+              <a:buChar char="n"/>
+              <a:defRPr>
+                <a:solidFill>
+                  <a:srgbClr val="000000"/>
+                </a:solidFill>
+                <a:latin typeface="PingFang TC Semibold"/>
+                <a:ea typeface="PingFang TC Semibold"/>
+                <a:cs typeface="PingFang TC Semibold"/>
+                <a:sym typeface="PingFang TC Semibold"/>
+              </a:defRPr>
+            </a:pPr>
+            <a:r>
+              <a:rPr lang="en-US" altLang="zh-TW" dirty="0">
+                <a:latin typeface="微軟正黑體" panose="020B0604030504040204" pitchFamily="34" charset="-120"/>
+                <a:ea typeface="微軟正黑體" panose="020B0604030504040204" pitchFamily="34" charset="-120"/>
+              </a:rPr>
+              <a:t>1.</a:t>
+            </a:r>
+            <a:r>
+              <a:rPr lang="zh-TW" altLang="en-US" dirty="0">
+                <a:latin typeface="微軟正黑體" panose="020B0604030504040204" pitchFamily="34" charset="-120"/>
+                <a:ea typeface="微軟正黑體" panose="020B0604030504040204" pitchFamily="34" charset="-120"/>
+              </a:rPr>
+              <a:t> 加強防插旗置換</a:t>
+            </a:r>
+            <a:endParaRPr lang="en-US" altLang="zh-TW" dirty="0">
+              <a:latin typeface="微軟正黑體" panose="020B0604030504040204" pitchFamily="34" charset="-120"/>
+              <a:ea typeface="微軟正黑體" panose="020B0604030504040204" pitchFamily="34" charset="-120"/>
+            </a:endParaRPr>
+          </a:p>
+          <a:p>
+            <a:pPr defTabSz="914400">
+              <a:spcBef>
+                <a:spcPts val="2200"/>
+              </a:spcBef>
+              <a:buClrTx/>
+              <a:buSzPct val="100000"/>
+              <a:buFont typeface="Wingdings" panose="05000000000000000000" pitchFamily="2" charset="2"/>
+              <a:buChar char="n"/>
+              <a:defRPr>
+                <a:solidFill>
+                  <a:srgbClr val="000000"/>
+                </a:solidFill>
+                <a:latin typeface="PingFang TC Semibold"/>
+                <a:ea typeface="PingFang TC Semibold"/>
+                <a:cs typeface="PingFang TC Semibold"/>
+                <a:sym typeface="PingFang TC Semibold"/>
+              </a:defRPr>
+            </a:pPr>
+            <a:r>
+              <a:rPr lang="en-US" altLang="zh-TW" dirty="0">
+                <a:latin typeface="微軟正黑體" panose="020B0604030504040204" pitchFamily="34" charset="-120"/>
+                <a:ea typeface="微軟正黑體" panose="020B0604030504040204" pitchFamily="34" charset="-120"/>
+              </a:rPr>
               <a:t>2.</a:t>
             </a:r>
             <a:r>
@@ -14731,7 +15222,21 @@
                 <a:latin typeface="微軟正黑體" panose="020B0604030504040204" pitchFamily="34" charset="-120"/>
                 <a:ea typeface="微軟正黑體" panose="020B0604030504040204" pitchFamily="34" charset="-120"/>
               </a:rPr>
-              <a:t>API</a:t>
+              <a:t>API(</a:t>
+            </a:r>
+            <a:r>
+              <a:rPr lang="zh-TW" altLang="en-US" dirty="0">
+                <a:latin typeface="微軟正黑體" panose="020B0604030504040204" pitchFamily="34" charset="-120"/>
+                <a:ea typeface="微軟正黑體" panose="020B0604030504040204" pitchFamily="34" charset="-120"/>
+              </a:rPr>
+              <a:t>將我們的程式與英科的程式結合</a:t>
+            </a:r>
+            <a:r>
+              <a:rPr lang="en-US" altLang="zh-TW" dirty="0">
+                <a:latin typeface="微軟正黑體" panose="020B0604030504040204" pitchFamily="34" charset="-120"/>
+                <a:ea typeface="微軟正黑體" panose="020B0604030504040204" pitchFamily="34" charset="-120"/>
+              </a:rPr>
+              <a:t>)</a:t>
             </a:r>
           </a:p>
           <a:p>
@@ -14788,7 +15293,407 @@
 </p:sld>
 </file>
 
-<file path=ppt/slides/slide22.xml><?xml version="1.0" encoding="utf-8"?>
+<file path=ppt/slides/slide23.xml><?xml version="1.0" encoding="utf-8"?>
+<p:sld xmlns:a="http://schemas.openxmlformats.org/drawingml/2006/main" xmlns:r="http://schemas.openxmlformats.org/officeDocument/2006/relationships" xmlns:p="http://schemas.openxmlformats.org/presentationml/2006/main">
+  <p:cSld>
+    <p:spTree>
+      <p:nvGrpSpPr>
+        <p:cNvPr id="1" name=""/>
+        <p:cNvGrpSpPr/>
+        <p:nvPr/>
+      </p:nvGrpSpPr>
+      <p:grpSpPr>
+        <a:xfrm>
+          <a:off x="0" y="0"/>
+          <a:ext cx="0" cy="0"/>
+          <a:chOff x="0" y="0"/>
+          <a:chExt cx="0" cy="0"/>
+        </a:xfrm>
+      </p:grpSpPr>
+      <p:sp>
+        <p:nvSpPr>
+          <p:cNvPr id="402" name="中小規模企業掛牌首選之交易所"/>
+          <p:cNvSpPr txBox="1">
+            <a:spLocks noGrp="1"/>
+          </p:cNvSpPr>
+          <p:nvPr>
+            <p:ph type="title"/>
+          </p:nvPr>
+        </p:nvSpPr>
+        <p:spPr>
+          <a:xfrm>
+            <a:off x="1171303" y="0"/>
+            <a:ext cx="6448697" cy="1644197"/>
+          </a:xfrm>
+          <a:prstGeom prst="rect">
+            <a:avLst/>
+          </a:prstGeom>
+        </p:spPr>
+        <p:txBody>
+          <a:bodyPr/>
+          <a:lstStyle>
+            <a:lvl1pPr defTabSz="457200">
+              <a:lnSpc>
+                <a:spcPct val="100000"/>
+              </a:lnSpc>
+              <a:defRPr sz="3200">
+                <a:solidFill>
+                  <a:srgbClr val="805F0A"/>
+                </a:solidFill>
+              </a:defRPr>
+            </a:lvl1pPr>
+          </a:lstStyle>
+          <a:p>
+            <a:r>
+              <a:rPr lang="zh-TW" altLang="en-US" sz="6000" dirty="0">
+                <a:solidFill>
+                  <a:srgbClr val="C08225"/>
+                </a:solidFill>
+                <a:latin typeface="微軟正黑體" panose="020B0604030504040204" pitchFamily="34" charset="-120"/>
+                <a:ea typeface="微軟正黑體" panose="020B0604030504040204" pitchFamily="34" charset="-120"/>
+              </a:rPr>
+              <a:t>工作職掌</a:t>
+            </a:r>
+            <a:endParaRPr lang="zh-TW" altLang="en-US" sz="6000" dirty="0"/>
+          </a:p>
+        </p:txBody>
+      </p:sp>
+      <p:sp>
+        <p:nvSpPr>
+          <p:cNvPr id="403" name="櫃買中心為股票及債券均健全發展且 表現亮眼之雙引擎市場…"/>
+          <p:cNvSpPr txBox="1">
+            <a:spLocks noGrp="1"/>
+          </p:cNvSpPr>
+          <p:nvPr>
+            <p:ph type="body" idx="1"/>
+          </p:nvPr>
+        </p:nvSpPr>
+        <p:spPr>
+          <a:xfrm>
+            <a:off x="457200" y="1367246"/>
+            <a:ext cx="8229600" cy="5490754"/>
+          </a:xfrm>
+          <a:prstGeom prst="rect">
+            <a:avLst/>
+          </a:prstGeom>
+        </p:spPr>
+        <p:txBody>
+          <a:bodyPr/>
+          <a:lstStyle/>
+          <a:p>
+            <a:pPr defTabSz="914400">
+              <a:spcBef>
+                <a:spcPts val="2200"/>
+              </a:spcBef>
+              <a:buClrTx/>
+              <a:buSzPct val="100000"/>
+              <a:buFont typeface="Wingdings" panose="05000000000000000000" pitchFamily="2" charset="2"/>
+              <a:buChar char="n"/>
+              <a:defRPr>
+                <a:solidFill>
+                  <a:srgbClr val="000000"/>
+                </a:solidFill>
+                <a:latin typeface="PingFang TC Semibold"/>
+                <a:ea typeface="PingFang TC Semibold"/>
+                <a:cs typeface="PingFang TC Semibold"/>
+                <a:sym typeface="PingFang TC Semibold"/>
+              </a:defRPr>
+            </a:pPr>
+            <a:r>
+              <a:rPr lang="zh-TW" altLang="en-US" dirty="0">
+                <a:latin typeface="微軟正黑體" panose="020B0604030504040204" pitchFamily="34" charset="-120"/>
+                <a:ea typeface="微軟正黑體" panose="020B0604030504040204" pitchFamily="34" charset="-120"/>
+              </a:rPr>
+              <a:t>中心網站</a:t>
+            </a:r>
+            <a:r>
+              <a:rPr lang="en-US" altLang="zh-TW" dirty="0">
+                <a:latin typeface="微軟正黑體" panose="020B0604030504040204" pitchFamily="34" charset="-120"/>
+                <a:ea typeface="微軟正黑體" panose="020B0604030504040204" pitchFamily="34" charset="-120"/>
+              </a:rPr>
+              <a:t>(</a:t>
+            </a:r>
+            <a:r>
+              <a:rPr lang="zh-TW" altLang="en-US" dirty="0">
+                <a:latin typeface="微軟正黑體" panose="020B0604030504040204" pitchFamily="34" charset="-120"/>
+                <a:ea typeface="微軟正黑體" panose="020B0604030504040204" pitchFamily="34" charset="-120"/>
+              </a:rPr>
+              <a:t>後端</a:t>
+            </a:r>
+            <a:r>
+              <a:rPr lang="en-US" altLang="zh-TW" dirty="0">
+                <a:latin typeface="微軟正黑體" panose="020B0604030504040204" pitchFamily="34" charset="-120"/>
+                <a:ea typeface="微軟正黑體" panose="020B0604030504040204" pitchFamily="34" charset="-120"/>
+              </a:rPr>
+              <a:t>API)</a:t>
+            </a:r>
+            <a:r>
+              <a:rPr lang="zh-TW" altLang="en-US" dirty="0">
+                <a:latin typeface="微軟正黑體" panose="020B0604030504040204" pitchFamily="34" charset="-120"/>
+                <a:ea typeface="微軟正黑體" panose="020B0604030504040204" pitchFamily="34" charset="-120"/>
+              </a:rPr>
+              <a:t>、網站後台管理系統</a:t>
+            </a:r>
+            <a:r>
+              <a:rPr lang="en-US" altLang="zh-TW" dirty="0">
+                <a:latin typeface="微軟正黑體" panose="020B0604030504040204" pitchFamily="34" charset="-120"/>
+                <a:ea typeface="微軟正黑體" panose="020B0604030504040204" pitchFamily="34" charset="-120"/>
+              </a:rPr>
+              <a:t>(</a:t>
+            </a:r>
+            <a:r>
+              <a:rPr lang="zh-TW" altLang="en-US" dirty="0">
+                <a:latin typeface="微軟正黑體" panose="020B0604030504040204" pitchFamily="34" charset="-120"/>
+                <a:ea typeface="微軟正黑體" panose="020B0604030504040204" pitchFamily="34" charset="-120"/>
+              </a:rPr>
+              <a:t>維運</a:t>
+            </a:r>
+            <a:r>
+              <a:rPr lang="en-US" altLang="zh-TW" dirty="0">
+                <a:latin typeface="微軟正黑體" panose="020B0604030504040204" pitchFamily="34" charset="-120"/>
+                <a:ea typeface="微軟正黑體" panose="020B0604030504040204" pitchFamily="34" charset="-120"/>
+              </a:rPr>
+              <a:t>)</a:t>
+            </a:r>
+            <a:r>
+              <a:rPr lang="zh-TW" altLang="en-US" dirty="0">
+                <a:latin typeface="微軟正黑體" panose="020B0604030504040204" pitchFamily="34" charset="-120"/>
+                <a:ea typeface="微軟正黑體" panose="020B0604030504040204" pitchFamily="34" charset="-120"/>
+              </a:rPr>
+              <a:t>、市場訊息中心</a:t>
+            </a:r>
+            <a:r>
+              <a:rPr lang="en-US" altLang="zh-TW" dirty="0">
+                <a:latin typeface="微軟正黑體" panose="020B0604030504040204" pitchFamily="34" charset="-120"/>
+                <a:ea typeface="微軟正黑體" panose="020B0604030504040204" pitchFamily="34" charset="-120"/>
+              </a:rPr>
+              <a:t>(</a:t>
+            </a:r>
+            <a:r>
+              <a:rPr lang="zh-TW" altLang="en-US" dirty="0">
+                <a:latin typeface="微軟正黑體" panose="020B0604030504040204" pitchFamily="34" charset="-120"/>
+                <a:ea typeface="微軟正黑體" panose="020B0604030504040204" pitchFamily="34" charset="-120"/>
+              </a:rPr>
+              <a:t>後端</a:t>
+            </a:r>
+            <a:r>
+              <a:rPr lang="en-US" altLang="zh-TW" dirty="0">
+                <a:latin typeface="微軟正黑體" panose="020B0604030504040204" pitchFamily="34" charset="-120"/>
+                <a:ea typeface="微軟正黑體" panose="020B0604030504040204" pitchFamily="34" charset="-120"/>
+              </a:rPr>
+              <a:t>API)</a:t>
+            </a:r>
+            <a:r>
+              <a:rPr lang="zh-TW" altLang="en-US" dirty="0">
+                <a:latin typeface="微軟正黑體" panose="020B0604030504040204" pitchFamily="34" charset="-120"/>
+                <a:ea typeface="微軟正黑體" panose="020B0604030504040204" pitchFamily="34" charset="-120"/>
+              </a:rPr>
+              <a:t>、</a:t>
+            </a:r>
+            <a:r>
+              <a:rPr lang="en-US" altLang="zh-TW" dirty="0">
+                <a:latin typeface="微軟正黑體" panose="020B0604030504040204" pitchFamily="34" charset="-120"/>
+                <a:ea typeface="微軟正黑體" panose="020B0604030504040204" pitchFamily="34" charset="-120"/>
+              </a:rPr>
+              <a:t>ETF</a:t>
+            </a:r>
+            <a:r>
+              <a:rPr lang="zh-TW" altLang="en-US" dirty="0">
+                <a:latin typeface="微軟正黑體" panose="020B0604030504040204" pitchFamily="34" charset="-120"/>
+                <a:ea typeface="微軟正黑體" panose="020B0604030504040204" pitchFamily="34" charset="-120"/>
+              </a:rPr>
+              <a:t>訊息中心</a:t>
+            </a:r>
+            <a:r>
+              <a:rPr lang="en-US" altLang="zh-TW" dirty="0">
+                <a:latin typeface="微軟正黑體" panose="020B0604030504040204" pitchFamily="34" charset="-120"/>
+                <a:ea typeface="微軟正黑體" panose="020B0604030504040204" pitchFamily="34" charset="-120"/>
+              </a:rPr>
+              <a:t>(</a:t>
+            </a:r>
+            <a:r>
+              <a:rPr lang="zh-TW" altLang="en-US" dirty="0">
+                <a:latin typeface="微軟正黑體" panose="020B0604030504040204" pitchFamily="34" charset="-120"/>
+                <a:ea typeface="微軟正黑體" panose="020B0604030504040204" pitchFamily="34" charset="-120"/>
+              </a:rPr>
+              <a:t>後端</a:t>
+            </a:r>
+            <a:r>
+              <a:rPr lang="en-US" altLang="zh-TW" dirty="0">
+                <a:latin typeface="微軟正黑體" panose="020B0604030504040204" pitchFamily="34" charset="-120"/>
+                <a:ea typeface="微軟正黑體" panose="020B0604030504040204" pitchFamily="34" charset="-120"/>
+              </a:rPr>
+              <a:t>API)</a:t>
+            </a:r>
+            <a:r>
+              <a:rPr lang="zh-TW" altLang="en-US" dirty="0">
+                <a:latin typeface="微軟正黑體" panose="020B0604030504040204" pitchFamily="34" charset="-120"/>
+                <a:ea typeface="微軟正黑體" panose="020B0604030504040204" pitchFamily="34" charset="-120"/>
+              </a:rPr>
+              <a:t>、興櫃</a:t>
+            </a:r>
+            <a:r>
+              <a:rPr lang="en-US" altLang="zh-TW" dirty="0">
+                <a:latin typeface="微軟正黑體" panose="020B0604030504040204" pitchFamily="34" charset="-120"/>
+                <a:ea typeface="微軟正黑體" panose="020B0604030504040204" pitchFamily="34" charset="-120"/>
+              </a:rPr>
+              <a:t>MIS</a:t>
+            </a:r>
+            <a:r>
+              <a:rPr lang="zh-TW" altLang="en-US" dirty="0">
+                <a:latin typeface="微軟正黑體" panose="020B0604030504040204" pitchFamily="34" charset="-120"/>
+                <a:ea typeface="微軟正黑體" panose="020B0604030504040204" pitchFamily="34" charset="-120"/>
+              </a:rPr>
+              <a:t>、櫃買</a:t>
+            </a:r>
+            <a:r>
+              <a:rPr lang="en-US" altLang="zh-TW" dirty="0">
+                <a:latin typeface="微軟正黑體" panose="020B0604030504040204" pitchFamily="34" charset="-120"/>
+                <a:ea typeface="微軟正黑體" panose="020B0604030504040204" pitchFamily="34" charset="-120"/>
+              </a:rPr>
+              <a:t>APP</a:t>
+            </a:r>
+            <a:r>
+              <a:rPr lang="zh-TW" altLang="en-US" dirty="0">
+                <a:latin typeface="微軟正黑體" panose="020B0604030504040204" pitchFamily="34" charset="-120"/>
+                <a:ea typeface="微軟正黑體" panose="020B0604030504040204" pitchFamily="34" charset="-120"/>
+              </a:rPr>
+              <a:t>、即時交易資訊集中處理系統、網路資料交換</a:t>
+            </a:r>
+            <a:r>
+              <a:rPr lang="en-US" altLang="zh-TW" dirty="0">
+                <a:latin typeface="微軟正黑體" panose="020B0604030504040204" pitchFamily="34" charset="-120"/>
+                <a:ea typeface="微軟正黑體" panose="020B0604030504040204" pitchFamily="34" charset="-120"/>
+              </a:rPr>
+              <a:t>API(</a:t>
+            </a:r>
+            <a:r>
+              <a:rPr lang="zh-TW" altLang="en-US" dirty="0">
+                <a:latin typeface="微軟正黑體" panose="020B0604030504040204" pitchFamily="34" charset="-120"/>
+                <a:ea typeface="微軟正黑體" panose="020B0604030504040204" pitchFamily="34" charset="-120"/>
+              </a:rPr>
+              <a:t>集保公司</a:t>
+            </a:r>
+            <a:r>
+              <a:rPr lang="en-US" altLang="zh-TW" dirty="0">
+                <a:latin typeface="微軟正黑體" panose="020B0604030504040204" pitchFamily="34" charset="-120"/>
+                <a:ea typeface="微軟正黑體" panose="020B0604030504040204" pitchFamily="34" charset="-120"/>
+              </a:rPr>
+              <a:t>ETF</a:t>
+            </a:r>
+            <a:r>
+              <a:rPr lang="zh-TW" altLang="en-US" dirty="0">
+                <a:latin typeface="微軟正黑體" panose="020B0604030504040204" pitchFamily="34" charset="-120"/>
+                <a:ea typeface="微軟正黑體" panose="020B0604030504040204" pitchFamily="34" charset="-120"/>
+              </a:rPr>
+              <a:t>資料交換</a:t>
+            </a:r>
+            <a:r>
+              <a:rPr lang="en-US" altLang="zh-TW" dirty="0">
+                <a:latin typeface="微軟正黑體" panose="020B0604030504040204" pitchFamily="34" charset="-120"/>
+                <a:ea typeface="微軟正黑體" panose="020B0604030504040204" pitchFamily="34" charset="-120"/>
+              </a:rPr>
+              <a:t>API</a:t>
+            </a:r>
+            <a:r>
+              <a:rPr lang="zh-TW" altLang="en-US" dirty="0">
+                <a:latin typeface="微軟正黑體" panose="020B0604030504040204" pitchFamily="34" charset="-120"/>
+                <a:ea typeface="微軟正黑體" panose="020B0604030504040204" pitchFamily="34" charset="-120"/>
+              </a:rPr>
+              <a:t>、證交所證券商財務資料動態查詢系統</a:t>
+            </a:r>
+            <a:r>
+              <a:rPr lang="en-US" altLang="zh-TW" dirty="0">
+                <a:latin typeface="微軟正黑體" panose="020B0604030504040204" pitchFamily="34" charset="-120"/>
+                <a:ea typeface="微軟正黑體" panose="020B0604030504040204" pitchFamily="34" charset="-120"/>
+              </a:rPr>
+              <a:t>API</a:t>
+            </a:r>
+            <a:r>
+              <a:rPr lang="zh-TW" altLang="en-US" dirty="0">
+                <a:latin typeface="微軟正黑體" panose="020B0604030504040204" pitchFamily="34" charset="-120"/>
+                <a:ea typeface="微軟正黑體" panose="020B0604030504040204" pitchFamily="34" charset="-120"/>
+              </a:rPr>
+              <a:t>、債券系統殖利率百元價試算</a:t>
+            </a:r>
+            <a:r>
+              <a:rPr lang="en-US" altLang="zh-TW" dirty="0">
+                <a:latin typeface="微軟正黑體" panose="020B0604030504040204" pitchFamily="34" charset="-120"/>
+                <a:ea typeface="微軟正黑體" panose="020B0604030504040204" pitchFamily="34" charset="-120"/>
+              </a:rPr>
+              <a:t>API</a:t>
+            </a:r>
+            <a:r>
+              <a:rPr lang="zh-TW" altLang="en-US" dirty="0">
+                <a:latin typeface="微軟正黑體" panose="020B0604030504040204" pitchFamily="34" charset="-120"/>
+                <a:ea typeface="微軟正黑體" panose="020B0604030504040204" pitchFamily="34" charset="-120"/>
+              </a:rPr>
+              <a:t>、債券系統附條件試算</a:t>
+            </a:r>
+            <a:r>
+              <a:rPr lang="en-US" altLang="zh-TW" dirty="0">
+                <a:latin typeface="微軟正黑體" panose="020B0604030504040204" pitchFamily="34" charset="-120"/>
+                <a:ea typeface="微軟正黑體" panose="020B0604030504040204" pitchFamily="34" charset="-120"/>
+              </a:rPr>
+              <a:t>API</a:t>
+            </a:r>
+            <a:r>
+              <a:rPr lang="zh-TW" altLang="en-US" dirty="0">
+                <a:latin typeface="微軟正黑體" panose="020B0604030504040204" pitchFamily="34" charset="-120"/>
+                <a:ea typeface="微軟正黑體" panose="020B0604030504040204" pitchFamily="34" charset="-120"/>
+              </a:rPr>
+              <a:t>、監視系統內部人股權試算</a:t>
+            </a:r>
+            <a:r>
+              <a:rPr lang="en-US" altLang="zh-TW" dirty="0">
+                <a:latin typeface="微軟正黑體" panose="020B0604030504040204" pitchFamily="34" charset="-120"/>
+                <a:ea typeface="微軟正黑體" panose="020B0604030504040204" pitchFamily="34" charset="-120"/>
+              </a:rPr>
+              <a:t>API)</a:t>
+            </a:r>
+            <a:r>
+              <a:rPr lang="zh-TW" altLang="en-US" dirty="0">
+                <a:latin typeface="微軟正黑體" panose="020B0604030504040204" pitchFamily="34" charset="-120"/>
+                <a:ea typeface="微軟正黑體" panose="020B0604030504040204" pitchFamily="34" charset="-120"/>
+              </a:rPr>
+              <a:t>、網站資料轉檔</a:t>
+            </a:r>
+            <a:r>
+              <a:rPr lang="en-US" altLang="zh-TW" dirty="0">
+                <a:latin typeface="微軟正黑體" panose="020B0604030504040204" pitchFamily="34" charset="-120"/>
+                <a:ea typeface="微軟正黑體" panose="020B0604030504040204" pitchFamily="34" charset="-120"/>
+              </a:rPr>
+              <a:t>JOB</a:t>
+            </a:r>
+            <a:r>
+              <a:rPr lang="zh-TW" altLang="en-US" dirty="0">
+                <a:latin typeface="微軟正黑體" panose="020B0604030504040204" pitchFamily="34" charset="-120"/>
+                <a:ea typeface="微軟正黑體" panose="020B0604030504040204" pitchFamily="34" charset="-120"/>
+              </a:rPr>
+              <a:t>、源碼檢測系統</a:t>
+            </a:r>
+            <a:endParaRPr lang="en-US" altLang="zh-TW" dirty="0">
+              <a:latin typeface="微軟正黑體" panose="020B0604030504040204" pitchFamily="34" charset="-120"/>
+              <a:ea typeface="微軟正黑體" panose="020B0604030504040204" pitchFamily="34" charset="-120"/>
+            </a:endParaRPr>
+          </a:p>
+        </p:txBody>
+      </p:sp>
+    </p:spTree>
+    <p:extLst>
+      <p:ext uri="{BB962C8B-B14F-4D97-AF65-F5344CB8AC3E}">
+        <p14:creationId xmlns:p14="http://schemas.microsoft.com/office/powerpoint/2010/main" val="78947298"/>
+      </p:ext>
+    </p:extLst>
+  </p:cSld>
+  <p:clrMapOvr>
+    <a:masterClrMapping/>
+  </p:clrMapOvr>
+  <p:transition spd="med"/>
+</p:sld>
+</file>
+
+<file path=ppt/slides/slide24.xml><?xml version="1.0" encoding="utf-8"?>
 <p:sld xmlns:a="http://schemas.openxmlformats.org/drawingml/2006/main" xmlns:r="http://schemas.openxmlformats.org/officeDocument/2006/relationships" xmlns:p="http://schemas.openxmlformats.org/presentationml/2006/main">
   <p:cSld>
     <p:spTree>
@@ -15044,10 +15949,10 @@
       </p:sp>
       <p:pic>
         <p:nvPicPr>
-          <p:cNvPr id="10" name="圖片 9">
+          <p:cNvPr id="3" name="圖片 2">
             <a:extLst>
               <a:ext uri="{FF2B5EF4-FFF2-40B4-BE49-F238E27FC236}">
-                <a16:creationId xmlns:a16="http://schemas.microsoft.com/office/drawing/2014/main" id="{74E52671-469C-9373-25FA-90579A68A488}"/>
+                <a16:creationId xmlns:a16="http://schemas.microsoft.com/office/drawing/2014/main" id="{0648159C-BC98-E45C-D378-256D97CF8B82}"/>
               </a:ext>
             </a:extLst>
           </p:cNvPr>
@@ -15057,7 +15962,7 @@
           <p:nvPr/>
         </p:nvPicPr>
         <p:blipFill>
-          <a:blip r:embed="rId2">
+          <a:blip r:embed="rId3">
             <a:extLst>
               <a:ext uri="{28A0092B-C50C-407E-A947-70E740481C1C}">
                 <a14:useLocalDpi xmlns:a14="http://schemas.microsoft.com/office/drawing/2010/main" val="0"/>
@@ -15070,8 +15975,8 @@
         </p:blipFill>
         <p:spPr>
           <a:xfrm>
-            <a:off x="1147842" y="1232056"/>
-            <a:ext cx="6489576" cy="5625944"/>
+            <a:off x="1052048" y="1262254"/>
+            <a:ext cx="6454742" cy="5595746"/>
           </a:xfrm>
           <a:prstGeom prst="rect">
             <a:avLst/>
@@ -15308,7 +16213,7 @@
         </p:blipFill>
         <p:spPr>
           <a:xfrm>
-            <a:off x="2136371" y="3306685"/>
+            <a:off x="2127662" y="3149931"/>
             <a:ext cx="4231177" cy="3286718"/>
           </a:xfrm>
           <a:prstGeom prst="rect">
@@ -15407,7 +16312,7 @@
         <p:spPr>
           <a:xfrm>
             <a:off x="457200" y="1600199"/>
-            <a:ext cx="8229600" cy="3462251"/>
+            <a:ext cx="6222274" cy="3462251"/>
           </a:xfrm>
           <a:prstGeom prst="rect">
             <a:avLst/>
@@ -15548,6 +16453,36 @@
           </a:p>
         </p:txBody>
       </p:sp>
+      <p:pic>
+        <p:nvPicPr>
+          <p:cNvPr id="3" name="圖片 2">
+            <a:extLst>
+              <a:ext uri="{FF2B5EF4-FFF2-40B4-BE49-F238E27FC236}">
+                <a16:creationId xmlns:a16="http://schemas.microsoft.com/office/drawing/2014/main" id="{5D743565-F00C-8332-58F5-0BF8935223AC}"/>
+              </a:ext>
+            </a:extLst>
+          </p:cNvPr>
+          <p:cNvPicPr>
+            <a:picLocks noChangeAspect="1"/>
+          </p:cNvPicPr>
+          <p:nvPr/>
+        </p:nvPicPr>
+        <p:blipFill>
+          <a:blip r:embed="rId2"/>
+          <a:stretch>
+            <a:fillRect/>
+          </a:stretch>
+        </p:blipFill>
+        <p:spPr>
+          <a:xfrm>
+            <a:off x="6758773" y="2080089"/>
+            <a:ext cx="1928027" cy="3917019"/>
+          </a:xfrm>
+          <a:prstGeom prst="rect">
+            <a:avLst/>
+          </a:prstGeom>
+        </p:spPr>
+      </p:pic>
     </p:spTree>
     <p:extLst>
       <p:ext uri="{BB962C8B-B14F-4D97-AF65-F5344CB8AC3E}">
@@ -15978,7 +16913,7 @@
         <p:spPr>
           <a:xfrm>
             <a:off x="457200" y="1600199"/>
-            <a:ext cx="8229600" cy="3462251"/>
+            <a:ext cx="4724400" cy="3462251"/>
           </a:xfrm>
           <a:prstGeom prst="rect">
             <a:avLst/>
@@ -16103,6 +17038,36 @@
           </a:p>
         </p:txBody>
       </p:sp>
+      <p:pic>
+        <p:nvPicPr>
+          <p:cNvPr id="5" name="圖片 4">
+            <a:extLst>
+              <a:ext uri="{FF2B5EF4-FFF2-40B4-BE49-F238E27FC236}">
+                <a16:creationId xmlns:a16="http://schemas.microsoft.com/office/drawing/2014/main" id="{DA1A4260-6B79-4D38-A909-D2F1F4B3690D}"/>
+              </a:ext>
+            </a:extLst>
+          </p:cNvPr>
+          <p:cNvPicPr>
+            <a:picLocks noChangeAspect="1"/>
+          </p:cNvPicPr>
+          <p:nvPr/>
+        </p:nvPicPr>
+        <p:blipFill>
+          <a:blip r:embed="rId2"/>
+          <a:stretch>
+            <a:fillRect/>
+          </a:stretch>
+        </p:blipFill>
+        <p:spPr>
+          <a:xfrm>
+            <a:off x="5089494" y="1402080"/>
+            <a:ext cx="3597306" cy="5016904"/>
+          </a:xfrm>
+          <a:prstGeom prst="rect">
+            <a:avLst/>
+          </a:prstGeom>
+        </p:spPr>
+      </p:pic>
     </p:spTree>
     <p:extLst>
       <p:ext uri="{BB962C8B-B14F-4D97-AF65-F5344CB8AC3E}">
@@ -16194,7 +17159,7 @@
         <p:spPr>
           <a:xfrm>
             <a:off x="457200" y="1600199"/>
-            <a:ext cx="8229600" cy="3462251"/>
+            <a:ext cx="5701819" cy="3462251"/>
           </a:xfrm>
           <a:prstGeom prst="rect">
             <a:avLst/>
@@ -16379,6 +17344,36 @@
           </a:p>
         </p:txBody>
       </p:sp>
+      <p:pic>
+        <p:nvPicPr>
+          <p:cNvPr id="5" name="圖片 4">
+            <a:extLst>
+              <a:ext uri="{FF2B5EF4-FFF2-40B4-BE49-F238E27FC236}">
+                <a16:creationId xmlns:a16="http://schemas.microsoft.com/office/drawing/2014/main" id="{F769FACC-8A5D-39F7-E4D5-4C23C9ED82C8}"/>
+              </a:ext>
+            </a:extLst>
+          </p:cNvPr>
+          <p:cNvPicPr>
+            <a:picLocks noChangeAspect="1"/>
+          </p:cNvPicPr>
+          <p:nvPr/>
+        </p:nvPicPr>
+        <p:blipFill>
+          <a:blip r:embed="rId2"/>
+          <a:stretch>
+            <a:fillRect/>
+          </a:stretch>
+        </p:blipFill>
+        <p:spPr>
+          <a:xfrm>
+            <a:off x="6179603" y="1308790"/>
+            <a:ext cx="2507197" cy="5006774"/>
+          </a:xfrm>
+          <a:prstGeom prst="rect">
+            <a:avLst/>
+          </a:prstGeom>
+        </p:spPr>
+      </p:pic>
     </p:spTree>
     <p:extLst>
       <p:ext uri="{BB962C8B-B14F-4D97-AF65-F5344CB8AC3E}">

--- a/期末報告/期末簡報_施詠舜.pptx
+++ b/期末報告/期末簡報_施詠舜.pptx
@@ -6,7 +6,7 @@
     <p:sldMasterId id="2147483675" r:id="rId2"/>
   </p:sldMasterIdLst>
   <p:notesMasterIdLst>
-    <p:notesMasterId r:id="rId27"/>
+    <p:notesMasterId r:id="rId26"/>
   </p:notesMasterIdLst>
   <p:sldIdLst>
     <p:sldId id="263" r:id="rId3"/>
@@ -19,20 +19,19 @@
     <p:sldId id="328" r:id="rId10"/>
     <p:sldId id="329" r:id="rId11"/>
     <p:sldId id="330" r:id="rId12"/>
-    <p:sldId id="331" r:id="rId13"/>
-    <p:sldId id="314" r:id="rId14"/>
-    <p:sldId id="321" r:id="rId15"/>
-    <p:sldId id="334" r:id="rId16"/>
-    <p:sldId id="315" r:id="rId17"/>
-    <p:sldId id="292" r:id="rId18"/>
-    <p:sldId id="316" r:id="rId19"/>
-    <p:sldId id="293" r:id="rId20"/>
-    <p:sldId id="323" r:id="rId21"/>
-    <p:sldId id="324" r:id="rId22"/>
-    <p:sldId id="317" r:id="rId23"/>
-    <p:sldId id="322" r:id="rId24"/>
-    <p:sldId id="333" r:id="rId25"/>
-    <p:sldId id="289" r:id="rId26"/>
+    <p:sldId id="314" r:id="rId13"/>
+    <p:sldId id="321" r:id="rId14"/>
+    <p:sldId id="334" r:id="rId15"/>
+    <p:sldId id="315" r:id="rId16"/>
+    <p:sldId id="292" r:id="rId17"/>
+    <p:sldId id="316" r:id="rId18"/>
+    <p:sldId id="293" r:id="rId19"/>
+    <p:sldId id="323" r:id="rId20"/>
+    <p:sldId id="324" r:id="rId21"/>
+    <p:sldId id="317" r:id="rId22"/>
+    <p:sldId id="322" r:id="rId23"/>
+    <p:sldId id="333" r:id="rId24"/>
+    <p:sldId id="289" r:id="rId25"/>
   </p:sldIdLst>
   <p:sldSz cx="9144000" cy="6858000" type="screen4x3"/>
   <p:notesSz cx="6858000" cy="9144000"/>
@@ -221,7 +220,7 @@
           <a:p>
             <a:fld id="{4850220F-07F6-4D17-A483-2B2CDA2CCD5E}" type="datetimeFigureOut">
               <a:rPr lang="zh-TW" altLang="en-US" smtClean="0"/>
-              <a:t>2024/10/14</a:t>
+              <a:t>2024/10/15</a:t>
             </a:fld>
             <a:endParaRPr lang="zh-TW" altLang="en-US"/>
           </a:p>
@@ -764,7 +763,7 @@
           <a:p>
             <a:fld id="{308767D9-3F77-4CD0-B6EF-E00D77286EC9}" type="datetimeFigureOut">
               <a:rPr lang="zh-TW" altLang="en-US" smtClean="0"/>
-              <a:t>2024/10/14</a:t>
+              <a:t>2024/10/15</a:t>
             </a:fld>
             <a:endParaRPr lang="zh-TW" altLang="en-US"/>
           </a:p>
@@ -934,7 +933,7 @@
           <a:p>
             <a:fld id="{308767D9-3F77-4CD0-B6EF-E00D77286EC9}" type="datetimeFigureOut">
               <a:rPr lang="zh-TW" altLang="en-US" smtClean="0"/>
-              <a:t>2024/10/14</a:t>
+              <a:t>2024/10/15</a:t>
             </a:fld>
             <a:endParaRPr lang="zh-TW" altLang="en-US"/>
           </a:p>
@@ -1114,7 +1113,7 @@
           <a:p>
             <a:fld id="{308767D9-3F77-4CD0-B6EF-E00D77286EC9}" type="datetimeFigureOut">
               <a:rPr lang="zh-TW" altLang="en-US" smtClean="0"/>
-              <a:t>2024/10/14</a:t>
+              <a:t>2024/10/15</a:t>
             </a:fld>
             <a:endParaRPr lang="zh-TW" altLang="en-US"/>
           </a:p>
@@ -5111,7 +5110,7 @@
           <a:p>
             <a:fld id="{308767D9-3F77-4CD0-B6EF-E00D77286EC9}" type="datetimeFigureOut">
               <a:rPr lang="zh-TW" altLang="en-US" smtClean="0"/>
-              <a:t>2024/10/14</a:t>
+              <a:t>2024/10/15</a:t>
             </a:fld>
             <a:endParaRPr lang="zh-TW" altLang="en-US"/>
           </a:p>
@@ -8719,7 +8718,7 @@
           <a:p>
             <a:fld id="{308767D9-3F77-4CD0-B6EF-E00D77286EC9}" type="datetimeFigureOut">
               <a:rPr lang="zh-TW" altLang="en-US" smtClean="0"/>
-              <a:t>2024/10/14</a:t>
+              <a:t>2024/10/15</a:t>
             </a:fld>
             <a:endParaRPr lang="zh-TW" altLang="en-US"/>
           </a:p>
@@ -8951,7 +8950,7 @@
           <a:p>
             <a:fld id="{308767D9-3F77-4CD0-B6EF-E00D77286EC9}" type="datetimeFigureOut">
               <a:rPr lang="zh-TW" altLang="en-US" smtClean="0"/>
-              <a:t>2024/10/14</a:t>
+              <a:t>2024/10/15</a:t>
             </a:fld>
             <a:endParaRPr lang="zh-TW" altLang="en-US"/>
           </a:p>
@@ -9318,7 +9317,7 @@
           <a:p>
             <a:fld id="{308767D9-3F77-4CD0-B6EF-E00D77286EC9}" type="datetimeFigureOut">
               <a:rPr lang="zh-TW" altLang="en-US" smtClean="0"/>
-              <a:t>2024/10/14</a:t>
+              <a:t>2024/10/15</a:t>
             </a:fld>
             <a:endParaRPr lang="zh-TW" altLang="en-US"/>
           </a:p>
@@ -9436,7 +9435,7 @@
           <a:p>
             <a:fld id="{308767D9-3F77-4CD0-B6EF-E00D77286EC9}" type="datetimeFigureOut">
               <a:rPr lang="zh-TW" altLang="en-US" smtClean="0"/>
-              <a:t>2024/10/14</a:t>
+              <a:t>2024/10/15</a:t>
             </a:fld>
             <a:endParaRPr lang="zh-TW" altLang="en-US"/>
           </a:p>
@@ -9531,7 +9530,7 @@
           <a:p>
             <a:fld id="{308767D9-3F77-4CD0-B6EF-E00D77286EC9}" type="datetimeFigureOut">
               <a:rPr lang="zh-TW" altLang="en-US" smtClean="0"/>
-              <a:t>2024/10/14</a:t>
+              <a:t>2024/10/15</a:t>
             </a:fld>
             <a:endParaRPr lang="zh-TW" altLang="en-US"/>
           </a:p>
@@ -9808,7 +9807,7 @@
           <a:p>
             <a:fld id="{308767D9-3F77-4CD0-B6EF-E00D77286EC9}" type="datetimeFigureOut">
               <a:rPr lang="zh-TW" altLang="en-US" smtClean="0"/>
-              <a:t>2024/10/14</a:t>
+              <a:t>2024/10/15</a:t>
             </a:fld>
             <a:endParaRPr lang="zh-TW" altLang="en-US"/>
           </a:p>
@@ -10065,7 +10064,7 @@
           <a:p>
             <a:fld id="{308767D9-3F77-4CD0-B6EF-E00D77286EC9}" type="datetimeFigureOut">
               <a:rPr lang="zh-TW" altLang="en-US" smtClean="0"/>
-              <a:t>2024/10/14</a:t>
+              <a:t>2024/10/15</a:t>
             </a:fld>
             <a:endParaRPr lang="zh-TW" altLang="en-US"/>
           </a:p>
@@ -10278,7 +10277,7 @@
           <a:p>
             <a:fld id="{308767D9-3F77-4CD0-B6EF-E00D77286EC9}" type="datetimeFigureOut">
               <a:rPr lang="zh-TW" altLang="en-US" smtClean="0"/>
-              <a:t>2024/10/14</a:t>
+              <a:t>2024/10/15</a:t>
             </a:fld>
             <a:endParaRPr lang="zh-TW" altLang="en-US"/>
           </a:p>
@@ -10742,7 +10741,7 @@
           </a:ln>
           <a:extLst>
             <a:ext uri="{C572A759-6A51-4108-AA02-DFA0A04FC94B}">
-              <ma14:wrappingTextBoxFlag xmlns:ma14="http://schemas.microsoft.com/office/mac/drawingml/2011/main" xmlns:a14="http://schemas.microsoft.com/office/drawing/2010/main" xmlns:m="http://schemas.openxmlformats.org/officeDocument/2006/math" xmlns="" val="1"/>
+              <ma14:wrappingTextBoxFlag xmlns="" xmlns:m="http://schemas.openxmlformats.org/officeDocument/2006/math" xmlns:a14="http://schemas.microsoft.com/office/drawing/2010/main" xmlns:ma14="http://schemas.microsoft.com/office/mac/drawingml/2011/main" val="1"/>
             </a:ext>
           </a:extLst>
         </p:spPr>
@@ -12003,7 +12002,7 @@
           </a:ln>
           <a:extLst>
             <a:ext uri="{C572A759-6A51-4108-AA02-DFA0A04FC94B}">
-              <ma14:wrappingTextBoxFlag xmlns:ma14="http://schemas.microsoft.com/office/mac/drawingml/2011/main" xmlns:a14="http://schemas.microsoft.com/office/drawing/2010/main" xmlns:m="http://schemas.openxmlformats.org/officeDocument/2006/math" xmlns="" val="1"/>
+              <ma14:wrappingTextBoxFlag xmlns="" xmlns:m="http://schemas.openxmlformats.org/officeDocument/2006/math" xmlns:a14="http://schemas.microsoft.com/office/drawing/2010/main" xmlns:ma14="http://schemas.microsoft.com/office/mac/drawingml/2011/main" val="1"/>
             </a:ext>
           </a:extLst>
         </p:spPr>
@@ -12162,18 +12161,24 @@
                 <a:ea typeface="微軟正黑體" panose="020B0604030504040204" pitchFamily="34" charset="-120"/>
                 <a:sym typeface="PingFang TC Semibold"/>
               </a:rPr>
-              <a:t>月</a:t>
-            </a:r>
-            <a:r>
-              <a:rPr lang="zh-TW" altLang="en-US" sz="3000" kern="0" dirty="0">
+              <a:t>月 </a:t>
+            </a:r>
+            <a:r>
+              <a:rPr kumimoji="0" lang="en-US" altLang="zh-TW" sz="3000" b="0" i="0" u="none" strike="noStrike" kern="0" cap="none" spc="0" normalizeH="0" baseline="0" noProof="0" dirty="0">
+                <a:ln>
+                  <a:noFill/>
+                </a:ln>
                 <a:solidFill>
                   <a:srgbClr val="535353"/>
                 </a:solidFill>
+                <a:effectLst/>
+                <a:uLnTx/>
+                <a:uFillTx/>
                 <a:latin typeface="微軟正黑體" panose="020B0604030504040204" pitchFamily="34" charset="-120"/>
                 <a:ea typeface="微軟正黑體" panose="020B0604030504040204" pitchFamily="34" charset="-120"/>
                 <a:sym typeface="PingFang TC Semibold"/>
               </a:rPr>
-              <a:t> </a:t>
+              <a:t>23</a:t>
             </a:r>
             <a:r>
               <a:rPr kumimoji="0" lang="zh-TW" altLang="en-US" sz="3000" b="0" i="0" u="none" strike="noStrike" kern="0" cap="none" spc="0" normalizeH="0" baseline="0" noProof="0" dirty="0">
@@ -12281,7 +12286,7 @@
         <p:spPr>
           <a:xfrm>
             <a:off x="457200" y="1600199"/>
-            <a:ext cx="8229600" cy="3462251"/>
+            <a:ext cx="4048298" cy="4244818"/>
           </a:xfrm>
           <a:prstGeom prst="rect">
             <a:avLst/>
@@ -12319,33 +12324,25 @@
               </a:rPr>
               <a:t>網站後台</a:t>
             </a:r>
-            <a:endParaRPr lang="en-US" altLang="zh-TW" dirty="0">
-              <a:solidFill>
-                <a:schemeClr val="tx1"/>
-              </a:solidFill>
-              <a:latin typeface="微軟正黑體" panose="020B0604030504040204" pitchFamily="34" charset="-120"/>
-              <a:ea typeface="微軟正黑體" panose="020B0604030504040204" pitchFamily="34" charset="-120"/>
-            </a:endParaRPr>
-          </a:p>
-          <a:p>
-            <a:pPr defTabSz="914400">
-              <a:spcBef>
-                <a:spcPts val="2200"/>
-              </a:spcBef>
-              <a:buClrTx/>
-              <a:buSzPct val="100000"/>
-              <a:buFont typeface="Wingdings" panose="05000000000000000000" pitchFamily="2" charset="2"/>
-              <a:buChar char="n"/>
-              <a:defRPr>
-                <a:solidFill>
-                  <a:srgbClr val="000000"/>
-                </a:solidFill>
-                <a:latin typeface="PingFang TC Semibold"/>
-                <a:ea typeface="PingFang TC Semibold"/>
-                <a:cs typeface="PingFang TC Semibold"/>
-                <a:sym typeface="PingFang TC Semibold"/>
-              </a:defRPr>
-            </a:pPr>
+            <a:br>
+              <a:rPr lang="en-US" altLang="zh-TW" dirty="0">
+                <a:solidFill>
+                  <a:schemeClr val="tx1"/>
+                </a:solidFill>
+                <a:latin typeface="微軟正黑體" panose="020B0604030504040204" pitchFamily="34" charset="-120"/>
+                <a:ea typeface="微軟正黑體" panose="020B0604030504040204" pitchFamily="34" charset="-120"/>
+              </a:rPr>
+            </a:br>
+            <a:r>
+              <a:rPr lang="en-US" altLang="zh-TW" dirty="0">
+                <a:solidFill>
+                  <a:schemeClr val="tx1"/>
+                </a:solidFill>
+                <a:latin typeface="微軟正黑體" panose="020B0604030504040204" pitchFamily="34" charset="-120"/>
+                <a:ea typeface="微軟正黑體" panose="020B0604030504040204" pitchFamily="34" charset="-120"/>
+              </a:rPr>
+              <a:t>(</a:t>
+            </a:r>
             <a:r>
               <a:rPr lang="zh-TW" altLang="en-US" dirty="0">
                 <a:solidFill>
@@ -12356,13 +12353,16 @@
               </a:rPr>
               <a:t>網站管理系統</a:t>
             </a:r>
-            <a:endParaRPr lang="en-US" altLang="zh-TW" dirty="0">
-              <a:solidFill>
-                <a:schemeClr val="tx1"/>
-              </a:solidFill>
-              <a:latin typeface="微軟正黑體" panose="020B0604030504040204" pitchFamily="34" charset="-120"/>
-              <a:ea typeface="微軟正黑體" panose="020B0604030504040204" pitchFamily="34" charset="-120"/>
-            </a:endParaRPr>
+            <a:r>
+              <a:rPr lang="en-US" altLang="zh-TW" dirty="0">
+                <a:solidFill>
+                  <a:schemeClr val="tx1"/>
+                </a:solidFill>
+                <a:latin typeface="微軟正黑體" panose="020B0604030504040204" pitchFamily="34" charset="-120"/>
+                <a:ea typeface="微軟正黑體" panose="020B0604030504040204" pitchFamily="34" charset="-120"/>
+              </a:rPr>
+              <a:t>)</a:t>
+            </a:r>
           </a:p>
           <a:p>
             <a:pPr>
@@ -12384,6 +12384,16 @@
               </a:defRPr>
             </a:pPr>
             <a:r>
+              <a:rPr lang="en-US" altLang="zh-TW" dirty="0">
+                <a:solidFill>
+                  <a:schemeClr val="tx1"/>
+                </a:solidFill>
+                <a:latin typeface="微軟正黑體" panose="020B0604030504040204" pitchFamily="34" charset="-120"/>
+                <a:ea typeface="微軟正黑體" panose="020B0604030504040204" pitchFamily="34" charset="-120"/>
+              </a:rPr>
+              <a:t>SQL</a:t>
+            </a:r>
+            <a:r>
               <a:rPr lang="zh-TW" altLang="en-US" dirty="0">
                 <a:solidFill>
                   <a:schemeClr val="tx1"/>
@@ -12391,7 +12401,7 @@
                 <a:latin typeface="微軟正黑體" panose="020B0604030504040204" pitchFamily="34" charset="-120"/>
                 <a:ea typeface="微軟正黑體" panose="020B0604030504040204" pitchFamily="34" charset="-120"/>
               </a:rPr>
-              <a:t>櫃買</a:t>
+              <a:t> </a:t>
             </a:r>
             <a:r>
               <a:rPr lang="en-US" altLang="zh-TW" dirty="0">
@@ -12401,8 +12411,28 @@
                 <a:latin typeface="微軟正黑體" panose="020B0604030504040204" pitchFamily="34" charset="-120"/>
                 <a:ea typeface="微軟正黑體" panose="020B0604030504040204" pitchFamily="34" charset="-120"/>
               </a:rPr>
-              <a:t>DMZ</a:t>
-            </a:r>
+              <a:t>server</a:t>
+            </a:r>
+          </a:p>
+          <a:p>
+            <a:pPr>
+              <a:spcBef>
+                <a:spcPts val="2200"/>
+              </a:spcBef>
+              <a:buClrTx/>
+              <a:buSzPct val="100000"/>
+              <a:buFont typeface="Wingdings" panose="05000000000000000000" pitchFamily="2" charset="2"/>
+              <a:buChar char="n"/>
+              <a:defRPr>
+                <a:solidFill>
+                  <a:srgbClr val="000000"/>
+                </a:solidFill>
+                <a:latin typeface="PingFang TC Semibold"/>
+                <a:ea typeface="PingFang TC Semibold"/>
+                <a:cs typeface="PingFang TC Semibold"/>
+                <a:sym typeface="PingFang TC Semibold"/>
+              </a:defRPr>
+            </a:pPr>
             <a:r>
               <a:rPr lang="zh-TW" altLang="en-US" dirty="0">
                 <a:solidFill>
@@ -12411,7 +12441,7 @@
                 <a:latin typeface="微軟正黑體" panose="020B0604030504040204" pitchFamily="34" charset="-120"/>
                 <a:ea typeface="微軟正黑體" panose="020B0604030504040204" pitchFamily="34" charset="-120"/>
               </a:rPr>
-              <a:t> </a:t>
+              <a:t>網站後台與盤後系統的數據寫到資料庫，提供給</a:t>
             </a:r>
             <a:r>
               <a:rPr lang="en-US" altLang="zh-TW" dirty="0">
@@ -12421,25 +12451,8 @@
                 <a:latin typeface="微軟正黑體" panose="020B0604030504040204" pitchFamily="34" charset="-120"/>
                 <a:ea typeface="微軟正黑體" panose="020B0604030504040204" pitchFamily="34" charset="-120"/>
               </a:rPr>
-              <a:t>DB</a:t>
-            </a:r>
-            <a:r>
-              <a:rPr lang="zh-TW" altLang="en-US" dirty="0">
-                <a:solidFill>
-                  <a:schemeClr val="tx1"/>
-                </a:solidFill>
-                <a:latin typeface="微軟正黑體" panose="020B0604030504040204" pitchFamily="34" charset="-120"/>
-                <a:ea typeface="微軟正黑體" panose="020B0604030504040204" pitchFamily="34" charset="-120"/>
-              </a:rPr>
-              <a:t>區</a:t>
-            </a:r>
-            <a:endParaRPr lang="en-US" altLang="zh-TW" dirty="0">
-              <a:solidFill>
-                <a:schemeClr val="tx1"/>
-              </a:solidFill>
-              <a:latin typeface="微軟正黑體" panose="020B0604030504040204" pitchFamily="34" charset="-120"/>
-              <a:ea typeface="微軟正黑體" panose="020B0604030504040204" pitchFamily="34" charset="-120"/>
-            </a:endParaRPr>
+              <a:t>Tomcat server</a:t>
+            </a:r>
           </a:p>
           <a:p>
             <a:pPr defTabSz="914400">
@@ -12546,8 +12559,8 @@
         </p:blipFill>
         <p:spPr>
           <a:xfrm>
-            <a:off x="4572000" y="1806850"/>
-            <a:ext cx="3924640" cy="4115157"/>
+            <a:off x="4572000" y="1677190"/>
+            <a:ext cx="4048298" cy="4244818"/>
           </a:xfrm>
           <a:prstGeom prst="rect">
             <a:avLst/>
@@ -12587,135 +12600,6 @@
       </p:grpSpPr>
       <p:sp>
         <p:nvSpPr>
-          <p:cNvPr id="402" name="中小規模企業掛牌首選之交易所"/>
-          <p:cNvSpPr txBox="1">
-            <a:spLocks noGrp="1"/>
-          </p:cNvSpPr>
-          <p:nvPr>
-            <p:ph type="title"/>
-          </p:nvPr>
-        </p:nvSpPr>
-        <p:spPr>
-          <a:xfrm>
-            <a:off x="457200" y="53974"/>
-            <a:ext cx="8229600" cy="1508126"/>
-          </a:xfrm>
-          <a:prstGeom prst="rect">
-            <a:avLst/>
-          </a:prstGeom>
-        </p:spPr>
-        <p:txBody>
-          <a:bodyPr/>
-          <a:lstStyle>
-            <a:lvl1pPr defTabSz="457200">
-              <a:lnSpc>
-                <a:spcPct val="100000"/>
-              </a:lnSpc>
-              <a:defRPr sz="3200">
-                <a:solidFill>
-                  <a:srgbClr val="805F0A"/>
-                </a:solidFill>
-              </a:defRPr>
-            </a:lvl1pPr>
-          </a:lstStyle>
-          <a:p>
-            <a:r>
-              <a:rPr lang="zh-TW" altLang="en-US" sz="6000" dirty="0">
-                <a:solidFill>
-                  <a:srgbClr val="C08225"/>
-                </a:solidFill>
-                <a:latin typeface="微軟正黑體" panose="020B0604030504040204" pitchFamily="34" charset="-120"/>
-                <a:ea typeface="微軟正黑體" panose="020B0604030504040204" pitchFamily="34" charset="-120"/>
-              </a:rPr>
-              <a:t>中心網站系統架構</a:t>
-            </a:r>
-          </a:p>
-        </p:txBody>
-      </p:sp>
-      <p:sp>
-        <p:nvSpPr>
-          <p:cNvPr id="403" name="櫃買中心為股票及債券均健全發展且 表現亮眼之雙引擎市場…"/>
-          <p:cNvSpPr txBox="1">
-            <a:spLocks noGrp="1"/>
-          </p:cNvSpPr>
-          <p:nvPr>
-            <p:ph type="body" idx="1"/>
-          </p:nvPr>
-        </p:nvSpPr>
-        <p:spPr>
-          <a:xfrm>
-            <a:off x="457200" y="1600199"/>
-            <a:ext cx="8229600" cy="3462251"/>
-          </a:xfrm>
-          <a:prstGeom prst="rect">
-            <a:avLst/>
-          </a:prstGeom>
-        </p:spPr>
-        <p:txBody>
-          <a:bodyPr/>
-          <a:lstStyle/>
-          <a:p>
-            <a:pPr defTabSz="914400">
-              <a:spcBef>
-                <a:spcPts val="2200"/>
-              </a:spcBef>
-              <a:buClrTx/>
-              <a:buSzPct val="100000"/>
-              <a:buFont typeface="Wingdings" panose="05000000000000000000" pitchFamily="2" charset="2"/>
-              <a:buChar char="n"/>
-              <a:defRPr>
-                <a:solidFill>
-                  <a:srgbClr val="000000"/>
-                </a:solidFill>
-                <a:latin typeface="PingFang TC Semibold"/>
-                <a:ea typeface="PingFang TC Semibold"/>
-                <a:cs typeface="PingFang TC Semibold"/>
-                <a:sym typeface="PingFang TC Semibold"/>
-              </a:defRPr>
-            </a:pPr>
-            <a:endParaRPr lang="en-US" altLang="zh-TW" dirty="0">
-              <a:solidFill>
-                <a:schemeClr val="tx1"/>
-              </a:solidFill>
-              <a:latin typeface="微軟正黑體" panose="020B0604030504040204" pitchFamily="34" charset="-120"/>
-              <a:ea typeface="微軟正黑體" panose="020B0604030504040204" pitchFamily="34" charset="-120"/>
-            </a:endParaRPr>
-          </a:p>
-        </p:txBody>
-      </p:sp>
-    </p:spTree>
-    <p:extLst>
-      <p:ext uri="{BB962C8B-B14F-4D97-AF65-F5344CB8AC3E}">
-        <p14:creationId xmlns:p14="http://schemas.microsoft.com/office/powerpoint/2010/main" val="3759833263"/>
-      </p:ext>
-    </p:extLst>
-  </p:cSld>
-  <p:clrMapOvr>
-    <a:masterClrMapping/>
-  </p:clrMapOvr>
-  <p:transition spd="med"/>
-</p:sld>
-</file>
-
-<file path=ppt/slides/slide12.xml><?xml version="1.0" encoding="utf-8"?>
-<p:sld xmlns:a="http://schemas.openxmlformats.org/drawingml/2006/main" xmlns:r="http://schemas.openxmlformats.org/officeDocument/2006/relationships" xmlns:p="http://schemas.openxmlformats.org/presentationml/2006/main">
-  <p:cSld>
-    <p:spTree>
-      <p:nvGrpSpPr>
-        <p:cNvPr id="1" name=""/>
-        <p:cNvGrpSpPr/>
-        <p:nvPr/>
-      </p:nvGrpSpPr>
-      <p:grpSpPr>
-        <a:xfrm>
-          <a:off x="0" y="0"/>
-          <a:ext cx="0" cy="0"/>
-          <a:chOff x="0" y="0"/>
-          <a:chExt cx="0" cy="0"/>
-        </a:xfrm>
-      </p:grpSpPr>
-      <p:sp>
-        <p:nvSpPr>
           <p:cNvPr id="214" name="壹.櫃買市場狀況"/>
           <p:cNvSpPr txBox="1">
             <a:spLocks noGrp="1"/>
@@ -12789,7 +12673,7 @@
 </p:sld>
 </file>
 
-<file path=ppt/slides/slide13.xml><?xml version="1.0" encoding="utf-8"?>
+<file path=ppt/slides/slide12.xml><?xml version="1.0" encoding="utf-8"?>
 <p:sld xmlns:a="http://schemas.openxmlformats.org/drawingml/2006/main" xmlns:r="http://schemas.openxmlformats.org/officeDocument/2006/relationships" xmlns:p="http://schemas.openxmlformats.org/presentationml/2006/main">
   <p:cSld>
     <p:spTree>
@@ -12934,18 +12818,11 @@
               </a:defRPr>
             </a:pPr>
             <a:r>
-              <a:rPr lang="en-US" altLang="zh-TW" dirty="0">
-                <a:latin typeface="微軟正黑體" panose="020B0604030504040204" pitchFamily="34" charset="-120"/>
-                <a:ea typeface="微軟正黑體" panose="020B0604030504040204" pitchFamily="34" charset="-120"/>
-              </a:rPr>
-              <a:t>1.</a:t>
-            </a:r>
-            <a:r>
               <a:rPr lang="zh-TW" altLang="en-US" dirty="0">
                 <a:latin typeface="微軟正黑體" panose="020B0604030504040204" pitchFamily="34" charset="-120"/>
                 <a:ea typeface="微軟正黑體" panose="020B0604030504040204" pitchFamily="34" charset="-120"/>
               </a:rPr>
-              <a:t> 舊官網</a:t>
+              <a:t>前後端不分離</a:t>
             </a:r>
             <a:endParaRPr lang="en-US" altLang="zh-TW" dirty="0">
               <a:latin typeface="微軟正黑體" panose="020B0604030504040204" pitchFamily="34" charset="-120"/>
@@ -12972,18 +12849,25 @@
               </a:defRPr>
             </a:pPr>
             <a:r>
+              <a:rPr lang="zh-TW" altLang="en-US" dirty="0">
+                <a:latin typeface="微軟正黑體" panose="020B0604030504040204" pitchFamily="34" charset="-120"/>
+                <a:ea typeface="微軟正黑體" panose="020B0604030504040204" pitchFamily="34" charset="-120"/>
+              </a:rPr>
+              <a:t>接受瀏覽器請求後，在伺服器端渲染</a:t>
+            </a:r>
+            <a:r>
               <a:rPr lang="en-US" altLang="zh-TW" dirty="0">
                 <a:latin typeface="微軟正黑體" panose="020B0604030504040204" pitchFamily="34" charset="-120"/>
                 <a:ea typeface="微軟正黑體" panose="020B0604030504040204" pitchFamily="34" charset="-120"/>
               </a:rPr>
-              <a:t>2.</a:t>
+              <a:t>HTML</a:t>
             </a:r>
             <a:r>
               <a:rPr lang="zh-TW" altLang="en-US" dirty="0">
                 <a:latin typeface="微軟正黑體" panose="020B0604030504040204" pitchFamily="34" charset="-120"/>
                 <a:ea typeface="微軟正黑體" panose="020B0604030504040204" pitchFamily="34" charset="-120"/>
               </a:rPr>
-              <a:t> 產業價值鏈資訊平台</a:t>
+              <a:t>頁面，並返回給瀏覽器。</a:t>
             </a:r>
             <a:endParaRPr lang="en-US" altLang="zh-TW" dirty="0">
               <a:latin typeface="微軟正黑體" panose="020B0604030504040204" pitchFamily="34" charset="-120"/>
@@ -13014,8 +12898,57 @@
                 <a:latin typeface="微軟正黑體" panose="020B0604030504040204" pitchFamily="34" charset="-120"/>
                 <a:ea typeface="微軟正黑體" panose="020B0604030504040204" pitchFamily="34" charset="-120"/>
               </a:rPr>
-              <a:t>PHP</a:t>
-            </a:r>
+              <a:t>1.</a:t>
+            </a:r>
+            <a:r>
+              <a:rPr lang="zh-TW" altLang="en-US" dirty="0">
+                <a:latin typeface="微軟正黑體" panose="020B0604030504040204" pitchFamily="34" charset="-120"/>
+                <a:ea typeface="微軟正黑體" panose="020B0604030504040204" pitchFamily="34" charset="-120"/>
+              </a:rPr>
+              <a:t> 舊官網</a:t>
+            </a:r>
+            <a:endParaRPr lang="en-US" altLang="zh-TW" dirty="0">
+              <a:latin typeface="微軟正黑體" panose="020B0604030504040204" pitchFamily="34" charset="-120"/>
+              <a:ea typeface="微軟正黑體" panose="020B0604030504040204" pitchFamily="34" charset="-120"/>
+            </a:endParaRPr>
+          </a:p>
+          <a:p>
+            <a:pPr defTabSz="914400">
+              <a:spcBef>
+                <a:spcPts val="2200"/>
+              </a:spcBef>
+              <a:buClrTx/>
+              <a:buSzPct val="100000"/>
+              <a:buFont typeface="Wingdings" panose="05000000000000000000" pitchFamily="2" charset="2"/>
+              <a:buChar char="n"/>
+              <a:defRPr>
+                <a:solidFill>
+                  <a:srgbClr val="000000"/>
+                </a:solidFill>
+                <a:latin typeface="PingFang TC Semibold"/>
+                <a:ea typeface="PingFang TC Semibold"/>
+                <a:cs typeface="PingFang TC Semibold"/>
+                <a:sym typeface="PingFang TC Semibold"/>
+              </a:defRPr>
+            </a:pPr>
+            <a:r>
+              <a:rPr lang="en-US" altLang="zh-TW" dirty="0">
+                <a:latin typeface="微軟正黑體" panose="020B0604030504040204" pitchFamily="34" charset="-120"/>
+                <a:ea typeface="微軟正黑體" panose="020B0604030504040204" pitchFamily="34" charset="-120"/>
+              </a:rPr>
+              <a:t>2.</a:t>
+            </a:r>
+            <a:r>
+              <a:rPr lang="zh-TW" altLang="en-US" dirty="0">
+                <a:latin typeface="微軟正黑體" panose="020B0604030504040204" pitchFamily="34" charset="-120"/>
+                <a:ea typeface="微軟正黑體" panose="020B0604030504040204" pitchFamily="34" charset="-120"/>
+              </a:rPr>
+              <a:t> 產業價值鏈資訊平台</a:t>
+            </a:r>
+            <a:endParaRPr lang="en-US" altLang="zh-TW" dirty="0">
+              <a:latin typeface="微軟正黑體" panose="020B0604030504040204" pitchFamily="34" charset="-120"/>
+              <a:ea typeface="微軟正黑體" panose="020B0604030504040204" pitchFamily="34" charset="-120"/>
+            </a:endParaRPr>
           </a:p>
         </p:txBody>
       </p:sp>
@@ -13033,7 +12966,7 @@
 </p:sld>
 </file>
 
-<file path=ppt/slides/slide14.xml><?xml version="1.0" encoding="utf-8"?>
+<file path=ppt/slides/slide13.xml><?xml version="1.0" encoding="utf-8"?>
 <p:sld xmlns:a="http://schemas.openxmlformats.org/drawingml/2006/main" xmlns:r="http://schemas.openxmlformats.org/officeDocument/2006/relationships" xmlns:p="http://schemas.openxmlformats.org/presentationml/2006/main">
   <p:cSld>
     <p:spTree>
@@ -13063,7 +12996,7 @@
         <p:spPr>
           <a:xfrm>
             <a:off x="457200" y="53974"/>
-            <a:ext cx="6953794" cy="2207088"/>
+            <a:ext cx="6953794" cy="1431926"/>
           </a:xfrm>
           <a:prstGeom prst="rect">
             <a:avLst/>
@@ -13094,45 +13027,13 @@
               </a:rPr>
               <a:t>採一站式架構系統</a:t>
             </a:r>
-            <a:br>
-              <a:rPr lang="en-US" altLang="zh-TW" sz="6000" dirty="0">
-                <a:solidFill>
-                  <a:srgbClr val="C08225"/>
-                </a:solidFill>
-                <a:latin typeface="微軟正黑體" panose="020B0604030504040204" pitchFamily="34" charset="-120"/>
-                <a:ea typeface="微軟正黑體" panose="020B0604030504040204" pitchFamily="34" charset="-120"/>
-              </a:rPr>
-            </a:br>
-            <a:r>
-              <a:rPr lang="en-US" altLang="zh-TW" sz="6000" dirty="0">
-                <a:solidFill>
-                  <a:srgbClr val="C08225"/>
-                </a:solidFill>
-                <a:latin typeface="微軟正黑體" panose="020B0604030504040204" pitchFamily="34" charset="-120"/>
-                <a:ea typeface="微軟正黑體" panose="020B0604030504040204" pitchFamily="34" charset="-120"/>
-              </a:rPr>
-              <a:t>(</a:t>
-            </a:r>
-            <a:r>
-              <a:rPr lang="zh-TW" altLang="en-US" sz="6000" dirty="0">
-                <a:solidFill>
-                  <a:srgbClr val="C08225"/>
-                </a:solidFill>
-                <a:latin typeface="微軟正黑體" panose="020B0604030504040204" pitchFamily="34" charset="-120"/>
-                <a:ea typeface="微軟正黑體" panose="020B0604030504040204" pitchFamily="34" charset="-120"/>
-              </a:rPr>
-              <a:t>舊架構</a:t>
-            </a:r>
-            <a:r>
-              <a:rPr lang="en-US" altLang="zh-TW" sz="6000" dirty="0">
-                <a:solidFill>
-                  <a:srgbClr val="C08225"/>
-                </a:solidFill>
-                <a:latin typeface="微軟正黑體" panose="020B0604030504040204" pitchFamily="34" charset="-120"/>
-                <a:ea typeface="微軟正黑體" panose="020B0604030504040204" pitchFamily="34" charset="-120"/>
-              </a:rPr>
-              <a:t>)</a:t>
-            </a:r>
+            <a:endParaRPr lang="en-US" altLang="zh-TW" sz="6000" dirty="0">
+              <a:solidFill>
+                <a:srgbClr val="C08225"/>
+              </a:solidFill>
+              <a:latin typeface="微軟正黑體" panose="020B0604030504040204" pitchFamily="34" charset="-120"/>
+              <a:ea typeface="微軟正黑體" panose="020B0604030504040204" pitchFamily="34" charset="-120"/>
+            </a:endParaRPr>
           </a:p>
         </p:txBody>
       </p:sp>
@@ -13186,10 +13087,10 @@
       </p:sp>
       <p:pic>
         <p:nvPicPr>
-          <p:cNvPr id="3" name="圖片 2">
+          <p:cNvPr id="4" name="圖片 3">
             <a:extLst>
               <a:ext uri="{FF2B5EF4-FFF2-40B4-BE49-F238E27FC236}">
-                <a16:creationId xmlns:a16="http://schemas.microsoft.com/office/drawing/2014/main" id="{1531071E-A003-AE9C-12DD-11ECCA2B3CCA}"/>
+                <a16:creationId xmlns:a16="http://schemas.microsoft.com/office/drawing/2014/main" id="{09B4740E-3942-3120-21B9-C1E3C67FF26C}"/>
               </a:ext>
             </a:extLst>
           </p:cNvPr>
@@ -13199,21 +13100,15 @@
           <p:nvPr/>
         </p:nvPicPr>
         <p:blipFill>
-          <a:blip r:embed="rId2">
-            <a:extLst>
-              <a:ext uri="{28A0092B-C50C-407E-A947-70E740481C1C}">
-                <a14:useLocalDpi xmlns:a14="http://schemas.microsoft.com/office/drawing/2010/main" val="0"/>
-              </a:ext>
-            </a:extLst>
-          </a:blip>
+          <a:blip r:embed="rId2"/>
           <a:stretch>
             <a:fillRect/>
           </a:stretch>
         </p:blipFill>
         <p:spPr>
           <a:xfrm>
-            <a:off x="1466850" y="2149641"/>
-            <a:ext cx="4881440" cy="4596938"/>
+            <a:off x="1544947" y="1165669"/>
+            <a:ext cx="6122678" cy="5638357"/>
           </a:xfrm>
           <a:prstGeom prst="rect">
             <a:avLst/>
@@ -13234,7 +13129,7 @@
 </p:sld>
 </file>
 
-<file path=ppt/slides/slide15.xml><?xml version="1.0" encoding="utf-8"?>
+<file path=ppt/slides/slide14.xml><?xml version="1.0" encoding="utf-8"?>
 <p:sld xmlns:a="http://schemas.openxmlformats.org/drawingml/2006/main" xmlns:r="http://schemas.openxmlformats.org/officeDocument/2006/relationships" xmlns:p="http://schemas.openxmlformats.org/presentationml/2006/main">
   <p:cSld>
     <p:spTree>
@@ -13326,7 +13221,7 @@
 </p:sld>
 </file>
 
-<file path=ppt/slides/slide16.xml><?xml version="1.0" encoding="utf-8"?>
+<file path=ppt/slides/slide15.xml><?xml version="1.0" encoding="utf-8"?>
 <p:sld xmlns:a="http://schemas.openxmlformats.org/drawingml/2006/main" xmlns:r="http://schemas.openxmlformats.org/officeDocument/2006/relationships" xmlns:p="http://schemas.openxmlformats.org/presentationml/2006/main">
   <p:cSld>
     <p:spTree>
@@ -13355,7 +13250,7 @@
         </p:nvSpPr>
         <p:spPr>
           <a:xfrm>
-            <a:off x="1058091" y="585196"/>
+            <a:off x="1058091" y="456108"/>
             <a:ext cx="6448697" cy="1644197"/>
           </a:xfrm>
           <a:prstGeom prst="rect">
@@ -13434,7 +13329,7 @@
         <p:spPr>
           <a:xfrm>
             <a:off x="457200" y="2403566"/>
-            <a:ext cx="8229600" cy="4454434"/>
+            <a:ext cx="6191250" cy="4454434"/>
           </a:xfrm>
           <a:prstGeom prst="rect">
             <a:avLst/>
@@ -13463,18 +13358,25 @@
               </a:defRPr>
             </a:pPr>
             <a:r>
+              <a:rPr lang="zh-TW" altLang="en-US" dirty="0">
+                <a:latin typeface="微軟正黑體" panose="020B0604030504040204" pitchFamily="34" charset="-120"/>
+                <a:ea typeface="微軟正黑體" panose="020B0604030504040204" pitchFamily="34" charset="-120"/>
+              </a:rPr>
+              <a:t>後端不再渲染</a:t>
+            </a:r>
+            <a:r>
               <a:rPr lang="en-US" altLang="zh-TW" dirty="0">
                 <a:latin typeface="微軟正黑體" panose="020B0604030504040204" pitchFamily="34" charset="-120"/>
                 <a:ea typeface="微軟正黑體" panose="020B0604030504040204" pitchFamily="34" charset="-120"/>
               </a:rPr>
-              <a:t>1.</a:t>
+              <a:t>HTML</a:t>
             </a:r>
             <a:r>
               <a:rPr lang="zh-TW" altLang="en-US" dirty="0">
                 <a:latin typeface="微軟正黑體" panose="020B0604030504040204" pitchFamily="34" charset="-120"/>
                 <a:ea typeface="微軟正黑體" panose="020B0604030504040204" pitchFamily="34" charset="-120"/>
               </a:rPr>
-              <a:t> 新官網</a:t>
+              <a:t>頁面，僅需對外提供數據即可。</a:t>
             </a:r>
             <a:endParaRPr lang="en-US" altLang="zh-TW" dirty="0">
               <a:latin typeface="微軟正黑體" panose="020B0604030504040204" pitchFamily="34" charset="-120"/>
@@ -13505,14 +13407,14 @@
                 <a:latin typeface="微軟正黑體" panose="020B0604030504040204" pitchFamily="34" charset="-120"/>
                 <a:ea typeface="微軟正黑體" panose="020B0604030504040204" pitchFamily="34" charset="-120"/>
               </a:rPr>
-              <a:t>2.</a:t>
+              <a:t>1.</a:t>
             </a:r>
             <a:r>
               <a:rPr lang="zh-TW" altLang="en-US" dirty="0">
                 <a:latin typeface="微軟正黑體" panose="020B0604030504040204" pitchFamily="34" charset="-120"/>
                 <a:ea typeface="微軟正黑體" panose="020B0604030504040204" pitchFamily="34" charset="-120"/>
               </a:rPr>
-              <a:t> 市場訊息中心</a:t>
+              <a:t> 新官網</a:t>
             </a:r>
             <a:endParaRPr lang="en-US" altLang="zh-TW" dirty="0">
               <a:latin typeface="微軟正黑體" panose="020B0604030504040204" pitchFamily="34" charset="-120"/>
@@ -13543,28 +13445,14 @@
                 <a:latin typeface="微軟正黑體" panose="020B0604030504040204" pitchFamily="34" charset="-120"/>
                 <a:ea typeface="微軟正黑體" panose="020B0604030504040204" pitchFamily="34" charset="-120"/>
               </a:rPr>
-              <a:t>3.</a:t>
+              <a:t>2.</a:t>
             </a:r>
             <a:r>
               <a:rPr lang="zh-TW" altLang="en-US" dirty="0">
                 <a:latin typeface="微軟正黑體" panose="020B0604030504040204" pitchFamily="34" charset="-120"/>
                 <a:ea typeface="微軟正黑體" panose="020B0604030504040204" pitchFamily="34" charset="-120"/>
               </a:rPr>
-              <a:t> </a:t>
-            </a:r>
-            <a:r>
-              <a:rPr lang="en-US" altLang="zh-TW" dirty="0">
-                <a:latin typeface="微軟正黑體" panose="020B0604030504040204" pitchFamily="34" charset="-120"/>
-                <a:ea typeface="微軟正黑體" panose="020B0604030504040204" pitchFamily="34" charset="-120"/>
-              </a:rPr>
-              <a:t>ETF</a:t>
-            </a:r>
-            <a:r>
-              <a:rPr lang="zh-TW" altLang="en-US" dirty="0">
-                <a:latin typeface="微軟正黑體" panose="020B0604030504040204" pitchFamily="34" charset="-120"/>
-                <a:ea typeface="微軟正黑體" panose="020B0604030504040204" pitchFamily="34" charset="-120"/>
-              </a:rPr>
-              <a:t>訊息中心</a:t>
+              <a:t> 市場訊息中心</a:t>
             </a:r>
             <a:endParaRPr lang="en-US" altLang="zh-TW" dirty="0">
               <a:latin typeface="微軟正黑體" panose="020B0604030504040204" pitchFamily="34" charset="-120"/>
@@ -13595,6 +13483,58 @@
                 <a:latin typeface="微軟正黑體" panose="020B0604030504040204" pitchFamily="34" charset="-120"/>
                 <a:ea typeface="微軟正黑體" panose="020B0604030504040204" pitchFamily="34" charset="-120"/>
               </a:rPr>
+              <a:t>3.</a:t>
+            </a:r>
+            <a:r>
+              <a:rPr lang="zh-TW" altLang="en-US" dirty="0">
+                <a:latin typeface="微軟正黑體" panose="020B0604030504040204" pitchFamily="34" charset="-120"/>
+                <a:ea typeface="微軟正黑體" panose="020B0604030504040204" pitchFamily="34" charset="-120"/>
+              </a:rPr>
+              <a:t> </a:t>
+            </a:r>
+            <a:r>
+              <a:rPr lang="en-US" altLang="zh-TW" dirty="0">
+                <a:latin typeface="微軟正黑體" panose="020B0604030504040204" pitchFamily="34" charset="-120"/>
+                <a:ea typeface="微軟正黑體" panose="020B0604030504040204" pitchFamily="34" charset="-120"/>
+              </a:rPr>
+              <a:t>ETF</a:t>
+            </a:r>
+            <a:r>
+              <a:rPr lang="zh-TW" altLang="en-US" dirty="0">
+                <a:latin typeface="微軟正黑體" panose="020B0604030504040204" pitchFamily="34" charset="-120"/>
+                <a:ea typeface="微軟正黑體" panose="020B0604030504040204" pitchFamily="34" charset="-120"/>
+              </a:rPr>
+              <a:t>訊息中心</a:t>
+            </a:r>
+            <a:endParaRPr lang="en-US" altLang="zh-TW" dirty="0">
+              <a:latin typeface="微軟正黑體" panose="020B0604030504040204" pitchFamily="34" charset="-120"/>
+              <a:ea typeface="微軟正黑體" panose="020B0604030504040204" pitchFamily="34" charset="-120"/>
+            </a:endParaRPr>
+          </a:p>
+          <a:p>
+            <a:pPr defTabSz="914400">
+              <a:spcBef>
+                <a:spcPts val="2200"/>
+              </a:spcBef>
+              <a:buClrTx/>
+              <a:buSzPct val="100000"/>
+              <a:buFont typeface="Wingdings" panose="05000000000000000000" pitchFamily="2" charset="2"/>
+              <a:buChar char="n"/>
+              <a:defRPr>
+                <a:solidFill>
+                  <a:srgbClr val="000000"/>
+                </a:solidFill>
+                <a:latin typeface="PingFang TC Semibold"/>
+                <a:ea typeface="PingFang TC Semibold"/>
+                <a:cs typeface="PingFang TC Semibold"/>
+                <a:sym typeface="PingFang TC Semibold"/>
+              </a:defRPr>
+            </a:pPr>
+            <a:r>
+              <a:rPr lang="en-US" altLang="zh-TW" dirty="0">
+                <a:latin typeface="微軟正黑體" panose="020B0604030504040204" pitchFamily="34" charset="-120"/>
+                <a:ea typeface="微軟正黑體" panose="020B0604030504040204" pitchFamily="34" charset="-120"/>
+              </a:rPr>
               <a:t>4.</a:t>
             </a:r>
             <a:r>
@@ -13614,6 +13554,36 @@
           </a:p>
         </p:txBody>
       </p:sp>
+      <p:pic>
+        <p:nvPicPr>
+          <p:cNvPr id="2" name="圖片 1">
+            <a:extLst>
+              <a:ext uri="{FF2B5EF4-FFF2-40B4-BE49-F238E27FC236}">
+                <a16:creationId xmlns:a16="http://schemas.microsoft.com/office/drawing/2014/main" id="{F89C9B6C-0E62-F988-A14B-5860EC1E50A0}"/>
+              </a:ext>
+            </a:extLst>
+          </p:cNvPr>
+          <p:cNvPicPr>
+            <a:picLocks noChangeAspect="1"/>
+          </p:cNvPicPr>
+          <p:nvPr/>
+        </p:nvPicPr>
+        <p:blipFill>
+          <a:blip r:embed="rId2"/>
+          <a:stretch>
+            <a:fillRect/>
+          </a:stretch>
+        </p:blipFill>
+        <p:spPr>
+          <a:xfrm>
+            <a:off x="6760297" y="2424128"/>
+            <a:ext cx="1926503" cy="3920068"/>
+          </a:xfrm>
+          <a:prstGeom prst="rect">
+            <a:avLst/>
+          </a:prstGeom>
+        </p:spPr>
+      </p:pic>
     </p:spTree>
     <p:extLst>
       <p:ext uri="{BB962C8B-B14F-4D97-AF65-F5344CB8AC3E}">
@@ -13628,7 +13598,7 @@
 </p:sld>
 </file>
 
-<file path=ppt/slides/slide17.xml><?xml version="1.0" encoding="utf-8"?>
+<file path=ppt/slides/slide16.xml><?xml version="1.0" encoding="utf-8"?>
 <p:sld xmlns:a="http://schemas.openxmlformats.org/drawingml/2006/main" xmlns:r="http://schemas.openxmlformats.org/officeDocument/2006/relationships" xmlns:p="http://schemas.openxmlformats.org/presentationml/2006/main">
   <p:cSld>
     <p:spTree>
@@ -13683,6 +13653,382 @@
     <p:extLst>
       <p:ext uri="{BB962C8B-B14F-4D97-AF65-F5344CB8AC3E}">
         <p14:creationId xmlns:p14="http://schemas.microsoft.com/office/powerpoint/2010/main" val="2837863183"/>
+      </p:ext>
+    </p:extLst>
+  </p:cSld>
+  <p:clrMapOvr>
+    <a:masterClrMapping/>
+  </p:clrMapOvr>
+  <p:transition spd="med"/>
+</p:sld>
+</file>
+
+<file path=ppt/slides/slide17.xml><?xml version="1.0" encoding="utf-8"?>
+<p:sld xmlns:a="http://schemas.openxmlformats.org/drawingml/2006/main" xmlns:r="http://schemas.openxmlformats.org/officeDocument/2006/relationships" xmlns:p="http://schemas.openxmlformats.org/presentationml/2006/main">
+  <p:cSld>
+    <p:spTree>
+      <p:nvGrpSpPr>
+        <p:cNvPr id="1" name=""/>
+        <p:cNvGrpSpPr/>
+        <p:nvPr/>
+      </p:nvGrpSpPr>
+      <p:grpSpPr>
+        <a:xfrm>
+          <a:off x="0" y="0"/>
+          <a:ext cx="0" cy="0"/>
+          <a:chOff x="0" y="0"/>
+          <a:chExt cx="0" cy="0"/>
+        </a:xfrm>
+      </p:grpSpPr>
+      <p:sp>
+        <p:nvSpPr>
+          <p:cNvPr id="402" name="中小規模企業掛牌首選之交易所"/>
+          <p:cNvSpPr txBox="1">
+            <a:spLocks noGrp="1"/>
+          </p:cNvSpPr>
+          <p:nvPr>
+            <p:ph type="title"/>
+          </p:nvPr>
+        </p:nvSpPr>
+        <p:spPr>
+          <a:xfrm>
+            <a:off x="457200" y="423090"/>
+            <a:ext cx="8229600" cy="1508126"/>
+          </a:xfrm>
+          <a:prstGeom prst="rect">
+            <a:avLst/>
+          </a:prstGeom>
+        </p:spPr>
+        <p:txBody>
+          <a:bodyPr/>
+          <a:lstStyle>
+            <a:lvl1pPr defTabSz="457200">
+              <a:lnSpc>
+                <a:spcPct val="100000"/>
+              </a:lnSpc>
+              <a:defRPr sz="3200">
+                <a:solidFill>
+                  <a:srgbClr val="805F0A"/>
+                </a:solidFill>
+              </a:defRPr>
+            </a:lvl1pPr>
+          </a:lstStyle>
+          <a:p>
+            <a:r>
+              <a:rPr lang="zh-TW" altLang="en-US" sz="6000" dirty="0">
+                <a:solidFill>
+                  <a:srgbClr val="C08225"/>
+                </a:solidFill>
+                <a:latin typeface="微軟正黑體" panose="020B0604030504040204" pitchFamily="34" charset="-120"/>
+                <a:ea typeface="微軟正黑體" panose="020B0604030504040204" pitchFamily="34" charset="-120"/>
+              </a:rPr>
+              <a:t>前後端分離式架構優點</a:t>
+            </a:r>
+            <a:endParaRPr sz="6000" dirty="0"/>
+          </a:p>
+        </p:txBody>
+      </p:sp>
+      <p:sp>
+        <p:nvSpPr>
+          <p:cNvPr id="403" name="櫃買中心為股票及債券均健全發展且 表現亮眼之雙引擎市場…"/>
+          <p:cNvSpPr txBox="1">
+            <a:spLocks noGrp="1"/>
+          </p:cNvSpPr>
+          <p:nvPr>
+            <p:ph type="body" idx="1"/>
+          </p:nvPr>
+        </p:nvSpPr>
+        <p:spPr>
+          <a:xfrm>
+            <a:off x="457200" y="2172748"/>
+            <a:ext cx="8229600" cy="4685251"/>
+          </a:xfrm>
+          <a:prstGeom prst="rect">
+            <a:avLst/>
+          </a:prstGeom>
+        </p:spPr>
+        <p:txBody>
+          <a:bodyPr/>
+          <a:lstStyle/>
+          <a:p>
+            <a:pPr defTabSz="914400">
+              <a:spcBef>
+                <a:spcPts val="2200"/>
+              </a:spcBef>
+              <a:buClrTx/>
+              <a:buSzPct val="100000"/>
+              <a:buFont typeface="Wingdings" panose="05000000000000000000" pitchFamily="2" charset="2"/>
+              <a:buChar char="n"/>
+              <a:defRPr>
+                <a:solidFill>
+                  <a:srgbClr val="000000"/>
+                </a:solidFill>
+                <a:latin typeface="PingFang TC Semibold"/>
+                <a:ea typeface="PingFang TC Semibold"/>
+                <a:cs typeface="PingFang TC Semibold"/>
+                <a:sym typeface="PingFang TC Semibold"/>
+              </a:defRPr>
+            </a:pPr>
+            <a:r>
+              <a:rPr lang="en-US" altLang="zh-TW" dirty="0">
+                <a:latin typeface="微軟正黑體" panose="020B0604030504040204" pitchFamily="34" charset="-120"/>
+                <a:ea typeface="微軟正黑體" panose="020B0604030504040204" pitchFamily="34" charset="-120"/>
+              </a:rPr>
+              <a:t>1.</a:t>
+            </a:r>
+            <a:r>
+              <a:rPr lang="zh-TW" altLang="en-US" dirty="0">
+                <a:latin typeface="微軟正黑體" panose="020B0604030504040204" pitchFamily="34" charset="-120"/>
+                <a:ea typeface="微軟正黑體" panose="020B0604030504040204" pitchFamily="34" charset="-120"/>
+              </a:rPr>
+              <a:t> 專長領域分工</a:t>
+            </a:r>
+            <a:r>
+              <a:rPr lang="en-US" altLang="zh-TW" dirty="0">
+                <a:latin typeface="微軟正黑體" panose="020B0604030504040204" pitchFamily="34" charset="-120"/>
+                <a:ea typeface="微軟正黑體" panose="020B0604030504040204" pitchFamily="34" charset="-120"/>
+              </a:rPr>
+              <a:t>:</a:t>
+            </a:r>
+            <a:r>
+              <a:rPr lang="zh-TW" altLang="en-US" dirty="0">
+                <a:latin typeface="微軟正黑體" panose="020B0604030504040204" pitchFamily="34" charset="-120"/>
+                <a:ea typeface="微軟正黑體" panose="020B0604030504040204" pitchFamily="34" charset="-120"/>
+              </a:rPr>
+              <a:t> 前後端開發分工，提高效率</a:t>
+            </a:r>
+            <a:endParaRPr lang="en-US" altLang="zh-TW" dirty="0">
+              <a:latin typeface="微軟正黑體" panose="020B0604030504040204" pitchFamily="34" charset="-120"/>
+              <a:ea typeface="微軟正黑體" panose="020B0604030504040204" pitchFamily="34" charset="-120"/>
+            </a:endParaRPr>
+          </a:p>
+          <a:p>
+            <a:pPr defTabSz="914400">
+              <a:spcBef>
+                <a:spcPts val="2200"/>
+              </a:spcBef>
+              <a:buClrTx/>
+              <a:buSzPct val="100000"/>
+              <a:buFont typeface="Wingdings" panose="05000000000000000000" pitchFamily="2" charset="2"/>
+              <a:buChar char="n"/>
+              <a:defRPr>
+                <a:solidFill>
+                  <a:srgbClr val="000000"/>
+                </a:solidFill>
+                <a:latin typeface="PingFang TC Semibold"/>
+                <a:ea typeface="PingFang TC Semibold"/>
+                <a:cs typeface="PingFang TC Semibold"/>
+                <a:sym typeface="PingFang TC Semibold"/>
+              </a:defRPr>
+            </a:pPr>
+            <a:r>
+              <a:rPr lang="en-US" altLang="zh-TW" dirty="0">
+                <a:latin typeface="微軟正黑體" panose="020B0604030504040204" pitchFamily="34" charset="-120"/>
+                <a:ea typeface="微軟正黑體" panose="020B0604030504040204" pitchFamily="34" charset="-120"/>
+              </a:rPr>
+              <a:t>2.</a:t>
+            </a:r>
+            <a:r>
+              <a:rPr lang="zh-TW" altLang="en-US" dirty="0">
+                <a:latin typeface="微軟正黑體" panose="020B0604030504040204" pitchFamily="34" charset="-120"/>
+                <a:ea typeface="微軟正黑體" panose="020B0604030504040204" pitchFamily="34" charset="-120"/>
+              </a:rPr>
+              <a:t> 可維護性</a:t>
+            </a:r>
+            <a:r>
+              <a:rPr lang="en-US" altLang="zh-TW" dirty="0">
+                <a:latin typeface="微軟正黑體" panose="020B0604030504040204" pitchFamily="34" charset="-120"/>
+                <a:ea typeface="微軟正黑體" panose="020B0604030504040204" pitchFamily="34" charset="-120"/>
+              </a:rPr>
+              <a:t>:</a:t>
+            </a:r>
+            <a:r>
+              <a:rPr lang="zh-TW" altLang="en-US" dirty="0">
+                <a:latin typeface="微軟正黑體" panose="020B0604030504040204" pitchFamily="34" charset="-120"/>
+                <a:ea typeface="微軟正黑體" panose="020B0604030504040204" pitchFamily="34" charset="-120"/>
+              </a:rPr>
+              <a:t> 程式碼結構清晰，便於維護和更新</a:t>
+            </a:r>
+            <a:endParaRPr lang="en-US" altLang="zh-TW" dirty="0">
+              <a:latin typeface="微軟正黑體" panose="020B0604030504040204" pitchFamily="34" charset="-120"/>
+              <a:ea typeface="微軟正黑體" panose="020B0604030504040204" pitchFamily="34" charset="-120"/>
+            </a:endParaRPr>
+          </a:p>
+          <a:p>
+            <a:pPr defTabSz="914400">
+              <a:spcBef>
+                <a:spcPts val="2200"/>
+              </a:spcBef>
+              <a:buClrTx/>
+              <a:buSzPct val="100000"/>
+              <a:buFont typeface="Wingdings" panose="05000000000000000000" pitchFamily="2" charset="2"/>
+              <a:buChar char="n"/>
+              <a:defRPr>
+                <a:solidFill>
+                  <a:srgbClr val="000000"/>
+                </a:solidFill>
+                <a:latin typeface="PingFang TC Semibold"/>
+                <a:ea typeface="PingFang TC Semibold"/>
+                <a:cs typeface="PingFang TC Semibold"/>
+                <a:sym typeface="PingFang TC Semibold"/>
+              </a:defRPr>
+            </a:pPr>
+            <a:r>
+              <a:rPr lang="en-US" altLang="zh-TW" dirty="0">
+                <a:latin typeface="微軟正黑體" panose="020B0604030504040204" pitchFamily="34" charset="-120"/>
+                <a:ea typeface="微軟正黑體" panose="020B0604030504040204" pitchFamily="34" charset="-120"/>
+              </a:rPr>
+              <a:t>3.</a:t>
+            </a:r>
+            <a:r>
+              <a:rPr lang="zh-TW" altLang="en-US" dirty="0">
+                <a:latin typeface="微軟正黑體" panose="020B0604030504040204" pitchFamily="34" charset="-120"/>
+                <a:ea typeface="微軟正黑體" panose="020B0604030504040204" pitchFamily="34" charset="-120"/>
+              </a:rPr>
+              <a:t> 更好的用戶體驗</a:t>
+            </a:r>
+            <a:r>
+              <a:rPr lang="en-US" altLang="zh-TW" dirty="0">
+                <a:latin typeface="微軟正黑體" panose="020B0604030504040204" pitchFamily="34" charset="-120"/>
+                <a:ea typeface="微軟正黑體" panose="020B0604030504040204" pitchFamily="34" charset="-120"/>
+              </a:rPr>
+              <a:t>:</a:t>
+            </a:r>
+            <a:r>
+              <a:rPr lang="zh-TW" altLang="en-US" dirty="0">
+                <a:latin typeface="微軟正黑體" panose="020B0604030504040204" pitchFamily="34" charset="-120"/>
+                <a:ea typeface="微軟正黑體" panose="020B0604030504040204" pitchFamily="34" charset="-120"/>
+              </a:rPr>
+              <a:t> 前端可以通過</a:t>
+            </a:r>
+            <a:r>
+              <a:rPr lang="en-US" altLang="zh-TW" dirty="0">
+                <a:latin typeface="微軟正黑體" panose="020B0604030504040204" pitchFamily="34" charset="-120"/>
+                <a:ea typeface="微軟正黑體" panose="020B0604030504040204" pitchFamily="34" charset="-120"/>
+              </a:rPr>
+              <a:t>AJAX</a:t>
+            </a:r>
+            <a:r>
+              <a:rPr lang="zh-TW" altLang="en-US" dirty="0">
+                <a:latin typeface="微軟正黑體" panose="020B0604030504040204" pitchFamily="34" charset="-120"/>
+                <a:ea typeface="微軟正黑體" panose="020B0604030504040204" pitchFamily="34" charset="-120"/>
+              </a:rPr>
+              <a:t>技術，無須重新加載整個頁面。</a:t>
+            </a:r>
+            <a:endParaRPr lang="en-US" altLang="zh-TW" dirty="0">
+              <a:latin typeface="微軟正黑體" panose="020B0604030504040204" pitchFamily="34" charset="-120"/>
+              <a:ea typeface="微軟正黑體" panose="020B0604030504040204" pitchFamily="34" charset="-120"/>
+            </a:endParaRPr>
+          </a:p>
+          <a:p>
+            <a:pPr defTabSz="914400">
+              <a:spcBef>
+                <a:spcPts val="2200"/>
+              </a:spcBef>
+              <a:buClrTx/>
+              <a:buSzPct val="100000"/>
+              <a:buFont typeface="Wingdings" panose="05000000000000000000" pitchFamily="2" charset="2"/>
+              <a:buChar char="n"/>
+              <a:defRPr>
+                <a:solidFill>
+                  <a:srgbClr val="000000"/>
+                </a:solidFill>
+                <a:latin typeface="PingFang TC Semibold"/>
+                <a:ea typeface="PingFang TC Semibold"/>
+                <a:cs typeface="PingFang TC Semibold"/>
+                <a:sym typeface="PingFang TC Semibold"/>
+              </a:defRPr>
+            </a:pPr>
+            <a:r>
+              <a:rPr lang="en-US" altLang="zh-TW" dirty="0">
+                <a:latin typeface="微軟正黑體" panose="020B0604030504040204" pitchFamily="34" charset="-120"/>
+                <a:ea typeface="微軟正黑體" panose="020B0604030504040204" pitchFamily="34" charset="-120"/>
+              </a:rPr>
+              <a:t>4.</a:t>
+            </a:r>
+            <a:r>
+              <a:rPr lang="zh-TW" altLang="en-US" dirty="0">
+                <a:latin typeface="微軟正黑體" panose="020B0604030504040204" pitchFamily="34" charset="-120"/>
+                <a:ea typeface="微軟正黑體" panose="020B0604030504040204" pitchFamily="34" charset="-120"/>
+              </a:rPr>
+              <a:t> </a:t>
+            </a:r>
+            <a:r>
+              <a:rPr lang="en-US" altLang="zh-TW" dirty="0">
+                <a:latin typeface="微軟正黑體" panose="020B0604030504040204" pitchFamily="34" charset="-120"/>
+                <a:ea typeface="微軟正黑體" panose="020B0604030504040204" pitchFamily="34" charset="-120"/>
+              </a:rPr>
+              <a:t>API</a:t>
+            </a:r>
+            <a:r>
+              <a:rPr lang="zh-TW" altLang="en-US" dirty="0">
+                <a:latin typeface="微軟正黑體" panose="020B0604030504040204" pitchFamily="34" charset="-120"/>
+                <a:ea typeface="微軟正黑體" panose="020B0604030504040204" pitchFamily="34" charset="-120"/>
+              </a:rPr>
+              <a:t>重用</a:t>
+            </a:r>
+            <a:r>
+              <a:rPr lang="en-US" altLang="zh-TW" dirty="0">
+                <a:latin typeface="微軟正黑體" panose="020B0604030504040204" pitchFamily="34" charset="-120"/>
+                <a:ea typeface="微軟正黑體" panose="020B0604030504040204" pitchFamily="34" charset="-120"/>
+              </a:rPr>
+              <a:t>:</a:t>
+            </a:r>
+            <a:r>
+              <a:rPr lang="zh-TW" altLang="en-US" dirty="0">
+                <a:latin typeface="微軟正黑體" panose="020B0604030504040204" pitchFamily="34" charset="-120"/>
+                <a:ea typeface="微軟正黑體" panose="020B0604030504040204" pitchFamily="34" charset="-120"/>
+              </a:rPr>
+              <a:t> 後端提供的</a:t>
+            </a:r>
+            <a:r>
+              <a:rPr lang="en-US" altLang="zh-TW" dirty="0">
+                <a:latin typeface="微軟正黑體" panose="020B0604030504040204" pitchFamily="34" charset="-120"/>
+                <a:ea typeface="微軟正黑體" panose="020B0604030504040204" pitchFamily="34" charset="-120"/>
+              </a:rPr>
+              <a:t>API</a:t>
+            </a:r>
+            <a:r>
+              <a:rPr lang="zh-TW" altLang="en-US" dirty="0">
+                <a:latin typeface="微軟正黑體" panose="020B0604030504040204" pitchFamily="34" charset="-120"/>
+                <a:ea typeface="微軟正黑體" panose="020B0604030504040204" pitchFamily="34" charset="-120"/>
+              </a:rPr>
+              <a:t>可以被不同的前端網站重用，提升系統的靈活性和可擴展性。</a:t>
+            </a:r>
+            <a:endParaRPr lang="en-US" altLang="zh-TW" dirty="0">
+              <a:latin typeface="微軟正黑體" panose="020B0604030504040204" pitchFamily="34" charset="-120"/>
+              <a:ea typeface="微軟正黑體" panose="020B0604030504040204" pitchFamily="34" charset="-120"/>
+            </a:endParaRPr>
+          </a:p>
+          <a:p>
+            <a:pPr marL="0" indent="0" defTabSz="914400">
+              <a:spcBef>
+                <a:spcPts val="2200"/>
+              </a:spcBef>
+              <a:buClrTx/>
+              <a:buSzPct val="100000"/>
+              <a:buNone/>
+              <a:defRPr>
+                <a:solidFill>
+                  <a:srgbClr val="000000"/>
+                </a:solidFill>
+                <a:latin typeface="PingFang TC Semibold"/>
+                <a:ea typeface="PingFang TC Semibold"/>
+                <a:cs typeface="PingFang TC Semibold"/>
+                <a:sym typeface="PingFang TC Semibold"/>
+              </a:defRPr>
+            </a:pPr>
+            <a:endParaRPr lang="en-US" altLang="zh-TW" dirty="0">
+              <a:latin typeface="微軟正黑體" panose="020B0604030504040204" pitchFamily="34" charset="-120"/>
+              <a:ea typeface="微軟正黑體" panose="020B0604030504040204" pitchFamily="34" charset="-120"/>
+            </a:endParaRPr>
+          </a:p>
+        </p:txBody>
+      </p:sp>
+    </p:spTree>
+    <p:extLst>
+      <p:ext uri="{BB962C8B-B14F-4D97-AF65-F5344CB8AC3E}">
+        <p14:creationId xmlns:p14="http://schemas.microsoft.com/office/powerpoint/2010/main" val="4027739591"/>
       </p:ext>
     </p:extLst>
   </p:cSld>
@@ -13800,6 +14146,44 @@
                 <a:latin typeface="微軟正黑體" panose="020B0604030504040204" pitchFamily="34" charset="-120"/>
                 <a:ea typeface="微軟正黑體" panose="020B0604030504040204" pitchFamily="34" charset="-120"/>
               </a:rPr>
+              <a:t>Nginx</a:t>
+            </a:r>
+            <a:r>
+              <a:rPr lang="zh-TW" altLang="en-US" dirty="0">
+                <a:latin typeface="微軟正黑體" panose="020B0604030504040204" pitchFamily="34" charset="-120"/>
+                <a:ea typeface="微軟正黑體" panose="020B0604030504040204" pitchFamily="34" charset="-120"/>
+              </a:rPr>
+              <a:t>反向代理的好處</a:t>
+            </a:r>
+            <a:endParaRPr lang="en-US" altLang="zh-TW" dirty="0">
+              <a:latin typeface="微軟正黑體" panose="020B0604030504040204" pitchFamily="34" charset="-120"/>
+              <a:ea typeface="微軟正黑體" panose="020B0604030504040204" pitchFamily="34" charset="-120"/>
+            </a:endParaRPr>
+          </a:p>
+          <a:p>
+            <a:pPr>
+              <a:spcBef>
+                <a:spcPts val="2200"/>
+              </a:spcBef>
+              <a:buClrTx/>
+              <a:buSzPct val="100000"/>
+              <a:buFont typeface="Wingdings" panose="05000000000000000000" pitchFamily="2" charset="2"/>
+              <a:buChar char="n"/>
+              <a:defRPr>
+                <a:solidFill>
+                  <a:srgbClr val="000000"/>
+                </a:solidFill>
+                <a:latin typeface="PingFang TC Semibold"/>
+                <a:ea typeface="PingFang TC Semibold"/>
+                <a:cs typeface="PingFang TC Semibold"/>
+                <a:sym typeface="PingFang TC Semibold"/>
+              </a:defRPr>
+            </a:pPr>
+            <a:r>
+              <a:rPr lang="en-US" altLang="zh-TW" dirty="0">
+                <a:latin typeface="微軟正黑體" panose="020B0604030504040204" pitchFamily="34" charset="-120"/>
+                <a:ea typeface="微軟正黑體" panose="020B0604030504040204" pitchFamily="34" charset="-120"/>
+              </a:rPr>
               <a:t>1.</a:t>
             </a:r>
             <a:r>
@@ -13807,7 +14191,21 @@
                 <a:latin typeface="微軟正黑體" panose="020B0604030504040204" pitchFamily="34" charset="-120"/>
                 <a:ea typeface="微軟正黑體" panose="020B0604030504040204" pitchFamily="34" charset="-120"/>
               </a:rPr>
-              <a:t> 專長領域分工</a:t>
+              <a:t>負載均衡</a:t>
+            </a:r>
+            <a:r>
+              <a:rPr lang="en-US" altLang="zh-TW" dirty="0">
+                <a:latin typeface="微軟正黑體" panose="020B0604030504040204" pitchFamily="34" charset="-120"/>
+                <a:ea typeface="微軟正黑體" panose="020B0604030504040204" pitchFamily="34" charset="-120"/>
+              </a:rPr>
+              <a:t>:</a:t>
+            </a:r>
+            <a:r>
+              <a:rPr lang="zh-TW" altLang="en-US" dirty="0">
+                <a:latin typeface="微軟正黑體" panose="020B0604030504040204" pitchFamily="34" charset="-120"/>
+                <a:ea typeface="微軟正黑體" panose="020B0604030504040204" pitchFamily="34" charset="-120"/>
+              </a:rPr>
+              <a:t> </a:t>
             </a:r>
             <a:endParaRPr lang="en-US" altLang="zh-TW" dirty="0">
               <a:latin typeface="微軟正黑體" panose="020B0604030504040204" pitchFamily="34" charset="-120"/>
@@ -13845,7 +14243,7 @@
                 <a:latin typeface="微軟正黑體" panose="020B0604030504040204" pitchFamily="34" charset="-120"/>
                 <a:ea typeface="微軟正黑體" panose="020B0604030504040204" pitchFamily="34" charset="-120"/>
               </a:rPr>
-              <a:t> 提升資訊安全</a:t>
+              <a:t> 安全性</a:t>
             </a:r>
             <a:endParaRPr lang="en-US" altLang="zh-TW" dirty="0">
               <a:latin typeface="微軟正黑體" panose="020B0604030504040204" pitchFamily="34" charset="-120"/>
@@ -13872,69 +14270,108 @@
               </a:defRPr>
             </a:pPr>
             <a:r>
-              <a:rPr lang="zh-TW" altLang="en-US" b="0" i="0" dirty="0">
-                <a:solidFill>
-                  <a:srgbClr val="303233"/>
-                </a:solidFill>
-                <a:effectLst/>
-                <a:highlight>
-                  <a:srgbClr val="FFFFFF"/>
-                </a:highlight>
-                <a:latin typeface="Lato" panose="020F0502020204030204" pitchFamily="34" charset="0"/>
-              </a:rPr>
-              <a:t>後端變成純粹的 </a:t>
-            </a:r>
-            <a:r>
-              <a:rPr lang="en-US" altLang="zh-TW" b="0" i="0" dirty="0">
-                <a:solidFill>
-                  <a:srgbClr val="303233"/>
-                </a:solidFill>
-                <a:effectLst/>
-                <a:highlight>
-                  <a:srgbClr val="FFFFFF"/>
-                </a:highlight>
-                <a:latin typeface="Lato" panose="020F0502020204030204" pitchFamily="34" charset="0"/>
-              </a:rPr>
-              <a:t>API server</a:t>
-            </a:r>
-            <a:r>
-              <a:rPr lang="zh-TW" altLang="en-US" b="0" i="0" dirty="0">
-                <a:solidFill>
-                  <a:srgbClr val="303233"/>
-                </a:solidFill>
-                <a:effectLst/>
-                <a:highlight>
-                  <a:srgbClr val="FFFFFF"/>
-                </a:highlight>
-                <a:latin typeface="Lato" panose="020F0502020204030204" pitchFamily="34" charset="0"/>
-              </a:rPr>
-              <a:t>，你想要的話，任何一個 </a:t>
-            </a:r>
-            <a:r>
-              <a:rPr lang="en-US" altLang="zh-TW" b="0" i="0" dirty="0">
-                <a:solidFill>
-                  <a:srgbClr val="303233"/>
-                </a:solidFill>
-                <a:effectLst/>
-                <a:highlight>
-                  <a:srgbClr val="FFFFFF"/>
-                </a:highlight>
-                <a:latin typeface="Lato" panose="020F0502020204030204" pitchFamily="34" charset="0"/>
-              </a:rPr>
-              <a:t>client </a:t>
-            </a:r>
-            <a:r>
-              <a:rPr lang="zh-TW" altLang="en-US" b="0" i="0" dirty="0">
-                <a:solidFill>
-                  <a:srgbClr val="303233"/>
-                </a:solidFill>
-                <a:effectLst/>
-                <a:highlight>
-                  <a:srgbClr val="FFFFFF"/>
-                </a:highlight>
-                <a:latin typeface="Lato" panose="020F0502020204030204" pitchFamily="34" charset="0"/>
-              </a:rPr>
-              <a:t>都可以來拿資料，而不是像之前那樣子把前端跟後端綁在一起。</a:t>
+              <a:rPr lang="en-US" altLang="zh-TW" dirty="0">
+                <a:latin typeface="微軟正黑體" panose="020B0604030504040204" pitchFamily="34" charset="-120"/>
+                <a:ea typeface="微軟正黑體" panose="020B0604030504040204" pitchFamily="34" charset="-120"/>
+              </a:rPr>
+              <a:t>3.</a:t>
+            </a:r>
+            <a:r>
+              <a:rPr lang="zh-TW" altLang="en-US" dirty="0">
+                <a:latin typeface="微軟正黑體" panose="020B0604030504040204" pitchFamily="34" charset="-120"/>
+                <a:ea typeface="微軟正黑體" panose="020B0604030504040204" pitchFamily="34" charset="-120"/>
+              </a:rPr>
+              <a:t> </a:t>
+            </a:r>
+            <a:r>
+              <a:rPr lang="en-US" altLang="zh-TW" dirty="0">
+                <a:latin typeface="微軟正黑體" panose="020B0604030504040204" pitchFamily="34" charset="-120"/>
+                <a:ea typeface="微軟正黑體" panose="020B0604030504040204" pitchFamily="34" charset="-120"/>
+              </a:rPr>
+              <a:t>SSL</a:t>
+            </a:r>
+            <a:r>
+              <a:rPr lang="zh-TW" altLang="en-US" dirty="0">
+                <a:latin typeface="微軟正黑體" panose="020B0604030504040204" pitchFamily="34" charset="-120"/>
+                <a:ea typeface="微軟正黑體" panose="020B0604030504040204" pitchFamily="34" charset="-120"/>
+              </a:rPr>
+              <a:t>終止</a:t>
+            </a:r>
+            <a:endParaRPr lang="en-US" altLang="zh-TW" dirty="0">
+              <a:latin typeface="微軟正黑體" panose="020B0604030504040204" pitchFamily="34" charset="-120"/>
+              <a:ea typeface="微軟正黑體" panose="020B0604030504040204" pitchFamily="34" charset="-120"/>
+            </a:endParaRPr>
+          </a:p>
+          <a:p>
+            <a:pPr defTabSz="914400">
+              <a:spcBef>
+                <a:spcPts val="2200"/>
+              </a:spcBef>
+              <a:buClrTx/>
+              <a:buSzPct val="100000"/>
+              <a:buFont typeface="Wingdings" panose="05000000000000000000" pitchFamily="2" charset="2"/>
+              <a:buChar char="n"/>
+              <a:defRPr>
+                <a:solidFill>
+                  <a:srgbClr val="000000"/>
+                </a:solidFill>
+                <a:latin typeface="PingFang TC Semibold"/>
+                <a:ea typeface="PingFang TC Semibold"/>
+                <a:cs typeface="PingFang TC Semibold"/>
+                <a:sym typeface="PingFang TC Semibold"/>
+              </a:defRPr>
+            </a:pPr>
+            <a:r>
+              <a:rPr lang="en-US" altLang="zh-TW" dirty="0">
+                <a:latin typeface="微軟正黑體" panose="020B0604030504040204" pitchFamily="34" charset="-120"/>
+                <a:ea typeface="微軟正黑體" panose="020B0604030504040204" pitchFamily="34" charset="-120"/>
+              </a:rPr>
+              <a:t>4.</a:t>
+            </a:r>
+            <a:r>
+              <a:rPr lang="zh-TW" altLang="en-US" dirty="0">
+                <a:latin typeface="微軟正黑體" panose="020B0604030504040204" pitchFamily="34" charset="-120"/>
+                <a:ea typeface="微軟正黑體" panose="020B0604030504040204" pitchFamily="34" charset="-120"/>
+              </a:rPr>
+              <a:t> 快取功能</a:t>
+            </a:r>
+            <a:endParaRPr lang="en-US" altLang="zh-TW" dirty="0">
+              <a:latin typeface="微軟正黑體" panose="020B0604030504040204" pitchFamily="34" charset="-120"/>
+              <a:ea typeface="微軟正黑體" panose="020B0604030504040204" pitchFamily="34" charset="-120"/>
+            </a:endParaRPr>
+          </a:p>
+          <a:p>
+            <a:pPr defTabSz="914400">
+              <a:spcBef>
+                <a:spcPts val="2200"/>
+              </a:spcBef>
+              <a:buClrTx/>
+              <a:buSzPct val="100000"/>
+              <a:buFont typeface="Wingdings" panose="05000000000000000000" pitchFamily="2" charset="2"/>
+              <a:buChar char="n"/>
+              <a:defRPr>
+                <a:solidFill>
+                  <a:srgbClr val="000000"/>
+                </a:solidFill>
+                <a:latin typeface="PingFang TC Semibold"/>
+                <a:ea typeface="PingFang TC Semibold"/>
+                <a:cs typeface="PingFang TC Semibold"/>
+                <a:sym typeface="PingFang TC Semibold"/>
+              </a:defRPr>
+            </a:pPr>
+            <a:r>
+              <a:rPr lang="en-US" altLang="zh-TW" dirty="0">
+                <a:latin typeface="微軟正黑體" panose="020B0604030504040204" pitchFamily="34" charset="-120"/>
+                <a:ea typeface="微軟正黑體" panose="020B0604030504040204" pitchFamily="34" charset="-120"/>
+              </a:rPr>
+              <a:t>5.</a:t>
+            </a:r>
+            <a:r>
+              <a:rPr lang="zh-TW" altLang="en-US" dirty="0">
+                <a:latin typeface="微軟正黑體" panose="020B0604030504040204" pitchFamily="34" charset="-120"/>
+                <a:ea typeface="微軟正黑體" panose="020B0604030504040204" pitchFamily="34" charset="-120"/>
+              </a:rPr>
+              <a:t> 集中化訪問控制</a:t>
             </a:r>
             <a:endParaRPr lang="en-US" altLang="zh-TW" dirty="0">
               <a:latin typeface="微軟正黑體" panose="020B0604030504040204" pitchFamily="34" charset="-120"/>
@@ -13946,7 +14383,7 @@
     </p:spTree>
     <p:extLst>
       <p:ext uri="{BB962C8B-B14F-4D97-AF65-F5344CB8AC3E}">
-        <p14:creationId xmlns:p14="http://schemas.microsoft.com/office/powerpoint/2010/main" val="4027739591"/>
+        <p14:creationId xmlns:p14="http://schemas.microsoft.com/office/powerpoint/2010/main" val="1374857553"/>
       </p:ext>
     </p:extLst>
   </p:cSld>
@@ -14102,28 +14539,14 @@
                 <a:latin typeface="微軟正黑體" panose="020B0604030504040204" pitchFamily="34" charset="-120"/>
                 <a:ea typeface="微軟正黑體" panose="020B0604030504040204" pitchFamily="34" charset="-120"/>
               </a:rPr>
-              <a:t>1.</a:t>
+              <a:t>6.</a:t>
             </a:r>
             <a:r>
               <a:rPr lang="zh-TW" altLang="en-US" dirty="0">
                 <a:latin typeface="微軟正黑體" panose="020B0604030504040204" pitchFamily="34" charset="-120"/>
                 <a:ea typeface="微軟正黑體" panose="020B0604030504040204" pitchFamily="34" charset="-120"/>
               </a:rPr>
-              <a:t>負載均衡</a:t>
-            </a:r>
-            <a:r>
-              <a:rPr lang="en-US" altLang="zh-TW" dirty="0">
-                <a:latin typeface="微軟正黑體" panose="020B0604030504040204" pitchFamily="34" charset="-120"/>
-                <a:ea typeface="微軟正黑體" panose="020B0604030504040204" pitchFamily="34" charset="-120"/>
-              </a:rPr>
-              <a:t>:</a:t>
-            </a:r>
-            <a:r>
-              <a:rPr lang="zh-TW" altLang="en-US" dirty="0">
-                <a:latin typeface="微軟正黑體" panose="020B0604030504040204" pitchFamily="34" charset="-120"/>
-                <a:ea typeface="微軟正黑體" panose="020B0604030504040204" pitchFamily="34" charset="-120"/>
-              </a:rPr>
-              <a:t> </a:t>
+              <a:t> 內容壓縮</a:t>
             </a:r>
             <a:endParaRPr lang="en-US" altLang="zh-TW" dirty="0">
               <a:latin typeface="微軟正黑體" panose="020B0604030504040204" pitchFamily="34" charset="-120"/>
@@ -14154,14 +14577,14 @@
                 <a:latin typeface="微軟正黑體" panose="020B0604030504040204" pitchFamily="34" charset="-120"/>
                 <a:ea typeface="微軟正黑體" panose="020B0604030504040204" pitchFamily="34" charset="-120"/>
               </a:rPr>
-              <a:t>2.</a:t>
+              <a:t>7.</a:t>
             </a:r>
             <a:r>
               <a:rPr lang="zh-TW" altLang="en-US" dirty="0">
                 <a:latin typeface="微軟正黑體" panose="020B0604030504040204" pitchFamily="34" charset="-120"/>
                 <a:ea typeface="微軟正黑體" panose="020B0604030504040204" pitchFamily="34" charset="-120"/>
               </a:rPr>
-              <a:t> 安全性</a:t>
+              <a:t> 請求路由</a:t>
             </a:r>
             <a:endParaRPr lang="en-US" altLang="zh-TW" dirty="0">
               <a:latin typeface="微軟正黑體" panose="020B0604030504040204" pitchFamily="34" charset="-120"/>
@@ -14192,28 +14615,14 @@
                 <a:latin typeface="微軟正黑體" panose="020B0604030504040204" pitchFamily="34" charset="-120"/>
                 <a:ea typeface="微軟正黑體" panose="020B0604030504040204" pitchFamily="34" charset="-120"/>
               </a:rPr>
-              <a:t>3.</a:t>
+              <a:t>8.</a:t>
             </a:r>
             <a:r>
               <a:rPr lang="zh-TW" altLang="en-US" dirty="0">
                 <a:latin typeface="微軟正黑體" panose="020B0604030504040204" pitchFamily="34" charset="-120"/>
                 <a:ea typeface="微軟正黑體" panose="020B0604030504040204" pitchFamily="34" charset="-120"/>
               </a:rPr>
-              <a:t> </a:t>
-            </a:r>
-            <a:r>
-              <a:rPr lang="en-US" altLang="zh-TW" dirty="0">
-                <a:latin typeface="微軟正黑體" panose="020B0604030504040204" pitchFamily="34" charset="-120"/>
-                <a:ea typeface="微軟正黑體" panose="020B0604030504040204" pitchFamily="34" charset="-120"/>
-              </a:rPr>
-              <a:t>SSL</a:t>
-            </a:r>
-            <a:r>
-              <a:rPr lang="zh-TW" altLang="en-US" dirty="0">
-                <a:latin typeface="微軟正黑體" panose="020B0604030504040204" pitchFamily="34" charset="-120"/>
-                <a:ea typeface="微軟正黑體" panose="020B0604030504040204" pitchFamily="34" charset="-120"/>
-              </a:rPr>
-              <a:t>終止</a:t>
+              <a:t> 監控和日誌記錄</a:t>
             </a:r>
             <a:endParaRPr lang="en-US" altLang="zh-TW" dirty="0">
               <a:latin typeface="微軟正黑體" panose="020B0604030504040204" pitchFamily="34" charset="-120"/>
@@ -14244,14 +14653,14 @@
                 <a:latin typeface="微軟正黑體" panose="020B0604030504040204" pitchFamily="34" charset="-120"/>
                 <a:ea typeface="微軟正黑體" panose="020B0604030504040204" pitchFamily="34" charset="-120"/>
               </a:rPr>
-              <a:t>4.</a:t>
+              <a:t>9.</a:t>
             </a:r>
             <a:r>
               <a:rPr lang="zh-TW" altLang="en-US" dirty="0">
                 <a:latin typeface="微軟正黑體" panose="020B0604030504040204" pitchFamily="34" charset="-120"/>
                 <a:ea typeface="微軟正黑體" panose="020B0604030504040204" pitchFamily="34" charset="-120"/>
               </a:rPr>
-              <a:t> 快取功能</a:t>
+              <a:t> 故障轉移</a:t>
             </a:r>
             <a:endParaRPr lang="en-US" altLang="zh-TW" dirty="0">
               <a:latin typeface="微軟正黑體" panose="020B0604030504040204" pitchFamily="34" charset="-120"/>
@@ -14282,14 +14691,42 @@
                 <a:latin typeface="微軟正黑體" panose="020B0604030504040204" pitchFamily="34" charset="-120"/>
                 <a:ea typeface="微軟正黑體" panose="020B0604030504040204" pitchFamily="34" charset="-120"/>
               </a:rPr>
-              <a:t>5.</a:t>
+              <a:t>10.</a:t>
             </a:r>
             <a:r>
               <a:rPr lang="zh-TW" altLang="en-US" dirty="0">
                 <a:latin typeface="微軟正黑體" panose="020B0604030504040204" pitchFamily="34" charset="-120"/>
                 <a:ea typeface="微軟正黑體" panose="020B0604030504040204" pitchFamily="34" charset="-120"/>
               </a:rPr>
-              <a:t> 集中化訪問控制</a:t>
+              <a:t> </a:t>
+            </a:r>
+            <a:r>
+              <a:rPr lang="en-US" altLang="zh-TW" dirty="0">
+                <a:latin typeface="微軟正黑體" panose="020B0604030504040204" pitchFamily="34" charset="-120"/>
+                <a:ea typeface="微軟正黑體" panose="020B0604030504040204" pitchFamily="34" charset="-120"/>
+              </a:rPr>
+              <a:t>API</a:t>
+            </a:r>
+            <a:r>
+              <a:rPr lang="zh-TW" altLang="en-US" dirty="0">
+                <a:latin typeface="微軟正黑體" panose="020B0604030504040204" pitchFamily="34" charset="-120"/>
+                <a:ea typeface="微軟正黑體" panose="020B0604030504040204" pitchFamily="34" charset="-120"/>
+              </a:rPr>
+              <a:t> </a:t>
+            </a:r>
+            <a:r>
+              <a:rPr lang="en-US" altLang="zh-TW" dirty="0">
+                <a:latin typeface="微軟正黑體" panose="020B0604030504040204" pitchFamily="34" charset="-120"/>
+                <a:ea typeface="微軟正黑體" panose="020B0604030504040204" pitchFamily="34" charset="-120"/>
+              </a:rPr>
+              <a:t>gateway</a:t>
+            </a:r>
+            <a:r>
+              <a:rPr lang="zh-TW" altLang="en-US" dirty="0">
+                <a:latin typeface="微軟正黑體" panose="020B0604030504040204" pitchFamily="34" charset="-120"/>
+                <a:ea typeface="微軟正黑體" panose="020B0604030504040204" pitchFamily="34" charset="-120"/>
+              </a:rPr>
+              <a:t>功能</a:t>
             </a:r>
             <a:endParaRPr lang="en-US" altLang="zh-TW" dirty="0">
               <a:latin typeface="微軟正黑體" panose="020B0604030504040204" pitchFamily="34" charset="-120"/>
@@ -14301,7 +14738,7 @@
     </p:spTree>
     <p:extLst>
       <p:ext uri="{BB962C8B-B14F-4D97-AF65-F5344CB8AC3E}">
-        <p14:creationId xmlns:p14="http://schemas.microsoft.com/office/powerpoint/2010/main" val="1374857553"/>
+        <p14:creationId xmlns:p14="http://schemas.microsoft.com/office/powerpoint/2010/main" val="3627410845"/>
       </p:ext>
     </p:extLst>
   </p:cSld>
@@ -14348,7 +14785,7 @@
           </a:ln>
           <a:extLst>
             <a:ext uri="{C572A759-6A51-4108-AA02-DFA0A04FC94B}">
-              <ma14:wrappingTextBoxFlag xmlns:ma14="http://schemas.microsoft.com/office/mac/drawingml/2011/main" xmlns:a14="http://schemas.microsoft.com/office/drawing/2010/main" xmlns:m="http://schemas.openxmlformats.org/officeDocument/2006/math" xmlns="" val="1"/>
+              <ma14:wrappingTextBoxFlag xmlns="" xmlns:m="http://schemas.openxmlformats.org/officeDocument/2006/math" xmlns:a14="http://schemas.microsoft.com/office/drawing/2010/main" xmlns:ma14="http://schemas.microsoft.com/office/mac/drawingml/2011/main" val="1"/>
             </a:ext>
           </a:extLst>
         </p:spPr>
@@ -14644,6 +15081,71 @@
 </file>
 
 <file path=ppt/slides/slide20.xml><?xml version="1.0" encoding="utf-8"?>
+<p:sld xmlns:a="http://schemas.openxmlformats.org/drawingml/2006/main" xmlns:r="http://schemas.openxmlformats.org/officeDocument/2006/relationships" xmlns:p="http://schemas.openxmlformats.org/presentationml/2006/main">
+  <p:cSld>
+    <p:spTree>
+      <p:nvGrpSpPr>
+        <p:cNvPr id="1" name=""/>
+        <p:cNvGrpSpPr/>
+        <p:nvPr/>
+      </p:nvGrpSpPr>
+      <p:grpSpPr>
+        <a:xfrm>
+          <a:off x="0" y="0"/>
+          <a:ext cx="0" cy="0"/>
+          <a:chOff x="0" y="0"/>
+          <a:chExt cx="0" cy="0"/>
+        </a:xfrm>
+      </p:grpSpPr>
+      <p:sp>
+        <p:nvSpPr>
+          <p:cNvPr id="214" name="壹.櫃買市場狀況"/>
+          <p:cNvSpPr txBox="1">
+            <a:spLocks noGrp="1"/>
+          </p:cNvSpPr>
+          <p:nvPr>
+            <p:ph type="title"/>
+          </p:nvPr>
+        </p:nvSpPr>
+        <p:spPr>
+          <a:xfrm>
+            <a:off x="370114" y="2751139"/>
+            <a:ext cx="8229600" cy="1508126"/>
+          </a:xfrm>
+          <a:prstGeom prst="rect">
+            <a:avLst/>
+          </a:prstGeom>
+        </p:spPr>
+        <p:txBody>
+          <a:bodyPr/>
+          <a:lstStyle/>
+          <a:p>
+            <a:r>
+              <a:rPr lang="zh-TW" altLang="en-US" sz="6000" dirty="0">
+                <a:latin typeface="微軟正黑體" panose="020B0604030504040204" pitchFamily="34" charset="-120"/>
+                <a:ea typeface="微軟正黑體" panose="020B0604030504040204" pitchFamily="34" charset="-120"/>
+              </a:rPr>
+              <a:t>五、後續待辦事項</a:t>
+            </a:r>
+            <a:endParaRPr sz="6000" dirty="0"/>
+          </a:p>
+        </p:txBody>
+      </p:sp>
+    </p:spTree>
+    <p:extLst>
+      <p:ext uri="{BB962C8B-B14F-4D97-AF65-F5344CB8AC3E}">
+        <p14:creationId xmlns:p14="http://schemas.microsoft.com/office/powerpoint/2010/main" val="1161075294"/>
+      </p:ext>
+    </p:extLst>
+  </p:cSld>
+  <p:clrMapOvr>
+    <a:masterClrMapping/>
+  </p:clrMapOvr>
+  <p:transition spd="med"/>
+</p:sld>
+</file>
+
+<file path=ppt/slides/slide21.xml><?xml version="1.0" encoding="utf-8"?>
 <p:sld xmlns:a="http://schemas.openxmlformats.org/drawingml/2006/main" xmlns:r="http://schemas.openxmlformats.org/officeDocument/2006/relationships" xmlns:p="http://schemas.openxmlformats.org/presentationml/2006/main">
   <p:cSld>
     <p:spTree>
@@ -14702,7 +15204,7 @@
                 <a:latin typeface="微軟正黑體" panose="020B0604030504040204" pitchFamily="34" charset="-120"/>
                 <a:ea typeface="微軟正黑體" panose="020B0604030504040204" pitchFamily="34" charset="-120"/>
               </a:rPr>
-              <a:t>前後端分離式架構優點</a:t>
+              <a:t>後續待辦事項</a:t>
             </a:r>
             <a:endParaRPr sz="6000" dirty="0"/>
           </a:p>
@@ -14727,426 +15229,6 @@
           <a:bodyPr/>
           <a:lstStyle/>
           <a:p>
-            <a:pPr defTabSz="914400">
-              <a:spcBef>
-                <a:spcPts val="2200"/>
-              </a:spcBef>
-              <a:buClrTx/>
-              <a:buSzPct val="100000"/>
-              <a:buFont typeface="Wingdings" panose="05000000000000000000" pitchFamily="2" charset="2"/>
-              <a:buChar char="n"/>
-              <a:defRPr>
-                <a:solidFill>
-                  <a:srgbClr val="000000"/>
-                </a:solidFill>
-                <a:latin typeface="PingFang TC Semibold"/>
-                <a:ea typeface="PingFang TC Semibold"/>
-                <a:cs typeface="PingFang TC Semibold"/>
-                <a:sym typeface="PingFang TC Semibold"/>
-              </a:defRPr>
-            </a:pPr>
-            <a:r>
-              <a:rPr lang="en-US" altLang="zh-TW" dirty="0">
-                <a:latin typeface="微軟正黑體" panose="020B0604030504040204" pitchFamily="34" charset="-120"/>
-                <a:ea typeface="微軟正黑體" panose="020B0604030504040204" pitchFamily="34" charset="-120"/>
-              </a:rPr>
-              <a:t>Nginx</a:t>
-            </a:r>
-            <a:r>
-              <a:rPr lang="zh-TW" altLang="en-US" dirty="0">
-                <a:latin typeface="微軟正黑體" panose="020B0604030504040204" pitchFamily="34" charset="-120"/>
-                <a:ea typeface="微軟正黑體" panose="020B0604030504040204" pitchFamily="34" charset="-120"/>
-              </a:rPr>
-              <a:t>反向代理的好處</a:t>
-            </a:r>
-            <a:endParaRPr lang="en-US" altLang="zh-TW" dirty="0">
-              <a:latin typeface="微軟正黑體" panose="020B0604030504040204" pitchFamily="34" charset="-120"/>
-              <a:ea typeface="微軟正黑體" panose="020B0604030504040204" pitchFamily="34" charset="-120"/>
-            </a:endParaRPr>
-          </a:p>
-          <a:p>
-            <a:pPr>
-              <a:spcBef>
-                <a:spcPts val="2200"/>
-              </a:spcBef>
-              <a:buClrTx/>
-              <a:buSzPct val="100000"/>
-              <a:buFont typeface="Wingdings" panose="05000000000000000000" pitchFamily="2" charset="2"/>
-              <a:buChar char="n"/>
-              <a:defRPr>
-                <a:solidFill>
-                  <a:srgbClr val="000000"/>
-                </a:solidFill>
-                <a:latin typeface="PingFang TC Semibold"/>
-                <a:ea typeface="PingFang TC Semibold"/>
-                <a:cs typeface="PingFang TC Semibold"/>
-                <a:sym typeface="PingFang TC Semibold"/>
-              </a:defRPr>
-            </a:pPr>
-            <a:r>
-              <a:rPr lang="en-US" altLang="zh-TW" dirty="0">
-                <a:latin typeface="微軟正黑體" panose="020B0604030504040204" pitchFamily="34" charset="-120"/>
-                <a:ea typeface="微軟正黑體" panose="020B0604030504040204" pitchFamily="34" charset="-120"/>
-              </a:rPr>
-              <a:t>6.</a:t>
-            </a:r>
-            <a:r>
-              <a:rPr lang="zh-TW" altLang="en-US" dirty="0">
-                <a:latin typeface="微軟正黑體" panose="020B0604030504040204" pitchFamily="34" charset="-120"/>
-                <a:ea typeface="微軟正黑體" panose="020B0604030504040204" pitchFamily="34" charset="-120"/>
-              </a:rPr>
-              <a:t> 內容壓縮</a:t>
-            </a:r>
-            <a:endParaRPr lang="en-US" altLang="zh-TW" dirty="0">
-              <a:latin typeface="微軟正黑體" panose="020B0604030504040204" pitchFamily="34" charset="-120"/>
-              <a:ea typeface="微軟正黑體" panose="020B0604030504040204" pitchFamily="34" charset="-120"/>
-            </a:endParaRPr>
-          </a:p>
-          <a:p>
-            <a:pPr defTabSz="914400">
-              <a:spcBef>
-                <a:spcPts val="2200"/>
-              </a:spcBef>
-              <a:buClrTx/>
-              <a:buSzPct val="100000"/>
-              <a:buFont typeface="Wingdings" panose="05000000000000000000" pitchFamily="2" charset="2"/>
-              <a:buChar char="n"/>
-              <a:defRPr>
-                <a:solidFill>
-                  <a:srgbClr val="000000"/>
-                </a:solidFill>
-                <a:latin typeface="PingFang TC Semibold"/>
-                <a:ea typeface="PingFang TC Semibold"/>
-                <a:cs typeface="PingFang TC Semibold"/>
-                <a:sym typeface="PingFang TC Semibold"/>
-              </a:defRPr>
-            </a:pPr>
-            <a:r>
-              <a:rPr lang="en-US" altLang="zh-TW" dirty="0">
-                <a:latin typeface="微軟正黑體" panose="020B0604030504040204" pitchFamily="34" charset="-120"/>
-                <a:ea typeface="微軟正黑體" panose="020B0604030504040204" pitchFamily="34" charset="-120"/>
-              </a:rPr>
-              <a:t>7.</a:t>
-            </a:r>
-            <a:r>
-              <a:rPr lang="zh-TW" altLang="en-US" dirty="0">
-                <a:latin typeface="微軟正黑體" panose="020B0604030504040204" pitchFamily="34" charset="-120"/>
-                <a:ea typeface="微軟正黑體" panose="020B0604030504040204" pitchFamily="34" charset="-120"/>
-              </a:rPr>
-              <a:t> 請求路由</a:t>
-            </a:r>
-            <a:endParaRPr lang="en-US" altLang="zh-TW" dirty="0">
-              <a:latin typeface="微軟正黑體" panose="020B0604030504040204" pitchFamily="34" charset="-120"/>
-              <a:ea typeface="微軟正黑體" panose="020B0604030504040204" pitchFamily="34" charset="-120"/>
-            </a:endParaRPr>
-          </a:p>
-          <a:p>
-            <a:pPr defTabSz="914400">
-              <a:spcBef>
-                <a:spcPts val="2200"/>
-              </a:spcBef>
-              <a:buClrTx/>
-              <a:buSzPct val="100000"/>
-              <a:buFont typeface="Wingdings" panose="05000000000000000000" pitchFamily="2" charset="2"/>
-              <a:buChar char="n"/>
-              <a:defRPr>
-                <a:solidFill>
-                  <a:srgbClr val="000000"/>
-                </a:solidFill>
-                <a:latin typeface="PingFang TC Semibold"/>
-                <a:ea typeface="PingFang TC Semibold"/>
-                <a:cs typeface="PingFang TC Semibold"/>
-                <a:sym typeface="PingFang TC Semibold"/>
-              </a:defRPr>
-            </a:pPr>
-            <a:r>
-              <a:rPr lang="en-US" altLang="zh-TW" dirty="0">
-                <a:latin typeface="微軟正黑體" panose="020B0604030504040204" pitchFamily="34" charset="-120"/>
-                <a:ea typeface="微軟正黑體" panose="020B0604030504040204" pitchFamily="34" charset="-120"/>
-              </a:rPr>
-              <a:t>8.</a:t>
-            </a:r>
-            <a:r>
-              <a:rPr lang="zh-TW" altLang="en-US" dirty="0">
-                <a:latin typeface="微軟正黑體" panose="020B0604030504040204" pitchFamily="34" charset="-120"/>
-                <a:ea typeface="微軟正黑體" panose="020B0604030504040204" pitchFamily="34" charset="-120"/>
-              </a:rPr>
-              <a:t> 監控和日誌記錄</a:t>
-            </a:r>
-            <a:endParaRPr lang="en-US" altLang="zh-TW" dirty="0">
-              <a:latin typeface="微軟正黑體" panose="020B0604030504040204" pitchFamily="34" charset="-120"/>
-              <a:ea typeface="微軟正黑體" panose="020B0604030504040204" pitchFamily="34" charset="-120"/>
-            </a:endParaRPr>
-          </a:p>
-          <a:p>
-            <a:pPr defTabSz="914400">
-              <a:spcBef>
-                <a:spcPts val="2200"/>
-              </a:spcBef>
-              <a:buClrTx/>
-              <a:buSzPct val="100000"/>
-              <a:buFont typeface="Wingdings" panose="05000000000000000000" pitchFamily="2" charset="2"/>
-              <a:buChar char="n"/>
-              <a:defRPr>
-                <a:solidFill>
-                  <a:srgbClr val="000000"/>
-                </a:solidFill>
-                <a:latin typeface="PingFang TC Semibold"/>
-                <a:ea typeface="PingFang TC Semibold"/>
-                <a:cs typeface="PingFang TC Semibold"/>
-                <a:sym typeface="PingFang TC Semibold"/>
-              </a:defRPr>
-            </a:pPr>
-            <a:r>
-              <a:rPr lang="en-US" altLang="zh-TW" dirty="0">
-                <a:latin typeface="微軟正黑體" panose="020B0604030504040204" pitchFamily="34" charset="-120"/>
-                <a:ea typeface="微軟正黑體" panose="020B0604030504040204" pitchFamily="34" charset="-120"/>
-              </a:rPr>
-              <a:t>9.</a:t>
-            </a:r>
-            <a:r>
-              <a:rPr lang="zh-TW" altLang="en-US" dirty="0">
-                <a:latin typeface="微軟正黑體" panose="020B0604030504040204" pitchFamily="34" charset="-120"/>
-                <a:ea typeface="微軟正黑體" panose="020B0604030504040204" pitchFamily="34" charset="-120"/>
-              </a:rPr>
-              <a:t> 故障轉移</a:t>
-            </a:r>
-            <a:endParaRPr lang="en-US" altLang="zh-TW" dirty="0">
-              <a:latin typeface="微軟正黑體" panose="020B0604030504040204" pitchFamily="34" charset="-120"/>
-              <a:ea typeface="微軟正黑體" panose="020B0604030504040204" pitchFamily="34" charset="-120"/>
-            </a:endParaRPr>
-          </a:p>
-          <a:p>
-            <a:pPr defTabSz="914400">
-              <a:spcBef>
-                <a:spcPts val="2200"/>
-              </a:spcBef>
-              <a:buClrTx/>
-              <a:buSzPct val="100000"/>
-              <a:buFont typeface="Wingdings" panose="05000000000000000000" pitchFamily="2" charset="2"/>
-              <a:buChar char="n"/>
-              <a:defRPr>
-                <a:solidFill>
-                  <a:srgbClr val="000000"/>
-                </a:solidFill>
-                <a:latin typeface="PingFang TC Semibold"/>
-                <a:ea typeface="PingFang TC Semibold"/>
-                <a:cs typeface="PingFang TC Semibold"/>
-                <a:sym typeface="PingFang TC Semibold"/>
-              </a:defRPr>
-            </a:pPr>
-            <a:r>
-              <a:rPr lang="en-US" altLang="zh-TW" dirty="0">
-                <a:latin typeface="微軟正黑體" panose="020B0604030504040204" pitchFamily="34" charset="-120"/>
-                <a:ea typeface="微軟正黑體" panose="020B0604030504040204" pitchFamily="34" charset="-120"/>
-              </a:rPr>
-              <a:t>10.</a:t>
-            </a:r>
-            <a:r>
-              <a:rPr lang="zh-TW" altLang="en-US" dirty="0">
-                <a:latin typeface="微軟正黑體" panose="020B0604030504040204" pitchFamily="34" charset="-120"/>
-                <a:ea typeface="微軟正黑體" panose="020B0604030504040204" pitchFamily="34" charset="-120"/>
-              </a:rPr>
-              <a:t> </a:t>
-            </a:r>
-            <a:r>
-              <a:rPr lang="en-US" altLang="zh-TW" dirty="0">
-                <a:latin typeface="微軟正黑體" panose="020B0604030504040204" pitchFamily="34" charset="-120"/>
-                <a:ea typeface="微軟正黑體" panose="020B0604030504040204" pitchFamily="34" charset="-120"/>
-              </a:rPr>
-              <a:t>API</a:t>
-            </a:r>
-            <a:r>
-              <a:rPr lang="zh-TW" altLang="en-US" dirty="0">
-                <a:latin typeface="微軟正黑體" panose="020B0604030504040204" pitchFamily="34" charset="-120"/>
-                <a:ea typeface="微軟正黑體" panose="020B0604030504040204" pitchFamily="34" charset="-120"/>
-              </a:rPr>
-              <a:t> </a:t>
-            </a:r>
-            <a:r>
-              <a:rPr lang="en-US" altLang="zh-TW" dirty="0">
-                <a:latin typeface="微軟正黑體" panose="020B0604030504040204" pitchFamily="34" charset="-120"/>
-                <a:ea typeface="微軟正黑體" panose="020B0604030504040204" pitchFamily="34" charset="-120"/>
-              </a:rPr>
-              <a:t>gateway</a:t>
-            </a:r>
-            <a:r>
-              <a:rPr lang="zh-TW" altLang="en-US" dirty="0">
-                <a:latin typeface="微軟正黑體" panose="020B0604030504040204" pitchFamily="34" charset="-120"/>
-                <a:ea typeface="微軟正黑體" panose="020B0604030504040204" pitchFamily="34" charset="-120"/>
-              </a:rPr>
-              <a:t>功能</a:t>
-            </a:r>
-            <a:endParaRPr lang="en-US" altLang="zh-TW" dirty="0">
-              <a:latin typeface="微軟正黑體" panose="020B0604030504040204" pitchFamily="34" charset="-120"/>
-              <a:ea typeface="微軟正黑體" panose="020B0604030504040204" pitchFamily="34" charset="-120"/>
-            </a:endParaRPr>
-          </a:p>
-        </p:txBody>
-      </p:sp>
-    </p:spTree>
-    <p:extLst>
-      <p:ext uri="{BB962C8B-B14F-4D97-AF65-F5344CB8AC3E}">
-        <p14:creationId xmlns:p14="http://schemas.microsoft.com/office/powerpoint/2010/main" val="3627410845"/>
-      </p:ext>
-    </p:extLst>
-  </p:cSld>
-  <p:clrMapOvr>
-    <a:masterClrMapping/>
-  </p:clrMapOvr>
-  <p:transition spd="med"/>
-</p:sld>
-</file>
-
-<file path=ppt/slides/slide21.xml><?xml version="1.0" encoding="utf-8"?>
-<p:sld xmlns:a="http://schemas.openxmlformats.org/drawingml/2006/main" xmlns:r="http://schemas.openxmlformats.org/officeDocument/2006/relationships" xmlns:p="http://schemas.openxmlformats.org/presentationml/2006/main">
-  <p:cSld>
-    <p:spTree>
-      <p:nvGrpSpPr>
-        <p:cNvPr id="1" name=""/>
-        <p:cNvGrpSpPr/>
-        <p:nvPr/>
-      </p:nvGrpSpPr>
-      <p:grpSpPr>
-        <a:xfrm>
-          <a:off x="0" y="0"/>
-          <a:ext cx="0" cy="0"/>
-          <a:chOff x="0" y="0"/>
-          <a:chExt cx="0" cy="0"/>
-        </a:xfrm>
-      </p:grpSpPr>
-      <p:sp>
-        <p:nvSpPr>
-          <p:cNvPr id="214" name="壹.櫃買市場狀況"/>
-          <p:cNvSpPr txBox="1">
-            <a:spLocks noGrp="1"/>
-          </p:cNvSpPr>
-          <p:nvPr>
-            <p:ph type="title"/>
-          </p:nvPr>
-        </p:nvSpPr>
-        <p:spPr>
-          <a:xfrm>
-            <a:off x="370114" y="2751139"/>
-            <a:ext cx="8229600" cy="1508126"/>
-          </a:xfrm>
-          <a:prstGeom prst="rect">
-            <a:avLst/>
-          </a:prstGeom>
-        </p:spPr>
-        <p:txBody>
-          <a:bodyPr/>
-          <a:lstStyle/>
-          <a:p>
-            <a:r>
-              <a:rPr lang="zh-TW" altLang="en-US" sz="6000" dirty="0">
-                <a:latin typeface="微軟正黑體" panose="020B0604030504040204" pitchFamily="34" charset="-120"/>
-                <a:ea typeface="微軟正黑體" panose="020B0604030504040204" pitchFamily="34" charset="-120"/>
-              </a:rPr>
-              <a:t>五、後續待辦事項</a:t>
-            </a:r>
-            <a:endParaRPr sz="6000" dirty="0"/>
-          </a:p>
-        </p:txBody>
-      </p:sp>
-    </p:spTree>
-    <p:extLst>
-      <p:ext uri="{BB962C8B-B14F-4D97-AF65-F5344CB8AC3E}">
-        <p14:creationId xmlns:p14="http://schemas.microsoft.com/office/powerpoint/2010/main" val="1161075294"/>
-      </p:ext>
-    </p:extLst>
-  </p:cSld>
-  <p:clrMapOvr>
-    <a:masterClrMapping/>
-  </p:clrMapOvr>
-  <p:transition spd="med"/>
-</p:sld>
-</file>
-
-<file path=ppt/slides/slide22.xml><?xml version="1.0" encoding="utf-8"?>
-<p:sld xmlns:a="http://schemas.openxmlformats.org/drawingml/2006/main" xmlns:r="http://schemas.openxmlformats.org/officeDocument/2006/relationships" xmlns:p="http://schemas.openxmlformats.org/presentationml/2006/main">
-  <p:cSld>
-    <p:spTree>
-      <p:nvGrpSpPr>
-        <p:cNvPr id="1" name=""/>
-        <p:cNvGrpSpPr/>
-        <p:nvPr/>
-      </p:nvGrpSpPr>
-      <p:grpSpPr>
-        <a:xfrm>
-          <a:off x="0" y="0"/>
-          <a:ext cx="0" cy="0"/>
-          <a:chOff x="0" y="0"/>
-          <a:chExt cx="0" cy="0"/>
-        </a:xfrm>
-      </p:grpSpPr>
-      <p:sp>
-        <p:nvSpPr>
-          <p:cNvPr id="402" name="中小規模企業掛牌首選之交易所"/>
-          <p:cNvSpPr txBox="1">
-            <a:spLocks noGrp="1"/>
-          </p:cNvSpPr>
-          <p:nvPr>
-            <p:ph type="title"/>
-          </p:nvPr>
-        </p:nvSpPr>
-        <p:spPr>
-          <a:xfrm>
-            <a:off x="457200" y="53974"/>
-            <a:ext cx="8229600" cy="1508126"/>
-          </a:xfrm>
-          <a:prstGeom prst="rect">
-            <a:avLst/>
-          </a:prstGeom>
-        </p:spPr>
-        <p:txBody>
-          <a:bodyPr/>
-          <a:lstStyle>
-            <a:lvl1pPr defTabSz="457200">
-              <a:lnSpc>
-                <a:spcPct val="100000"/>
-              </a:lnSpc>
-              <a:defRPr sz="3200">
-                <a:solidFill>
-                  <a:srgbClr val="805F0A"/>
-                </a:solidFill>
-              </a:defRPr>
-            </a:lvl1pPr>
-          </a:lstStyle>
-          <a:p>
-            <a:r>
-              <a:rPr lang="zh-TW" altLang="en-US" sz="6000" dirty="0">
-                <a:solidFill>
-                  <a:srgbClr val="C08225"/>
-                </a:solidFill>
-                <a:latin typeface="微軟正黑體" panose="020B0604030504040204" pitchFamily="34" charset="-120"/>
-                <a:ea typeface="微軟正黑體" panose="020B0604030504040204" pitchFamily="34" charset="-120"/>
-              </a:rPr>
-              <a:t>後續待辦事項</a:t>
-            </a:r>
-            <a:endParaRPr sz="6000" dirty="0"/>
-          </a:p>
-        </p:txBody>
-      </p:sp>
-      <p:sp>
-        <p:nvSpPr>
-          <p:cNvPr id="403" name="櫃買中心為股票及債券均健全發展且 表現亮眼之雙引擎市場…"/>
-          <p:cNvSpPr txBox="1">
-            <a:spLocks noGrp="1"/>
-          </p:cNvSpPr>
-          <p:nvPr>
-            <p:ph type="body" idx="1"/>
-          </p:nvPr>
-        </p:nvSpPr>
-        <p:spPr>
-          <a:prstGeom prst="rect">
-            <a:avLst/>
-          </a:prstGeom>
-        </p:spPr>
-        <p:txBody>
-          <a:bodyPr/>
-          <a:lstStyle/>
-          <a:p>
             <a:pPr>
               <a:spcBef>
                 <a:spcPts val="2200"/>
@@ -15293,7 +15375,7 @@
 </p:sld>
 </file>
 
-<file path=ppt/slides/slide23.xml><?xml version="1.0" encoding="utf-8"?>
+<file path=ppt/slides/slide22.xml><?xml version="1.0" encoding="utf-8"?>
 <p:sld xmlns:a="http://schemas.openxmlformats.org/drawingml/2006/main" xmlns:r="http://schemas.openxmlformats.org/officeDocument/2006/relationships" xmlns:p="http://schemas.openxmlformats.org/presentationml/2006/main">
   <p:cSld>
     <p:spTree>
@@ -15693,7 +15775,7 @@
 </p:sld>
 </file>
 
-<file path=ppt/slides/slide24.xml><?xml version="1.0" encoding="utf-8"?>
+<file path=ppt/slides/slide23.xml><?xml version="1.0" encoding="utf-8"?>
 <p:sld xmlns:a="http://schemas.openxmlformats.org/drawingml/2006/main" xmlns:r="http://schemas.openxmlformats.org/officeDocument/2006/relationships" xmlns:p="http://schemas.openxmlformats.org/presentationml/2006/main">
   <p:cSld>
     <p:spTree>
@@ -16610,7 +16692,7 @@
                 <a:latin typeface="微軟正黑體" panose="020B0604030504040204" pitchFamily="34" charset="-120"/>
                 <a:ea typeface="微軟正黑體" panose="020B0604030504040204" pitchFamily="34" charset="-120"/>
               </a:rPr>
-              <a:t>Tomcat server: Tomcat</a:t>
+              <a:t>Tomcat:</a:t>
             </a:r>
             <a:r>
               <a:rPr lang="zh-TW" altLang="en-US" dirty="0">
@@ -16620,7 +16702,7 @@
                 <a:latin typeface="微軟正黑體" panose="020B0604030504040204" pitchFamily="34" charset="-120"/>
                 <a:ea typeface="微軟正黑體" panose="020B0604030504040204" pitchFamily="34" charset="-120"/>
               </a:rPr>
-              <a:t>是</a:t>
+              <a:t> 一個開源的</a:t>
             </a:r>
             <a:r>
               <a:rPr lang="en-US" altLang="zh-TW" dirty="0">
@@ -16630,7 +16712,7 @@
                 <a:latin typeface="微軟正黑體" panose="020B0604030504040204" pitchFamily="34" charset="-120"/>
                 <a:ea typeface="微軟正黑體" panose="020B0604030504040204" pitchFamily="34" charset="-120"/>
               </a:rPr>
-              <a:t>web</a:t>
+              <a:t>Web</a:t>
             </a:r>
             <a:r>
               <a:rPr lang="zh-TW" altLang="en-US" dirty="0">
@@ -16640,7 +16722,7 @@
                 <a:latin typeface="微軟正黑體" panose="020B0604030504040204" pitchFamily="34" charset="-120"/>
                 <a:ea typeface="微軟正黑體" panose="020B0604030504040204" pitchFamily="34" charset="-120"/>
               </a:rPr>
-              <a:t>容器。你在做</a:t>
+              <a:t>容器，他允許開發者部署和運行基於</a:t>
             </a:r>
             <a:r>
               <a:rPr lang="en-US" altLang="zh-TW" dirty="0">
@@ -16650,7 +16732,7 @@
                 <a:latin typeface="微軟正黑體" panose="020B0604030504040204" pitchFamily="34" charset="-120"/>
                 <a:ea typeface="微軟正黑體" panose="020B0604030504040204" pitchFamily="34" charset="-120"/>
               </a:rPr>
-              <a:t>web</a:t>
+              <a:t>Java</a:t>
             </a:r>
             <a:r>
               <a:rPr lang="zh-TW" altLang="en-US" dirty="0">
@@ -16660,7 +16742,7 @@
                 <a:latin typeface="微軟正黑體" panose="020B0604030504040204" pitchFamily="34" charset="-120"/>
                 <a:ea typeface="微軟正黑體" panose="020B0604030504040204" pitchFamily="34" charset="-120"/>
               </a:rPr>
-              <a:t>項目時，多數需要</a:t>
+              <a:t>的</a:t>
             </a:r>
             <a:r>
               <a:rPr lang="en-US" altLang="zh-TW" dirty="0">
@@ -16670,7 +16752,7 @@
                 <a:latin typeface="微軟正黑體" panose="020B0604030504040204" pitchFamily="34" charset="-120"/>
                 <a:ea typeface="微軟正黑體" panose="020B0604030504040204" pitchFamily="34" charset="-120"/>
               </a:rPr>
-              <a:t>http</a:t>
+              <a:t>Web</a:t>
             </a:r>
             <a:r>
               <a:rPr lang="zh-TW" altLang="en-US" dirty="0">
@@ -16680,107 +16762,7 @@
                 <a:latin typeface="微軟正黑體" panose="020B0604030504040204" pitchFamily="34" charset="-120"/>
                 <a:ea typeface="微軟正黑體" panose="020B0604030504040204" pitchFamily="34" charset="-120"/>
               </a:rPr>
-              <a:t>協議，也就是基於請求和響應，比如你在百度輸入一行內容搜索，那麼百度服務器如何處理這個請求呢，他需要創建</a:t>
-            </a:r>
-            <a:r>
-              <a:rPr lang="en-US" altLang="zh-TW" dirty="0">
-                <a:solidFill>
-                  <a:schemeClr val="tx1"/>
-                </a:solidFill>
-                <a:latin typeface="微軟正黑體" panose="020B0604030504040204" pitchFamily="34" charset="-120"/>
-                <a:ea typeface="微軟正黑體" panose="020B0604030504040204" pitchFamily="34" charset="-120"/>
-              </a:rPr>
-              <a:t>servlet</a:t>
-            </a:r>
-            <a:r>
-              <a:rPr lang="zh-TW" altLang="en-US" dirty="0">
-                <a:solidFill>
-                  <a:schemeClr val="tx1"/>
-                </a:solidFill>
-                <a:latin typeface="微軟正黑體" panose="020B0604030504040204" pitchFamily="34" charset="-120"/>
-                <a:ea typeface="微軟正黑體" panose="020B0604030504040204" pitchFamily="34" charset="-120"/>
-              </a:rPr>
-              <a:t>來處理，</a:t>
-            </a:r>
-            <a:r>
-              <a:rPr lang="en-US" altLang="zh-TW" dirty="0">
-                <a:solidFill>
-                  <a:schemeClr val="tx1"/>
-                </a:solidFill>
-                <a:latin typeface="微軟正黑體" panose="020B0604030504040204" pitchFamily="34" charset="-120"/>
-                <a:ea typeface="微軟正黑體" panose="020B0604030504040204" pitchFamily="34" charset="-120"/>
-              </a:rPr>
-              <a:t>servlet</a:t>
-            </a:r>
-            <a:r>
-              <a:rPr lang="zh-TW" altLang="en-US" dirty="0">
-                <a:solidFill>
-                  <a:schemeClr val="tx1"/>
-                </a:solidFill>
-                <a:latin typeface="微軟正黑體" panose="020B0604030504040204" pitchFamily="34" charset="-120"/>
-                <a:ea typeface="微軟正黑體" panose="020B0604030504040204" pitchFamily="34" charset="-120"/>
-              </a:rPr>
-              <a:t>其實就是</a:t>
-            </a:r>
-            <a:r>
-              <a:rPr lang="en-US" altLang="zh-TW" dirty="0">
-                <a:solidFill>
-                  <a:schemeClr val="tx1"/>
-                </a:solidFill>
-                <a:latin typeface="微軟正黑體" panose="020B0604030504040204" pitchFamily="34" charset="-120"/>
-                <a:ea typeface="微軟正黑體" panose="020B0604030504040204" pitchFamily="34" charset="-120"/>
-              </a:rPr>
-              <a:t>java</a:t>
-            </a:r>
-            <a:r>
-              <a:rPr lang="zh-TW" altLang="en-US" dirty="0">
-                <a:solidFill>
-                  <a:schemeClr val="tx1"/>
-                </a:solidFill>
-                <a:latin typeface="微軟正黑體" panose="020B0604030504040204" pitchFamily="34" charset="-120"/>
-                <a:ea typeface="微軟正黑體" panose="020B0604030504040204" pitchFamily="34" charset="-120"/>
-              </a:rPr>
-              <a:t>程序，只是在服務器端的</a:t>
-            </a:r>
-            <a:r>
-              <a:rPr lang="en-US" altLang="zh-TW" dirty="0">
-                <a:solidFill>
-                  <a:schemeClr val="tx1"/>
-                </a:solidFill>
-                <a:latin typeface="微軟正黑體" panose="020B0604030504040204" pitchFamily="34" charset="-120"/>
-                <a:ea typeface="微軟正黑體" panose="020B0604030504040204" pitchFamily="34" charset="-120"/>
-              </a:rPr>
-              <a:t>java</a:t>
-            </a:r>
-            <a:r>
-              <a:rPr lang="zh-TW" altLang="en-US" dirty="0">
-                <a:solidFill>
-                  <a:schemeClr val="tx1"/>
-                </a:solidFill>
-                <a:latin typeface="微軟正黑體" panose="020B0604030504040204" pitchFamily="34" charset="-120"/>
-                <a:ea typeface="微軟正黑體" panose="020B0604030504040204" pitchFamily="34" charset="-120"/>
-              </a:rPr>
-              <a:t>程序</a:t>
-            </a:r>
-            <a:r>
-              <a:rPr lang="en-US" altLang="zh-TW" dirty="0">
-                <a:solidFill>
-                  <a:schemeClr val="tx1"/>
-                </a:solidFill>
-                <a:latin typeface="微軟正黑體" panose="020B0604030504040204" pitchFamily="34" charset="-120"/>
-                <a:ea typeface="微軟正黑體" panose="020B0604030504040204" pitchFamily="34" charset="-120"/>
-              </a:rPr>
-              <a:t>servlet</a:t>
-            </a:r>
-            <a:r>
-              <a:rPr lang="zh-TW" altLang="en-US" dirty="0">
-                <a:solidFill>
-                  <a:schemeClr val="tx1"/>
-                </a:solidFill>
-                <a:latin typeface="微軟正黑體" panose="020B0604030504040204" pitchFamily="34" charset="-120"/>
-                <a:ea typeface="微軟正黑體" panose="020B0604030504040204" pitchFamily="34" charset="-120"/>
-              </a:rPr>
-              <a:t>通過配置文件攔截你的請求，並進行相應處理，然後展示給你相應界面</a:t>
+              <a:t>應用程式。</a:t>
             </a:r>
             <a:endParaRPr lang="en-US" altLang="zh-TW" dirty="0">
               <a:solidFill>
@@ -16817,8 +16799,212 @@
                 <a:latin typeface="微軟正黑體" panose="020B0604030504040204" pitchFamily="34" charset="-120"/>
                 <a:ea typeface="微軟正黑體" panose="020B0604030504040204" pitchFamily="34" charset="-120"/>
               </a:rPr>
+              <a:t>Java Servlet: </a:t>
+            </a:r>
+            <a:r>
+              <a:rPr lang="zh-TW" altLang="en-US" dirty="0">
+                <a:solidFill>
+                  <a:schemeClr val="tx1"/>
+                </a:solidFill>
+                <a:latin typeface="微軟正黑體" panose="020B0604030504040204" pitchFamily="34" charset="-120"/>
+                <a:ea typeface="微軟正黑體" panose="020B0604030504040204" pitchFamily="34" charset="-120"/>
+              </a:rPr>
+              <a:t>用</a:t>
+            </a:r>
+            <a:r>
+              <a:rPr lang="en-US" altLang="zh-TW" dirty="0">
+                <a:solidFill>
+                  <a:schemeClr val="tx1"/>
+                </a:solidFill>
+                <a:latin typeface="微軟正黑體" panose="020B0604030504040204" pitchFamily="34" charset="-120"/>
+                <a:ea typeface="微軟正黑體" panose="020B0604030504040204" pitchFamily="34" charset="-120"/>
+              </a:rPr>
+              <a:t>Java</a:t>
+            </a:r>
+            <a:r>
+              <a:rPr lang="zh-TW" altLang="en-US" dirty="0">
+                <a:solidFill>
+                  <a:schemeClr val="tx1"/>
+                </a:solidFill>
+                <a:latin typeface="微軟正黑體" panose="020B0604030504040204" pitchFamily="34" charset="-120"/>
+                <a:ea typeface="微軟正黑體" panose="020B0604030504040204" pitchFamily="34" charset="-120"/>
+              </a:rPr>
+              <a:t>編寫的伺服器端程式，主要功能是接收</a:t>
+            </a:r>
+            <a:r>
+              <a:rPr lang="en-US" altLang="zh-TW" dirty="0">
+                <a:solidFill>
+                  <a:schemeClr val="tx1"/>
+                </a:solidFill>
+                <a:latin typeface="微軟正黑體" panose="020B0604030504040204" pitchFamily="34" charset="-120"/>
+                <a:ea typeface="微軟正黑體" panose="020B0604030504040204" pitchFamily="34" charset="-120"/>
+              </a:rPr>
+              <a:t>client</a:t>
+            </a:r>
+            <a:r>
+              <a:rPr lang="zh-TW" altLang="en-US" dirty="0">
+                <a:solidFill>
+                  <a:schemeClr val="tx1"/>
+                </a:solidFill>
+                <a:latin typeface="微軟正黑體" panose="020B0604030504040204" pitchFamily="34" charset="-120"/>
+                <a:ea typeface="微軟正黑體" panose="020B0604030504040204" pitchFamily="34" charset="-120"/>
+              </a:rPr>
+              <a:t>發送來的請求，生成需要的數據，並將其返回給客戶端。</a:t>
+            </a:r>
+            <a:endParaRPr lang="en-US" altLang="zh-TW" dirty="0">
+              <a:solidFill>
+                <a:schemeClr val="tx1"/>
+              </a:solidFill>
+              <a:latin typeface="微軟正黑體" panose="020B0604030504040204" pitchFamily="34" charset="-120"/>
+              <a:ea typeface="微軟正黑體" panose="020B0604030504040204" pitchFamily="34" charset="-120"/>
+            </a:endParaRPr>
+          </a:p>
+          <a:p>
+            <a:pPr defTabSz="914400">
+              <a:spcBef>
+                <a:spcPts val="2200"/>
+              </a:spcBef>
+              <a:buClrTx/>
+              <a:buSzPct val="100000"/>
+              <a:buFont typeface="Wingdings" panose="05000000000000000000" pitchFamily="2" charset="2"/>
+              <a:buChar char="n"/>
+              <a:defRPr>
+                <a:solidFill>
+                  <a:srgbClr val="000000"/>
+                </a:solidFill>
+                <a:latin typeface="PingFang TC Semibold"/>
+                <a:ea typeface="PingFang TC Semibold"/>
+                <a:cs typeface="PingFang TC Semibold"/>
+                <a:sym typeface="PingFang TC Semibold"/>
+              </a:defRPr>
+            </a:pPr>
+            <a:r>
+              <a:rPr lang="en-US" altLang="zh-TW" dirty="0">
+                <a:solidFill>
+                  <a:schemeClr val="tx1"/>
+                </a:solidFill>
+                <a:latin typeface="微軟正黑體" panose="020B0604030504040204" pitchFamily="34" charset="-120"/>
+                <a:ea typeface="微軟正黑體" panose="020B0604030504040204" pitchFamily="34" charset="-120"/>
+              </a:rPr>
               <a:t>API</a:t>
             </a:r>
+            <a:r>
+              <a:rPr lang="zh-TW" altLang="en-US" dirty="0">
+                <a:solidFill>
+                  <a:schemeClr val="tx1"/>
+                </a:solidFill>
+                <a:latin typeface="微軟正黑體" panose="020B0604030504040204" pitchFamily="34" charset="-120"/>
+                <a:ea typeface="微軟正黑體" panose="020B0604030504040204" pitchFamily="34" charset="-120"/>
+              </a:rPr>
+              <a:t> </a:t>
+            </a:r>
+            <a:r>
+              <a:rPr lang="en-US" altLang="zh-TW" dirty="0">
+                <a:solidFill>
+                  <a:schemeClr val="tx1"/>
+                </a:solidFill>
+                <a:latin typeface="微軟正黑體" panose="020B0604030504040204" pitchFamily="34" charset="-120"/>
+                <a:ea typeface="微軟正黑體" panose="020B0604030504040204" pitchFamily="34" charset="-120"/>
+              </a:rPr>
+              <a:t>server: </a:t>
+            </a:r>
+            <a:r>
+              <a:rPr lang="zh-TW" altLang="en-US" dirty="0">
+                <a:solidFill>
+                  <a:schemeClr val="tx1"/>
+                </a:solidFill>
+                <a:latin typeface="微軟正黑體" panose="020B0604030504040204" pitchFamily="34" charset="-120"/>
+                <a:ea typeface="微軟正黑體" panose="020B0604030504040204" pitchFamily="34" charset="-120"/>
+              </a:rPr>
+              <a:t>提供應用程式介面</a:t>
+            </a:r>
+            <a:r>
+              <a:rPr lang="en-US" altLang="zh-TW" dirty="0">
+                <a:solidFill>
+                  <a:schemeClr val="tx1"/>
+                </a:solidFill>
+                <a:latin typeface="微軟正黑體" panose="020B0604030504040204" pitchFamily="34" charset="-120"/>
+                <a:ea typeface="微軟正黑體" panose="020B0604030504040204" pitchFamily="34" charset="-120"/>
+              </a:rPr>
+              <a:t>(API)</a:t>
+            </a:r>
+            <a:r>
+              <a:rPr lang="zh-TW" altLang="en-US" dirty="0">
+                <a:solidFill>
+                  <a:schemeClr val="tx1"/>
+                </a:solidFill>
+                <a:latin typeface="微軟正黑體" panose="020B0604030504040204" pitchFamily="34" charset="-120"/>
+                <a:ea typeface="微軟正黑體" panose="020B0604030504040204" pitchFamily="34" charset="-120"/>
+              </a:rPr>
+              <a:t>服務的伺服器，提供官網、</a:t>
+            </a:r>
+            <a:r>
+              <a:rPr lang="en-US" altLang="zh-TW" dirty="0">
+                <a:solidFill>
+                  <a:schemeClr val="tx1"/>
+                </a:solidFill>
+                <a:latin typeface="微軟正黑體" panose="020B0604030504040204" pitchFamily="34" charset="-120"/>
+                <a:ea typeface="微軟正黑體" panose="020B0604030504040204" pitchFamily="34" charset="-120"/>
+              </a:rPr>
+              <a:t>ETF</a:t>
+            </a:r>
+            <a:r>
+              <a:rPr lang="zh-TW" altLang="en-US" dirty="0">
+                <a:solidFill>
+                  <a:schemeClr val="tx1"/>
+                </a:solidFill>
+                <a:latin typeface="微軟正黑體" panose="020B0604030504040204" pitchFamily="34" charset="-120"/>
+                <a:ea typeface="微軟正黑體" panose="020B0604030504040204" pitchFamily="34" charset="-120"/>
+              </a:rPr>
+              <a:t>訊息中心網站、集保</a:t>
+            </a:r>
+            <a:r>
+              <a:rPr lang="en-US" altLang="zh-TW" dirty="0">
+                <a:solidFill>
+                  <a:schemeClr val="tx1"/>
+                </a:solidFill>
+                <a:latin typeface="微軟正黑體" panose="020B0604030504040204" pitchFamily="34" charset="-120"/>
+                <a:ea typeface="微軟正黑體" panose="020B0604030504040204" pitchFamily="34" charset="-120"/>
+              </a:rPr>
+              <a:t>ETF</a:t>
+            </a:r>
+            <a:r>
+              <a:rPr lang="zh-TW" altLang="en-US" dirty="0">
+                <a:solidFill>
+                  <a:schemeClr val="tx1"/>
+                </a:solidFill>
+                <a:latin typeface="微軟正黑體" panose="020B0604030504040204" pitchFamily="34" charset="-120"/>
+                <a:ea typeface="微軟正黑體" panose="020B0604030504040204" pitchFamily="34" charset="-120"/>
+              </a:rPr>
+              <a:t>觀測站</a:t>
+            </a:r>
+            <a:r>
+              <a:rPr lang="en-US" altLang="zh-TW" dirty="0">
+                <a:solidFill>
+                  <a:schemeClr val="tx1"/>
+                </a:solidFill>
+                <a:latin typeface="微軟正黑體" panose="020B0604030504040204" pitchFamily="34" charset="-120"/>
+                <a:ea typeface="微軟正黑體" panose="020B0604030504040204" pitchFamily="34" charset="-120"/>
+              </a:rPr>
+              <a:t>API</a:t>
+            </a:r>
+            <a:r>
+              <a:rPr lang="zh-TW" altLang="en-US" dirty="0">
+                <a:solidFill>
+                  <a:schemeClr val="tx1"/>
+                </a:solidFill>
+                <a:latin typeface="微軟正黑體" panose="020B0604030504040204" pitchFamily="34" charset="-120"/>
+                <a:ea typeface="微軟正黑體" panose="020B0604030504040204" pitchFamily="34" charset="-120"/>
+              </a:rPr>
+              <a:t>服務。</a:t>
+            </a:r>
+            <a:endParaRPr lang="en-US" altLang="zh-TW" dirty="0">
+              <a:solidFill>
+                <a:schemeClr val="tx1"/>
+              </a:solidFill>
+              <a:latin typeface="微軟正黑體" panose="020B0604030504040204" pitchFamily="34" charset="-120"/>
+              <a:ea typeface="微軟正黑體" panose="020B0604030504040204" pitchFamily="34" charset="-120"/>
+            </a:endParaRPr>
           </a:p>
         </p:txBody>
       </p:sp>
@@ -16949,7 +17135,7 @@
                 <a:latin typeface="微軟正黑體" panose="020B0604030504040204" pitchFamily="34" charset="-120"/>
                 <a:ea typeface="微軟正黑體" panose="020B0604030504040204" pitchFamily="34" charset="-120"/>
               </a:rPr>
-              <a:t>NAS</a:t>
+              <a:t>NAS(Network Attached Storage)</a:t>
             </a:r>
           </a:p>
           <a:p>
@@ -16979,7 +17165,7 @@
                 <a:latin typeface="微軟正黑體" panose="020B0604030504040204" pitchFamily="34" charset="-120"/>
                 <a:ea typeface="微軟正黑體" panose="020B0604030504040204" pitchFamily="34" charset="-120"/>
               </a:rPr>
-              <a:t>盤後報表</a:t>
+              <a:t>儲存資料供</a:t>
             </a:r>
             <a:r>
               <a:rPr lang="en-US" altLang="zh-TW" dirty="0">
@@ -16989,6 +17175,46 @@
                 <a:latin typeface="微軟正黑體" panose="020B0604030504040204" pitchFamily="34" charset="-120"/>
                 <a:ea typeface="微軟正黑體" panose="020B0604030504040204" pitchFamily="34" charset="-120"/>
               </a:rPr>
+              <a:t>Tomcat</a:t>
+            </a:r>
+            <a:r>
+              <a:rPr lang="zh-TW" altLang="en-US" dirty="0">
+                <a:solidFill>
+                  <a:schemeClr val="tx1"/>
+                </a:solidFill>
+                <a:latin typeface="微軟正黑體" panose="020B0604030504040204" pitchFamily="34" charset="-120"/>
+                <a:ea typeface="微軟正黑體" panose="020B0604030504040204" pitchFamily="34" charset="-120"/>
+              </a:rPr>
+              <a:t>伺服器讀取，例如</a:t>
+            </a:r>
+            <a:r>
+              <a:rPr lang="en-US" altLang="zh-TW" dirty="0">
+                <a:solidFill>
+                  <a:schemeClr val="tx1"/>
+                </a:solidFill>
+                <a:latin typeface="微軟正黑體" panose="020B0604030504040204" pitchFamily="34" charset="-120"/>
+                <a:ea typeface="微軟正黑體" panose="020B0604030504040204" pitchFamily="34" charset="-120"/>
+              </a:rPr>
+              <a:t>:</a:t>
+            </a:r>
+            <a:r>
+              <a:rPr lang="zh-TW" altLang="en-US" dirty="0">
+                <a:solidFill>
+                  <a:schemeClr val="tx1"/>
+                </a:solidFill>
+                <a:latin typeface="微軟正黑體" panose="020B0604030504040204" pitchFamily="34" charset="-120"/>
+                <a:ea typeface="微軟正黑體" panose="020B0604030504040204" pitchFamily="34" charset="-120"/>
+              </a:rPr>
+              <a:t> 盤後報表</a:t>
+            </a:r>
+            <a:r>
+              <a:rPr lang="en-US" altLang="zh-TW" dirty="0">
+                <a:solidFill>
+                  <a:schemeClr val="tx1"/>
+                </a:solidFill>
+                <a:latin typeface="微軟正黑體" panose="020B0604030504040204" pitchFamily="34" charset="-120"/>
+                <a:ea typeface="微軟正黑體" panose="020B0604030504040204" pitchFamily="34" charset="-120"/>
+              </a:rPr>
               <a:t>CSV</a:t>
             </a:r>
             <a:r>
@@ -16999,7 +17225,45 @@
                 <a:latin typeface="微軟正黑體" panose="020B0604030504040204" pitchFamily="34" charset="-120"/>
                 <a:ea typeface="微軟正黑體" panose="020B0604030504040204" pitchFamily="34" charset="-120"/>
               </a:rPr>
-              <a:t>、興櫃即時行情、債券即時行情</a:t>
+              <a:t>、</a:t>
+            </a:r>
+            <a:br>
+              <a:rPr lang="en-US" altLang="zh-TW" dirty="0">
+                <a:solidFill>
+                  <a:schemeClr val="tx1"/>
+                </a:solidFill>
+                <a:latin typeface="微軟正黑體" panose="020B0604030504040204" pitchFamily="34" charset="-120"/>
+                <a:ea typeface="微軟正黑體" panose="020B0604030504040204" pitchFamily="34" charset="-120"/>
+              </a:rPr>
+            </a:br>
+            <a:r>
+              <a:rPr lang="zh-TW" altLang="en-US" dirty="0">
+                <a:solidFill>
+                  <a:schemeClr val="tx1"/>
+                </a:solidFill>
+                <a:latin typeface="微軟正黑體" panose="020B0604030504040204" pitchFamily="34" charset="-120"/>
+                <a:ea typeface="微軟正黑體" panose="020B0604030504040204" pitchFamily="34" charset="-120"/>
+              </a:rPr>
+              <a:t>興櫃即時行情、</a:t>
+            </a:r>
+            <a:br>
+              <a:rPr lang="en-US" altLang="zh-TW" dirty="0">
+                <a:solidFill>
+                  <a:schemeClr val="tx1"/>
+                </a:solidFill>
+                <a:latin typeface="微軟正黑體" panose="020B0604030504040204" pitchFamily="34" charset="-120"/>
+                <a:ea typeface="微軟正黑體" panose="020B0604030504040204" pitchFamily="34" charset="-120"/>
+              </a:rPr>
+            </a:br>
+            <a:r>
+              <a:rPr lang="zh-TW" altLang="en-US" dirty="0">
+                <a:solidFill>
+                  <a:schemeClr val="tx1"/>
+                </a:solidFill>
+                <a:latin typeface="微軟正黑體" panose="020B0604030504040204" pitchFamily="34" charset="-120"/>
+                <a:ea typeface="微軟正黑體" panose="020B0604030504040204" pitchFamily="34" charset="-120"/>
+              </a:rPr>
+              <a:t>債券即時行情</a:t>
             </a:r>
             <a:endParaRPr lang="en-US" altLang="zh-TW" dirty="0">
               <a:solidFill>
@@ -17159,7 +17423,7 @@
         <p:spPr>
           <a:xfrm>
             <a:off x="457200" y="1600199"/>
-            <a:ext cx="5701819" cy="3462251"/>
+            <a:ext cx="5701819" cy="4008121"/>
           </a:xfrm>
           <a:prstGeom prst="rect">
             <a:avLst/>

--- a/期末報告/期末簡報_施詠舜.pptx
+++ b/期末報告/期末簡報_施詠舜.pptx
@@ -218,7 +218,7 @@
           <a:p>
             <a:fld id="{4850220F-07F6-4D17-A483-2B2CDA2CCD5E}" type="datetimeFigureOut">
               <a:rPr lang="zh-TW" altLang="en-US" smtClean="0"/>
-              <a:t>2024/10/21</a:t>
+              <a:t>2024/10/22</a:t>
             </a:fld>
             <a:endParaRPr lang="zh-TW" altLang="en-US"/>
           </a:p>
@@ -761,7 +761,7 @@
           <a:p>
             <a:fld id="{308767D9-3F77-4CD0-B6EF-E00D77286EC9}" type="datetimeFigureOut">
               <a:rPr lang="zh-TW" altLang="en-US" smtClean="0"/>
-              <a:t>2024/10/21</a:t>
+              <a:t>2024/10/22</a:t>
             </a:fld>
             <a:endParaRPr lang="zh-TW" altLang="en-US"/>
           </a:p>
@@ -931,7 +931,7 @@
           <a:p>
             <a:fld id="{308767D9-3F77-4CD0-B6EF-E00D77286EC9}" type="datetimeFigureOut">
               <a:rPr lang="zh-TW" altLang="en-US" smtClean="0"/>
-              <a:t>2024/10/21</a:t>
+              <a:t>2024/10/22</a:t>
             </a:fld>
             <a:endParaRPr lang="zh-TW" altLang="en-US"/>
           </a:p>
@@ -1111,7 +1111,7 @@
           <a:p>
             <a:fld id="{308767D9-3F77-4CD0-B6EF-E00D77286EC9}" type="datetimeFigureOut">
               <a:rPr lang="zh-TW" altLang="en-US" smtClean="0"/>
-              <a:t>2024/10/21</a:t>
+              <a:t>2024/10/22</a:t>
             </a:fld>
             <a:endParaRPr lang="zh-TW" altLang="en-US"/>
           </a:p>
@@ -5108,7 +5108,7 @@
           <a:p>
             <a:fld id="{308767D9-3F77-4CD0-B6EF-E00D77286EC9}" type="datetimeFigureOut">
               <a:rPr lang="zh-TW" altLang="en-US" smtClean="0"/>
-              <a:t>2024/10/21</a:t>
+              <a:t>2024/10/22</a:t>
             </a:fld>
             <a:endParaRPr lang="zh-TW" altLang="en-US"/>
           </a:p>
@@ -8716,7 +8716,7 @@
           <a:p>
             <a:fld id="{308767D9-3F77-4CD0-B6EF-E00D77286EC9}" type="datetimeFigureOut">
               <a:rPr lang="zh-TW" altLang="en-US" smtClean="0"/>
-              <a:t>2024/10/21</a:t>
+              <a:t>2024/10/22</a:t>
             </a:fld>
             <a:endParaRPr lang="zh-TW" altLang="en-US"/>
           </a:p>
@@ -8948,7 +8948,7 @@
           <a:p>
             <a:fld id="{308767D9-3F77-4CD0-B6EF-E00D77286EC9}" type="datetimeFigureOut">
               <a:rPr lang="zh-TW" altLang="en-US" smtClean="0"/>
-              <a:t>2024/10/21</a:t>
+              <a:t>2024/10/22</a:t>
             </a:fld>
             <a:endParaRPr lang="zh-TW" altLang="en-US"/>
           </a:p>
@@ -9315,7 +9315,7 @@
           <a:p>
             <a:fld id="{308767D9-3F77-4CD0-B6EF-E00D77286EC9}" type="datetimeFigureOut">
               <a:rPr lang="zh-TW" altLang="en-US" smtClean="0"/>
-              <a:t>2024/10/21</a:t>
+              <a:t>2024/10/22</a:t>
             </a:fld>
             <a:endParaRPr lang="zh-TW" altLang="en-US"/>
           </a:p>
@@ -9433,7 +9433,7 @@
           <a:p>
             <a:fld id="{308767D9-3F77-4CD0-B6EF-E00D77286EC9}" type="datetimeFigureOut">
               <a:rPr lang="zh-TW" altLang="en-US" smtClean="0"/>
-              <a:t>2024/10/21</a:t>
+              <a:t>2024/10/22</a:t>
             </a:fld>
             <a:endParaRPr lang="zh-TW" altLang="en-US"/>
           </a:p>
@@ -9528,7 +9528,7 @@
           <a:p>
             <a:fld id="{308767D9-3F77-4CD0-B6EF-E00D77286EC9}" type="datetimeFigureOut">
               <a:rPr lang="zh-TW" altLang="en-US" smtClean="0"/>
-              <a:t>2024/10/21</a:t>
+              <a:t>2024/10/22</a:t>
             </a:fld>
             <a:endParaRPr lang="zh-TW" altLang="en-US"/>
           </a:p>
@@ -9805,7 +9805,7 @@
           <a:p>
             <a:fld id="{308767D9-3F77-4CD0-B6EF-E00D77286EC9}" type="datetimeFigureOut">
               <a:rPr lang="zh-TW" altLang="en-US" smtClean="0"/>
-              <a:t>2024/10/21</a:t>
+              <a:t>2024/10/22</a:t>
             </a:fld>
             <a:endParaRPr lang="zh-TW" altLang="en-US"/>
           </a:p>
@@ -10062,7 +10062,7 @@
           <a:p>
             <a:fld id="{308767D9-3F77-4CD0-B6EF-E00D77286EC9}" type="datetimeFigureOut">
               <a:rPr lang="zh-TW" altLang="en-US" smtClean="0"/>
-              <a:t>2024/10/21</a:t>
+              <a:t>2024/10/22</a:t>
             </a:fld>
             <a:endParaRPr lang="zh-TW" altLang="en-US"/>
           </a:p>
@@ -10275,7 +10275,7 @@
           <a:p>
             <a:fld id="{308767D9-3F77-4CD0-B6EF-E00D77286EC9}" type="datetimeFigureOut">
               <a:rPr lang="zh-TW" altLang="en-US" smtClean="0"/>
-              <a:t>2024/10/21</a:t>
+              <a:t>2024/10/22</a:t>
             </a:fld>
             <a:endParaRPr lang="zh-TW" altLang="en-US"/>
           </a:p>
@@ -10739,7 +10739,7 @@
           </a:ln>
           <a:extLst>
             <a:ext uri="{C572A759-6A51-4108-AA02-DFA0A04FC94B}">
-              <ma14:wrappingTextBoxFlag xmlns:ma14="http://schemas.microsoft.com/office/mac/drawingml/2011/main" xmlns:a14="http://schemas.microsoft.com/office/drawing/2010/main" xmlns:m="http://schemas.openxmlformats.org/officeDocument/2006/math" xmlns="" val="1"/>
+              <ma14:wrappingTextBoxFlag xmlns="" xmlns:m="http://schemas.openxmlformats.org/officeDocument/2006/math" xmlns:a14="http://schemas.microsoft.com/office/drawing/2010/main" xmlns:ma14="http://schemas.microsoft.com/office/mac/drawingml/2011/main" val="1"/>
             </a:ext>
           </a:extLst>
         </p:spPr>
@@ -11996,7 +11996,7 @@
           </a:ln>
           <a:extLst>
             <a:ext uri="{C572A759-6A51-4108-AA02-DFA0A04FC94B}">
-              <ma14:wrappingTextBoxFlag xmlns:ma14="http://schemas.microsoft.com/office/mac/drawingml/2011/main" xmlns:a14="http://schemas.microsoft.com/office/drawing/2010/main" xmlns:m="http://schemas.openxmlformats.org/officeDocument/2006/math" xmlns="" val="1"/>
+              <ma14:wrappingTextBoxFlag xmlns="" xmlns:m="http://schemas.openxmlformats.org/officeDocument/2006/math" xmlns:a14="http://schemas.microsoft.com/office/drawing/2010/main" xmlns:ma14="http://schemas.microsoft.com/office/mac/drawingml/2011/main" val="1"/>
             </a:ext>
           </a:extLst>
         </p:spPr>
@@ -12317,6 +12317,16 @@
                 <a:ea typeface="微軟正黑體" panose="020B0604030504040204" pitchFamily="34" charset="-120"/>
               </a:rPr>
               <a:t>網站後台</a:t>
+            </a:r>
+            <a:r>
+              <a:rPr lang="en-US" altLang="zh-TW" dirty="0">
+                <a:solidFill>
+                  <a:schemeClr val="tx1"/>
+                </a:solidFill>
+                <a:latin typeface="微軟正黑體" panose="020B0604030504040204" pitchFamily="34" charset="-120"/>
+                <a:ea typeface="微軟正黑體" panose="020B0604030504040204" pitchFamily="34" charset="-120"/>
+              </a:rPr>
+              <a:t/>
             </a:r>
             <a:br>
               <a:rPr lang="en-US" altLang="zh-TW" dirty="0">
@@ -12728,6 +12738,16 @@
               </a:rPr>
               <a:t>一站式架構</a:t>
             </a:r>
+            <a:r>
+              <a:rPr lang="en-US" altLang="zh-TW" sz="6000" dirty="0">
+                <a:solidFill>
+                  <a:srgbClr val="C08225"/>
+                </a:solidFill>
+                <a:latin typeface="微軟正黑體" panose="020B0604030504040204" pitchFamily="34" charset="-120"/>
+                <a:ea typeface="微軟正黑體" panose="020B0604030504040204" pitchFamily="34" charset="-120"/>
+              </a:rPr>
+              <a:t/>
+            </a:r>
             <a:br>
               <a:rPr lang="en-US" altLang="zh-TW" sz="6000" dirty="0">
                 <a:solidFill>
@@ -13111,6 +13131,13 @@
     <a:masterClrMapping/>
   </p:clrMapOvr>
   <p:transition spd="med"/>
+  <p:timing>
+    <p:tnLst>
+      <p:par>
+        <p:cTn id="1" dur="indefinite" restart="never" nodeType="tmRoot"/>
+      </p:par>
+    </p:tnLst>
+  </p:timing>
 </p:sld>
 </file>
 
@@ -13143,8 +13170,8 @@
         </p:nvSpPr>
         <p:spPr>
           <a:xfrm>
-            <a:off x="886121" y="339364"/>
-            <a:ext cx="6620668" cy="1449856"/>
+            <a:off x="848021" y="177439"/>
+            <a:ext cx="6620668" cy="1258527"/>
           </a:xfrm>
           <a:prstGeom prst="rect">
             <a:avLst/>
@@ -13221,8 +13248,8 @@
         </p:nvSpPr>
         <p:spPr>
           <a:xfrm>
-            <a:off x="457200" y="2156945"/>
-            <a:ext cx="6191250" cy="4244947"/>
+            <a:off x="438727" y="1581149"/>
+            <a:ext cx="6191250" cy="5181601"/>
           </a:xfrm>
           <a:prstGeom prst="rect">
             <a:avLst/>
@@ -13231,6 +13258,79 @@
         <p:txBody>
           <a:bodyPr/>
           <a:lstStyle/>
+          <a:p>
+            <a:pPr>
+              <a:spcBef>
+                <a:spcPts val="2200"/>
+              </a:spcBef>
+              <a:buClrTx/>
+              <a:buSzPct val="100000"/>
+              <a:buFont typeface="Wingdings" panose="05000000000000000000" pitchFamily="2" charset="2"/>
+              <a:buChar char="n"/>
+              <a:defRPr>
+                <a:solidFill>
+                  <a:srgbClr val="000000"/>
+                </a:solidFill>
+                <a:latin typeface="PingFang TC Semibold"/>
+                <a:ea typeface="PingFang TC Semibold"/>
+                <a:cs typeface="PingFang TC Semibold"/>
+                <a:sym typeface="PingFang TC Semibold"/>
+              </a:defRPr>
+            </a:pPr>
+            <a:r>
+              <a:rPr lang="zh-TW" altLang="en-US" dirty="0">
+                <a:latin typeface="微軟正黑體" panose="020B0604030504040204" pitchFamily="34" charset="-120"/>
+                <a:ea typeface="微軟正黑體" panose="020B0604030504040204" pitchFamily="34" charset="-120"/>
+              </a:rPr>
+              <a:t>前後端分離：前端和後端被分開成獨立的模塊或</a:t>
+            </a:r>
+            <a:r>
+              <a:rPr lang="zh-TW" altLang="en-US" dirty="0" smtClean="0">
+                <a:latin typeface="微軟正黑體" panose="020B0604030504040204" pitchFamily="34" charset="-120"/>
+                <a:ea typeface="微軟正黑體" panose="020B0604030504040204" pitchFamily="34" charset="-120"/>
+              </a:rPr>
+              <a:t>應用程式，</a:t>
+            </a:r>
+            <a:r>
+              <a:rPr lang="zh-TW" altLang="en-US" dirty="0">
+                <a:latin typeface="微軟正黑體" panose="020B0604030504040204" pitchFamily="34" charset="-120"/>
+                <a:ea typeface="微軟正黑體" panose="020B0604030504040204" pitchFamily="34" charset="-120"/>
+              </a:rPr>
+              <a:t>前</a:t>
+            </a:r>
+            <a:r>
+              <a:rPr lang="zh-TW" altLang="en-US" dirty="0" smtClean="0">
+                <a:latin typeface="微軟正黑體" panose="020B0604030504040204" pitchFamily="34" charset="-120"/>
+                <a:ea typeface="微軟正黑體" panose="020B0604030504040204" pitchFamily="34" charset="-120"/>
+              </a:rPr>
+              <a:t>端通過 </a:t>
+            </a:r>
+            <a:r>
+              <a:rPr lang="en-US" altLang="zh-TW" dirty="0" smtClean="0">
+                <a:latin typeface="微軟正黑體" panose="020B0604030504040204" pitchFamily="34" charset="-120"/>
+                <a:ea typeface="微軟正黑體" panose="020B0604030504040204" pitchFamily="34" charset="-120"/>
+              </a:rPr>
+              <a:t>API</a:t>
+            </a:r>
+            <a:r>
+              <a:rPr lang="zh-TW" altLang="en-US" dirty="0" smtClean="0">
+                <a:latin typeface="微軟正黑體" panose="020B0604030504040204" pitchFamily="34" charset="-120"/>
+                <a:ea typeface="微軟正黑體" panose="020B0604030504040204" pitchFamily="34" charset="-120"/>
+              </a:rPr>
+              <a:t>與</a:t>
+            </a:r>
+            <a:r>
+              <a:rPr lang="zh-TW" altLang="en-US" dirty="0">
+                <a:latin typeface="微軟正黑體" panose="020B0604030504040204" pitchFamily="34" charset="-120"/>
+                <a:ea typeface="微軟正黑體" panose="020B0604030504040204" pitchFamily="34" charset="-120"/>
+              </a:rPr>
+              <a:t>後端進行通信。</a:t>
+            </a:r>
+            <a:endParaRPr lang="en-US" altLang="zh-TW" dirty="0" smtClean="0">
+              <a:latin typeface="微軟正黑體" panose="020B0604030504040204" pitchFamily="34" charset="-120"/>
+              <a:ea typeface="微軟正黑體" panose="020B0604030504040204" pitchFamily="34" charset="-120"/>
+            </a:endParaRPr>
+          </a:p>
           <a:p>
             <a:pPr defTabSz="914400">
               <a:spcBef>
@@ -13251,11 +13351,18 @@
               </a:defRPr>
             </a:pPr>
             <a:r>
+              <a:rPr lang="zh-TW" altLang="en-US" dirty="0" smtClean="0">
+                <a:latin typeface="微軟正黑體" panose="020B0604030504040204" pitchFamily="34" charset="-120"/>
+                <a:ea typeface="微軟正黑體" panose="020B0604030504040204" pitchFamily="34" charset="-120"/>
+              </a:rPr>
+              <a:t>後</a:t>
+            </a:r>
+            <a:r>
               <a:rPr lang="zh-TW" altLang="en-US" dirty="0">
                 <a:latin typeface="微軟正黑體" panose="020B0604030504040204" pitchFamily="34" charset="-120"/>
                 <a:ea typeface="微軟正黑體" panose="020B0604030504040204" pitchFamily="34" charset="-120"/>
               </a:rPr>
-              <a:t>後端不再渲染</a:t>
+              <a:t>端不再渲染</a:t>
             </a:r>
             <a:r>
               <a:rPr lang="en-US" altLang="zh-TW" dirty="0">
@@ -13469,8 +13576,8 @@
         </p:blipFill>
         <p:spPr>
           <a:xfrm>
-            <a:off x="6760297" y="2424128"/>
-            <a:ext cx="1926503" cy="3920068"/>
+            <a:off x="6760297" y="2133600"/>
+            <a:ext cx="2069282" cy="4210596"/>
           </a:xfrm>
           <a:prstGeom prst="rect">
             <a:avLst/>
@@ -13488,6 +13595,13 @@
     <a:masterClrMapping/>
   </p:clrMapOvr>
   <p:transition spd="med"/>
+  <p:timing>
+    <p:tnLst>
+      <p:par>
+        <p:cTn id="1" dur="indefinite" restart="never" nodeType="tmRoot"/>
+      </p:par>
+    </p:tnLst>
+  </p:timing>
 </p:sld>
 </file>
 
@@ -13553,6 +13667,13 @@
     <a:masterClrMapping/>
   </p:clrMapOvr>
   <p:transition spd="med"/>
+  <p:timing>
+    <p:tnLst>
+      <p:par>
+        <p:cTn id="1" dur="indefinite" restart="never" nodeType="tmRoot"/>
+      </p:par>
+    </p:tnLst>
+  </p:timing>
 </p:sld>
 </file>
 
@@ -14737,7 +14858,7 @@
           </a:ln>
           <a:extLst>
             <a:ext uri="{C572A759-6A51-4108-AA02-DFA0A04FC94B}">
-              <ma14:wrappingTextBoxFlag xmlns:ma14="http://schemas.microsoft.com/office/mac/drawingml/2011/main" xmlns:a14="http://schemas.microsoft.com/office/drawing/2010/main" xmlns:m="http://schemas.openxmlformats.org/officeDocument/2006/math" xmlns="" val="1"/>
+              <ma14:wrappingTextBoxFlag xmlns="" xmlns:m="http://schemas.openxmlformats.org/officeDocument/2006/math" xmlns:a14="http://schemas.microsoft.com/office/drawing/2010/main" xmlns:ma14="http://schemas.microsoft.com/office/mac/drawingml/2011/main" val="1"/>
             </a:ext>
           </a:extLst>
         </p:spPr>
@@ -15454,6 +15575,13 @@
     <a:masterClrMapping/>
   </p:clrMapOvr>
   <p:transition spd="med"/>
+  <p:timing>
+    <p:tnLst>
+      <p:par>
+        <p:cTn id="1" dur="indefinite" restart="never" nodeType="tmRoot"/>
+      </p:par>
+    </p:tnLst>
+  </p:timing>
 </p:sld>
 </file>
 
@@ -15619,6 +15747,13 @@
     <a:masterClrMapping/>
   </p:clrMapOvr>
   <p:transition spd="med"/>
+  <p:timing>
+    <p:tnLst>
+      <p:par>
+        <p:cTn id="1" dur="indefinite" restart="never" nodeType="tmRoot"/>
+      </p:par>
+    </p:tnLst>
+  </p:timing>
 </p:sld>
 </file>
 
@@ -15776,9 +15911,24 @@
                 <a:highlight>
                   <a:srgbClr val="FFFFFF"/>
                 </a:highlight>
-                <a:latin typeface="Arial" panose="020B0604020202020204" pitchFamily="34" charset="0"/>
-              </a:rPr>
-              <a:t>用來保護內部網路組織抵禦外部威脅。</a:t>
+                <a:latin typeface="微軟正黑體" panose="020B0604030504040204" pitchFamily="34" charset="-120"/>
+                <a:ea typeface="微軟正黑體" panose="020B0604030504040204" pitchFamily="34" charset="-120"/>
+              </a:rPr>
+              <a:t>用來保護內部網路組織抵禦外部</a:t>
+            </a:r>
+            <a:r>
+              <a:rPr lang="zh-TW" altLang="en-US" b="0" i="0" dirty="0" smtClean="0">
+                <a:solidFill>
+                  <a:srgbClr val="333333"/>
+                </a:solidFill>
+                <a:effectLst/>
+                <a:highlight>
+                  <a:srgbClr val="FFFFFF"/>
+                </a:highlight>
+                <a:latin typeface="微軟正黑體" panose="020B0604030504040204" pitchFamily="34" charset="-120"/>
+                <a:ea typeface="微軟正黑體" panose="020B0604030504040204" pitchFamily="34" charset="-120"/>
+              </a:rPr>
+              <a:t>威脅。</a:t>
             </a:r>
             <a:endParaRPr lang="en-US" altLang="zh-TW" b="0" i="0" dirty="0">
               <a:solidFill>
@@ -15788,7 +15938,8 @@
               <a:highlight>
                 <a:srgbClr val="FFFFFF"/>
               </a:highlight>
-              <a:latin typeface="Arial" panose="020B0604020202020204" pitchFamily="34" charset="0"/>
+              <a:latin typeface="微軟正黑體" panose="020B0604030504040204" pitchFamily="34" charset="-120"/>
+              <a:ea typeface="微軟正黑體" panose="020B0604030504040204" pitchFamily="34" charset="-120"/>
             </a:endParaRPr>
           </a:p>
           <a:p>
@@ -15838,7 +15989,17 @@
                 <a:latin typeface="微軟正黑體" panose="020B0604030504040204" pitchFamily="34" charset="-120"/>
                 <a:ea typeface="微軟正黑體" panose="020B0604030504040204" pitchFamily="34" charset="-120"/>
               </a:rPr>
-              <a:t>前端主機有對外連線服務。</a:t>
+              <a:t>前端主機有對外連線</a:t>
+            </a:r>
+            <a:r>
+              <a:rPr lang="zh-TW" altLang="en-US" dirty="0" smtClean="0">
+                <a:solidFill>
+                  <a:schemeClr val="tx1"/>
+                </a:solidFill>
+                <a:latin typeface="微軟正黑體" panose="020B0604030504040204" pitchFamily="34" charset="-120"/>
+                <a:ea typeface="微軟正黑體" panose="020B0604030504040204" pitchFamily="34" charset="-120"/>
+              </a:rPr>
+              <a:t>服務。</a:t>
             </a:r>
             <a:endParaRPr lang="en-US" altLang="zh-TW" dirty="0">
               <a:solidFill>
@@ -15897,6 +16058,13 @@
     <a:masterClrMapping/>
   </p:clrMapOvr>
   <p:transition spd="med"/>
+  <p:timing>
+    <p:tnLst>
+      <p:par>
+        <p:cTn id="1" dur="indefinite" restart="never" nodeType="tmRoot"/>
+      </p:par>
+    </p:tnLst>
+  </p:timing>
 </p:sld>
 </file>
 
@@ -16283,6 +16451,13 @@
     <a:masterClrMapping/>
   </p:clrMapOvr>
   <p:transition spd="med"/>
+  <p:timing>
+    <p:tnLst>
+      <p:par>
+        <p:cTn id="1" dur="indefinite" restart="never" nodeType="tmRoot"/>
+      </p:par>
+    </p:tnLst>
+  </p:timing>
 </p:sld>
 </file>
 
@@ -16577,6 +16752,16 @@
               </a:rPr>
               <a:t>，並根據請求內容執行相應的業務邏輯。</a:t>
             </a:r>
+            <a:r>
+              <a:rPr lang="en-US" altLang="zh-TW" dirty="0">
+                <a:solidFill>
+                  <a:schemeClr val="tx1"/>
+                </a:solidFill>
+                <a:latin typeface="微軟正黑體" panose="020B0604030504040204" pitchFamily="34" charset="-120"/>
+                <a:ea typeface="微軟正黑體" panose="020B0604030504040204" pitchFamily="34" charset="-120"/>
+              </a:rPr>
+              <a:t/>
+            </a:r>
             <a:br>
               <a:rPr lang="en-US" altLang="zh-TW" dirty="0">
                 <a:solidFill>
@@ -16677,6 +16862,13 @@
     <a:masterClrMapping/>
   </p:clrMapOvr>
   <p:transition spd="med"/>
+  <p:timing>
+    <p:tnLst>
+      <p:par>
+        <p:cTn id="1" dur="indefinite" restart="never" nodeType="tmRoot"/>
+      </p:par>
+    </p:tnLst>
+  </p:timing>
 </p:sld>
 </file>
 
@@ -16903,6 +17095,16 @@
                 <a:ea typeface="微軟正黑體" panose="020B0604030504040204" pitchFamily="34" charset="-120"/>
               </a:rPr>
               <a:t> 提供數據給後端主機</a:t>
+            </a:r>
+            <a:r>
+              <a:rPr lang="en-US" altLang="zh-TW" dirty="0">
+                <a:solidFill>
+                  <a:schemeClr val="tx1"/>
+                </a:solidFill>
+                <a:latin typeface="微軟正黑體" panose="020B0604030504040204" pitchFamily="34" charset="-120"/>
+                <a:ea typeface="微軟正黑體" panose="020B0604030504040204" pitchFamily="34" charset="-120"/>
+              </a:rPr>
+              <a:t/>
             </a:r>
             <a:br>
               <a:rPr lang="en-US" altLang="zh-TW" dirty="0">

--- a/期末報告/期末簡報_施詠舜.pptx
+++ b/期末報告/期末簡報_施詠舜.pptx
@@ -218,7 +218,7 @@
           <a:p>
             <a:fld id="{4850220F-07F6-4D17-A483-2B2CDA2CCD5E}" type="datetimeFigureOut">
               <a:rPr lang="zh-TW" altLang="en-US" smtClean="0"/>
-              <a:t>2024/10/22</a:t>
+              <a:t>2024/10/23</a:t>
             </a:fld>
             <a:endParaRPr lang="zh-TW" altLang="en-US"/>
           </a:p>
@@ -761,7 +761,7 @@
           <a:p>
             <a:fld id="{308767D9-3F77-4CD0-B6EF-E00D77286EC9}" type="datetimeFigureOut">
               <a:rPr lang="zh-TW" altLang="en-US" smtClean="0"/>
-              <a:t>2024/10/22</a:t>
+              <a:t>2024/10/23</a:t>
             </a:fld>
             <a:endParaRPr lang="zh-TW" altLang="en-US"/>
           </a:p>
@@ -931,7 +931,7 @@
           <a:p>
             <a:fld id="{308767D9-3F77-4CD0-B6EF-E00D77286EC9}" type="datetimeFigureOut">
               <a:rPr lang="zh-TW" altLang="en-US" smtClean="0"/>
-              <a:t>2024/10/22</a:t>
+              <a:t>2024/10/23</a:t>
             </a:fld>
             <a:endParaRPr lang="zh-TW" altLang="en-US"/>
           </a:p>
@@ -1111,7 +1111,7 @@
           <a:p>
             <a:fld id="{308767D9-3F77-4CD0-B6EF-E00D77286EC9}" type="datetimeFigureOut">
               <a:rPr lang="zh-TW" altLang="en-US" smtClean="0"/>
-              <a:t>2024/10/22</a:t>
+              <a:t>2024/10/23</a:t>
             </a:fld>
             <a:endParaRPr lang="zh-TW" altLang="en-US"/>
           </a:p>
@@ -5108,7 +5108,7 @@
           <a:p>
             <a:fld id="{308767D9-3F77-4CD0-B6EF-E00D77286EC9}" type="datetimeFigureOut">
               <a:rPr lang="zh-TW" altLang="en-US" smtClean="0"/>
-              <a:t>2024/10/22</a:t>
+              <a:t>2024/10/23</a:t>
             </a:fld>
             <a:endParaRPr lang="zh-TW" altLang="en-US"/>
           </a:p>
@@ -8716,7 +8716,7 @@
           <a:p>
             <a:fld id="{308767D9-3F77-4CD0-B6EF-E00D77286EC9}" type="datetimeFigureOut">
               <a:rPr lang="zh-TW" altLang="en-US" smtClean="0"/>
-              <a:t>2024/10/22</a:t>
+              <a:t>2024/10/23</a:t>
             </a:fld>
             <a:endParaRPr lang="zh-TW" altLang="en-US"/>
           </a:p>
@@ -8948,7 +8948,7 @@
           <a:p>
             <a:fld id="{308767D9-3F77-4CD0-B6EF-E00D77286EC9}" type="datetimeFigureOut">
               <a:rPr lang="zh-TW" altLang="en-US" smtClean="0"/>
-              <a:t>2024/10/22</a:t>
+              <a:t>2024/10/23</a:t>
             </a:fld>
             <a:endParaRPr lang="zh-TW" altLang="en-US"/>
           </a:p>
@@ -9315,7 +9315,7 @@
           <a:p>
             <a:fld id="{308767D9-3F77-4CD0-B6EF-E00D77286EC9}" type="datetimeFigureOut">
               <a:rPr lang="zh-TW" altLang="en-US" smtClean="0"/>
-              <a:t>2024/10/22</a:t>
+              <a:t>2024/10/23</a:t>
             </a:fld>
             <a:endParaRPr lang="zh-TW" altLang="en-US"/>
           </a:p>
@@ -9433,7 +9433,7 @@
           <a:p>
             <a:fld id="{308767D9-3F77-4CD0-B6EF-E00D77286EC9}" type="datetimeFigureOut">
               <a:rPr lang="zh-TW" altLang="en-US" smtClean="0"/>
-              <a:t>2024/10/22</a:t>
+              <a:t>2024/10/23</a:t>
             </a:fld>
             <a:endParaRPr lang="zh-TW" altLang="en-US"/>
           </a:p>
@@ -9528,7 +9528,7 @@
           <a:p>
             <a:fld id="{308767D9-3F77-4CD0-B6EF-E00D77286EC9}" type="datetimeFigureOut">
               <a:rPr lang="zh-TW" altLang="en-US" smtClean="0"/>
-              <a:t>2024/10/22</a:t>
+              <a:t>2024/10/23</a:t>
             </a:fld>
             <a:endParaRPr lang="zh-TW" altLang="en-US"/>
           </a:p>
@@ -9805,7 +9805,7 @@
           <a:p>
             <a:fld id="{308767D9-3F77-4CD0-B6EF-E00D77286EC9}" type="datetimeFigureOut">
               <a:rPr lang="zh-TW" altLang="en-US" smtClean="0"/>
-              <a:t>2024/10/22</a:t>
+              <a:t>2024/10/23</a:t>
             </a:fld>
             <a:endParaRPr lang="zh-TW" altLang="en-US"/>
           </a:p>
@@ -10062,7 +10062,7 @@
           <a:p>
             <a:fld id="{308767D9-3F77-4CD0-B6EF-E00D77286EC9}" type="datetimeFigureOut">
               <a:rPr lang="zh-TW" altLang="en-US" smtClean="0"/>
-              <a:t>2024/10/22</a:t>
+              <a:t>2024/10/23</a:t>
             </a:fld>
             <a:endParaRPr lang="zh-TW" altLang="en-US"/>
           </a:p>
@@ -10275,7 +10275,7 @@
           <a:p>
             <a:fld id="{308767D9-3F77-4CD0-B6EF-E00D77286EC9}" type="datetimeFigureOut">
               <a:rPr lang="zh-TW" altLang="en-US" smtClean="0"/>
-              <a:t>2024/10/22</a:t>
+              <a:t>2024/10/23</a:t>
             </a:fld>
             <a:endParaRPr lang="zh-TW" altLang="en-US"/>
           </a:p>
@@ -10739,7 +10739,7 @@
           </a:ln>
           <a:extLst>
             <a:ext uri="{C572A759-6A51-4108-AA02-DFA0A04FC94B}">
-              <ma14:wrappingTextBoxFlag xmlns="" xmlns:m="http://schemas.openxmlformats.org/officeDocument/2006/math" xmlns:a14="http://schemas.microsoft.com/office/drawing/2010/main" xmlns:ma14="http://schemas.microsoft.com/office/mac/drawingml/2011/main" val="1"/>
+              <ma14:wrappingTextBoxFlag xmlns:ma14="http://schemas.microsoft.com/office/mac/drawingml/2011/main" xmlns:a14="http://schemas.microsoft.com/office/drawing/2010/main" xmlns:m="http://schemas.openxmlformats.org/officeDocument/2006/math" xmlns="" val="1"/>
             </a:ext>
           </a:extLst>
         </p:spPr>
@@ -11996,7 +11996,7 @@
           </a:ln>
           <a:extLst>
             <a:ext uri="{C572A759-6A51-4108-AA02-DFA0A04FC94B}">
-              <ma14:wrappingTextBoxFlag xmlns="" xmlns:m="http://schemas.openxmlformats.org/officeDocument/2006/math" xmlns:a14="http://schemas.microsoft.com/office/drawing/2010/main" xmlns:ma14="http://schemas.microsoft.com/office/mac/drawingml/2011/main" val="1"/>
+              <ma14:wrappingTextBoxFlag xmlns:ma14="http://schemas.microsoft.com/office/mac/drawingml/2011/main" xmlns:a14="http://schemas.microsoft.com/office/drawing/2010/main" xmlns:m="http://schemas.openxmlformats.org/officeDocument/2006/math" xmlns="" val="1"/>
             </a:ext>
           </a:extLst>
         </p:spPr>
@@ -12290,6 +12290,56 @@
           <a:bodyPr/>
           <a:lstStyle/>
           <a:p>
+            <a:pPr>
+              <a:spcBef>
+                <a:spcPts val="2200"/>
+              </a:spcBef>
+              <a:buClrTx/>
+              <a:buSzPct val="100000"/>
+              <a:buFont typeface="Wingdings" panose="05000000000000000000" pitchFamily="2" charset="2"/>
+              <a:buChar char="n"/>
+              <a:defRPr>
+                <a:solidFill>
+                  <a:srgbClr val="000000"/>
+                </a:solidFill>
+                <a:latin typeface="PingFang TC Semibold"/>
+                <a:ea typeface="PingFang TC Semibold"/>
+                <a:cs typeface="PingFang TC Semibold"/>
+                <a:sym typeface="PingFang TC Semibold"/>
+              </a:defRPr>
+            </a:pPr>
+            <a:r>
+              <a:rPr lang="en-US" altLang="zh-TW" dirty="0">
+                <a:solidFill>
+                  <a:schemeClr val="tx1"/>
+                </a:solidFill>
+                <a:latin typeface="微軟正黑體" panose="020B0604030504040204" pitchFamily="34" charset="-120"/>
+                <a:ea typeface="微軟正黑體" panose="020B0604030504040204" pitchFamily="34" charset="-120"/>
+              </a:rPr>
+              <a:t>SQL</a:t>
+            </a:r>
+            <a:r>
+              <a:rPr lang="zh-TW" altLang="en-US" dirty="0">
+                <a:solidFill>
+                  <a:schemeClr val="tx1"/>
+                </a:solidFill>
+                <a:latin typeface="微軟正黑體" panose="020B0604030504040204" pitchFamily="34" charset="-120"/>
+                <a:ea typeface="微軟正黑體" panose="020B0604030504040204" pitchFamily="34" charset="-120"/>
+              </a:rPr>
+              <a:t> </a:t>
+            </a:r>
+            <a:r>
+              <a:rPr lang="en-US" altLang="zh-TW" dirty="0">
+                <a:solidFill>
+                  <a:schemeClr val="tx1"/>
+                </a:solidFill>
+                <a:latin typeface="微軟正黑體" panose="020B0604030504040204" pitchFamily="34" charset="-120"/>
+                <a:ea typeface="微軟正黑體" panose="020B0604030504040204" pitchFamily="34" charset="-120"/>
+              </a:rPr>
+              <a:t>server</a:t>
+            </a:r>
+          </a:p>
+          <a:p>
             <a:pPr defTabSz="914400">
               <a:spcBef>
                 <a:spcPts val="2200"/>
@@ -12318,16 +12368,6 @@
               </a:rPr>
               <a:t>網站後台</a:t>
             </a:r>
-            <a:r>
-              <a:rPr lang="en-US" altLang="zh-TW" dirty="0">
-                <a:solidFill>
-                  <a:schemeClr val="tx1"/>
-                </a:solidFill>
-                <a:latin typeface="微軟正黑體" panose="020B0604030504040204" pitchFamily="34" charset="-120"/>
-                <a:ea typeface="微軟正黑體" panose="020B0604030504040204" pitchFamily="34" charset="-120"/>
-              </a:rPr>
-              <a:t/>
-            </a:r>
             <a:br>
               <a:rPr lang="en-US" altLang="zh-TW" dirty="0">
                 <a:solidFill>
@@ -12366,56 +12406,6 @@
                 <a:ea typeface="微軟正黑體" panose="020B0604030504040204" pitchFamily="34" charset="-120"/>
               </a:rPr>
               <a:t>)</a:t>
-            </a:r>
-          </a:p>
-          <a:p>
-            <a:pPr>
-              <a:spcBef>
-                <a:spcPts val="2200"/>
-              </a:spcBef>
-              <a:buClrTx/>
-              <a:buSzPct val="100000"/>
-              <a:buFont typeface="Wingdings" panose="05000000000000000000" pitchFamily="2" charset="2"/>
-              <a:buChar char="n"/>
-              <a:defRPr>
-                <a:solidFill>
-                  <a:srgbClr val="000000"/>
-                </a:solidFill>
-                <a:latin typeface="PingFang TC Semibold"/>
-                <a:ea typeface="PingFang TC Semibold"/>
-                <a:cs typeface="PingFang TC Semibold"/>
-                <a:sym typeface="PingFang TC Semibold"/>
-              </a:defRPr>
-            </a:pPr>
-            <a:r>
-              <a:rPr lang="en-US" altLang="zh-TW" dirty="0">
-                <a:solidFill>
-                  <a:schemeClr val="tx1"/>
-                </a:solidFill>
-                <a:latin typeface="微軟正黑體" panose="020B0604030504040204" pitchFamily="34" charset="-120"/>
-                <a:ea typeface="微軟正黑體" panose="020B0604030504040204" pitchFamily="34" charset="-120"/>
-              </a:rPr>
-              <a:t>SQL</a:t>
-            </a:r>
-            <a:r>
-              <a:rPr lang="zh-TW" altLang="en-US" dirty="0">
-                <a:solidFill>
-                  <a:schemeClr val="tx1"/>
-                </a:solidFill>
-                <a:latin typeface="微軟正黑體" panose="020B0604030504040204" pitchFamily="34" charset="-120"/>
-                <a:ea typeface="微軟正黑體" panose="020B0604030504040204" pitchFamily="34" charset="-120"/>
-              </a:rPr>
-              <a:t> </a:t>
-            </a:r>
-            <a:r>
-              <a:rPr lang="en-US" altLang="zh-TW" dirty="0">
-                <a:solidFill>
-                  <a:schemeClr val="tx1"/>
-                </a:solidFill>
-                <a:latin typeface="微軟正黑體" panose="020B0604030504040204" pitchFamily="34" charset="-120"/>
-                <a:ea typeface="微軟正黑體" panose="020B0604030504040204" pitchFamily="34" charset="-120"/>
-              </a:rPr>
-              <a:t>server</a:t>
             </a:r>
           </a:p>
           <a:p>
@@ -12738,16 +12728,6 @@
               </a:rPr>
               <a:t>一站式架構</a:t>
             </a:r>
-            <a:r>
-              <a:rPr lang="en-US" altLang="zh-TW" sz="6000" dirty="0">
-                <a:solidFill>
-                  <a:srgbClr val="C08225"/>
-                </a:solidFill>
-                <a:latin typeface="微軟正黑體" panose="020B0604030504040204" pitchFamily="34" charset="-120"/>
-                <a:ea typeface="微軟正黑體" panose="020B0604030504040204" pitchFamily="34" charset="-120"/>
-              </a:rPr>
-              <a:t/>
-            </a:r>
             <a:br>
               <a:rPr lang="en-US" altLang="zh-TW" sz="6000" dirty="0">
                 <a:solidFill>
@@ -13131,13 +13111,6 @@
     <a:masterClrMapping/>
   </p:clrMapOvr>
   <p:transition spd="med"/>
-  <p:timing>
-    <p:tnLst>
-      <p:par>
-        <p:cTn id="1" dur="indefinite" restart="never" nodeType="tmRoot"/>
-      </p:par>
-    </p:tnLst>
-  </p:timing>
 </p:sld>
 </file>
 
@@ -13282,51 +13255,23 @@
                 <a:latin typeface="微軟正黑體" panose="020B0604030504040204" pitchFamily="34" charset="-120"/>
                 <a:ea typeface="微軟正黑體" panose="020B0604030504040204" pitchFamily="34" charset="-120"/>
               </a:rPr>
-              <a:t>前後端分離：前端和後端被分開成獨立的模塊或</a:t>
-            </a:r>
-            <a:r>
-              <a:rPr lang="zh-TW" altLang="en-US" dirty="0" smtClean="0">
-                <a:latin typeface="微軟正黑體" panose="020B0604030504040204" pitchFamily="34" charset="-120"/>
-                <a:ea typeface="微軟正黑體" panose="020B0604030504040204" pitchFamily="34" charset="-120"/>
-              </a:rPr>
-              <a:t>應用程式，</a:t>
+              <a:t>前後端分離：前端和後端被分開成獨立的模塊或應用程式，前端通過 </a:t>
+            </a:r>
+            <a:r>
+              <a:rPr lang="en-US" altLang="zh-TW" dirty="0">
+                <a:latin typeface="微軟正黑體" panose="020B0604030504040204" pitchFamily="34" charset="-120"/>
+                <a:ea typeface="微軟正黑體" panose="020B0604030504040204" pitchFamily="34" charset="-120"/>
+              </a:rPr>
+              <a:t>API</a:t>
             </a:r>
             <a:r>
               <a:rPr lang="zh-TW" altLang="en-US" dirty="0">
                 <a:latin typeface="微軟正黑體" panose="020B0604030504040204" pitchFamily="34" charset="-120"/>
                 <a:ea typeface="微軟正黑體" panose="020B0604030504040204" pitchFamily="34" charset="-120"/>
               </a:rPr>
-              <a:t>前</a:t>
-            </a:r>
-            <a:r>
-              <a:rPr lang="zh-TW" altLang="en-US" dirty="0" smtClean="0">
-                <a:latin typeface="微軟正黑體" panose="020B0604030504040204" pitchFamily="34" charset="-120"/>
-                <a:ea typeface="微軟正黑體" panose="020B0604030504040204" pitchFamily="34" charset="-120"/>
-              </a:rPr>
-              <a:t>端通過 </a:t>
-            </a:r>
-            <a:r>
-              <a:rPr lang="en-US" altLang="zh-TW" dirty="0" smtClean="0">
-                <a:latin typeface="微軟正黑體" panose="020B0604030504040204" pitchFamily="34" charset="-120"/>
-                <a:ea typeface="微軟正黑體" panose="020B0604030504040204" pitchFamily="34" charset="-120"/>
-              </a:rPr>
-              <a:t>API</a:t>
-            </a:r>
-            <a:r>
-              <a:rPr lang="zh-TW" altLang="en-US" dirty="0" smtClean="0">
-                <a:latin typeface="微軟正黑體" panose="020B0604030504040204" pitchFamily="34" charset="-120"/>
-                <a:ea typeface="微軟正黑體" panose="020B0604030504040204" pitchFamily="34" charset="-120"/>
-              </a:rPr>
-              <a:t>與</a:t>
-            </a:r>
-            <a:r>
-              <a:rPr lang="zh-TW" altLang="en-US" dirty="0">
-                <a:latin typeface="微軟正黑體" panose="020B0604030504040204" pitchFamily="34" charset="-120"/>
-                <a:ea typeface="微軟正黑體" panose="020B0604030504040204" pitchFamily="34" charset="-120"/>
-              </a:rPr>
-              <a:t>後端進行通信。</a:t>
-            </a:r>
-            <a:endParaRPr lang="en-US" altLang="zh-TW" dirty="0" smtClean="0">
+              <a:t>與後端進行通信。</a:t>
+            </a:r>
+            <a:endParaRPr lang="en-US" altLang="zh-TW" dirty="0">
               <a:latin typeface="微軟正黑體" panose="020B0604030504040204" pitchFamily="34" charset="-120"/>
               <a:ea typeface="微軟正黑體" panose="020B0604030504040204" pitchFamily="34" charset="-120"/>
             </a:endParaRPr>
@@ -13351,18 +13296,11 @@
               </a:defRPr>
             </a:pPr>
             <a:r>
-              <a:rPr lang="zh-TW" altLang="en-US" dirty="0" smtClean="0">
-                <a:latin typeface="微軟正黑體" panose="020B0604030504040204" pitchFamily="34" charset="-120"/>
-                <a:ea typeface="微軟正黑體" panose="020B0604030504040204" pitchFamily="34" charset="-120"/>
-              </a:rPr>
-              <a:t>後</a:t>
-            </a:r>
-            <a:r>
               <a:rPr lang="zh-TW" altLang="en-US" dirty="0">
                 <a:latin typeface="微軟正黑體" panose="020B0604030504040204" pitchFamily="34" charset="-120"/>
                 <a:ea typeface="微軟正黑體" panose="020B0604030504040204" pitchFamily="34" charset="-120"/>
               </a:rPr>
-              <a:t>端不再渲染</a:t>
+              <a:t>後端不再渲染</a:t>
             </a:r>
             <a:r>
               <a:rPr lang="en-US" altLang="zh-TW" dirty="0">
@@ -13595,13 +13533,6 @@
     <a:masterClrMapping/>
   </p:clrMapOvr>
   <p:transition spd="med"/>
-  <p:timing>
-    <p:tnLst>
-      <p:par>
-        <p:cTn id="1" dur="indefinite" restart="never" nodeType="tmRoot"/>
-      </p:par>
-    </p:tnLst>
-  </p:timing>
 </p:sld>
 </file>
 
@@ -13667,13 +13598,6 @@
     <a:masterClrMapping/>
   </p:clrMapOvr>
   <p:transition spd="med"/>
-  <p:timing>
-    <p:tnLst>
-      <p:par>
-        <p:cTn id="1" dur="indefinite" restart="never" nodeType="tmRoot"/>
-      </p:par>
-    </p:tnLst>
-  </p:timing>
 </p:sld>
 </file>
 
@@ -14194,6 +14118,10 @@
           </p:nvPr>
         </p:nvSpPr>
         <p:spPr>
+          <a:xfrm>
+            <a:off x="457200" y="1600200"/>
+            <a:ext cx="3834245" cy="5257800"/>
+          </a:xfrm>
           <a:prstGeom prst="rect">
             <a:avLst/>
           </a:prstGeom>
@@ -14270,7 +14198,7 @@
                 <a:latin typeface="微軟正黑體" panose="020B0604030504040204" pitchFamily="34" charset="-120"/>
                 <a:ea typeface="微軟正黑體" panose="020B0604030504040204" pitchFamily="34" charset="-120"/>
               </a:rPr>
-              <a:t>後端</a:t>
+              <a:t> 後端</a:t>
             </a:r>
             <a:r>
               <a:rPr lang="en-US" altLang="zh-TW" dirty="0">
@@ -14407,6 +14335,36 @@
           </a:p>
         </p:txBody>
       </p:sp>
+      <p:pic>
+        <p:nvPicPr>
+          <p:cNvPr id="5" name="圖片 4">
+            <a:extLst>
+              <a:ext uri="{FF2B5EF4-FFF2-40B4-BE49-F238E27FC236}">
+                <a16:creationId xmlns:a16="http://schemas.microsoft.com/office/drawing/2014/main" id="{2D4F9E61-F7B4-86BA-C82E-0ABEEC7BCA67}"/>
+              </a:ext>
+            </a:extLst>
+          </p:cNvPr>
+          <p:cNvPicPr>
+            <a:picLocks noChangeAspect="1"/>
+          </p:cNvPicPr>
+          <p:nvPr/>
+        </p:nvPicPr>
+        <p:blipFill>
+          <a:blip r:embed="rId2"/>
+          <a:stretch>
+            <a:fillRect/>
+          </a:stretch>
+        </p:blipFill>
+        <p:spPr>
+          <a:xfrm>
+            <a:off x="4445762" y="2015836"/>
+            <a:ext cx="4698238" cy="3487023"/>
+          </a:xfrm>
+          <a:prstGeom prst="rect">
+            <a:avLst/>
+          </a:prstGeom>
+        </p:spPr>
+      </p:pic>
     </p:spTree>
     <p:extLst>
       <p:ext uri="{BB962C8B-B14F-4D97-AF65-F5344CB8AC3E}">
@@ -14858,7 +14816,7 @@
           </a:ln>
           <a:extLst>
             <a:ext uri="{C572A759-6A51-4108-AA02-DFA0A04FC94B}">
-              <ma14:wrappingTextBoxFlag xmlns="" xmlns:m="http://schemas.openxmlformats.org/officeDocument/2006/math" xmlns:a14="http://schemas.microsoft.com/office/drawing/2010/main" xmlns:ma14="http://schemas.microsoft.com/office/mac/drawingml/2011/main" val="1"/>
+              <ma14:wrappingTextBoxFlag xmlns:ma14="http://schemas.microsoft.com/office/mac/drawingml/2011/main" xmlns:a14="http://schemas.microsoft.com/office/drawing/2010/main" xmlns:m="http://schemas.openxmlformats.org/officeDocument/2006/math" xmlns="" val="1"/>
             </a:ext>
           </a:extLst>
         </p:spPr>
@@ -15575,13 +15533,6 @@
     <a:masterClrMapping/>
   </p:clrMapOvr>
   <p:transition spd="med"/>
-  <p:timing>
-    <p:tnLst>
-      <p:par>
-        <p:cTn id="1" dur="indefinite" restart="never" nodeType="tmRoot"/>
-      </p:par>
-    </p:tnLst>
-  </p:timing>
 </p:sld>
 </file>
 
@@ -15702,10 +15653,10 @@
       </p:sp>
       <p:pic>
         <p:nvPicPr>
-          <p:cNvPr id="8" name="圖片 7">
+          <p:cNvPr id="3" name="圖片 2">
             <a:extLst>
               <a:ext uri="{FF2B5EF4-FFF2-40B4-BE49-F238E27FC236}">
-                <a16:creationId xmlns:a16="http://schemas.microsoft.com/office/drawing/2014/main" id="{9DD9A3D0-BBC0-8E5C-DBBB-E5927E9B1C84}"/>
+                <a16:creationId xmlns:a16="http://schemas.microsoft.com/office/drawing/2014/main" id="{C0B230F7-ADB3-0C73-0677-47B976EE69C9}"/>
               </a:ext>
             </a:extLst>
           </p:cNvPr>
@@ -15728,8 +15679,8 @@
         </p:blipFill>
         <p:spPr>
           <a:xfrm>
-            <a:off x="954067" y="1210769"/>
-            <a:ext cx="7056458" cy="5647231"/>
+            <a:off x="457200" y="1245862"/>
+            <a:ext cx="7244200" cy="5612138"/>
           </a:xfrm>
           <a:prstGeom prst="rect">
             <a:avLst/>
@@ -15747,13 +15698,6 @@
     <a:masterClrMapping/>
   </p:clrMapOvr>
   <p:transition spd="med"/>
-  <p:timing>
-    <p:tnLst>
-      <p:par>
-        <p:cTn id="1" dur="indefinite" restart="never" nodeType="tmRoot"/>
-      </p:par>
-    </p:tnLst>
-  </p:timing>
 </p:sld>
 </file>
 
@@ -15914,21 +15858,7 @@
                 <a:latin typeface="微軟正黑體" panose="020B0604030504040204" pitchFamily="34" charset="-120"/>
                 <a:ea typeface="微軟正黑體" panose="020B0604030504040204" pitchFamily="34" charset="-120"/>
               </a:rPr>
-              <a:t>用來保護內部網路組織抵禦外部</a:t>
-            </a:r>
-            <a:r>
-              <a:rPr lang="zh-TW" altLang="en-US" b="0" i="0" dirty="0" smtClean="0">
-                <a:solidFill>
-                  <a:srgbClr val="333333"/>
-                </a:solidFill>
-                <a:effectLst/>
-                <a:highlight>
-                  <a:srgbClr val="FFFFFF"/>
-                </a:highlight>
-                <a:latin typeface="微軟正黑體" panose="020B0604030504040204" pitchFamily="34" charset="-120"/>
-                <a:ea typeface="微軟正黑體" panose="020B0604030504040204" pitchFamily="34" charset="-120"/>
-              </a:rPr>
-              <a:t>威脅。</a:t>
+              <a:t>用來保護內部網路組織抵禦外部威脅。</a:t>
             </a:r>
             <a:endParaRPr lang="en-US" altLang="zh-TW" b="0" i="0" dirty="0">
               <a:solidFill>
@@ -15989,17 +15919,7 @@
                 <a:latin typeface="微軟正黑體" panose="020B0604030504040204" pitchFamily="34" charset="-120"/>
                 <a:ea typeface="微軟正黑體" panose="020B0604030504040204" pitchFamily="34" charset="-120"/>
               </a:rPr>
-              <a:t>前端主機有對外連線</a:t>
-            </a:r>
-            <a:r>
-              <a:rPr lang="zh-TW" altLang="en-US" dirty="0" smtClean="0">
-                <a:solidFill>
-                  <a:schemeClr val="tx1"/>
-                </a:solidFill>
-                <a:latin typeface="微軟正黑體" panose="020B0604030504040204" pitchFamily="34" charset="-120"/>
-                <a:ea typeface="微軟正黑體" panose="020B0604030504040204" pitchFamily="34" charset="-120"/>
-              </a:rPr>
-              <a:t>服務。</a:t>
+              <a:t>前端主機有對外連線服務。</a:t>
             </a:r>
             <a:endParaRPr lang="en-US" altLang="zh-TW" dirty="0">
               <a:solidFill>
@@ -16013,10 +15933,10 @@
       </p:sp>
       <p:pic>
         <p:nvPicPr>
-          <p:cNvPr id="7" name="圖片 6">
+          <p:cNvPr id="3" name="圖片 2">
             <a:extLst>
               <a:ext uri="{FF2B5EF4-FFF2-40B4-BE49-F238E27FC236}">
-                <a16:creationId xmlns:a16="http://schemas.microsoft.com/office/drawing/2014/main" id="{0E554734-4EE7-B125-5B10-5F187D13C40E}"/>
+                <a16:creationId xmlns:a16="http://schemas.microsoft.com/office/drawing/2014/main" id="{C3C053BA-B5D1-E1F9-B2EB-E645970AA282}"/>
               </a:ext>
             </a:extLst>
           </p:cNvPr>
@@ -16039,8 +15959,8 @@
         </p:blipFill>
         <p:spPr>
           <a:xfrm>
-            <a:off x="1677967" y="2720081"/>
-            <a:ext cx="5170508" cy="4137919"/>
+            <a:off x="1691982" y="2688407"/>
+            <a:ext cx="5382149" cy="4169593"/>
           </a:xfrm>
           <a:prstGeom prst="rect">
             <a:avLst/>
@@ -16058,13 +15978,6 @@
     <a:masterClrMapping/>
   </p:clrMapOvr>
   <p:transition spd="med"/>
-  <p:timing>
-    <p:tnLst>
-      <p:par>
-        <p:cTn id="1" dur="indefinite" restart="never" nodeType="tmRoot"/>
-      </p:par>
-    </p:tnLst>
-  </p:timing>
 </p:sld>
 </file>
 
@@ -16451,13 +16364,6 @@
     <a:masterClrMapping/>
   </p:clrMapOvr>
   <p:transition spd="med"/>
-  <p:timing>
-    <p:tnLst>
-      <p:par>
-        <p:cTn id="1" dur="indefinite" restart="never" nodeType="tmRoot"/>
-      </p:par>
-    </p:tnLst>
-  </p:timing>
 </p:sld>
 </file>
 
@@ -16752,16 +16658,6 @@
               </a:rPr>
               <a:t>，並根據請求內容執行相應的業務邏輯。</a:t>
             </a:r>
-            <a:r>
-              <a:rPr lang="en-US" altLang="zh-TW" dirty="0">
-                <a:solidFill>
-                  <a:schemeClr val="tx1"/>
-                </a:solidFill>
-                <a:latin typeface="微軟正黑體" panose="020B0604030504040204" pitchFamily="34" charset="-120"/>
-                <a:ea typeface="微軟正黑體" panose="020B0604030504040204" pitchFamily="34" charset="-120"/>
-              </a:rPr>
-              <a:t/>
-            </a:r>
             <a:br>
               <a:rPr lang="en-US" altLang="zh-TW" dirty="0">
                 <a:solidFill>
@@ -16862,13 +16758,6 @@
     <a:masterClrMapping/>
   </p:clrMapOvr>
   <p:transition spd="med"/>
-  <p:timing>
-    <p:tnLst>
-      <p:par>
-        <p:cTn id="1" dur="indefinite" restart="never" nodeType="tmRoot"/>
-      </p:par>
-    </p:tnLst>
-  </p:timing>
 </p:sld>
 </file>
 
@@ -17095,16 +16984,6 @@
                 <a:ea typeface="微軟正黑體" panose="020B0604030504040204" pitchFamily="34" charset="-120"/>
               </a:rPr>
               <a:t> 提供數據給後端主機</a:t>
-            </a:r>
-            <a:r>
-              <a:rPr lang="en-US" altLang="zh-TW" dirty="0">
-                <a:solidFill>
-                  <a:schemeClr val="tx1"/>
-                </a:solidFill>
-                <a:latin typeface="微軟正黑體" panose="020B0604030504040204" pitchFamily="34" charset="-120"/>
-                <a:ea typeface="微軟正黑體" panose="020B0604030504040204" pitchFamily="34" charset="-120"/>
-              </a:rPr>
-              <a:t/>
             </a:r>
             <a:br>
               <a:rPr lang="en-US" altLang="zh-TW" dirty="0">
@@ -17439,7 +17318,27 @@
                 <a:latin typeface="微軟正黑體" panose="020B0604030504040204" pitchFamily="34" charset="-120"/>
                 <a:ea typeface="微軟正黑體" panose="020B0604030504040204" pitchFamily="34" charset="-120"/>
               </a:rPr>
-              <a:t>處理不同資料來源的工作進行排程</a:t>
+              <a:t>主要功能</a:t>
+            </a:r>
+            <a:r>
+              <a:rPr lang="en-US" altLang="zh-TW" dirty="0">
+                <a:solidFill>
+                  <a:schemeClr val="tx1"/>
+                </a:solidFill>
+                <a:latin typeface="微軟正黑體" panose="020B0604030504040204" pitchFamily="34" charset="-120"/>
+                <a:ea typeface="微軟正黑體" panose="020B0604030504040204" pitchFamily="34" charset="-120"/>
+              </a:rPr>
+              <a:t>:</a:t>
+            </a:r>
+            <a:r>
+              <a:rPr lang="zh-TW" altLang="en-US" dirty="0">
+                <a:solidFill>
+                  <a:schemeClr val="tx1"/>
+                </a:solidFill>
+                <a:latin typeface="微軟正黑體" panose="020B0604030504040204" pitchFamily="34" charset="-120"/>
+                <a:ea typeface="微軟正黑體" panose="020B0604030504040204" pitchFamily="34" charset="-120"/>
+              </a:rPr>
+              <a:t> 處理不同資料來源的工作進行排程</a:t>
             </a:r>
             <a:endParaRPr lang="en-US" altLang="zh-TW" dirty="0">
               <a:solidFill>
